--- a/PPT/DeepLearning09-Keras.pptx
+++ b/PPT/DeepLearning09-Keras.pptx
@@ -23,32 +23,32 @@
     <p:sldId id="331" r:id="rId11"/>
     <p:sldId id="300" r:id="rId12"/>
     <p:sldId id="332" r:id="rId13"/>
-    <p:sldId id="301" r:id="rId14"/>
-    <p:sldId id="334" r:id="rId15"/>
-    <p:sldId id="302" r:id="rId16"/>
-    <p:sldId id="333" r:id="rId17"/>
-    <p:sldId id="316" r:id="rId18"/>
-    <p:sldId id="303" r:id="rId19"/>
-    <p:sldId id="304" r:id="rId20"/>
-    <p:sldId id="336" r:id="rId21"/>
-    <p:sldId id="335" r:id="rId22"/>
-    <p:sldId id="337" r:id="rId23"/>
-    <p:sldId id="338" r:id="rId24"/>
-    <p:sldId id="339" r:id="rId25"/>
-    <p:sldId id="340" r:id="rId26"/>
-    <p:sldId id="341" r:id="rId27"/>
-    <p:sldId id="350" r:id="rId28"/>
-    <p:sldId id="342" r:id="rId29"/>
-    <p:sldId id="343" r:id="rId30"/>
-    <p:sldId id="344" r:id="rId31"/>
-    <p:sldId id="345" r:id="rId32"/>
-    <p:sldId id="346" r:id="rId33"/>
-    <p:sldId id="347" r:id="rId34"/>
-    <p:sldId id="348" r:id="rId35"/>
-    <p:sldId id="349" r:id="rId36"/>
-    <p:sldId id="305" r:id="rId37"/>
-    <p:sldId id="306" r:id="rId38"/>
-    <p:sldId id="353" r:id="rId39"/>
+    <p:sldId id="359" r:id="rId14"/>
+    <p:sldId id="301" r:id="rId15"/>
+    <p:sldId id="334" r:id="rId16"/>
+    <p:sldId id="302" r:id="rId17"/>
+    <p:sldId id="333" r:id="rId18"/>
+    <p:sldId id="316" r:id="rId19"/>
+    <p:sldId id="303" r:id="rId20"/>
+    <p:sldId id="304" r:id="rId21"/>
+    <p:sldId id="336" r:id="rId22"/>
+    <p:sldId id="335" r:id="rId23"/>
+    <p:sldId id="337" r:id="rId24"/>
+    <p:sldId id="338" r:id="rId25"/>
+    <p:sldId id="339" r:id="rId26"/>
+    <p:sldId id="340" r:id="rId27"/>
+    <p:sldId id="341" r:id="rId28"/>
+    <p:sldId id="350" r:id="rId29"/>
+    <p:sldId id="342" r:id="rId30"/>
+    <p:sldId id="343" r:id="rId31"/>
+    <p:sldId id="344" r:id="rId32"/>
+    <p:sldId id="345" r:id="rId33"/>
+    <p:sldId id="346" r:id="rId34"/>
+    <p:sldId id="347" r:id="rId35"/>
+    <p:sldId id="348" r:id="rId36"/>
+    <p:sldId id="349" r:id="rId37"/>
+    <p:sldId id="305" r:id="rId38"/>
+    <p:sldId id="306" r:id="rId39"/>
     <p:sldId id="351" r:id="rId40"/>
     <p:sldId id="352" r:id="rId41"/>
     <p:sldId id="354" r:id="rId42"/>
@@ -3734,13 +3734,8 @@
             <a:pPr eaLnBrk="1" hangingPunct="1"/>
             <a:r>
               <a:rPr lang="fr-FR" altLang="fr-FR" dirty="0" smtClean="0"/>
-              <a:t>Chapitre </a:t>
-            </a:r>
-            <a:r>
-              <a:rPr lang="fr-FR" altLang="fr-FR" dirty="0" smtClean="0"/>
-              <a:t>9</a:t>
-            </a:r>
-            <a:endParaRPr lang="fr-FR" altLang="fr-FR" dirty="0" smtClean="0"/>
+              <a:t>Chapitre 9</a:t>
+            </a:r>
           </a:p>
           <a:p>
             <a:pPr eaLnBrk="1" hangingPunct="1"/>
@@ -4037,6 +4032,13 @@
   <p:clrMapOvr>
     <a:masterClrMapping/>
   </p:clrMapOvr>
+  <p:timing>
+    <p:tnLst>
+      <p:par>
+        <p:cTn id="1" dur="indefinite" restart="never" nodeType="tmRoot"/>
+      </p:par>
+    </p:tnLst>
+  </p:timing>
 </p:sld>
 </file>
 
@@ -4193,13 +4195,8 @@
             <a:pPr lvl="1"/>
             <a:r>
               <a:rPr lang="fr-FR" dirty="0" smtClean="0"/>
-              <a:t>Dans le cas d'une activation </a:t>
-            </a:r>
-            <a:r>
-              <a:rPr lang="fr-FR" dirty="0" smtClean="0"/>
-              <a:t>linéaire</a:t>
-            </a:r>
-            <a:endParaRPr lang="fr-FR" dirty="0" smtClean="0"/>
+              <a:t>Dans le cas d'une activation linéaire</a:t>
+            </a:r>
           </a:p>
           <a:p>
             <a:pPr lvl="1"/>
@@ -4340,19 +4337,64 @@
               <a:rPr lang="fr-FR" dirty="0" err="1" smtClean="0"/>
               <a:t>RMSProp</a:t>
             </a:r>
+            <a:r>
+              <a:rPr lang="fr-FR" dirty="0" smtClean="0"/>
+              <a:t> (pas de </a:t>
+            </a:r>
+            <a:r>
+              <a:rPr lang="fr-FR" dirty="0" err="1" smtClean="0"/>
+              <a:t>momentum</a:t>
+            </a:r>
+            <a:r>
+              <a:rPr lang="fr-FR" dirty="0" smtClean="0"/>
+              <a:t>)</a:t>
+            </a:r>
             <a:endParaRPr lang="fr-FR" dirty="0" smtClean="0"/>
           </a:p>
           <a:p>
             <a:pPr lvl="1"/>
             <a:r>
               <a:rPr lang="fr-FR" dirty="0" smtClean="0"/>
-              <a:t>Ou Adam (presque identique)</a:t>
-            </a:r>
-          </a:p>
-          <a:p>
-            <a:r>
-              <a:rPr lang="fr-FR" dirty="0" smtClean="0"/>
-              <a:t>Plus tard nous verrons SGD</a:t>
+              <a:t>Ou Adam </a:t>
+            </a:r>
+            <a:r>
+              <a:rPr lang="fr-FR" dirty="0" smtClean="0"/>
+              <a:t>(avec </a:t>
+            </a:r>
+            <a:r>
+              <a:rPr lang="fr-FR" dirty="0" err="1" smtClean="0"/>
+              <a:t>momentum</a:t>
+            </a:r>
+            <a:r>
+              <a:rPr lang="fr-FR" dirty="0" smtClean="0"/>
+              <a:t>)</a:t>
+            </a:r>
+            <a:endParaRPr lang="fr-FR" dirty="0" smtClean="0"/>
+          </a:p>
+          <a:p>
+            <a:r>
+              <a:rPr lang="fr-FR" dirty="0" smtClean="0"/>
+              <a:t>Plus tard nous verrons </a:t>
+            </a:r>
+            <a:r>
+              <a:rPr lang="fr-FR" dirty="0" smtClean="0"/>
+              <a:t>SGD (avec dérivée et </a:t>
+            </a:r>
+            <a:r>
+              <a:rPr lang="fr-FR" dirty="0" err="1" smtClean="0"/>
+              <a:t>nesterov</a:t>
+            </a:r>
+            <a:r>
+              <a:rPr lang="fr-FR" dirty="0" smtClean="0"/>
+              <a:t> </a:t>
+            </a:r>
+            <a:r>
+              <a:rPr lang="fr-FR" dirty="0" err="1" smtClean="0"/>
+              <a:t>momentum</a:t>
+            </a:r>
+            <a:r>
+              <a:rPr lang="fr-FR" dirty="0" smtClean="0"/>
+              <a:t>)</a:t>
             </a:r>
             <a:endParaRPr lang="fr-FR" dirty="0"/>
           </a:p>
@@ -4374,7 +4416,7 @@
         </p:blipFill>
         <p:spPr>
           <a:xfrm>
-            <a:off x="2733414" y="3717032"/>
+            <a:off x="4562537" y="3908648"/>
             <a:ext cx="3658245" cy="2441414"/>
           </a:xfrm>
           <a:prstGeom prst="rect">
@@ -4392,6 +4434,13 @@
   <p:clrMapOvr>
     <a:masterClrMapping/>
   </p:clrMapOvr>
+  <p:timing>
+    <p:tnLst>
+      <p:par>
+        <p:cTn id="1" dur="indefinite" restart="never" nodeType="tmRoot"/>
+      </p:par>
+    </p:tnLst>
+  </p:timing>
 </p:sld>
 </file>
 
@@ -4428,6 +4477,107 @@
           <a:lstStyle/>
           <a:p>
             <a:r>
+              <a:rPr lang="fr-FR" dirty="0" err="1" smtClean="0"/>
+              <a:t>Optimizer</a:t>
+            </a:r>
+            <a:endParaRPr lang="fr-FR" dirty="0"/>
+          </a:p>
+        </p:txBody>
+      </p:sp>
+      <p:pic>
+        <p:nvPicPr>
+          <p:cNvPr id="1026" name="Picture 2" descr="optimzers"/>
+          <p:cNvPicPr>
+            <a:picLocks noChangeAspect="1" noChangeArrowheads="1" noCrop="1"/>
+          </p:cNvPicPr>
+          <p:nvPr/>
+        </p:nvPicPr>
+        <p:blipFill>
+          <a:blip r:embed="rId2">
+            <a:extLst>
+              <a:ext uri="{28A0092B-C50C-407E-A947-70E740481C1C}">
+                <a14:useLocalDpi xmlns:a14="http://schemas.microsoft.com/office/drawing/2010/main" val="0"/>
+              </a:ext>
+            </a:extLst>
+          </a:blip>
+          <a:srcRect/>
+          <a:stretch>
+            <a:fillRect/>
+          </a:stretch>
+        </p:blipFill>
+        <p:spPr bwMode="auto">
+          <a:xfrm>
+            <a:off x="2051720" y="1340768"/>
+            <a:ext cx="5905500" cy="4572000"/>
+          </a:xfrm>
+          <a:prstGeom prst="rect">
+            <a:avLst/>
+          </a:prstGeom>
+          <a:noFill/>
+          <a:extLst>
+            <a:ext uri="{909E8E84-426E-40DD-AFC4-6F175D3DCCD1}">
+              <a14:hiddenFill xmlns:a14="http://schemas.microsoft.com/office/drawing/2010/main">
+                <a:solidFill>
+                  <a:srgbClr val="FFFFFF"/>
+                </a:solidFill>
+              </a14:hiddenFill>
+            </a:ext>
+          </a:extLst>
+        </p:spPr>
+      </p:pic>
+    </p:spTree>
+    <p:extLst>
+      <p:ext uri="{BB962C8B-B14F-4D97-AF65-F5344CB8AC3E}">
+        <p14:creationId xmlns:p14="http://schemas.microsoft.com/office/powerpoint/2010/main" val="149632142"/>
+      </p:ext>
+    </p:extLst>
+  </p:cSld>
+  <p:clrMapOvr>
+    <a:masterClrMapping/>
+  </p:clrMapOvr>
+  <p:timing>
+    <p:tnLst>
+      <p:par>
+        <p:cTn id="1" dur="indefinite" restart="never" nodeType="tmRoot"/>
+      </p:par>
+    </p:tnLst>
+  </p:timing>
+</p:sld>
+</file>
+
+<file path=ppt/slides/slide14.xml><?xml version="1.0" encoding="utf-8"?>
+<p:sld xmlns:a="http://schemas.openxmlformats.org/drawingml/2006/main" xmlns:r="http://schemas.openxmlformats.org/officeDocument/2006/relationships" xmlns:p="http://schemas.openxmlformats.org/presentationml/2006/main">
+  <p:cSld>
+    <p:spTree>
+      <p:nvGrpSpPr>
+        <p:cNvPr id="1" name=""/>
+        <p:cNvGrpSpPr/>
+        <p:nvPr/>
+      </p:nvGrpSpPr>
+      <p:grpSpPr>
+        <a:xfrm>
+          <a:off x="0" y="0"/>
+          <a:ext cx="0" cy="0"/>
+          <a:chOff x="0" y="0"/>
+          <a:chExt cx="0" cy="0"/>
+        </a:xfrm>
+      </p:grpSpPr>
+      <p:sp>
+        <p:nvSpPr>
+          <p:cNvPr id="2" name="Titre 1"/>
+          <p:cNvSpPr>
+            <a:spLocks noGrp="1"/>
+          </p:cNvSpPr>
+          <p:nvPr>
+            <p:ph type="title"/>
+          </p:nvPr>
+        </p:nvSpPr>
+        <p:spPr/>
+        <p:txBody>
+          <a:bodyPr/>
+          <a:lstStyle/>
+          <a:p>
+            <a:r>
               <a:rPr lang="fr-FR" dirty="0" smtClean="0"/>
               <a:t>Compile</a:t>
             </a:r>
@@ -4452,132 +4602,127 @@
           <a:p>
             <a:r>
               <a:rPr lang="fr-FR" dirty="0" smtClean="0"/>
-              <a:t>Compile construit le réseaux de </a:t>
-            </a:r>
-            <a:r>
-              <a:rPr lang="fr-FR" dirty="0" smtClean="0"/>
-              <a:t>tenseurs</a:t>
-            </a:r>
+              <a:t>Compile construit le réseaux de tenseurs</a:t>
+            </a:r>
+          </a:p>
+          <a:p>
+            <a:endParaRPr lang="fr-FR" dirty="0"/>
+          </a:p>
+          <a:p>
             <a:endParaRPr lang="fr-FR" dirty="0" smtClean="0"/>
           </a:p>
           <a:p>
-            <a:endParaRPr lang="fr-FR" dirty="0"/>
-          </a:p>
-          <a:p>
+            <a:pPr lvl="1"/>
+            <a:r>
+              <a:rPr lang="fr-FR" dirty="0" err="1" smtClean="0"/>
+              <a:t>Loss</a:t>
+            </a:r>
             <a:endParaRPr lang="fr-FR" dirty="0" smtClean="0"/>
           </a:p>
           <a:p>
-            <a:pPr lvl="1"/>
-            <a:r>
-              <a:rPr lang="fr-FR" dirty="0" err="1" smtClean="0"/>
-              <a:t>Loss</a:t>
+            <a:pPr lvl="2"/>
+            <a:r>
+              <a:rPr lang="fr-FR" dirty="0" smtClean="0"/>
+              <a:t>Méthode de calcul du </a:t>
+            </a:r>
+            <a:r>
+              <a:rPr lang="fr-FR" dirty="0" err="1" smtClean="0"/>
+              <a:t>loss</a:t>
             </a:r>
             <a:endParaRPr lang="fr-FR" dirty="0" smtClean="0"/>
           </a:p>
           <a:p>
             <a:pPr lvl="2"/>
             <a:r>
-              <a:rPr lang="fr-FR" dirty="0" smtClean="0"/>
-              <a:t>Méthode de calcul du </a:t>
+              <a:rPr lang="fr-FR" dirty="0" err="1" smtClean="0"/>
+              <a:t>mse</a:t>
+            </a:r>
+            <a:r>
+              <a:rPr lang="fr-FR" dirty="0" smtClean="0"/>
+              <a:t> :  </a:t>
+            </a:r>
+            <a:r>
+              <a:rPr lang="fr-FR" dirty="0" err="1" smtClean="0"/>
+              <a:t>Mean</a:t>
+            </a:r>
+            <a:r>
+              <a:rPr lang="fr-FR" dirty="0" smtClean="0"/>
+              <a:t> </a:t>
+            </a:r>
+            <a:r>
+              <a:rPr lang="fr-FR" dirty="0" err="1" smtClean="0"/>
+              <a:t>Squared</a:t>
+            </a:r>
+            <a:r>
+              <a:rPr lang="fr-FR" dirty="0" smtClean="0"/>
+              <a:t> </a:t>
+            </a:r>
+            <a:r>
+              <a:rPr lang="fr-FR" dirty="0" err="1" smtClean="0"/>
+              <a:t>Error</a:t>
+            </a:r>
+            <a:endParaRPr lang="fr-FR" dirty="0" smtClean="0"/>
+          </a:p>
+          <a:p>
+            <a:pPr lvl="1"/>
+            <a:r>
+              <a:rPr lang="fr-FR" dirty="0" err="1" smtClean="0"/>
+              <a:t>Metrics</a:t>
+            </a:r>
+            <a:endParaRPr lang="fr-FR" dirty="0" smtClean="0"/>
+          </a:p>
+          <a:p>
+            <a:pPr lvl="2"/>
+            <a:r>
+              <a:rPr lang="fr-FR" dirty="0" smtClean="0"/>
+              <a:t>Par défaut seul le </a:t>
             </a:r>
             <a:r>
               <a:rPr lang="fr-FR" dirty="0" err="1" smtClean="0"/>
               <a:t>loss</a:t>
             </a:r>
+            <a:r>
+              <a:rPr lang="fr-FR" dirty="0" smtClean="0"/>
+              <a:t> est affiché (peu parlant)</a:t>
+            </a:r>
+          </a:p>
+          <a:p>
+            <a:pPr lvl="2"/>
+            <a:r>
+              <a:rPr lang="fr-FR" dirty="0" smtClean="0"/>
+              <a:t>Le </a:t>
+            </a:r>
+            <a:r>
+              <a:rPr lang="fr-FR" dirty="0" err="1" smtClean="0"/>
+              <a:t>metric</a:t>
+            </a:r>
+            <a:r>
+              <a:rPr lang="fr-FR" dirty="0" smtClean="0"/>
+              <a:t> le plus parlant est </a:t>
+            </a:r>
+            <a:r>
+              <a:rPr lang="fr-FR" dirty="0" err="1" smtClean="0"/>
+              <a:t>accuracy</a:t>
+            </a:r>
+            <a:r>
+              <a:rPr lang="fr-FR" dirty="0" smtClean="0"/>
+              <a:t> qui affiche la précision du calcul soit </a:t>
+            </a:r>
+            <a:r>
+              <a:rPr lang="fr-FR" dirty="0" err="1" smtClean="0"/>
+              <a:t>nbGoodResult</a:t>
+            </a:r>
+            <a:r>
+              <a:rPr lang="fr-FR" dirty="0" smtClean="0"/>
+              <a:t> / </a:t>
+            </a:r>
+            <a:r>
+              <a:rPr lang="fr-FR" dirty="0" err="1" smtClean="0"/>
+              <a:t>nbTotalItem</a:t>
+            </a:r>
             <a:endParaRPr lang="fr-FR" dirty="0" smtClean="0"/>
           </a:p>
           <a:p>
-            <a:pPr lvl="2"/>
-            <a:r>
-              <a:rPr lang="fr-FR" dirty="0" err="1" smtClean="0"/>
-              <a:t>mse</a:t>
-            </a:r>
-            <a:r>
-              <a:rPr lang="fr-FR" dirty="0" smtClean="0"/>
-              <a:t> :  </a:t>
-            </a:r>
-            <a:r>
-              <a:rPr lang="fr-FR" dirty="0" err="1" smtClean="0"/>
-              <a:t>Mean</a:t>
-            </a:r>
-            <a:r>
-              <a:rPr lang="fr-FR" dirty="0" smtClean="0"/>
-              <a:t> </a:t>
-            </a:r>
-            <a:r>
-              <a:rPr lang="fr-FR" dirty="0" err="1" smtClean="0"/>
-              <a:t>Squared</a:t>
-            </a:r>
-            <a:r>
-              <a:rPr lang="fr-FR" dirty="0" smtClean="0"/>
-              <a:t> </a:t>
-            </a:r>
-            <a:r>
-              <a:rPr lang="fr-FR" dirty="0" err="1" smtClean="0"/>
-              <a:t>Error</a:t>
-            </a:r>
-            <a:endParaRPr lang="fr-FR" dirty="0" smtClean="0"/>
-          </a:p>
-          <a:p>
-            <a:pPr lvl="1"/>
-            <a:r>
-              <a:rPr lang="fr-FR" dirty="0" err="1" smtClean="0"/>
-              <a:t>Metrics</a:t>
-            </a:r>
-            <a:endParaRPr lang="fr-FR" dirty="0" smtClean="0"/>
-          </a:p>
-          <a:p>
-            <a:pPr lvl="2"/>
-            <a:r>
-              <a:rPr lang="fr-FR" dirty="0" smtClean="0"/>
-              <a:t>Par défaut seul le </a:t>
-            </a:r>
-            <a:r>
-              <a:rPr lang="fr-FR" dirty="0" err="1" smtClean="0"/>
-              <a:t>loss</a:t>
-            </a:r>
-            <a:r>
-              <a:rPr lang="fr-FR" dirty="0" smtClean="0"/>
-              <a:t> est affiché (peu parlant)</a:t>
-            </a:r>
-          </a:p>
-          <a:p>
-            <a:pPr lvl="2"/>
-            <a:r>
-              <a:rPr lang="fr-FR" dirty="0" smtClean="0"/>
-              <a:t>Le </a:t>
-            </a:r>
-            <a:r>
-              <a:rPr lang="fr-FR" dirty="0" err="1" smtClean="0"/>
-              <a:t>metric</a:t>
-            </a:r>
-            <a:r>
-              <a:rPr lang="fr-FR" dirty="0" smtClean="0"/>
-              <a:t> le plus parlant est </a:t>
-            </a:r>
-            <a:r>
-              <a:rPr lang="fr-FR" dirty="0" err="1" smtClean="0"/>
-              <a:t>accuracy</a:t>
-            </a:r>
-            <a:r>
-              <a:rPr lang="fr-FR" dirty="0" smtClean="0"/>
-              <a:t> qui affiche la précision du calcul soit </a:t>
-            </a:r>
-            <a:r>
-              <a:rPr lang="fr-FR" dirty="0" err="1" smtClean="0"/>
-              <a:t>nbGoodResult</a:t>
-            </a:r>
-            <a:r>
-              <a:rPr lang="fr-FR" dirty="0" smtClean="0"/>
-              <a:t> / </a:t>
-            </a:r>
-            <a:r>
-              <a:rPr lang="fr-FR" dirty="0" err="1" smtClean="0"/>
-              <a:t>nbTotalItem</a:t>
-            </a:r>
-            <a:endParaRPr lang="fr-FR" dirty="0" smtClean="0"/>
-          </a:p>
-          <a:p>
             <a:r>
               <a:rPr lang="fr-FR" dirty="0" err="1" smtClean="0"/>
               <a:t>Model.summary</a:t>
@@ -4593,7 +4738,6 @@
               <a:rPr lang="fr-FR" dirty="0" smtClean="0"/>
               <a:t>Affiche le réseau</a:t>
             </a:r>
-            <a:endParaRPr lang="fr-FR" dirty="0" smtClean="0"/>
           </a:p>
           <a:p>
             <a:pPr lvl="1"/>
@@ -4645,7 +4789,7 @@
 </p:sld>
 </file>
 
-<file path=ppt/slides/slide14.xml><?xml version="1.0" encoding="utf-8"?>
+<file path=ppt/slides/slide15.xml><?xml version="1.0" encoding="utf-8"?>
 <p:sld xmlns:a="http://schemas.openxmlformats.org/drawingml/2006/main" xmlns:r="http://schemas.openxmlformats.org/officeDocument/2006/relationships" xmlns:p="http://schemas.openxmlformats.org/presentationml/2006/main">
   <p:cSld>
     <p:spTree>
@@ -4719,10 +4863,17 @@
   <p:clrMapOvr>
     <a:masterClrMapping/>
   </p:clrMapOvr>
+  <p:timing>
+    <p:tnLst>
+      <p:par>
+        <p:cTn id="1" dur="indefinite" restart="never" nodeType="tmRoot"/>
+      </p:par>
+    </p:tnLst>
+  </p:timing>
 </p:sld>
 </file>
 
-<file path=ppt/slides/slide15.xml><?xml version="1.0" encoding="utf-8"?>
+<file path=ppt/slides/slide16.xml><?xml version="1.0" encoding="utf-8"?>
 <p:sld xmlns:a="http://schemas.openxmlformats.org/drawingml/2006/main" xmlns:r="http://schemas.openxmlformats.org/officeDocument/2006/relationships" xmlns:p="http://schemas.openxmlformats.org/presentationml/2006/main">
   <p:cSld>
     <p:spTree>
@@ -4781,7 +4932,6 @@
               <a:rPr lang="fr-FR" dirty="0" smtClean="0"/>
               <a:t>Entraine le modèle</a:t>
             </a:r>
-            <a:endParaRPr lang="fr-FR" dirty="0" smtClean="0"/>
           </a:p>
           <a:p>
             <a:pPr lvl="1"/>
@@ -4884,7 +5034,7 @@
 </p:sld>
 </file>
 
-<file path=ppt/slides/slide16.xml><?xml version="1.0" encoding="utf-8"?>
+<file path=ppt/slides/slide17.xml><?xml version="1.0" encoding="utf-8"?>
 <p:sld xmlns:a="http://schemas.openxmlformats.org/drawingml/2006/main" xmlns:r="http://schemas.openxmlformats.org/officeDocument/2006/relationships" xmlns:p="http://schemas.openxmlformats.org/presentationml/2006/main">
   <p:cSld>
     <p:spTree>
@@ -5058,10 +5208,17 @@
   <p:clrMapOvr>
     <a:masterClrMapping/>
   </p:clrMapOvr>
+  <p:timing>
+    <p:tnLst>
+      <p:par>
+        <p:cTn id="1" dur="indefinite" restart="never" nodeType="tmRoot"/>
+      </p:par>
+    </p:tnLst>
+  </p:timing>
 </p:sld>
 </file>
 
-<file path=ppt/slides/slide17.xml><?xml version="1.0" encoding="utf-8"?>
+<file path=ppt/slides/slide18.xml><?xml version="1.0" encoding="utf-8"?>
 <p:sld xmlns:a="http://schemas.openxmlformats.org/drawingml/2006/main" xmlns:r="http://schemas.openxmlformats.org/officeDocument/2006/relationships" xmlns:p="http://schemas.openxmlformats.org/presentationml/2006/main">
   <p:cSld>
     <p:spTree>
@@ -5176,150 +5333,6 @@
 </p:sld>
 </file>
 
-<file path=ppt/slides/slide18.xml><?xml version="1.0" encoding="utf-8"?>
-<p:sld xmlns:a="http://schemas.openxmlformats.org/drawingml/2006/main" xmlns:r="http://schemas.openxmlformats.org/officeDocument/2006/relationships" xmlns:p="http://schemas.openxmlformats.org/presentationml/2006/main">
-  <p:cSld>
-    <p:spTree>
-      <p:nvGrpSpPr>
-        <p:cNvPr id="1" name=""/>
-        <p:cNvGrpSpPr/>
-        <p:nvPr/>
-      </p:nvGrpSpPr>
-      <p:grpSpPr>
-        <a:xfrm>
-          <a:off x="0" y="0"/>
-          <a:ext cx="0" cy="0"/>
-          <a:chOff x="0" y="0"/>
-          <a:chExt cx="0" cy="0"/>
-        </a:xfrm>
-      </p:grpSpPr>
-      <p:sp>
-        <p:nvSpPr>
-          <p:cNvPr id="2" name="Titre 1"/>
-          <p:cNvSpPr>
-            <a:spLocks noGrp="1"/>
-          </p:cNvSpPr>
-          <p:nvPr>
-            <p:ph type="title"/>
-          </p:nvPr>
-        </p:nvSpPr>
-        <p:spPr/>
-        <p:txBody>
-          <a:bodyPr/>
-          <a:lstStyle/>
-          <a:p>
-            <a:r>
-              <a:rPr lang="fr-FR" dirty="0" err="1" smtClean="0"/>
-              <a:t>Evaluate</a:t>
-            </a:r>
-            <a:endParaRPr lang="fr-FR" dirty="0"/>
-          </a:p>
-        </p:txBody>
-      </p:sp>
-      <p:sp>
-        <p:nvSpPr>
-          <p:cNvPr id="3" name="Espace réservé du contenu 2"/>
-          <p:cNvSpPr>
-            <a:spLocks noGrp="1"/>
-          </p:cNvSpPr>
-          <p:nvPr>
-            <p:ph idx="1"/>
-          </p:nvPr>
-        </p:nvSpPr>
-        <p:spPr/>
-        <p:txBody>
-          <a:bodyPr/>
-          <a:lstStyle/>
-          <a:p>
-            <a:r>
-              <a:rPr lang="fr-FR" dirty="0" smtClean="0"/>
-              <a:t>Evalue le modèle</a:t>
-            </a:r>
-          </a:p>
-          <a:p>
-            <a:pPr lvl="1"/>
-            <a:r>
-              <a:rPr lang="fr-FR" dirty="0" err="1" smtClean="0"/>
-              <a:t>Metrics</a:t>
-            </a:r>
-            <a:r>
-              <a:rPr lang="fr-FR" dirty="0" smtClean="0"/>
-              <a:t> = </a:t>
-            </a:r>
-            <a:r>
-              <a:rPr lang="fr-FR" dirty="0" err="1" smtClean="0"/>
-              <a:t>model.evaluate</a:t>
-            </a:r>
-            <a:r>
-              <a:rPr lang="fr-FR" dirty="0" smtClean="0"/>
-              <a:t>(</a:t>
-            </a:r>
-            <a:r>
-              <a:rPr lang="fr-FR" dirty="0" err="1" smtClean="0"/>
-              <a:t>dataset</a:t>
-            </a:r>
-            <a:r>
-              <a:rPr lang="fr-FR" dirty="0"/>
-              <a:t>, </a:t>
-            </a:r>
-            <a:r>
-              <a:rPr lang="fr-FR" dirty="0" err="1"/>
-              <a:t>steps</a:t>
-            </a:r>
-            <a:r>
-              <a:rPr lang="fr-FR" dirty="0"/>
-              <a:t>=30</a:t>
-            </a:r>
-            <a:r>
-              <a:rPr lang="fr-FR" dirty="0" smtClean="0"/>
-              <a:t>)</a:t>
-            </a:r>
-          </a:p>
-          <a:p>
-            <a:r>
-              <a:rPr lang="fr-FR" dirty="0" smtClean="0"/>
-              <a:t>Calcul les </a:t>
-            </a:r>
-            <a:r>
-              <a:rPr lang="fr-FR" dirty="0" err="1" smtClean="0"/>
-              <a:t>metrics</a:t>
-            </a:r>
-            <a:r>
-              <a:rPr lang="fr-FR" dirty="0" smtClean="0"/>
-              <a:t> du </a:t>
-            </a:r>
-            <a:r>
-              <a:rPr lang="fr-FR" dirty="0" err="1" smtClean="0"/>
-              <a:t>dataset</a:t>
-            </a:r>
-            <a:r>
-              <a:rPr lang="fr-FR" dirty="0" smtClean="0"/>
-              <a:t> après l’apprentissage</a:t>
-            </a:r>
-            <a:endParaRPr lang="fr-FR" dirty="0"/>
-          </a:p>
-        </p:txBody>
-      </p:sp>
-    </p:spTree>
-    <p:extLst>
-      <p:ext uri="{BB962C8B-B14F-4D97-AF65-F5344CB8AC3E}">
-        <p14:creationId xmlns:p14="http://schemas.microsoft.com/office/powerpoint/2010/main" val="2218724052"/>
-      </p:ext>
-    </p:extLst>
-  </p:cSld>
-  <p:clrMapOvr>
-    <a:masterClrMapping/>
-  </p:clrMapOvr>
-  <p:timing>
-    <p:tnLst>
-      <p:par>
-        <p:cTn id="1" dur="indefinite" restart="never" nodeType="tmRoot"/>
-      </p:par>
-    </p:tnLst>
-  </p:timing>
-</p:sld>
-</file>
-
 <file path=ppt/slides/slide19.xml><?xml version="1.0" encoding="utf-8"?>
 <p:sld xmlns:a="http://schemas.openxmlformats.org/drawingml/2006/main" xmlns:r="http://schemas.openxmlformats.org/officeDocument/2006/relationships" xmlns:p="http://schemas.openxmlformats.org/presentationml/2006/main">
   <p:cSld>
@@ -5354,7 +5367,7 @@
           <a:p>
             <a:r>
               <a:rPr lang="fr-FR" dirty="0" err="1" smtClean="0"/>
-              <a:t>Predict</a:t>
+              <a:t>Evaluate</a:t>
             </a:r>
             <a:endParaRPr lang="fr-FR" dirty="0"/>
           </a:p>
@@ -5377,93 +5390,77 @@
           <a:p>
             <a:r>
               <a:rPr lang="fr-FR" dirty="0" smtClean="0"/>
-              <a:t>Prédiction</a:t>
-            </a:r>
-          </a:p>
-          <a:p>
-            <a:pPr lvl="1"/>
-            <a:r>
-              <a:rPr lang="fr-FR" dirty="0" err="1" smtClean="0"/>
-              <a:t>result</a:t>
-            </a:r>
-            <a:r>
-              <a:rPr lang="fr-FR" dirty="0" smtClean="0"/>
-              <a:t> </a:t>
+              <a:t>Evalue le modèle</a:t>
+            </a:r>
+          </a:p>
+          <a:p>
+            <a:pPr lvl="1"/>
+            <a:r>
+              <a:rPr lang="fr-FR" dirty="0" err="1" smtClean="0"/>
+              <a:t>Metrics</a:t>
+            </a:r>
+            <a:r>
+              <a:rPr lang="fr-FR" dirty="0" smtClean="0"/>
+              <a:t> = </a:t>
+            </a:r>
+            <a:r>
+              <a:rPr lang="fr-FR" dirty="0" err="1" smtClean="0"/>
+              <a:t>model.evaluate</a:t>
+            </a:r>
+            <a:r>
+              <a:rPr lang="fr-FR" dirty="0" smtClean="0"/>
+              <a:t>(</a:t>
+            </a:r>
+            <a:r>
+              <a:rPr lang="fr-FR" dirty="0" err="1" smtClean="0"/>
+              <a:t>dataset</a:t>
             </a:r>
             <a:r>
               <a:rPr lang="fr-FR" dirty="0"/>
-              <a:t>= </a:t>
+              <a:t>, </a:t>
             </a:r>
             <a:r>
               <a:rPr lang="fr-FR" dirty="0" err="1"/>
-              <a:t>model.predict</a:t>
+              <a:t>steps</a:t>
             </a:r>
             <a:r>
               <a:rPr lang="fr-FR" dirty="0"/>
-              <a:t>(data, </a:t>
-            </a:r>
-            <a:r>
-              <a:rPr lang="fr-FR" dirty="0" err="1"/>
-              <a:t>batch_size</a:t>
-            </a:r>
-            <a:r>
-              <a:rPr lang="fr-FR" dirty="0"/>
-              <a:t>=32</a:t>
+              <a:t>=30</a:t>
             </a:r>
             <a:r>
               <a:rPr lang="fr-FR" dirty="0" smtClean="0"/>
               <a:t>)</a:t>
             </a:r>
+          </a:p>
+          <a:p>
+            <a:r>
+              <a:rPr lang="fr-FR" dirty="0" smtClean="0"/>
+              <a:t>Calcul les </a:t>
+            </a:r>
+            <a:r>
+              <a:rPr lang="fr-FR" dirty="0" err="1" smtClean="0"/>
+              <a:t>metrics</a:t>
+            </a:r>
+            <a:r>
+              <a:rPr lang="fr-FR" dirty="0" smtClean="0"/>
+              <a:t> du </a:t>
+            </a:r>
+            <a:r>
+              <a:rPr lang="fr-FR" dirty="0" err="1" smtClean="0"/>
+              <a:t>dataset</a:t>
+            </a:r>
+            <a:r>
+              <a:rPr lang="fr-FR" dirty="0" smtClean="0"/>
+              <a:t> après l’apprentissage</a:t>
+            </a:r>
             <a:endParaRPr lang="fr-FR" dirty="0"/>
           </a:p>
-          <a:p>
-            <a:r>
-              <a:rPr lang="fr-FR" dirty="0" smtClean="0"/>
-              <a:t>Calcul la prédiction pour data</a:t>
-            </a:r>
-          </a:p>
-          <a:p>
-            <a:pPr lvl="1"/>
-            <a:r>
-              <a:rPr lang="fr-FR" dirty="0" err="1" smtClean="0"/>
-              <a:t>Batch_size</a:t>
-            </a:r>
-            <a:r>
-              <a:rPr lang="fr-FR" dirty="0" smtClean="0"/>
-              <a:t> définit le nombre de données analysées dans le même cycle GPU</a:t>
-            </a:r>
-            <a:endParaRPr lang="fr-FR" dirty="0"/>
-          </a:p>
-        </p:txBody>
-      </p:sp>
-      <p:pic>
-        <p:nvPicPr>
-          <p:cNvPr id="4" name="Image 3"/>
-          <p:cNvPicPr>
-            <a:picLocks noChangeAspect="1"/>
-          </p:cNvPicPr>
-          <p:nvPr/>
-        </p:nvPicPr>
-        <p:blipFill>
-          <a:blip r:embed="rId2"/>
-          <a:stretch>
-            <a:fillRect/>
-          </a:stretch>
-        </p:blipFill>
-        <p:spPr>
-          <a:xfrm>
-            <a:off x="1187624" y="3933056"/>
-            <a:ext cx="6252599" cy="1800200"/>
-          </a:xfrm>
-          <a:prstGeom prst="rect">
-            <a:avLst/>
-          </a:prstGeom>
-        </p:spPr>
-      </p:pic>
+        </p:txBody>
+      </p:sp>
     </p:spTree>
     <p:extLst>
       <p:ext uri="{BB962C8B-B14F-4D97-AF65-F5344CB8AC3E}">
-        <p14:creationId xmlns:p14="http://schemas.microsoft.com/office/powerpoint/2010/main" val="666403504"/>
+        <p14:creationId xmlns:p14="http://schemas.microsoft.com/office/powerpoint/2010/main" val="2218724052"/>
       </p:ext>
     </p:extLst>
   </p:cSld>
@@ -5798,7 +5795,7 @@
           <a:p>
             <a:r>
               <a:rPr lang="fr-FR" dirty="0" err="1" smtClean="0"/>
-              <a:t>Echantillonage</a:t>
+              <a:t>Predict</a:t>
             </a:r>
             <a:endParaRPr lang="fr-FR" dirty="0"/>
           </a:p>
@@ -5820,105 +5817,94 @@
           <a:lstStyle/>
           <a:p>
             <a:r>
+              <a:rPr lang="fr-FR" dirty="0" smtClean="0"/>
+              <a:t>Prédiction</a:t>
+            </a:r>
+          </a:p>
+          <a:p>
+            <a:pPr lvl="1"/>
+            <a:r>
+              <a:rPr lang="fr-FR" dirty="0" err="1" smtClean="0"/>
+              <a:t>result</a:t>
+            </a:r>
+            <a:r>
+              <a:rPr lang="fr-FR" dirty="0" smtClean="0"/>
+              <a:t> </a:t>
+            </a:r>
+            <a:r>
               <a:rPr lang="fr-FR" dirty="0"/>
-              <a:t>Le jeu de données (</a:t>
+              <a:t>= </a:t>
             </a:r>
             <a:r>
               <a:rPr lang="fr-FR" dirty="0" err="1"/>
-              <a:t>dataset</a:t>
+              <a:t>model.predict</a:t>
             </a:r>
             <a:r>
               <a:rPr lang="fr-FR" dirty="0"/>
-              <a:t>) dont vous disposez constitue une ressource </a:t>
-            </a:r>
-            <a:r>
-              <a:rPr lang="fr-FR" dirty="0" smtClean="0"/>
-              <a:t>précieuse</a:t>
-            </a:r>
-          </a:p>
-          <a:p>
-            <a:pPr lvl="1"/>
-            <a:r>
-              <a:rPr lang="fr-FR" dirty="0" smtClean="0"/>
-              <a:t>Il </a:t>
+              <a:t>(data, </a:t>
+            </a:r>
+            <a:r>
+              <a:rPr lang="fr-FR" dirty="0" err="1"/>
+              <a:t>batch_size</a:t>
             </a:r>
             <a:r>
               <a:rPr lang="fr-FR" dirty="0"/>
-              <a:t>faut pouvoir l’utiliser à bon escient afin de pouvoir à la fois choisir un modèle et </a:t>
-            </a:r>
-            <a:r>
-              <a:rPr lang="fr-FR" dirty="0" smtClean="0"/>
-              <a:t>l'entraîner</a:t>
-            </a:r>
-          </a:p>
-          <a:p>
-            <a:pPr lvl="1"/>
-            <a:r>
-              <a:rPr lang="fr-FR" dirty="0" smtClean="0"/>
-              <a:t>mais </a:t>
-            </a:r>
-            <a:r>
-              <a:rPr lang="fr-FR" dirty="0"/>
-              <a:t>aussi de pouvoir tester la qualité de ce </a:t>
-            </a:r>
-            <a:r>
-              <a:rPr lang="fr-FR" dirty="0" smtClean="0"/>
-              <a:t>modèle</a:t>
-            </a:r>
-          </a:p>
-          <a:p>
-            <a:r>
-              <a:rPr lang="fr-FR" dirty="0"/>
-              <a:t>La première question à se poser </a:t>
-            </a:r>
-            <a:r>
-              <a:rPr lang="fr-FR" dirty="0" smtClean="0"/>
-              <a:t>est</a:t>
-            </a:r>
-          </a:p>
-          <a:p>
-            <a:pPr lvl="1"/>
-            <a:r>
-              <a:rPr lang="fr-FR" dirty="0" smtClean="0"/>
-              <a:t>Est-ce </a:t>
-            </a:r>
-            <a:r>
-              <a:rPr lang="fr-FR" dirty="0"/>
-              <a:t>qu’on va utiliser toutes les données d'exemple dont on </a:t>
-            </a:r>
-            <a:r>
-              <a:rPr lang="fr-FR" dirty="0" smtClean="0"/>
-              <a:t>dispose ?</a:t>
-            </a:r>
-          </a:p>
-          <a:p>
-            <a:pPr lvl="1"/>
-            <a:r>
-              <a:rPr lang="fr-FR" dirty="0" smtClean="0"/>
-              <a:t>Volume, tests, …</a:t>
-            </a:r>
-          </a:p>
-          <a:p>
-            <a:r>
-              <a:rPr lang="fr-FR" dirty="0" smtClean="0"/>
-              <a:t>Il faut échantillonner (</a:t>
-            </a:r>
-            <a:r>
-              <a:rPr lang="fr-FR" dirty="0" err="1" smtClean="0"/>
-              <a:t>sampling</a:t>
-            </a:r>
-            <a:r>
-              <a:rPr lang="fr-FR" dirty="0" smtClean="0"/>
-              <a:t>) les données à tester</a:t>
+              <a:t>=32</a:t>
+            </a:r>
+            <a:r>
+              <a:rPr lang="fr-FR" dirty="0" smtClean="0"/>
+              <a:t>)</a:t>
             </a:r>
             <a:endParaRPr lang="fr-FR" dirty="0"/>
           </a:p>
-        </p:txBody>
-      </p:sp>
+          <a:p>
+            <a:r>
+              <a:rPr lang="fr-FR" dirty="0" smtClean="0"/>
+              <a:t>Calcul la prédiction pour data</a:t>
+            </a:r>
+          </a:p>
+          <a:p>
+            <a:pPr lvl="1"/>
+            <a:r>
+              <a:rPr lang="fr-FR" dirty="0" err="1" smtClean="0"/>
+              <a:t>Batch_size</a:t>
+            </a:r>
+            <a:r>
+              <a:rPr lang="fr-FR" dirty="0" smtClean="0"/>
+              <a:t> définit le nombre de données analysées dans le même cycle GPU</a:t>
+            </a:r>
+            <a:endParaRPr lang="fr-FR" dirty="0"/>
+          </a:p>
+        </p:txBody>
+      </p:sp>
+      <p:pic>
+        <p:nvPicPr>
+          <p:cNvPr id="4" name="Image 3"/>
+          <p:cNvPicPr>
+            <a:picLocks noChangeAspect="1"/>
+          </p:cNvPicPr>
+          <p:nvPr/>
+        </p:nvPicPr>
+        <p:blipFill>
+          <a:blip r:embed="rId2"/>
+          <a:stretch>
+            <a:fillRect/>
+          </a:stretch>
+        </p:blipFill>
+        <p:spPr>
+          <a:xfrm>
+            <a:off x="1187624" y="3933056"/>
+            <a:ext cx="6252599" cy="1800200"/>
+          </a:xfrm>
+          <a:prstGeom prst="rect">
+            <a:avLst/>
+          </a:prstGeom>
+        </p:spPr>
+      </p:pic>
     </p:spTree>
     <p:extLst>
       <p:ext uri="{BB962C8B-B14F-4D97-AF65-F5344CB8AC3E}">
-        <p14:creationId xmlns:p14="http://schemas.microsoft.com/office/powerpoint/2010/main" val="3861059722"/>
+        <p14:creationId xmlns:p14="http://schemas.microsoft.com/office/powerpoint/2010/main" val="666403504"/>
       </p:ext>
     </p:extLst>
   </p:cSld>
@@ -5969,7 +5955,7 @@
           <a:p>
             <a:r>
               <a:rPr lang="fr-FR" dirty="0" err="1" smtClean="0"/>
-              <a:t>Overfitting</a:t>
+              <a:t>Echantillonage</a:t>
             </a:r>
             <a:endParaRPr lang="fr-FR" dirty="0"/>
           </a:p>
@@ -5992,6 +5978,177 @@
           <a:p>
             <a:r>
               <a:rPr lang="fr-FR" dirty="0"/>
+              <a:t>Le jeu de données (</a:t>
+            </a:r>
+            <a:r>
+              <a:rPr lang="fr-FR" dirty="0" err="1"/>
+              <a:t>dataset</a:t>
+            </a:r>
+            <a:r>
+              <a:rPr lang="fr-FR" dirty="0"/>
+              <a:t>) dont vous disposez constitue une ressource </a:t>
+            </a:r>
+            <a:r>
+              <a:rPr lang="fr-FR" dirty="0" smtClean="0"/>
+              <a:t>précieuse</a:t>
+            </a:r>
+          </a:p>
+          <a:p>
+            <a:pPr lvl="1"/>
+            <a:r>
+              <a:rPr lang="fr-FR" dirty="0" smtClean="0"/>
+              <a:t>Il </a:t>
+            </a:r>
+            <a:r>
+              <a:rPr lang="fr-FR" dirty="0"/>
+              <a:t>faut pouvoir l’utiliser à bon escient afin de pouvoir à la fois choisir un modèle et </a:t>
+            </a:r>
+            <a:r>
+              <a:rPr lang="fr-FR" dirty="0" smtClean="0"/>
+              <a:t>l'entraîner</a:t>
+            </a:r>
+          </a:p>
+          <a:p>
+            <a:pPr lvl="1"/>
+            <a:r>
+              <a:rPr lang="fr-FR" dirty="0" smtClean="0"/>
+              <a:t>mais </a:t>
+            </a:r>
+            <a:r>
+              <a:rPr lang="fr-FR" dirty="0"/>
+              <a:t>aussi de pouvoir tester la qualité de ce </a:t>
+            </a:r>
+            <a:r>
+              <a:rPr lang="fr-FR" dirty="0" smtClean="0"/>
+              <a:t>modèle</a:t>
+            </a:r>
+          </a:p>
+          <a:p>
+            <a:r>
+              <a:rPr lang="fr-FR" dirty="0"/>
+              <a:t>La première question à se poser </a:t>
+            </a:r>
+            <a:r>
+              <a:rPr lang="fr-FR" dirty="0" smtClean="0"/>
+              <a:t>est</a:t>
+            </a:r>
+          </a:p>
+          <a:p>
+            <a:pPr lvl="1"/>
+            <a:r>
+              <a:rPr lang="fr-FR" dirty="0" smtClean="0"/>
+              <a:t>Est-ce </a:t>
+            </a:r>
+            <a:r>
+              <a:rPr lang="fr-FR" dirty="0"/>
+              <a:t>qu’on va utiliser toutes les données d'exemple dont on </a:t>
+            </a:r>
+            <a:r>
+              <a:rPr lang="fr-FR" dirty="0" smtClean="0"/>
+              <a:t>dispose ?</a:t>
+            </a:r>
+          </a:p>
+          <a:p>
+            <a:pPr lvl="1"/>
+            <a:r>
+              <a:rPr lang="fr-FR" dirty="0" smtClean="0"/>
+              <a:t>Volume, tests, …</a:t>
+            </a:r>
+          </a:p>
+          <a:p>
+            <a:r>
+              <a:rPr lang="fr-FR" dirty="0" smtClean="0"/>
+              <a:t>Il faut échantillonner (</a:t>
+            </a:r>
+            <a:r>
+              <a:rPr lang="fr-FR" dirty="0" err="1" smtClean="0"/>
+              <a:t>sampling</a:t>
+            </a:r>
+            <a:r>
+              <a:rPr lang="fr-FR" dirty="0" smtClean="0"/>
+              <a:t>) les données à tester</a:t>
+            </a:r>
+            <a:endParaRPr lang="fr-FR" dirty="0"/>
+          </a:p>
+        </p:txBody>
+      </p:sp>
+    </p:spTree>
+    <p:extLst>
+      <p:ext uri="{BB962C8B-B14F-4D97-AF65-F5344CB8AC3E}">
+        <p14:creationId xmlns:p14="http://schemas.microsoft.com/office/powerpoint/2010/main" val="3861059722"/>
+      </p:ext>
+    </p:extLst>
+  </p:cSld>
+  <p:clrMapOvr>
+    <a:masterClrMapping/>
+  </p:clrMapOvr>
+  <p:timing>
+    <p:tnLst>
+      <p:par>
+        <p:cTn id="1" dur="indefinite" restart="never" nodeType="tmRoot"/>
+      </p:par>
+    </p:tnLst>
+  </p:timing>
+</p:sld>
+</file>
+
+<file path=ppt/slides/slide22.xml><?xml version="1.0" encoding="utf-8"?>
+<p:sld xmlns:a="http://schemas.openxmlformats.org/drawingml/2006/main" xmlns:r="http://schemas.openxmlformats.org/officeDocument/2006/relationships" xmlns:p="http://schemas.openxmlformats.org/presentationml/2006/main">
+  <p:cSld>
+    <p:spTree>
+      <p:nvGrpSpPr>
+        <p:cNvPr id="1" name=""/>
+        <p:cNvGrpSpPr/>
+        <p:nvPr/>
+      </p:nvGrpSpPr>
+      <p:grpSpPr>
+        <a:xfrm>
+          <a:off x="0" y="0"/>
+          <a:ext cx="0" cy="0"/>
+          <a:chOff x="0" y="0"/>
+          <a:chExt cx="0" cy="0"/>
+        </a:xfrm>
+      </p:grpSpPr>
+      <p:sp>
+        <p:nvSpPr>
+          <p:cNvPr id="2" name="Titre 1"/>
+          <p:cNvSpPr>
+            <a:spLocks noGrp="1"/>
+          </p:cNvSpPr>
+          <p:nvPr>
+            <p:ph type="title"/>
+          </p:nvPr>
+        </p:nvSpPr>
+        <p:spPr/>
+        <p:txBody>
+          <a:bodyPr/>
+          <a:lstStyle/>
+          <a:p>
+            <a:r>
+              <a:rPr lang="fr-FR" dirty="0" err="1" smtClean="0"/>
+              <a:t>Overfitting</a:t>
+            </a:r>
+            <a:endParaRPr lang="fr-FR" dirty="0"/>
+          </a:p>
+        </p:txBody>
+      </p:sp>
+      <p:sp>
+        <p:nvSpPr>
+          <p:cNvPr id="3" name="Espace réservé du contenu 2"/>
+          <p:cNvSpPr>
+            <a:spLocks noGrp="1"/>
+          </p:cNvSpPr>
+          <p:nvPr>
+            <p:ph idx="1"/>
+          </p:nvPr>
+        </p:nvSpPr>
+        <p:spPr/>
+        <p:txBody>
+          <a:bodyPr/>
+          <a:lstStyle/>
+          <a:p>
+            <a:r>
+              <a:rPr lang="fr-FR" dirty="0"/>
               <a:t>La notion </a:t>
             </a:r>
             <a:r>
@@ -6041,13 +6198,8 @@
             <a:pPr lvl="1"/>
             <a:r>
               <a:rPr lang="fr-FR" dirty="0" smtClean="0"/>
-              <a:t>vs modèle </a:t>
-            </a:r>
-            <a:r>
-              <a:rPr lang="fr-FR" dirty="0" smtClean="0"/>
-              <a:t>complexe</a:t>
-            </a:r>
-            <a:endParaRPr lang="fr-FR" dirty="0" smtClean="0"/>
+              <a:t>vs modèle complexe</a:t>
+            </a:r>
           </a:p>
         </p:txBody>
       </p:sp>
@@ -6112,148 +6264,6 @@
 </p:sld>
 </file>
 
-<file path=ppt/slides/slide22.xml><?xml version="1.0" encoding="utf-8"?>
-<p:sld xmlns:a="http://schemas.openxmlformats.org/drawingml/2006/main" xmlns:r="http://schemas.openxmlformats.org/officeDocument/2006/relationships" xmlns:p="http://schemas.openxmlformats.org/presentationml/2006/main">
-  <p:cSld>
-    <p:spTree>
-      <p:nvGrpSpPr>
-        <p:cNvPr id="1" name=""/>
-        <p:cNvGrpSpPr/>
-        <p:nvPr/>
-      </p:nvGrpSpPr>
-      <p:grpSpPr>
-        <a:xfrm>
-          <a:off x="0" y="0"/>
-          <a:ext cx="0" cy="0"/>
-          <a:chOff x="0" y="0"/>
-          <a:chExt cx="0" cy="0"/>
-        </a:xfrm>
-      </p:grpSpPr>
-      <p:sp>
-        <p:nvSpPr>
-          <p:cNvPr id="2" name="Titre 1"/>
-          <p:cNvSpPr>
-            <a:spLocks noGrp="1"/>
-          </p:cNvSpPr>
-          <p:nvPr>
-            <p:ph type="title"/>
-          </p:nvPr>
-        </p:nvSpPr>
-        <p:spPr/>
-        <p:txBody>
-          <a:bodyPr/>
-          <a:lstStyle/>
-          <a:p>
-            <a:r>
-              <a:rPr lang="fr-FR" dirty="0" smtClean="0"/>
-              <a:t>Randomisation</a:t>
-            </a:r>
-            <a:endParaRPr lang="fr-FR" dirty="0"/>
-          </a:p>
-        </p:txBody>
-      </p:sp>
-      <p:sp>
-        <p:nvSpPr>
-          <p:cNvPr id="3" name="Espace réservé du contenu 2"/>
-          <p:cNvSpPr>
-            <a:spLocks noGrp="1"/>
-          </p:cNvSpPr>
-          <p:nvPr>
-            <p:ph idx="1"/>
-          </p:nvPr>
-        </p:nvSpPr>
-        <p:spPr/>
-        <p:txBody>
-          <a:bodyPr/>
-          <a:lstStyle/>
-          <a:p>
-            <a:r>
-              <a:rPr lang="fr-FR" dirty="0"/>
-              <a:t>I</a:t>
-            </a:r>
-            <a:r>
-              <a:rPr lang="fr-FR" dirty="0" smtClean="0"/>
-              <a:t>l </a:t>
-            </a:r>
-            <a:r>
-              <a:rPr lang="fr-FR" dirty="0"/>
-              <a:t>s’avère que si on entraîne le modèle avec des données, il va naturellement être plus performant sur ces </a:t>
-            </a:r>
-            <a:r>
-              <a:rPr lang="fr-FR" dirty="0" smtClean="0"/>
-              <a:t>données-là</a:t>
-            </a:r>
-          </a:p>
-          <a:p>
-            <a:r>
-              <a:rPr lang="fr-FR" dirty="0" smtClean="0"/>
-              <a:t>Ce </a:t>
-            </a:r>
-            <a:r>
-              <a:rPr lang="fr-FR" dirty="0"/>
-              <a:t>qui nous intéresse c’est de mesurer sa performance sur des données qu’il n’a jamais vues puisque c’est ce qui va se passer en </a:t>
-            </a:r>
-            <a:r>
-              <a:rPr lang="fr-FR" dirty="0" smtClean="0"/>
-              <a:t>pratique</a:t>
-            </a:r>
-          </a:p>
-          <a:p>
-            <a:r>
-              <a:rPr lang="fr-FR" dirty="0" smtClean="0"/>
-              <a:t>Cette </a:t>
-            </a:r>
-            <a:r>
-              <a:rPr lang="fr-FR" dirty="0"/>
-              <a:t>performance est appelée la </a:t>
-            </a:r>
-            <a:r>
-              <a:rPr lang="fr-FR" b="1" dirty="0"/>
-              <a:t>généralisation</a:t>
-            </a:r>
-            <a:r>
-              <a:rPr lang="fr-FR" dirty="0"/>
-              <a:t> du </a:t>
-            </a:r>
-            <a:r>
-              <a:rPr lang="fr-FR" dirty="0" smtClean="0"/>
-              <a:t>modèle</a:t>
-            </a:r>
-            <a:endParaRPr lang="fr-FR" dirty="0"/>
-          </a:p>
-          <a:p>
-            <a:pPr lvl="1"/>
-            <a:r>
-              <a:rPr lang="fr-FR" dirty="0" smtClean="0"/>
-              <a:t>Sa </a:t>
-            </a:r>
-            <a:r>
-              <a:rPr lang="fr-FR" dirty="0"/>
-              <a:t>capacité à effectuer des prédictions de qualité sur des situations jamais rencontrées.</a:t>
-            </a:r>
-          </a:p>
-        </p:txBody>
-      </p:sp>
-    </p:spTree>
-    <p:extLst>
-      <p:ext uri="{BB962C8B-B14F-4D97-AF65-F5344CB8AC3E}">
-        <p14:creationId xmlns:p14="http://schemas.microsoft.com/office/powerpoint/2010/main" val="1185723982"/>
-      </p:ext>
-    </p:extLst>
-  </p:cSld>
-  <p:clrMapOvr>
-    <a:masterClrMapping/>
-  </p:clrMapOvr>
-  <p:timing>
-    <p:tnLst>
-      <p:par>
-        <p:cTn id="1" dur="indefinite" restart="never" nodeType="tmRoot"/>
-      </p:par>
-    </p:tnLst>
-  </p:timing>
-</p:sld>
-</file>
-
 <file path=ppt/slides/slide23.xml><?xml version="1.0" encoding="utf-8"?>
 <p:sld xmlns:a="http://schemas.openxmlformats.org/drawingml/2006/main" xmlns:r="http://schemas.openxmlformats.org/officeDocument/2006/relationships" xmlns:p="http://schemas.openxmlformats.org/presentationml/2006/main">
   <p:cSld>
@@ -6310,75 +6320,76 @@
           <a:lstStyle/>
           <a:p>
             <a:r>
-              <a:rPr lang="fr-FR" dirty="0" smtClean="0"/>
-              <a:t>Il faut utiliser le bon échantillon</a:t>
-            </a:r>
-          </a:p>
-          <a:p>
-            <a:pPr lvl="1"/>
-            <a:r>
-              <a:rPr lang="fr-FR" dirty="0" smtClean="0"/>
-              <a:t>Bien répartis</a:t>
-            </a:r>
-          </a:p>
-          <a:p>
-            <a:pPr lvl="1"/>
-            <a:r>
-              <a:rPr lang="fr-FR" dirty="0" smtClean="0"/>
-              <a:t>Ne pas introduire de biais</a:t>
-            </a:r>
-          </a:p>
-          <a:p>
-            <a:pPr lvl="1"/>
-            <a:r>
-              <a:rPr lang="fr-FR" dirty="0" smtClean="0"/>
-              <a:t>Par exemple à Paris les loyers sont plus chères qu’ailleurs</a:t>
-            </a:r>
-          </a:p>
-          <a:p>
-            <a:r>
-              <a:rPr lang="fr-FR" dirty="0" smtClean="0"/>
-              <a:t>Il faut ensuite découper l’échantillon avec le</a:t>
-            </a:r>
-          </a:p>
-          <a:p>
-            <a:pPr lvl="1"/>
-            <a:r>
-              <a:rPr lang="fr-FR" dirty="0" smtClean="0"/>
-              <a:t>Training Set</a:t>
-            </a:r>
-          </a:p>
-          <a:p>
-            <a:pPr lvl="1"/>
-            <a:r>
-              <a:rPr lang="fr-FR" dirty="0" err="1" smtClean="0"/>
-              <a:t>Testing</a:t>
-            </a:r>
-            <a:r>
-              <a:rPr lang="fr-FR" dirty="0" smtClean="0"/>
-              <a:t> Set</a:t>
-            </a:r>
-          </a:p>
-          <a:p>
-            <a:r>
-              <a:rPr lang="fr-FR" dirty="0" smtClean="0"/>
-              <a:t>L’un sert à l’apprentissage, l’autre au test</a:t>
-            </a:r>
-          </a:p>
-          <a:p>
-            <a:pPr lvl="1"/>
-            <a:r>
-              <a:rPr lang="fr-FR" dirty="0" smtClean="0"/>
-              <a:t>Souvent 80/20</a:t>
+              <a:rPr lang="fr-FR" dirty="0"/>
+              <a:t>I</a:t>
+            </a:r>
+            <a:r>
+              <a:rPr lang="fr-FR" dirty="0" smtClean="0"/>
+              <a:t>l </a:t>
+            </a:r>
+            <a:r>
+              <a:rPr lang="fr-FR" dirty="0"/>
+              <a:t>s’avère que si on entraîne le modèle avec des données, il va naturellement être plus performant sur ces </a:t>
+            </a:r>
+            <a:r>
+              <a:rPr lang="fr-FR" dirty="0" smtClean="0"/>
+              <a:t>données-là</a:t>
+            </a:r>
+          </a:p>
+          <a:p>
+            <a:r>
+              <a:rPr lang="fr-FR" dirty="0" smtClean="0"/>
+              <a:t>Ce </a:t>
+            </a:r>
+            <a:r>
+              <a:rPr lang="fr-FR" dirty="0"/>
+              <a:t>qui nous intéresse c’est de mesurer sa performance sur des données qu’il n’a jamais vues puisque c’est ce qui va se passer en </a:t>
+            </a:r>
+            <a:r>
+              <a:rPr lang="fr-FR" dirty="0" smtClean="0"/>
+              <a:t>pratique</a:t>
+            </a:r>
+          </a:p>
+          <a:p>
+            <a:r>
+              <a:rPr lang="fr-FR" dirty="0" smtClean="0"/>
+              <a:t>Cette </a:t>
+            </a:r>
+            <a:r>
+              <a:rPr lang="fr-FR" dirty="0"/>
+              <a:t>performance est appelée la </a:t>
+            </a:r>
+            <a:r>
+              <a:rPr lang="fr-FR" b="1" dirty="0"/>
+              <a:t>généralisation</a:t>
+            </a:r>
+            <a:r>
+              <a:rPr lang="fr-FR" dirty="0"/>
+              <a:t> du </a:t>
+            </a:r>
+            <a:r>
+              <a:rPr lang="fr-FR" dirty="0" smtClean="0"/>
+              <a:t>modèle</a:t>
             </a:r>
             <a:endParaRPr lang="fr-FR" dirty="0"/>
+          </a:p>
+          <a:p>
+            <a:pPr lvl="1"/>
+            <a:r>
+              <a:rPr lang="fr-FR" dirty="0" smtClean="0"/>
+              <a:t>Sa </a:t>
+            </a:r>
+            <a:r>
+              <a:rPr lang="fr-FR" dirty="0"/>
+              <a:t>capacité à effectuer des prédictions de qualité sur des situations jamais rencontrées.</a:t>
+            </a:r>
           </a:p>
         </p:txBody>
       </p:sp>
     </p:spTree>
     <p:extLst>
       <p:ext uri="{BB962C8B-B14F-4D97-AF65-F5344CB8AC3E}">
-        <p14:creationId xmlns:p14="http://schemas.microsoft.com/office/powerpoint/2010/main" val="1449798764"/>
+        <p14:creationId xmlns:p14="http://schemas.microsoft.com/office/powerpoint/2010/main" val="1185723982"/>
       </p:ext>
     </p:extLst>
   </p:cSld>
@@ -6429,7 +6440,7 @@
           <a:p>
             <a:r>
               <a:rPr lang="fr-FR" dirty="0" smtClean="0"/>
-              <a:t>Vocabulaire</a:t>
+              <a:t>Randomisation</a:t>
             </a:r>
             <a:endParaRPr lang="fr-FR" dirty="0"/>
           </a:p>
@@ -6451,102 +6462,88 @@
           <a:lstStyle/>
           <a:p>
             <a:r>
-              <a:rPr lang="fr-FR" sz="2400" dirty="0" err="1" smtClean="0"/>
-              <a:t>TensorFlow</a:t>
-            </a:r>
-            <a:r>
-              <a:rPr lang="fr-FR" sz="2400" dirty="0" smtClean="0"/>
-              <a:t> et </a:t>
-            </a:r>
-            <a:r>
-              <a:rPr lang="fr-FR" sz="2400" dirty="0" err="1" smtClean="0"/>
-              <a:t>SKLearn</a:t>
-            </a:r>
-            <a:r>
-              <a:rPr lang="fr-FR" sz="2400" dirty="0" smtClean="0"/>
-              <a:t> n’utilisent pas le même vocabulaire</a:t>
-            </a:r>
-          </a:p>
-          <a:p>
-            <a:r>
-              <a:rPr lang="fr-FR" sz="2400" dirty="0" err="1" smtClean="0"/>
-              <a:t>TrainingSet</a:t>
-            </a:r>
-            <a:endParaRPr lang="fr-FR" sz="2400" dirty="0" smtClean="0"/>
-          </a:p>
-          <a:p>
-            <a:pPr lvl="1"/>
-            <a:r>
-              <a:rPr lang="fr-FR" sz="2000" dirty="0" smtClean="0"/>
-              <a:t>Jeux d’entrainement</a:t>
-            </a:r>
-          </a:p>
-          <a:p>
-            <a:pPr lvl="1"/>
-            <a:r>
-              <a:rPr lang="fr-FR" sz="2000" dirty="0" smtClean="0"/>
-              <a:t>Calcul du </a:t>
-            </a:r>
-            <a:r>
-              <a:rPr lang="fr-FR" sz="2000" dirty="0" err="1" smtClean="0"/>
-              <a:t>Loss</a:t>
-            </a:r>
-            <a:endParaRPr lang="fr-FR" sz="2000" dirty="0" smtClean="0"/>
-          </a:p>
-          <a:p>
-            <a:r>
-              <a:rPr lang="fr-FR" sz="2400" dirty="0" err="1" smtClean="0"/>
-              <a:t>ValidationSet</a:t>
-            </a:r>
-            <a:endParaRPr lang="fr-FR" sz="2400" dirty="0" smtClean="0"/>
-          </a:p>
-          <a:p>
-            <a:pPr lvl="1"/>
-            <a:r>
-              <a:rPr lang="fr-FR" sz="2000" dirty="0" smtClean="0"/>
-              <a:t>Jeux pour mesurer la qualité du modèle</a:t>
-            </a:r>
-          </a:p>
-          <a:p>
-            <a:pPr lvl="1"/>
-            <a:r>
-              <a:rPr lang="fr-FR" sz="2000" dirty="0" smtClean="0"/>
-              <a:t>Ne doit jamais être vu du modèle</a:t>
-            </a:r>
-          </a:p>
-          <a:p>
-            <a:r>
-              <a:rPr lang="fr-FR" sz="2400" dirty="0" err="1" smtClean="0"/>
-              <a:t>TestSet</a:t>
-            </a:r>
-            <a:endParaRPr lang="fr-FR" sz="2400" dirty="0" smtClean="0"/>
-          </a:p>
-          <a:p>
-            <a:pPr lvl="1"/>
-            <a:r>
-              <a:rPr lang="fr-FR" sz="2000" dirty="0" smtClean="0"/>
-              <a:t>Recette final</a:t>
-            </a:r>
-          </a:p>
-          <a:p>
-            <a:pPr lvl="1"/>
-            <a:r>
-              <a:rPr lang="fr-FR" sz="2000" dirty="0" smtClean="0"/>
-              <a:t>Ne doit jamais être vu des développeurs</a:t>
-            </a:r>
+              <a:rPr lang="fr-FR" dirty="0" smtClean="0"/>
+              <a:t>Il faut utiliser le bon échantillon</a:t>
+            </a:r>
+          </a:p>
+          <a:p>
+            <a:pPr lvl="1"/>
+            <a:r>
+              <a:rPr lang="fr-FR" dirty="0" smtClean="0"/>
+              <a:t>Bien répartis</a:t>
+            </a:r>
+          </a:p>
+          <a:p>
+            <a:pPr lvl="1"/>
+            <a:r>
+              <a:rPr lang="fr-FR" dirty="0" smtClean="0"/>
+              <a:t>Ne pas introduire de biais</a:t>
+            </a:r>
+          </a:p>
+          <a:p>
+            <a:pPr lvl="1"/>
+            <a:r>
+              <a:rPr lang="fr-FR" dirty="0" smtClean="0"/>
+              <a:t>Par exemple à Paris les loyers sont plus chères qu’ailleurs</a:t>
+            </a:r>
+          </a:p>
+          <a:p>
+            <a:r>
+              <a:rPr lang="fr-FR" dirty="0" smtClean="0"/>
+              <a:t>Il faut ensuite découper l’échantillon avec le</a:t>
+            </a:r>
+          </a:p>
+          <a:p>
+            <a:pPr lvl="1"/>
+            <a:r>
+              <a:rPr lang="fr-FR" dirty="0" smtClean="0"/>
+              <a:t>Training Set</a:t>
+            </a:r>
+          </a:p>
+          <a:p>
+            <a:pPr lvl="1"/>
+            <a:r>
+              <a:rPr lang="fr-FR" dirty="0" err="1" smtClean="0"/>
+              <a:t>Testing</a:t>
+            </a:r>
+            <a:r>
+              <a:rPr lang="fr-FR" dirty="0" smtClean="0"/>
+              <a:t> Set</a:t>
+            </a:r>
+          </a:p>
+          <a:p>
+            <a:r>
+              <a:rPr lang="fr-FR" dirty="0" smtClean="0"/>
+              <a:t>L’un sert à l’apprentissage, l’autre au test</a:t>
+            </a:r>
+          </a:p>
+          <a:p>
+            <a:pPr lvl="1"/>
+            <a:r>
+              <a:rPr lang="fr-FR" dirty="0" smtClean="0"/>
+              <a:t>Souvent 80/20</a:t>
+            </a:r>
+            <a:endParaRPr lang="fr-FR" dirty="0"/>
           </a:p>
         </p:txBody>
       </p:sp>
     </p:spTree>
     <p:extLst>
       <p:ext uri="{BB962C8B-B14F-4D97-AF65-F5344CB8AC3E}">
-        <p14:creationId xmlns:p14="http://schemas.microsoft.com/office/powerpoint/2010/main" val="1521370590"/>
+        <p14:creationId xmlns:p14="http://schemas.microsoft.com/office/powerpoint/2010/main" val="1449798764"/>
       </p:ext>
     </p:extLst>
   </p:cSld>
   <p:clrMapOvr>
     <a:masterClrMapping/>
   </p:clrMapOvr>
+  <p:timing>
+    <p:tnLst>
+      <p:par>
+        <p:cTn id="1" dur="indefinite" restart="never" nodeType="tmRoot"/>
+      </p:par>
+    </p:tnLst>
+  </p:timing>
 </p:sld>
 </file>
 
@@ -6584,11 +6581,7 @@
           <a:p>
             <a:r>
               <a:rPr lang="fr-FR" dirty="0" smtClean="0"/>
-              <a:t>Méthode </a:t>
-            </a:r>
-            <a:r>
-              <a:rPr lang="fr-FR" dirty="0" err="1" smtClean="0"/>
-              <a:t>SKLearn</a:t>
+              <a:t>Vocabulaire</a:t>
             </a:r>
             <a:endParaRPr lang="fr-FR" dirty="0"/>
           </a:p>
@@ -6610,139 +6603,109 @@
           <a:lstStyle/>
           <a:p>
             <a:r>
-              <a:rPr lang="fr-FR" dirty="0"/>
-              <a:t>Model </a:t>
-            </a:r>
-            <a:r>
-              <a:rPr lang="fr-FR" dirty="0" err="1"/>
-              <a:t>Selection</a:t>
-            </a:r>
-            <a:r>
-              <a:rPr lang="fr-FR" dirty="0"/>
-              <a:t> est un module de sélection de modèle</a:t>
-            </a:r>
-          </a:p>
-          <a:p>
-            <a:r>
-              <a:rPr lang="fr-FR" dirty="0" err="1"/>
-              <a:t>Train_test_split</a:t>
-            </a:r>
-            <a:r>
-              <a:rPr lang="fr-FR" dirty="0"/>
-              <a:t> permet de découper le </a:t>
-            </a:r>
-            <a:r>
-              <a:rPr lang="fr-FR" dirty="0" err="1"/>
-              <a:t>dataset</a:t>
-            </a:r>
-            <a:endParaRPr lang="fr-FR" dirty="0"/>
-          </a:p>
-          <a:p>
-            <a:pPr lvl="1"/>
-            <a:r>
-              <a:rPr lang="fr-FR" dirty="0"/>
-              <a:t>import </a:t>
-            </a:r>
-            <a:r>
-              <a:rPr lang="fr-FR" dirty="0" err="1"/>
-              <a:t>sklearn.model_selection</a:t>
-            </a:r>
-            <a:r>
-              <a:rPr lang="fr-FR" dirty="0"/>
-              <a:t> as ms</a:t>
-            </a:r>
-          </a:p>
-          <a:p>
-            <a:pPr lvl="1"/>
-            <a:r>
-              <a:rPr lang="fr-FR" dirty="0" err="1"/>
-              <a:t>xtrain</a:t>
-            </a:r>
-            <a:r>
-              <a:rPr lang="fr-FR" dirty="0"/>
-              <a:t>, </a:t>
-            </a:r>
-            <a:r>
-              <a:rPr lang="fr-FR" dirty="0" err="1"/>
-              <a:t>xtest</a:t>
-            </a:r>
-            <a:r>
-              <a:rPr lang="fr-FR" dirty="0"/>
-              <a:t>, </a:t>
-            </a:r>
-            <a:r>
-              <a:rPr lang="fr-FR" dirty="0" err="1"/>
-              <a:t>ytrain</a:t>
-            </a:r>
-            <a:r>
-              <a:rPr lang="fr-FR" dirty="0"/>
-              <a:t>, </a:t>
-            </a:r>
-            <a:r>
-              <a:rPr lang="fr-FR" dirty="0" err="1"/>
-              <a:t>ytest</a:t>
-            </a:r>
-            <a:r>
-              <a:rPr lang="fr-FR" dirty="0"/>
-              <a:t> = </a:t>
-            </a:r>
-            <a:r>
-              <a:rPr lang="fr-FR" dirty="0" err="1"/>
-              <a:t>ms.train_test_split</a:t>
-            </a:r>
-            <a:r>
-              <a:rPr lang="fr-FR" dirty="0"/>
-              <a:t>(X, y, </a:t>
-            </a:r>
-            <a:r>
-              <a:rPr lang="fr-FR" dirty="0" err="1"/>
-              <a:t>train_size</a:t>
-            </a:r>
-            <a:r>
-              <a:rPr lang="fr-FR" dirty="0"/>
-              <a:t>=0.8, </a:t>
-            </a:r>
-            <a:r>
-              <a:rPr lang="fr-FR" dirty="0" err="1"/>
-              <a:t>test_size</a:t>
-            </a:r>
-            <a:r>
-              <a:rPr lang="fr-FR" dirty="0"/>
-              <a:t>=0.2</a:t>
-            </a:r>
-            <a:r>
-              <a:rPr lang="fr-FR" dirty="0" smtClean="0"/>
-              <a:t>)</a:t>
-            </a:r>
-          </a:p>
-          <a:p>
-            <a:r>
-              <a:rPr lang="fr-FR" dirty="0" err="1"/>
+              <a:rPr lang="fr-FR" sz="2400" dirty="0" err="1" smtClean="0"/>
+              <a:t>TensorFlow</a:t>
+            </a:r>
+            <a:r>
+              <a:rPr lang="fr-FR" sz="2400" dirty="0" smtClean="0"/>
+              <a:t> et </a:t>
+            </a:r>
+            <a:r>
+              <a:rPr lang="fr-FR" sz="2400" dirty="0" err="1" smtClean="0"/>
               <a:t>SKLearn</a:t>
             </a:r>
             <a:r>
-              <a:rPr lang="fr-FR" dirty="0"/>
-              <a:t> appel test la validation</a:t>
-            </a:r>
-          </a:p>
-          <a:p>
-            <a:pPr marL="0" indent="0">
-              <a:buNone/>
-            </a:pPr>
-            <a:endParaRPr lang="fr-FR" dirty="0"/>
+              <a:rPr lang="fr-FR" sz="2400" dirty="0" smtClean="0"/>
+              <a:t> n’utilisent pas le même vocabulaire</a:t>
+            </a:r>
+          </a:p>
+          <a:p>
+            <a:r>
+              <a:rPr lang="fr-FR" sz="2400" dirty="0" err="1" smtClean="0"/>
+              <a:t>TrainingSet</a:t>
+            </a:r>
+            <a:endParaRPr lang="fr-FR" sz="2400" dirty="0" smtClean="0"/>
+          </a:p>
+          <a:p>
+            <a:pPr lvl="1"/>
+            <a:r>
+              <a:rPr lang="fr-FR" sz="2000" dirty="0" smtClean="0"/>
+              <a:t>Jeux d’entrainement</a:t>
+            </a:r>
+          </a:p>
+          <a:p>
+            <a:pPr lvl="1"/>
+            <a:r>
+              <a:rPr lang="fr-FR" sz="2000" dirty="0" smtClean="0"/>
+              <a:t>Calcul du </a:t>
+            </a:r>
+            <a:r>
+              <a:rPr lang="fr-FR" sz="2000" dirty="0" err="1" smtClean="0"/>
+              <a:t>Loss</a:t>
+            </a:r>
+            <a:endParaRPr lang="fr-FR" sz="2000" dirty="0" smtClean="0"/>
+          </a:p>
+          <a:p>
+            <a:r>
+              <a:rPr lang="fr-FR" sz="2400" dirty="0" err="1" smtClean="0"/>
+              <a:t>ValidationSet</a:t>
+            </a:r>
+            <a:endParaRPr lang="fr-FR" sz="2400" dirty="0" smtClean="0"/>
+          </a:p>
+          <a:p>
+            <a:pPr lvl="1"/>
+            <a:r>
+              <a:rPr lang="fr-FR" sz="2000" dirty="0" smtClean="0"/>
+              <a:t>Jeux pour mesurer la qualité du modèle</a:t>
+            </a:r>
+          </a:p>
+          <a:p>
+            <a:pPr lvl="1"/>
+            <a:r>
+              <a:rPr lang="fr-FR" sz="2000" dirty="0" smtClean="0"/>
+              <a:t>Ne doit jamais être vu du modèle</a:t>
+            </a:r>
+          </a:p>
+          <a:p>
+            <a:r>
+              <a:rPr lang="fr-FR" sz="2400" dirty="0" err="1" smtClean="0"/>
+              <a:t>TestSet</a:t>
+            </a:r>
+            <a:endParaRPr lang="fr-FR" sz="2400" dirty="0" smtClean="0"/>
+          </a:p>
+          <a:p>
+            <a:pPr lvl="1"/>
+            <a:r>
+              <a:rPr lang="fr-FR" sz="2000" dirty="0" smtClean="0"/>
+              <a:t>Recette final</a:t>
+            </a:r>
+          </a:p>
+          <a:p>
+            <a:pPr lvl="1"/>
+            <a:r>
+              <a:rPr lang="fr-FR" sz="2000" dirty="0" smtClean="0"/>
+              <a:t>Ne doit jamais être vu des développeurs</a:t>
+            </a:r>
           </a:p>
         </p:txBody>
       </p:sp>
     </p:spTree>
     <p:extLst>
       <p:ext uri="{BB962C8B-B14F-4D97-AF65-F5344CB8AC3E}">
-        <p14:creationId xmlns:p14="http://schemas.microsoft.com/office/powerpoint/2010/main" val="302231346"/>
+        <p14:creationId xmlns:p14="http://schemas.microsoft.com/office/powerpoint/2010/main" val="1521370590"/>
       </p:ext>
     </p:extLst>
   </p:cSld>
   <p:clrMapOvr>
     <a:masterClrMapping/>
   </p:clrMapOvr>
+  <p:timing>
+    <p:tnLst>
+      <p:par>
+        <p:cTn id="1" dur="indefinite" restart="never" nodeType="tmRoot"/>
+      </p:par>
+    </p:tnLst>
+  </p:timing>
 </p:sld>
 </file>
 
@@ -6784,7 +6747,7 @@
             </a:r>
             <a:r>
               <a:rPr lang="fr-FR" dirty="0" err="1" smtClean="0"/>
-              <a:t>Keras</a:t>
+              <a:t>SKLearn</a:t>
             </a:r>
             <a:endParaRPr lang="fr-FR" dirty="0"/>
           </a:p>
@@ -6806,75 +6769,125 @@
           <a:lstStyle/>
           <a:p>
             <a:r>
-              <a:rPr lang="en-US" dirty="0" smtClean="0"/>
-              <a:t>Simple</a:t>
-            </a:r>
-          </a:p>
-          <a:p>
-            <a:pPr lvl="1"/>
-            <a:r>
-              <a:rPr lang="en-US" dirty="0" err="1" smtClean="0"/>
-              <a:t>model.fit</a:t>
-            </a:r>
-            <a:r>
-              <a:rPr lang="en-US" dirty="0" smtClean="0"/>
-              <a:t>(</a:t>
-            </a:r>
-            <a:r>
-              <a:rPr lang="en-US" dirty="0" err="1" smtClean="0"/>
-              <a:t>validation_split</a:t>
-            </a:r>
-            <a:r>
-              <a:rPr lang="en-US" dirty="0" smtClean="0"/>
-              <a:t>=0.2)</a:t>
-            </a:r>
-            <a:endParaRPr lang="fr-FR" dirty="0" smtClean="0"/>
-          </a:p>
-          <a:p>
-            <a:r>
-              <a:rPr lang="fr-FR" dirty="0" smtClean="0"/>
-              <a:t>Pour s’assurer la reproductibilité de la randomisation</a:t>
-            </a:r>
-          </a:p>
-          <a:p>
-            <a:pPr lvl="1"/>
-            <a:r>
-              <a:rPr lang="fr-FR" dirty="0" err="1" smtClean="0"/>
-              <a:t>tensorflow.random.set_seed</a:t>
-            </a:r>
-            <a:r>
-              <a:rPr lang="fr-FR" dirty="0" smtClean="0"/>
-              <a:t>(1511)</a:t>
-            </a:r>
-          </a:p>
-          <a:p>
-            <a:r>
-              <a:rPr lang="fr-FR" dirty="0" smtClean="0"/>
-              <a:t>En cas d’utilisation </a:t>
-            </a:r>
-            <a:r>
-              <a:rPr lang="fr-FR" dirty="0" err="1" smtClean="0"/>
-              <a:t>numpy</a:t>
-            </a:r>
-            <a:endParaRPr lang="fr-FR" dirty="0" smtClean="0"/>
-          </a:p>
-          <a:p>
-            <a:pPr lvl="1"/>
-            <a:r>
-              <a:rPr lang="fr-FR" dirty="0" err="1" smtClean="0"/>
-              <a:t>np.random.seed</a:t>
-            </a:r>
-            <a:r>
-              <a:rPr lang="fr-FR" dirty="0" smtClean="0"/>
-              <a:t>(1511</a:t>
-            </a:r>
-            <a:r>
               <a:rPr lang="fr-FR" dirty="0"/>
+              <a:t>Model </a:t>
+            </a:r>
+            <a:r>
+              <a:rPr lang="fr-FR" dirty="0" err="1"/>
+              <a:t>Selection</a:t>
+            </a:r>
+            <a:r>
+              <a:rPr lang="fr-FR" dirty="0"/>
+              <a:t> est un module de sélection de modèle</a:t>
+            </a:r>
+          </a:p>
+          <a:p>
+            <a:r>
+              <a:rPr lang="fr-FR" dirty="0" err="1"/>
+              <a:t>Train_test_split</a:t>
+            </a:r>
+            <a:r>
+              <a:rPr lang="fr-FR" dirty="0"/>
+              <a:t> permet de découper le </a:t>
+            </a:r>
+            <a:r>
+              <a:rPr lang="fr-FR" dirty="0" err="1"/>
+              <a:t>dataset</a:t>
+            </a:r>
+            <a:endParaRPr lang="fr-FR" dirty="0"/>
+          </a:p>
+          <a:p>
+            <a:pPr lvl="1"/>
+            <a:r>
+              <a:rPr lang="fr-FR" dirty="0"/>
+              <a:t>import </a:t>
+            </a:r>
+            <a:r>
+              <a:rPr lang="fr-FR" dirty="0" err="1"/>
+              <a:t>sklearn.model_selection</a:t>
+            </a:r>
+            <a:r>
+              <a:rPr lang="fr-FR" dirty="0"/>
+              <a:t> as ms</a:t>
+            </a:r>
+          </a:p>
+          <a:p>
+            <a:pPr lvl="1"/>
+            <a:r>
+              <a:rPr lang="fr-FR" dirty="0" err="1"/>
+              <a:t>xtrain</a:t>
+            </a:r>
+            <a:r>
+              <a:rPr lang="fr-FR" dirty="0"/>
+              <a:t>, </a:t>
+            </a:r>
+            <a:r>
+              <a:rPr lang="fr-FR" dirty="0" err="1"/>
+              <a:t>xtest</a:t>
+            </a:r>
+            <a:r>
+              <a:rPr lang="fr-FR" dirty="0"/>
+              <a:t>, </a:t>
+            </a:r>
+            <a:r>
+              <a:rPr lang="fr-FR" dirty="0" err="1"/>
+              <a:t>ytrain</a:t>
+            </a:r>
+            <a:r>
+              <a:rPr lang="fr-FR" dirty="0"/>
+              <a:t>, </a:t>
+            </a:r>
+            <a:r>
+              <a:rPr lang="fr-FR" dirty="0" err="1"/>
+              <a:t>ytest</a:t>
+            </a:r>
+            <a:r>
+              <a:rPr lang="fr-FR" dirty="0"/>
+              <a:t> = </a:t>
+            </a:r>
+            <a:r>
+              <a:rPr lang="fr-FR" dirty="0" err="1"/>
+              <a:t>ms.train_test_split</a:t>
+            </a:r>
+            <a:r>
+              <a:rPr lang="fr-FR" dirty="0"/>
+              <a:t>(X, y, </a:t>
+            </a:r>
+            <a:r>
+              <a:rPr lang="fr-FR" dirty="0" err="1"/>
+              <a:t>train_size</a:t>
+            </a:r>
+            <a:r>
+              <a:rPr lang="fr-FR" dirty="0"/>
+              <a:t>=0.8, </a:t>
+            </a:r>
+            <a:r>
+              <a:rPr lang="fr-FR" dirty="0" err="1"/>
+              <a:t>test_size</a:t>
+            </a:r>
+            <a:r>
+              <a:rPr lang="fr-FR" dirty="0"/>
+              <a:t>=0.2</a:t>
+            </a:r>
+            <a:r>
+              <a:rPr lang="fr-FR" dirty="0" smtClean="0"/>
               <a:t>)</a:t>
             </a:r>
           </a:p>
           <a:p>
-            <a:pPr lvl="1"/>
+            <a:r>
+              <a:rPr lang="fr-FR" dirty="0" err="1"/>
+              <a:t>SKLearn</a:t>
+            </a:r>
+            <a:r>
+              <a:rPr lang="fr-FR" dirty="0"/>
+              <a:t> appel test la validation</a:t>
+            </a:r>
+          </a:p>
+          <a:p>
+            <a:pPr marL="0" indent="0">
+              <a:buNone/>
+            </a:pPr>
             <a:endParaRPr lang="fr-FR" dirty="0"/>
           </a:p>
         </p:txBody>
@@ -6882,13 +6895,20 @@
     </p:spTree>
     <p:extLst>
       <p:ext uri="{BB962C8B-B14F-4D97-AF65-F5344CB8AC3E}">
-        <p14:creationId xmlns:p14="http://schemas.microsoft.com/office/powerpoint/2010/main" val="3354143676"/>
+        <p14:creationId xmlns:p14="http://schemas.microsoft.com/office/powerpoint/2010/main" val="302231346"/>
       </p:ext>
     </p:extLst>
   </p:cSld>
   <p:clrMapOvr>
     <a:masterClrMapping/>
   </p:clrMapOvr>
+  <p:timing>
+    <p:tnLst>
+      <p:par>
+        <p:cTn id="1" dur="indefinite" restart="never" nodeType="tmRoot"/>
+      </p:par>
+    </p:tnLst>
+  </p:timing>
 </p:sld>
 </file>
 
@@ -6926,7 +6946,11 @@
           <a:p>
             <a:r>
               <a:rPr lang="fr-FR" dirty="0" smtClean="0"/>
-              <a:t>Compréhension des résultats</a:t>
+              <a:t>Méthode </a:t>
+            </a:r>
+            <a:r>
+              <a:rPr lang="fr-FR" dirty="0" err="1" smtClean="0"/>
+              <a:t>Keras</a:t>
             </a:r>
             <a:endParaRPr lang="fr-FR" dirty="0"/>
           </a:p>
@@ -6948,244 +6972,96 @@
           <a:lstStyle/>
           <a:p>
             <a:r>
-              <a:rPr lang="fr-FR" sz="2400" dirty="0" err="1" smtClean="0"/>
-              <a:t>Loss</a:t>
-            </a:r>
-            <a:r>
-              <a:rPr lang="fr-FR" sz="2400" dirty="0" smtClean="0"/>
-              <a:t> détermine le </a:t>
-            </a:r>
-            <a:r>
-              <a:rPr lang="fr-FR" sz="2400" dirty="0" err="1" smtClean="0"/>
-              <a:t>loss</a:t>
-            </a:r>
-            <a:r>
-              <a:rPr lang="fr-FR" sz="2400" dirty="0" smtClean="0"/>
-              <a:t> de l’inférence avec les training set</a:t>
-            </a:r>
-          </a:p>
-          <a:p>
-            <a:r>
-              <a:rPr lang="fr-FR" sz="2400" dirty="0" err="1" smtClean="0"/>
-              <a:t>Val_loss</a:t>
-            </a:r>
-            <a:r>
-              <a:rPr lang="fr-FR" sz="2400" dirty="0" smtClean="0"/>
-              <a:t> détermine le </a:t>
-            </a:r>
-            <a:r>
-              <a:rPr lang="fr-FR" sz="2400" dirty="0" err="1" smtClean="0"/>
-              <a:t>loss</a:t>
-            </a:r>
-            <a:r>
-              <a:rPr lang="fr-FR" sz="2400" dirty="0" smtClean="0"/>
-              <a:t> de l’</a:t>
-            </a:r>
-            <a:r>
-              <a:rPr lang="fr-FR" sz="2400" dirty="0" err="1" smtClean="0"/>
-              <a:t>epoch</a:t>
-            </a:r>
-            <a:r>
-              <a:rPr lang="fr-FR" sz="2400" dirty="0" smtClean="0"/>
-              <a:t> avec le jeux de validation</a:t>
-            </a:r>
-          </a:p>
-          <a:p>
-            <a:r>
-              <a:rPr lang="fr-FR" sz="2400" dirty="0" err="1" smtClean="0"/>
-              <a:t>Accuracy</a:t>
-            </a:r>
-            <a:r>
-              <a:rPr lang="fr-FR" sz="2400" dirty="0" smtClean="0"/>
-              <a:t> </a:t>
-            </a:r>
-            <a:r>
-              <a:rPr lang="fr-FR" sz="2400" dirty="0"/>
-              <a:t>détermine </a:t>
-            </a:r>
-            <a:r>
-              <a:rPr lang="fr-FR" sz="2400" dirty="0" smtClean="0"/>
-              <a:t>la précision de </a:t>
-            </a:r>
-            <a:r>
-              <a:rPr lang="fr-FR" sz="2400" dirty="0"/>
-              <a:t>l’inférence avec les training set</a:t>
-            </a:r>
-          </a:p>
-          <a:p>
-            <a:r>
-              <a:rPr lang="fr-FR" sz="2400" dirty="0"/>
-              <a:t>Val</a:t>
-            </a:r>
-            <a:r>
-              <a:rPr lang="fr-FR" sz="2400" dirty="0" smtClean="0"/>
-              <a:t>_</a:t>
-            </a:r>
-            <a:r>
-              <a:rPr lang="fr-FR" sz="2400" dirty="0"/>
-              <a:t> </a:t>
-            </a:r>
-            <a:r>
-              <a:rPr lang="fr-FR" sz="2400" dirty="0" err="1" smtClean="0"/>
-              <a:t>accuracy</a:t>
-            </a:r>
-            <a:r>
-              <a:rPr lang="fr-FR" sz="2400" dirty="0" smtClean="0"/>
-              <a:t> </a:t>
-            </a:r>
-            <a:r>
-              <a:rPr lang="fr-FR" sz="2400" dirty="0"/>
-              <a:t>détermine la précision </a:t>
-            </a:r>
-            <a:r>
-              <a:rPr lang="fr-FR" sz="2400" dirty="0" smtClean="0"/>
-              <a:t>de </a:t>
-            </a:r>
-            <a:r>
-              <a:rPr lang="fr-FR" sz="2400" dirty="0"/>
-              <a:t>l’</a:t>
-            </a:r>
-            <a:r>
-              <a:rPr lang="fr-FR" sz="2400" dirty="0" err="1"/>
-              <a:t>epoch</a:t>
-            </a:r>
-            <a:r>
-              <a:rPr lang="fr-FR" sz="2400" dirty="0"/>
-              <a:t> avec le jeux de </a:t>
-            </a:r>
-            <a:r>
-              <a:rPr lang="fr-FR" sz="2400" dirty="0" smtClean="0"/>
-              <a:t>validation</a:t>
-            </a:r>
-          </a:p>
-          <a:p>
-            <a:r>
-              <a:rPr lang="fr-FR" sz="2400" dirty="0" smtClean="0"/>
-              <a:t>Si </a:t>
-            </a:r>
-            <a:r>
-              <a:rPr lang="fr-FR" sz="2400" dirty="0" err="1" smtClean="0"/>
-              <a:t>accuracy</a:t>
-            </a:r>
-            <a:r>
-              <a:rPr lang="fr-FR" sz="2400" dirty="0" smtClean="0"/>
-              <a:t> est bas : le réseau ne fonctionne pas</a:t>
-            </a:r>
-          </a:p>
-          <a:p>
-            <a:r>
-              <a:rPr lang="fr-FR" sz="2400" dirty="0" smtClean="0"/>
-              <a:t>Si </a:t>
-            </a:r>
-            <a:r>
-              <a:rPr lang="fr-FR" sz="2400" dirty="0" err="1" smtClean="0"/>
-              <a:t>accuracy</a:t>
-            </a:r>
-            <a:r>
-              <a:rPr lang="fr-FR" sz="2400" dirty="0" smtClean="0"/>
-              <a:t> &gt;&gt; </a:t>
-            </a:r>
-            <a:r>
-              <a:rPr lang="fr-FR" sz="2400" dirty="0" err="1" smtClean="0"/>
-              <a:t>val_accuracy</a:t>
-            </a:r>
-            <a:r>
-              <a:rPr lang="fr-FR" sz="2400" dirty="0" smtClean="0"/>
-              <a:t> : </a:t>
-            </a:r>
-            <a:r>
-              <a:rPr lang="fr-FR" sz="2400" dirty="0" err="1" smtClean="0"/>
-              <a:t>overfitting</a:t>
-            </a:r>
-            <a:endParaRPr lang="fr-FR" sz="2400" dirty="0" smtClean="0"/>
-          </a:p>
-          <a:p>
-            <a:r>
-              <a:rPr lang="fr-FR" sz="2400" dirty="0" smtClean="0"/>
-              <a:t>Si </a:t>
-            </a:r>
-            <a:r>
-              <a:rPr lang="fr-FR" sz="2400" dirty="0" err="1" smtClean="0"/>
-              <a:t>accuracy</a:t>
-            </a:r>
-            <a:r>
-              <a:rPr lang="fr-FR" sz="2400" dirty="0" smtClean="0"/>
-              <a:t> &gt; </a:t>
-            </a:r>
-            <a:r>
-              <a:rPr lang="fr-FR" sz="2400" dirty="0" err="1" smtClean="0"/>
-              <a:t>val_accuracy</a:t>
-            </a:r>
-            <a:r>
-              <a:rPr lang="fr-FR" sz="2400" dirty="0" smtClean="0"/>
-              <a:t> : léger </a:t>
-            </a:r>
-            <a:r>
-              <a:rPr lang="fr-FR" sz="2400" dirty="0" err="1" smtClean="0"/>
-              <a:t>overfitting</a:t>
-            </a:r>
-            <a:endParaRPr lang="fr-FR" sz="2400" dirty="0" smtClean="0"/>
-          </a:p>
-          <a:p>
-            <a:r>
-              <a:rPr lang="fr-FR" sz="2400" dirty="0" smtClean="0"/>
-              <a:t>Si </a:t>
-            </a:r>
-            <a:r>
-              <a:rPr lang="fr-FR" sz="2400" dirty="0" err="1" smtClean="0"/>
-              <a:t>val_accuracy</a:t>
-            </a:r>
-            <a:r>
-              <a:rPr lang="fr-FR" sz="2400" dirty="0" smtClean="0"/>
-              <a:t> &gt;= </a:t>
-            </a:r>
-            <a:r>
-              <a:rPr lang="fr-FR" sz="2400" dirty="0" err="1" smtClean="0"/>
-              <a:t>accuracy</a:t>
-            </a:r>
-            <a:r>
-              <a:rPr lang="fr-FR" sz="2400" dirty="0" smtClean="0"/>
-              <a:t> : parfait</a:t>
-            </a:r>
-          </a:p>
-          <a:p>
-            <a:r>
-              <a:rPr lang="fr-FR" sz="2400" dirty="0" smtClean="0"/>
-              <a:t>Si </a:t>
-            </a:r>
-            <a:r>
-              <a:rPr lang="fr-FR" sz="2400" dirty="0" err="1" smtClean="0"/>
-              <a:t>val_accuracy</a:t>
-            </a:r>
-            <a:r>
-              <a:rPr lang="fr-FR" sz="2400" dirty="0" smtClean="0"/>
-              <a:t> &gt;&gt; </a:t>
-            </a:r>
-            <a:r>
-              <a:rPr lang="fr-FR" sz="2400" dirty="0" err="1" smtClean="0"/>
-              <a:t>accuracy</a:t>
-            </a:r>
-            <a:r>
-              <a:rPr lang="fr-FR" sz="2400" dirty="0" smtClean="0"/>
-              <a:t> : anormal</a:t>
-            </a:r>
-            <a:endParaRPr lang="fr-FR" sz="2400" dirty="0"/>
-          </a:p>
-          <a:p>
-            <a:endParaRPr lang="fr-FR" sz="2400" dirty="0"/>
+              <a:rPr lang="en-US" dirty="0" smtClean="0"/>
+              <a:t>Simple</a:t>
+            </a:r>
+          </a:p>
+          <a:p>
+            <a:pPr lvl="1"/>
+            <a:r>
+              <a:rPr lang="en-US" dirty="0" err="1" smtClean="0"/>
+              <a:t>model.fit</a:t>
+            </a:r>
+            <a:r>
+              <a:rPr lang="en-US" dirty="0" smtClean="0"/>
+              <a:t>(</a:t>
+            </a:r>
+            <a:r>
+              <a:rPr lang="en-US" dirty="0" err="1" smtClean="0"/>
+              <a:t>validation_split</a:t>
+            </a:r>
+            <a:r>
+              <a:rPr lang="en-US" dirty="0" smtClean="0"/>
+              <a:t>=0.2)</a:t>
+            </a:r>
+            <a:endParaRPr lang="fr-FR" dirty="0" smtClean="0"/>
+          </a:p>
+          <a:p>
+            <a:r>
+              <a:rPr lang="fr-FR" dirty="0" smtClean="0"/>
+              <a:t>Pour s’assurer la reproductibilité de la randomisation</a:t>
+            </a:r>
+          </a:p>
+          <a:p>
+            <a:pPr lvl="1"/>
+            <a:r>
+              <a:rPr lang="fr-FR" dirty="0" err="1" smtClean="0"/>
+              <a:t>tensorflow.random.set_seed</a:t>
+            </a:r>
+            <a:r>
+              <a:rPr lang="fr-FR" dirty="0" smtClean="0"/>
+              <a:t>(1511)</a:t>
+            </a:r>
+          </a:p>
+          <a:p>
+            <a:r>
+              <a:rPr lang="fr-FR" dirty="0" smtClean="0"/>
+              <a:t>En cas d’utilisation </a:t>
+            </a:r>
+            <a:r>
+              <a:rPr lang="fr-FR" dirty="0" err="1" smtClean="0"/>
+              <a:t>numpy</a:t>
+            </a:r>
+            <a:endParaRPr lang="fr-FR" dirty="0" smtClean="0"/>
+          </a:p>
+          <a:p>
+            <a:pPr lvl="1"/>
+            <a:r>
+              <a:rPr lang="fr-FR" dirty="0" err="1" smtClean="0"/>
+              <a:t>np.random.seed</a:t>
+            </a:r>
+            <a:r>
+              <a:rPr lang="fr-FR" dirty="0" smtClean="0"/>
+              <a:t>(1511</a:t>
+            </a:r>
+            <a:r>
+              <a:rPr lang="fr-FR" dirty="0"/>
+              <a:t>)</a:t>
+            </a:r>
+          </a:p>
+          <a:p>
+            <a:pPr lvl="1"/>
+            <a:endParaRPr lang="fr-FR" dirty="0"/>
           </a:p>
         </p:txBody>
       </p:sp>
     </p:spTree>
     <p:extLst>
       <p:ext uri="{BB962C8B-B14F-4D97-AF65-F5344CB8AC3E}">
-        <p14:creationId xmlns:p14="http://schemas.microsoft.com/office/powerpoint/2010/main" val="4009506265"/>
+        <p14:creationId xmlns:p14="http://schemas.microsoft.com/office/powerpoint/2010/main" val="3354143676"/>
       </p:ext>
     </p:extLst>
   </p:cSld>
   <p:clrMapOvr>
     <a:masterClrMapping/>
   </p:clrMapOvr>
+  <p:timing>
+    <p:tnLst>
+      <p:par>
+        <p:cTn id="1" dur="indefinite" restart="never" nodeType="tmRoot"/>
+      </p:par>
+    </p:tnLst>
+  </p:timing>
 </p:sld>
 </file>
 
@@ -7222,8 +7098,8 @@
           <a:lstStyle/>
           <a:p>
             <a:r>
-              <a:rPr lang="fr-FR" dirty="0" err="1" smtClean="0"/>
-              <a:t>Scaling</a:t>
+              <a:rPr lang="fr-FR" dirty="0" smtClean="0"/>
+              <a:t>Compréhension des résultats</a:t>
             </a:r>
             <a:endParaRPr lang="fr-FR" dirty="0"/>
           </a:p>
@@ -7245,76 +7121,251 @@
           <a:lstStyle/>
           <a:p>
             <a:r>
-              <a:rPr lang="fr-FR" dirty="0" smtClean="0"/>
-              <a:t>Il est difficile de comparer des données de l’ordre de 100000 et de l’ordre de 0.00001</a:t>
-            </a:r>
-          </a:p>
-          <a:p>
-            <a:pPr lvl="1"/>
-            <a:r>
-              <a:rPr lang="fr-FR" dirty="0" smtClean="0"/>
-              <a:t>La descente du gradient va être négligeable sur 100000 et important sur 0.00001</a:t>
-            </a:r>
-          </a:p>
-          <a:p>
-            <a:pPr lvl="1"/>
-            <a:r>
-              <a:rPr lang="fr-FR" dirty="0" smtClean="0"/>
-              <a:t>Peut empêcher un réseau de fonctionner</a:t>
-            </a:r>
-          </a:p>
-          <a:p>
-            <a:r>
-              <a:rPr lang="fr-FR" dirty="0" smtClean="0"/>
-              <a:t>Standardisation</a:t>
-            </a:r>
-          </a:p>
-          <a:p>
-            <a:pPr lvl="1"/>
-            <a:r>
-              <a:rPr lang="fr-FR" dirty="0" smtClean="0"/>
-              <a:t>Permet de comparer des données comparables</a:t>
-            </a:r>
-          </a:p>
-          <a:p>
-            <a:pPr lvl="1"/>
-            <a:r>
-              <a:rPr lang="fr-FR" dirty="0" smtClean="0"/>
-              <a:t>Par exemple centrer les données sur zéro avec un écart type de 1</a:t>
-            </a:r>
-          </a:p>
-          <a:p>
-            <a:pPr lvl="1"/>
-            <a:r>
-              <a:rPr lang="fr-FR" dirty="0" smtClean="0"/>
-              <a:t>F(x) = (x – </a:t>
-            </a:r>
-            <a:r>
-              <a:rPr lang="fr-FR" dirty="0" err="1" smtClean="0"/>
-              <a:t>moy</a:t>
-            </a:r>
-            <a:r>
-              <a:rPr lang="fr-FR" dirty="0" smtClean="0"/>
-              <a:t>) / </a:t>
-            </a:r>
-            <a:r>
-              <a:rPr lang="fr-FR" dirty="0" err="1" smtClean="0"/>
-              <a:t>std</a:t>
-            </a:r>
-            <a:endParaRPr lang="fr-FR" dirty="0"/>
+              <a:rPr lang="fr-FR" sz="2400" dirty="0" err="1" smtClean="0"/>
+              <a:t>Loss</a:t>
+            </a:r>
+            <a:r>
+              <a:rPr lang="fr-FR" sz="2400" dirty="0" smtClean="0"/>
+              <a:t> détermine le </a:t>
+            </a:r>
+            <a:r>
+              <a:rPr lang="fr-FR" sz="2400" dirty="0" err="1" smtClean="0"/>
+              <a:t>loss</a:t>
+            </a:r>
+            <a:r>
+              <a:rPr lang="fr-FR" sz="2400" dirty="0" smtClean="0"/>
+              <a:t> de l’inférence avec les training set</a:t>
+            </a:r>
+          </a:p>
+          <a:p>
+            <a:r>
+              <a:rPr lang="fr-FR" sz="2400" dirty="0" err="1" smtClean="0"/>
+              <a:t>Val_loss</a:t>
+            </a:r>
+            <a:r>
+              <a:rPr lang="fr-FR" sz="2400" dirty="0" smtClean="0"/>
+              <a:t> détermine le </a:t>
+            </a:r>
+            <a:r>
+              <a:rPr lang="fr-FR" sz="2400" dirty="0" err="1" smtClean="0"/>
+              <a:t>loss</a:t>
+            </a:r>
+            <a:r>
+              <a:rPr lang="fr-FR" sz="2400" dirty="0" smtClean="0"/>
+              <a:t> de l’</a:t>
+            </a:r>
+            <a:r>
+              <a:rPr lang="fr-FR" sz="2400" dirty="0" err="1" smtClean="0"/>
+              <a:t>epoch</a:t>
+            </a:r>
+            <a:r>
+              <a:rPr lang="fr-FR" sz="2400" dirty="0" smtClean="0"/>
+              <a:t> avec le jeux de validation</a:t>
+            </a:r>
+          </a:p>
+          <a:p>
+            <a:r>
+              <a:rPr lang="fr-FR" sz="2400" dirty="0" err="1" smtClean="0"/>
+              <a:t>Accuracy</a:t>
+            </a:r>
+            <a:r>
+              <a:rPr lang="fr-FR" sz="2400" dirty="0" smtClean="0"/>
+              <a:t> </a:t>
+            </a:r>
+            <a:r>
+              <a:rPr lang="fr-FR" sz="2400" dirty="0"/>
+              <a:t>détermine </a:t>
+            </a:r>
+            <a:r>
+              <a:rPr lang="fr-FR" sz="2400" dirty="0" smtClean="0"/>
+              <a:t>la précision de </a:t>
+            </a:r>
+            <a:r>
+              <a:rPr lang="fr-FR" sz="2400" dirty="0"/>
+              <a:t>l’inférence avec les training set</a:t>
+            </a:r>
+          </a:p>
+          <a:p>
+            <a:r>
+              <a:rPr lang="fr-FR" sz="2400" dirty="0"/>
+              <a:t>Val</a:t>
+            </a:r>
+            <a:r>
+              <a:rPr lang="fr-FR" sz="2400" dirty="0" smtClean="0"/>
+              <a:t>_</a:t>
+            </a:r>
+            <a:r>
+              <a:rPr lang="fr-FR" sz="2400" dirty="0"/>
+              <a:t> </a:t>
+            </a:r>
+            <a:r>
+              <a:rPr lang="fr-FR" sz="2400" dirty="0" err="1" smtClean="0"/>
+              <a:t>accuracy</a:t>
+            </a:r>
+            <a:r>
+              <a:rPr lang="fr-FR" sz="2400" dirty="0" smtClean="0"/>
+              <a:t> </a:t>
+            </a:r>
+            <a:r>
+              <a:rPr lang="fr-FR" sz="2400" dirty="0"/>
+              <a:t>détermine la précision </a:t>
+            </a:r>
+            <a:r>
+              <a:rPr lang="fr-FR" sz="2400" dirty="0" smtClean="0"/>
+              <a:t>de </a:t>
+            </a:r>
+            <a:r>
+              <a:rPr lang="fr-FR" sz="2400" dirty="0"/>
+              <a:t>l’</a:t>
+            </a:r>
+            <a:r>
+              <a:rPr lang="fr-FR" sz="2400" dirty="0" err="1"/>
+              <a:t>epoch</a:t>
+            </a:r>
+            <a:r>
+              <a:rPr lang="fr-FR" sz="2400" dirty="0"/>
+              <a:t> avec le jeux de </a:t>
+            </a:r>
+            <a:r>
+              <a:rPr lang="fr-FR" sz="2400" dirty="0" smtClean="0"/>
+              <a:t>validation</a:t>
+            </a:r>
+          </a:p>
+          <a:p>
+            <a:r>
+              <a:rPr lang="fr-FR" sz="2400" dirty="0" smtClean="0"/>
+              <a:t>Si </a:t>
+            </a:r>
+            <a:r>
+              <a:rPr lang="fr-FR" sz="2400" dirty="0" err="1" smtClean="0"/>
+              <a:t>accuracy</a:t>
+            </a:r>
+            <a:r>
+              <a:rPr lang="fr-FR" sz="2400" dirty="0" smtClean="0"/>
+              <a:t> est bas : le réseau ne fonctionne pas</a:t>
+            </a:r>
+          </a:p>
+          <a:p>
+            <a:r>
+              <a:rPr lang="fr-FR" sz="2400" dirty="0" smtClean="0"/>
+              <a:t>Si </a:t>
+            </a:r>
+            <a:r>
+              <a:rPr lang="fr-FR" sz="2400" dirty="0" err="1" smtClean="0"/>
+              <a:t>accuracy</a:t>
+            </a:r>
+            <a:r>
+              <a:rPr lang="fr-FR" sz="2400" dirty="0" smtClean="0"/>
+              <a:t> &gt;&gt; </a:t>
+            </a:r>
+            <a:r>
+              <a:rPr lang="fr-FR" sz="2400" dirty="0" err="1" smtClean="0"/>
+              <a:t>val_accuracy</a:t>
+            </a:r>
+            <a:r>
+              <a:rPr lang="fr-FR" sz="2400" dirty="0" smtClean="0"/>
+              <a:t> : </a:t>
+            </a:r>
+            <a:r>
+              <a:rPr lang="fr-FR" sz="2400" dirty="0" err="1" smtClean="0"/>
+              <a:t>overfitting</a:t>
+            </a:r>
+            <a:endParaRPr lang="fr-FR" sz="2400" dirty="0" smtClean="0"/>
+          </a:p>
+          <a:p>
+            <a:r>
+              <a:rPr lang="fr-FR" sz="2400" dirty="0" smtClean="0"/>
+              <a:t>Si </a:t>
+            </a:r>
+            <a:r>
+              <a:rPr lang="fr-FR" sz="2400" dirty="0" err="1" smtClean="0"/>
+              <a:t>accuracy</a:t>
+            </a:r>
+            <a:r>
+              <a:rPr lang="fr-FR" sz="2400" dirty="0" smtClean="0"/>
+              <a:t> &gt; </a:t>
+            </a:r>
+            <a:r>
+              <a:rPr lang="fr-FR" sz="2400" dirty="0" err="1" smtClean="0"/>
+              <a:t>val_accuracy</a:t>
+            </a:r>
+            <a:r>
+              <a:rPr lang="fr-FR" sz="2400" dirty="0" smtClean="0"/>
+              <a:t> : léger </a:t>
+            </a:r>
+            <a:r>
+              <a:rPr lang="fr-FR" sz="2400" dirty="0" err="1" smtClean="0"/>
+              <a:t>overfitting</a:t>
+            </a:r>
+            <a:endParaRPr lang="fr-FR" sz="2400" dirty="0" smtClean="0"/>
+          </a:p>
+          <a:p>
+            <a:r>
+              <a:rPr lang="fr-FR" sz="2400" dirty="0" smtClean="0"/>
+              <a:t>Si </a:t>
+            </a:r>
+            <a:r>
+              <a:rPr lang="fr-FR" sz="2400" dirty="0" err="1" smtClean="0"/>
+              <a:t>val_accuracy</a:t>
+            </a:r>
+            <a:r>
+              <a:rPr lang="fr-FR" sz="2400" dirty="0" smtClean="0"/>
+              <a:t> &gt;= </a:t>
+            </a:r>
+            <a:r>
+              <a:rPr lang="fr-FR" sz="2400" dirty="0" err="1" smtClean="0"/>
+              <a:t>accuracy</a:t>
+            </a:r>
+            <a:r>
+              <a:rPr lang="fr-FR" sz="2400" dirty="0" smtClean="0"/>
+              <a:t> : parfait</a:t>
+            </a:r>
+          </a:p>
+          <a:p>
+            <a:r>
+              <a:rPr lang="fr-FR" sz="2400" dirty="0" smtClean="0"/>
+              <a:t>Si </a:t>
+            </a:r>
+            <a:r>
+              <a:rPr lang="fr-FR" sz="2400" dirty="0" err="1" smtClean="0"/>
+              <a:t>val_accuracy</a:t>
+            </a:r>
+            <a:r>
+              <a:rPr lang="fr-FR" sz="2400" dirty="0" smtClean="0"/>
+              <a:t> &gt;&gt; </a:t>
+            </a:r>
+            <a:r>
+              <a:rPr lang="fr-FR" sz="2400" dirty="0" err="1" smtClean="0"/>
+              <a:t>accuracy</a:t>
+            </a:r>
+            <a:r>
+              <a:rPr lang="fr-FR" sz="2400" dirty="0" smtClean="0"/>
+              <a:t> : anormal</a:t>
+            </a:r>
+            <a:endParaRPr lang="fr-FR" sz="2400" dirty="0"/>
+          </a:p>
+          <a:p>
+            <a:endParaRPr lang="fr-FR" sz="2400" dirty="0"/>
           </a:p>
         </p:txBody>
       </p:sp>
     </p:spTree>
     <p:extLst>
       <p:ext uri="{BB962C8B-B14F-4D97-AF65-F5344CB8AC3E}">
-        <p14:creationId xmlns:p14="http://schemas.microsoft.com/office/powerpoint/2010/main" val="2815797015"/>
+        <p14:creationId xmlns:p14="http://schemas.microsoft.com/office/powerpoint/2010/main" val="4009506265"/>
       </p:ext>
     </p:extLst>
   </p:cSld>
   <p:clrMapOvr>
     <a:masterClrMapping/>
   </p:clrMapOvr>
+  <p:timing>
+    <p:tnLst>
+      <p:par>
+        <p:cTn id="1" dur="indefinite" restart="never" nodeType="tmRoot"/>
+      </p:par>
+    </p:tnLst>
+  </p:timing>
 </p:sld>
 </file>
 
@@ -7351,8 +7402,8 @@
           <a:lstStyle/>
           <a:p>
             <a:r>
-              <a:rPr lang="fr-FR" dirty="0" smtClean="0"/>
-              <a:t>Standardisation d’un jeux de données</a:t>
+              <a:rPr lang="fr-FR" dirty="0" err="1" smtClean="0"/>
+              <a:t>Scaling</a:t>
             </a:r>
             <a:endParaRPr lang="fr-FR" dirty="0"/>
           </a:p>
@@ -7374,147 +7425,70 @@
           <a:lstStyle/>
           <a:p>
             <a:r>
-              <a:rPr lang="fr-FR" sz="2400" dirty="0"/>
-              <a:t>Permet de </a:t>
-            </a:r>
-            <a:r>
-              <a:rPr lang="fr-FR" sz="2400" dirty="0" smtClean="0"/>
-              <a:t>normaliser </a:t>
-            </a:r>
-            <a:r>
-              <a:rPr lang="fr-FR" sz="2400" dirty="0"/>
-              <a:t>les </a:t>
-            </a:r>
-            <a:r>
-              <a:rPr lang="fr-FR" sz="2400" dirty="0" smtClean="0"/>
-              <a:t>données</a:t>
-            </a:r>
-          </a:p>
-          <a:p>
-            <a:r>
-              <a:rPr lang="fr-FR" sz="2400" dirty="0" err="1" smtClean="0"/>
-              <a:t>MinMaxScaler</a:t>
-            </a:r>
-            <a:endParaRPr lang="fr-FR" sz="2400" dirty="0" smtClean="0"/>
-          </a:p>
-          <a:p>
-            <a:pPr lvl="1"/>
-            <a:r>
-              <a:rPr lang="fr-FR" sz="2000" dirty="0" smtClean="0"/>
-              <a:t>Transforme les </a:t>
-            </a:r>
-            <a:r>
-              <a:rPr lang="fr-FR" sz="2000" dirty="0" smtClean="0"/>
-              <a:t>données pour qu’elles soient comprises entre </a:t>
-            </a:r>
-            <a:r>
-              <a:rPr lang="fr-FR" sz="2000" dirty="0" smtClean="0"/>
-              <a:t>min </a:t>
-            </a:r>
-            <a:r>
-              <a:rPr lang="fr-FR" sz="2000" dirty="0" smtClean="0"/>
-              <a:t>et </a:t>
-            </a:r>
-            <a:r>
-              <a:rPr lang="fr-FR" sz="2000" dirty="0" smtClean="0"/>
-              <a:t>max</a:t>
-            </a:r>
-            <a:endParaRPr lang="fr-FR" sz="2000" dirty="0" smtClean="0"/>
-          </a:p>
-          <a:p>
-            <a:r>
-              <a:rPr lang="fr-FR" sz="2400" dirty="0" err="1" smtClean="0"/>
-              <a:t>StandardScaler</a:t>
-            </a:r>
-            <a:endParaRPr lang="fr-FR" sz="2400" dirty="0" smtClean="0"/>
-          </a:p>
-          <a:p>
-            <a:pPr lvl="1"/>
-            <a:r>
-              <a:rPr lang="fr-FR" sz="2000" dirty="0" smtClean="0"/>
-              <a:t>Supprime </a:t>
-            </a:r>
-            <a:r>
-              <a:rPr lang="fr-FR" sz="2000" dirty="0"/>
-              <a:t>la moyenne et la mise à l'échelle de la variance de </a:t>
-            </a:r>
-            <a:r>
-              <a:rPr lang="fr-FR" sz="2000" dirty="0" smtClean="0"/>
-              <a:t>l'unité et en centrant sur 0</a:t>
-            </a:r>
-          </a:p>
-          <a:p>
-            <a:pPr lvl="1"/>
-            <a:r>
-              <a:rPr lang="fr-FR" sz="2000" dirty="0" smtClean="0"/>
-              <a:t>La moyenne devient 0</a:t>
-            </a:r>
-          </a:p>
-          <a:p>
-            <a:pPr lvl="1"/>
-            <a:r>
-              <a:rPr lang="fr-FR" sz="2000" dirty="0" smtClean="0"/>
-              <a:t>L’écart type devient 1</a:t>
-            </a:r>
-            <a:endParaRPr lang="fr-FR" sz="2000" dirty="0" smtClean="0"/>
-          </a:p>
-          <a:p>
-            <a:r>
-              <a:rPr lang="fr-FR" sz="2400" dirty="0" err="1" smtClean="0"/>
-              <a:t>RobusteScaler</a:t>
-            </a:r>
-            <a:endParaRPr lang="fr-FR" sz="2400" dirty="0" smtClean="0"/>
-          </a:p>
-          <a:p>
-            <a:pPr lvl="1"/>
-            <a:r>
-              <a:rPr lang="fr-FR" sz="2000" dirty="0" smtClean="0"/>
-              <a:t>Fonctionne comme </a:t>
-            </a:r>
-            <a:r>
-              <a:rPr lang="fr-FR" sz="2000" dirty="0" err="1" smtClean="0"/>
-              <a:t>StandardScaler</a:t>
-            </a:r>
-            <a:r>
-              <a:rPr lang="fr-FR" sz="2000" dirty="0" smtClean="0"/>
-              <a:t> mais en </a:t>
-            </a:r>
-            <a:r>
-              <a:rPr lang="fr-FR" sz="2000" dirty="0" smtClean="0"/>
-              <a:t>quantile</a:t>
-            </a:r>
-            <a:endParaRPr lang="fr-FR" sz="2000" dirty="0"/>
-          </a:p>
-        </p:txBody>
-      </p:sp>
-      <p:pic>
-        <p:nvPicPr>
-          <p:cNvPr id="4" name="Image 3"/>
-          <p:cNvPicPr>
-            <a:picLocks noChangeAspect="1"/>
-          </p:cNvPicPr>
-          <p:nvPr/>
-        </p:nvPicPr>
-        <p:blipFill>
-          <a:blip r:embed="rId2"/>
-          <a:stretch>
-            <a:fillRect/>
-          </a:stretch>
-        </p:blipFill>
-        <p:spPr>
-          <a:xfrm>
-            <a:off x="3923928" y="3789040"/>
-            <a:ext cx="4464496" cy="1128609"/>
-          </a:xfrm>
-          <a:prstGeom prst="rect">
-            <a:avLst/>
-          </a:prstGeom>
-        </p:spPr>
-      </p:pic>
+              <a:rPr lang="fr-FR" dirty="0" smtClean="0"/>
+              <a:t>Il est difficile de comparer des données de l’ordre de 100000 et de l’ordre de 0.00001</a:t>
+            </a:r>
+          </a:p>
+          <a:p>
+            <a:pPr lvl="1"/>
+            <a:r>
+              <a:rPr lang="fr-FR" dirty="0" smtClean="0"/>
+              <a:t>La descente du gradient va être négligeable sur 100000 et important sur 0.00001</a:t>
+            </a:r>
+          </a:p>
+          <a:p>
+            <a:pPr lvl="1"/>
+            <a:r>
+              <a:rPr lang="fr-FR" dirty="0" smtClean="0"/>
+              <a:t>Peut empêcher un réseau de fonctionner</a:t>
+            </a:r>
+          </a:p>
+          <a:p>
+            <a:r>
+              <a:rPr lang="fr-FR" dirty="0" smtClean="0"/>
+              <a:t>Standardisation</a:t>
+            </a:r>
+          </a:p>
+          <a:p>
+            <a:pPr lvl="1"/>
+            <a:r>
+              <a:rPr lang="fr-FR" dirty="0" smtClean="0"/>
+              <a:t>Permet de comparer des données comparables</a:t>
+            </a:r>
+          </a:p>
+          <a:p>
+            <a:pPr lvl="1"/>
+            <a:r>
+              <a:rPr lang="fr-FR" dirty="0" smtClean="0"/>
+              <a:t>Par exemple centrer les données sur zéro avec un écart type de 1</a:t>
+            </a:r>
+          </a:p>
+          <a:p>
+            <a:pPr lvl="1"/>
+            <a:r>
+              <a:rPr lang="fr-FR" dirty="0" smtClean="0"/>
+              <a:t>F(x) = (x – </a:t>
+            </a:r>
+            <a:r>
+              <a:rPr lang="fr-FR" dirty="0" err="1" smtClean="0"/>
+              <a:t>moy</a:t>
+            </a:r>
+            <a:r>
+              <a:rPr lang="fr-FR" dirty="0" smtClean="0"/>
+              <a:t>) / </a:t>
+            </a:r>
+            <a:r>
+              <a:rPr lang="fr-FR" dirty="0" err="1" smtClean="0"/>
+              <a:t>std</a:t>
+            </a:r>
+            <a:endParaRPr lang="fr-FR" dirty="0"/>
+          </a:p>
+        </p:txBody>
+      </p:sp>
     </p:spTree>
     <p:extLst>
       <p:ext uri="{BB962C8B-B14F-4D97-AF65-F5344CB8AC3E}">
-        <p14:creationId xmlns:p14="http://schemas.microsoft.com/office/powerpoint/2010/main" val="97404205"/>
+        <p14:creationId xmlns:p14="http://schemas.microsoft.com/office/powerpoint/2010/main" val="2815797015"/>
       </p:ext>
     </p:extLst>
   </p:cSld>
@@ -7597,7 +7571,6 @@
               <a:rPr lang="fr-FR" dirty="0" smtClean="0"/>
               <a:t>Par défaut l’activation est relu</a:t>
             </a:r>
-            <a:endParaRPr lang="fr-FR" dirty="0" smtClean="0"/>
           </a:p>
           <a:p>
             <a:endParaRPr lang="fr-FR" dirty="0"/>
@@ -7682,11 +7655,7 @@
           <a:p>
             <a:r>
               <a:rPr lang="fr-FR" dirty="0" smtClean="0"/>
-              <a:t>Calcul du </a:t>
-            </a:r>
-            <a:r>
-              <a:rPr lang="fr-FR" dirty="0" err="1" smtClean="0"/>
-              <a:t>loss</a:t>
+              <a:t>Standardisation d’un jeux de données</a:t>
             </a:r>
             <a:endParaRPr lang="fr-FR" dirty="0"/>
           </a:p>
@@ -7708,6 +7677,201 @@
           <a:lstStyle/>
           <a:p>
             <a:r>
+              <a:rPr lang="fr-FR" sz="2400" dirty="0"/>
+              <a:t>Permet de </a:t>
+            </a:r>
+            <a:r>
+              <a:rPr lang="fr-FR" sz="2400" dirty="0" smtClean="0"/>
+              <a:t>normaliser </a:t>
+            </a:r>
+            <a:r>
+              <a:rPr lang="fr-FR" sz="2400" dirty="0"/>
+              <a:t>les </a:t>
+            </a:r>
+            <a:r>
+              <a:rPr lang="fr-FR" sz="2400" dirty="0" smtClean="0"/>
+              <a:t>données</a:t>
+            </a:r>
+          </a:p>
+          <a:p>
+            <a:r>
+              <a:rPr lang="fr-FR" sz="2400" dirty="0" err="1" smtClean="0"/>
+              <a:t>MinMaxScaler</a:t>
+            </a:r>
+            <a:endParaRPr lang="fr-FR" sz="2400" dirty="0" smtClean="0"/>
+          </a:p>
+          <a:p>
+            <a:pPr lvl="1"/>
+            <a:r>
+              <a:rPr lang="fr-FR" sz="2000" dirty="0" smtClean="0"/>
+              <a:t>Transforme les données pour qu’elles soient comprises entre min et max</a:t>
+            </a:r>
+          </a:p>
+          <a:p>
+            <a:r>
+              <a:rPr lang="fr-FR" sz="2400" dirty="0" err="1" smtClean="0"/>
+              <a:t>StandardScaler</a:t>
+            </a:r>
+            <a:endParaRPr lang="fr-FR" sz="2400" dirty="0" smtClean="0"/>
+          </a:p>
+          <a:p>
+            <a:pPr lvl="1"/>
+            <a:r>
+              <a:rPr lang="fr-FR" sz="2000" dirty="0" smtClean="0"/>
+              <a:t>Supprime </a:t>
+            </a:r>
+            <a:r>
+              <a:rPr lang="fr-FR" sz="2000" dirty="0"/>
+              <a:t>la moyenne et la mise à l'échelle de la variance de </a:t>
+            </a:r>
+            <a:r>
+              <a:rPr lang="fr-FR" sz="2000" dirty="0" smtClean="0"/>
+              <a:t>l'unité et en centrant sur 0</a:t>
+            </a:r>
+          </a:p>
+          <a:p>
+            <a:pPr lvl="1"/>
+            <a:r>
+              <a:rPr lang="fr-FR" sz="2000" dirty="0" smtClean="0"/>
+              <a:t>La moyenne devient 0</a:t>
+            </a:r>
+          </a:p>
+          <a:p>
+            <a:pPr lvl="1"/>
+            <a:r>
+              <a:rPr lang="fr-FR" sz="2000" dirty="0" smtClean="0"/>
+              <a:t>L’écart type devient 1</a:t>
+            </a:r>
+          </a:p>
+          <a:p>
+            <a:r>
+              <a:rPr lang="fr-FR" sz="2400" dirty="0" err="1" smtClean="0"/>
+              <a:t>RobusteScaler</a:t>
+            </a:r>
+            <a:endParaRPr lang="fr-FR" sz="2400" dirty="0" smtClean="0"/>
+          </a:p>
+          <a:p>
+            <a:pPr lvl="1"/>
+            <a:r>
+              <a:rPr lang="fr-FR" sz="2000" dirty="0" smtClean="0"/>
+              <a:t>Fonctionne comme </a:t>
+            </a:r>
+            <a:r>
+              <a:rPr lang="fr-FR" sz="2000" dirty="0" err="1" smtClean="0"/>
+              <a:t>StandardScaler</a:t>
+            </a:r>
+            <a:r>
+              <a:rPr lang="fr-FR" sz="2000" dirty="0" smtClean="0"/>
+              <a:t> mais en quantile</a:t>
+            </a:r>
+            <a:endParaRPr lang="fr-FR" sz="2000" dirty="0"/>
+          </a:p>
+        </p:txBody>
+      </p:sp>
+      <p:pic>
+        <p:nvPicPr>
+          <p:cNvPr id="4" name="Image 3"/>
+          <p:cNvPicPr>
+            <a:picLocks noChangeAspect="1"/>
+          </p:cNvPicPr>
+          <p:nvPr/>
+        </p:nvPicPr>
+        <p:blipFill>
+          <a:blip r:embed="rId2"/>
+          <a:stretch>
+            <a:fillRect/>
+          </a:stretch>
+        </p:blipFill>
+        <p:spPr>
+          <a:xfrm>
+            <a:off x="3923928" y="3789040"/>
+            <a:ext cx="4464496" cy="1128609"/>
+          </a:xfrm>
+          <a:prstGeom prst="rect">
+            <a:avLst/>
+          </a:prstGeom>
+        </p:spPr>
+      </p:pic>
+    </p:spTree>
+    <p:extLst>
+      <p:ext uri="{BB962C8B-B14F-4D97-AF65-F5344CB8AC3E}">
+        <p14:creationId xmlns:p14="http://schemas.microsoft.com/office/powerpoint/2010/main" val="97404205"/>
+      </p:ext>
+    </p:extLst>
+  </p:cSld>
+  <p:clrMapOvr>
+    <a:masterClrMapping/>
+  </p:clrMapOvr>
+  <p:timing>
+    <p:tnLst>
+      <p:par>
+        <p:cTn id="1" dur="indefinite" restart="never" nodeType="tmRoot"/>
+      </p:par>
+    </p:tnLst>
+  </p:timing>
+</p:sld>
+</file>
+
+<file path=ppt/slides/slide31.xml><?xml version="1.0" encoding="utf-8"?>
+<p:sld xmlns:a="http://schemas.openxmlformats.org/drawingml/2006/main" xmlns:r="http://schemas.openxmlformats.org/officeDocument/2006/relationships" xmlns:p="http://schemas.openxmlformats.org/presentationml/2006/main">
+  <p:cSld>
+    <p:spTree>
+      <p:nvGrpSpPr>
+        <p:cNvPr id="1" name=""/>
+        <p:cNvGrpSpPr/>
+        <p:nvPr/>
+      </p:nvGrpSpPr>
+      <p:grpSpPr>
+        <a:xfrm>
+          <a:off x="0" y="0"/>
+          <a:ext cx="0" cy="0"/>
+          <a:chOff x="0" y="0"/>
+          <a:chExt cx="0" cy="0"/>
+        </a:xfrm>
+      </p:grpSpPr>
+      <p:sp>
+        <p:nvSpPr>
+          <p:cNvPr id="2" name="Titre 1"/>
+          <p:cNvSpPr>
+            <a:spLocks noGrp="1"/>
+          </p:cNvSpPr>
+          <p:nvPr>
+            <p:ph type="title"/>
+          </p:nvPr>
+        </p:nvSpPr>
+        <p:spPr/>
+        <p:txBody>
+          <a:bodyPr/>
+          <a:lstStyle/>
+          <a:p>
+            <a:r>
+              <a:rPr lang="fr-FR" dirty="0" smtClean="0"/>
+              <a:t>Calcul du </a:t>
+            </a:r>
+            <a:r>
+              <a:rPr lang="fr-FR" dirty="0" err="1" smtClean="0"/>
+              <a:t>loss</a:t>
+            </a:r>
+            <a:endParaRPr lang="fr-FR" dirty="0"/>
+          </a:p>
+        </p:txBody>
+      </p:sp>
+      <p:sp>
+        <p:nvSpPr>
+          <p:cNvPr id="3" name="Espace réservé du contenu 2"/>
+          <p:cNvSpPr>
+            <a:spLocks noGrp="1"/>
+          </p:cNvSpPr>
+          <p:nvPr>
+            <p:ph idx="1"/>
+          </p:nvPr>
+        </p:nvSpPr>
+        <p:spPr/>
+        <p:txBody>
+          <a:bodyPr/>
+          <a:lstStyle/>
+          <a:p>
+            <a:r>
               <a:rPr lang="fr-FR" dirty="0" smtClean="0"/>
               <a:t>Pour l’instant nous avons pris MSE</a:t>
             </a:r>
@@ -7751,11 +7915,15 @@
             <a:pPr lvl="1"/>
             <a:r>
               <a:rPr lang="fr-FR" dirty="0" err="1" smtClean="0"/>
-              <a:t>Biany_crossentropy</a:t>
-            </a:r>
-            <a:r>
-              <a:rPr lang="fr-FR" dirty="0" smtClean="0"/>
-              <a:t> si le nombre de catégorie = 2</a:t>
+              <a:t>Binary_crossentropy</a:t>
+            </a:r>
+            <a:r>
+              <a:rPr lang="fr-FR" dirty="0" smtClean="0"/>
+              <a:t> </a:t>
+            </a:r>
+            <a:r>
+              <a:rPr lang="fr-FR" dirty="0" smtClean="0"/>
+              <a:t>si le nombre de catégorie = 2</a:t>
             </a:r>
             <a:endParaRPr lang="fr-FR" dirty="0"/>
           </a:p>
@@ -7771,10 +7939,17 @@
   <p:clrMapOvr>
     <a:masterClrMapping/>
   </p:clrMapOvr>
+  <p:timing>
+    <p:tnLst>
+      <p:par>
+        <p:cTn id="1" dur="indefinite" restart="never" nodeType="tmRoot"/>
+      </p:par>
+    </p:tnLst>
+  </p:timing>
 </p:sld>
 </file>
 
-<file path=ppt/slides/slide31.xml><?xml version="1.0" encoding="utf-8"?>
+<file path=ppt/slides/slide32.xml><?xml version="1.0" encoding="utf-8"?>
 <p:sld xmlns:a="http://schemas.openxmlformats.org/drawingml/2006/main" xmlns:r="http://schemas.openxmlformats.org/officeDocument/2006/relationships" xmlns:p="http://schemas.openxmlformats.org/presentationml/2006/main">
   <p:cSld>
     <p:spTree>
@@ -7995,7 +8170,7 @@
 </p:sld>
 </file>
 
-<file path=ppt/slides/slide32.xml><?xml version="1.0" encoding="utf-8"?>
+<file path=ppt/slides/slide33.xml><?xml version="1.0" encoding="utf-8"?>
 <p:sld xmlns:a="http://schemas.openxmlformats.org/drawingml/2006/main" xmlns:r="http://schemas.openxmlformats.org/officeDocument/2006/relationships" xmlns:p="http://schemas.openxmlformats.org/presentationml/2006/main">
   <p:cSld>
     <p:spTree>
@@ -8218,154 +8393,6 @@
 </p:sld>
 </file>
 
-<file path=ppt/slides/slide33.xml><?xml version="1.0" encoding="utf-8"?>
-<p:sld xmlns:a="http://schemas.openxmlformats.org/drawingml/2006/main" xmlns:r="http://schemas.openxmlformats.org/officeDocument/2006/relationships" xmlns:p="http://schemas.openxmlformats.org/presentationml/2006/main">
-  <p:cSld>
-    <p:spTree>
-      <p:nvGrpSpPr>
-        <p:cNvPr id="1" name=""/>
-        <p:cNvGrpSpPr/>
-        <p:nvPr/>
-      </p:nvGrpSpPr>
-      <p:grpSpPr>
-        <a:xfrm>
-          <a:off x="0" y="0"/>
-          <a:ext cx="0" cy="0"/>
-          <a:chOff x="0" y="0"/>
-          <a:chExt cx="0" cy="0"/>
-        </a:xfrm>
-      </p:grpSpPr>
-      <p:sp>
-        <p:nvSpPr>
-          <p:cNvPr id="2" name="Titre 1"/>
-          <p:cNvSpPr>
-            <a:spLocks noGrp="1"/>
-          </p:cNvSpPr>
-          <p:nvPr>
-            <p:ph type="title"/>
-          </p:nvPr>
-        </p:nvSpPr>
-        <p:spPr/>
-        <p:txBody>
-          <a:bodyPr/>
-          <a:lstStyle/>
-          <a:p>
-            <a:r>
-              <a:rPr lang="fr-FR" dirty="0" err="1" smtClean="0"/>
-              <a:t>Softmax</a:t>
-            </a:r>
-            <a:endParaRPr lang="fr-FR" dirty="0"/>
-          </a:p>
-        </p:txBody>
-      </p:sp>
-      <p:sp>
-        <p:nvSpPr>
-          <p:cNvPr id="3" name="Espace réservé du contenu 2"/>
-          <p:cNvSpPr>
-            <a:spLocks noGrp="1"/>
-          </p:cNvSpPr>
-          <p:nvPr>
-            <p:ph idx="1"/>
-          </p:nvPr>
-        </p:nvSpPr>
-        <p:spPr/>
-        <p:txBody>
-          <a:bodyPr/>
-          <a:lstStyle/>
-          <a:p>
-            <a:r>
-              <a:rPr lang="fr-FR" dirty="0" smtClean="0"/>
-              <a:t>Si le nombre de catégorie est = 2</a:t>
-            </a:r>
-          </a:p>
-          <a:p>
-            <a:pPr lvl="1"/>
-            <a:r>
-              <a:rPr lang="fr-FR" dirty="0" smtClean="0"/>
-              <a:t>Il faut un output layer avec 1 neurone</a:t>
-            </a:r>
-          </a:p>
-          <a:p>
-            <a:pPr lvl="1"/>
-            <a:r>
-              <a:rPr lang="fr-FR" dirty="0" smtClean="0"/>
-              <a:t>L’activation </a:t>
-            </a:r>
-            <a:r>
-              <a:rPr lang="fr-FR" dirty="0" err="1" smtClean="0"/>
-              <a:t>sigmoid</a:t>
-            </a:r>
-            <a:r>
-              <a:rPr lang="fr-FR" dirty="0" smtClean="0"/>
-              <a:t> est couramment utilisée</a:t>
-            </a:r>
-          </a:p>
-          <a:p>
-            <a:pPr lvl="1"/>
-            <a:r>
-              <a:rPr lang="fr-FR" dirty="0" smtClean="0"/>
-              <a:t>Il est possible également d’avoir un output layer avec 2 neurones, mais il est indispensable que la somme des sorties = 1</a:t>
-            </a:r>
-          </a:p>
-          <a:p>
-            <a:pPr lvl="1"/>
-            <a:r>
-              <a:rPr lang="fr-FR" dirty="0" smtClean="0"/>
-              <a:t>L’activation </a:t>
-            </a:r>
-            <a:r>
-              <a:rPr lang="fr-FR" dirty="0" err="1" smtClean="0"/>
-              <a:t>softmax</a:t>
-            </a:r>
-            <a:r>
-              <a:rPr lang="fr-FR" dirty="0" smtClean="0"/>
-              <a:t> est alors utilisée</a:t>
-            </a:r>
-          </a:p>
-          <a:p>
-            <a:r>
-              <a:rPr lang="fr-FR" dirty="0" smtClean="0"/>
-              <a:t>Si le nombre de catégorie &gt; 2</a:t>
-            </a:r>
-          </a:p>
-          <a:p>
-            <a:pPr lvl="1"/>
-            <a:r>
-              <a:rPr lang="fr-FR" dirty="0" smtClean="0"/>
-              <a:t>Il faut autant d’output que de catégorie</a:t>
-            </a:r>
-          </a:p>
-          <a:p>
-            <a:pPr lvl="1"/>
-            <a:r>
-              <a:rPr lang="fr-FR" dirty="0" smtClean="0"/>
-              <a:t>L’activation </a:t>
-            </a:r>
-            <a:r>
-              <a:rPr lang="fr-FR" dirty="0" err="1" smtClean="0"/>
-              <a:t>softmax</a:t>
-            </a:r>
-            <a:r>
-              <a:rPr lang="fr-FR" dirty="0" smtClean="0"/>
-              <a:t> doit être utilisée</a:t>
-            </a:r>
-            <a:endParaRPr lang="fr-FR" dirty="0"/>
-          </a:p>
-        </p:txBody>
-      </p:sp>
-    </p:spTree>
-    <p:extLst>
-      <p:ext uri="{BB962C8B-B14F-4D97-AF65-F5344CB8AC3E}">
-        <p14:creationId xmlns:p14="http://schemas.microsoft.com/office/powerpoint/2010/main" val="1421864535"/>
-      </p:ext>
-    </p:extLst>
-  </p:cSld>
-  <p:clrMapOvr>
-    <a:masterClrMapping/>
-  </p:clrMapOvr>
-</p:sld>
-</file>
-
 <file path=ppt/slides/slide34.xml><?xml version="1.0" encoding="utf-8"?>
 <p:sld xmlns:a="http://schemas.openxmlformats.org/drawingml/2006/main" xmlns:r="http://schemas.openxmlformats.org/officeDocument/2006/relationships" xmlns:p="http://schemas.openxmlformats.org/presentationml/2006/main">
   <p:cSld>
@@ -8399,8 +8426,8 @@
           <a:lstStyle/>
           <a:p>
             <a:r>
-              <a:rPr lang="fr-FR" dirty="0" smtClean="0"/>
-              <a:t>SGD</a:t>
+              <a:rPr lang="fr-FR" dirty="0" err="1" smtClean="0"/>
+              <a:t>Softmax</a:t>
             </a:r>
             <a:endParaRPr lang="fr-FR" dirty="0"/>
           </a:p>
@@ -8422,129 +8449,81 @@
           <a:lstStyle/>
           <a:p>
             <a:r>
-              <a:rPr lang="fr-FR" dirty="0" err="1" smtClean="0"/>
-              <a:t>Stochastic</a:t>
-            </a:r>
-            <a:r>
-              <a:rPr lang="fr-FR" dirty="0" smtClean="0"/>
-              <a:t> Gradient </a:t>
-            </a:r>
-            <a:r>
-              <a:rPr lang="fr-FR" dirty="0" err="1" smtClean="0"/>
-              <a:t>Descent</a:t>
-            </a:r>
-            <a:r>
-              <a:rPr lang="fr-FR" dirty="0" smtClean="0"/>
-              <a:t> </a:t>
-            </a:r>
-            <a:r>
-              <a:rPr lang="fr-FR" dirty="0" err="1" smtClean="0"/>
-              <a:t>Optimizer</a:t>
-            </a:r>
-            <a:endParaRPr lang="fr-FR" dirty="0"/>
-          </a:p>
-          <a:p>
-            <a:pPr lvl="1"/>
-            <a:r>
-              <a:rPr lang="fr-FR" dirty="0" smtClean="0"/>
-              <a:t>Est plus couteux que </a:t>
-            </a:r>
-            <a:r>
-              <a:rPr lang="fr-FR" dirty="0" err="1" smtClean="0"/>
-              <a:t>RMSProp</a:t>
-            </a:r>
-            <a:r>
-              <a:rPr lang="fr-FR" dirty="0" smtClean="0"/>
-              <a:t> et Adam</a:t>
-            </a:r>
-          </a:p>
-          <a:p>
-            <a:pPr lvl="1"/>
-            <a:r>
-              <a:rPr lang="fr-FR" dirty="0" smtClean="0"/>
-              <a:t>Mais permet d’avoir un moment et de calculer </a:t>
-            </a:r>
-            <a:r>
-              <a:rPr lang="fr-FR" dirty="0" err="1" smtClean="0"/>
-              <a:t>df</a:t>
-            </a:r>
-            <a:r>
-              <a:rPr lang="fr-FR" dirty="0" smtClean="0"/>
-              <a:t>(x)</a:t>
-            </a:r>
-          </a:p>
-          <a:p>
-            <a:pPr lvl="1"/>
-            <a:r>
-              <a:rPr lang="fr-FR" dirty="0" smtClean="0"/>
-              <a:t>Souvent utilisé en 2</a:t>
-            </a:r>
-            <a:r>
-              <a:rPr lang="fr-FR" baseline="30000" dirty="0" smtClean="0"/>
-              <a:t>ème</a:t>
-            </a:r>
-            <a:r>
-              <a:rPr lang="fr-FR" dirty="0" smtClean="0"/>
-              <a:t> intention avec un </a:t>
-            </a:r>
-            <a:r>
-              <a:rPr lang="fr-FR" dirty="0" err="1" smtClean="0"/>
-              <a:t>lr</a:t>
-            </a:r>
-            <a:r>
-              <a:rPr lang="fr-FR" dirty="0" smtClean="0"/>
-              <a:t> plus faible qu’avec </a:t>
-            </a:r>
-            <a:r>
-              <a:rPr lang="fr-FR" dirty="0" err="1" smtClean="0"/>
-              <a:t>RMSProp</a:t>
-            </a:r>
-            <a:endParaRPr lang="fr-FR" dirty="0" smtClean="0"/>
-          </a:p>
-          <a:p>
-            <a:r>
-              <a:rPr lang="fr-FR" dirty="0" smtClean="0"/>
-              <a:t>Exemple</a:t>
-            </a:r>
-          </a:p>
-          <a:p>
-            <a:pPr lvl="1"/>
-            <a:r>
-              <a:rPr lang="fr-FR" dirty="0" err="1" smtClean="0"/>
-              <a:t>keras.optimizers.SGD</a:t>
-            </a:r>
-            <a:r>
-              <a:rPr lang="fr-FR" dirty="0" smtClean="0"/>
-              <a:t>(</a:t>
-            </a:r>
-            <a:r>
-              <a:rPr lang="fr-FR" dirty="0" err="1" smtClean="0"/>
-              <a:t>nesterov</a:t>
-            </a:r>
-            <a:r>
-              <a:rPr lang="fr-FR" dirty="0" smtClean="0"/>
-              <a:t>=</a:t>
-            </a:r>
-            <a:r>
-              <a:rPr lang="fr-FR" dirty="0" err="1" smtClean="0"/>
-              <a:t>True</a:t>
-            </a:r>
-            <a:r>
-              <a:rPr lang="fr-FR" dirty="0"/>
-              <a:t>, </a:t>
-            </a:r>
-            <a:r>
-              <a:rPr lang="fr-FR" dirty="0" err="1"/>
-              <a:t>lr</a:t>
-            </a:r>
-            <a:r>
-              <a:rPr lang="fr-FR" dirty="0"/>
-              <a:t>=1e-4)</a:t>
-            </a:r>
-            <a:endParaRPr lang="fr-FR" dirty="0" smtClean="0"/>
-          </a:p>
-          <a:p>
-            <a:pPr lvl="1"/>
+              <a:rPr lang="fr-FR" dirty="0" smtClean="0"/>
+              <a:t>Si le nombre de catégorie est = 2</a:t>
+            </a:r>
+          </a:p>
+          <a:p>
+            <a:pPr lvl="1"/>
+            <a:r>
+              <a:rPr lang="fr-FR" dirty="0" smtClean="0"/>
+              <a:t>Il faut un output layer avec 1 neurone</a:t>
+            </a:r>
+          </a:p>
+          <a:p>
+            <a:pPr lvl="1"/>
+            <a:r>
+              <a:rPr lang="fr-FR" dirty="0" smtClean="0"/>
+              <a:t>L’activation </a:t>
+            </a:r>
+            <a:r>
+              <a:rPr lang="fr-FR" dirty="0" err="1" smtClean="0"/>
+              <a:t>sigmoid</a:t>
+            </a:r>
+            <a:r>
+              <a:rPr lang="fr-FR" dirty="0" smtClean="0"/>
+              <a:t> est couramment utilisée</a:t>
+            </a:r>
+          </a:p>
+          <a:p>
+            <a:pPr lvl="1"/>
+            <a:r>
+              <a:rPr lang="fr-FR" dirty="0" smtClean="0"/>
+              <a:t>Il est possible également d’avoir un output layer avec 2 neurones, mais il est indispensable que la somme des sorties = 1</a:t>
+            </a:r>
+          </a:p>
+          <a:p>
+            <a:pPr lvl="1"/>
+            <a:r>
+              <a:rPr lang="fr-FR" dirty="0" smtClean="0"/>
+              <a:t>L’activation </a:t>
+            </a:r>
+            <a:r>
+              <a:rPr lang="fr-FR" dirty="0" err="1" smtClean="0"/>
+              <a:t>softmax</a:t>
+            </a:r>
+            <a:r>
+              <a:rPr lang="fr-FR" dirty="0" smtClean="0"/>
+              <a:t> est alors utilisée</a:t>
+            </a:r>
+          </a:p>
+          <a:p>
+            <a:r>
+              <a:rPr lang="fr-FR" dirty="0" smtClean="0"/>
+              <a:t>Si le nombre de catégorie &gt; 2</a:t>
+            </a:r>
+          </a:p>
+          <a:p>
+            <a:pPr lvl="1"/>
+            <a:r>
+              <a:rPr lang="fr-FR" dirty="0" smtClean="0"/>
+              <a:t>Il faut autant d’output que de catégorie</a:t>
+            </a:r>
+          </a:p>
+          <a:p>
+            <a:pPr lvl="1"/>
+            <a:r>
+              <a:rPr lang="fr-FR" dirty="0" smtClean="0"/>
+              <a:t>L’activation </a:t>
+            </a:r>
+            <a:r>
+              <a:rPr lang="fr-FR" dirty="0" err="1" smtClean="0"/>
+              <a:t>softmax</a:t>
+            </a:r>
+            <a:r>
+              <a:rPr lang="fr-FR" dirty="0" smtClean="0"/>
+              <a:t> doit être utilisée</a:t>
+            </a:r>
             <a:endParaRPr lang="fr-FR" dirty="0"/>
           </a:p>
         </p:txBody>
@@ -8552,13 +8531,20 @@
     </p:spTree>
     <p:extLst>
       <p:ext uri="{BB962C8B-B14F-4D97-AF65-F5344CB8AC3E}">
-        <p14:creationId xmlns:p14="http://schemas.microsoft.com/office/powerpoint/2010/main" val="1429168102"/>
+        <p14:creationId xmlns:p14="http://schemas.microsoft.com/office/powerpoint/2010/main" val="1421864535"/>
       </p:ext>
     </p:extLst>
   </p:cSld>
   <p:clrMapOvr>
     <a:masterClrMapping/>
   </p:clrMapOvr>
+  <p:timing>
+    <p:tnLst>
+      <p:par>
+        <p:cTn id="1" dur="indefinite" restart="never" nodeType="tmRoot"/>
+      </p:par>
+    </p:tnLst>
+  </p:timing>
 </p:sld>
 </file>
 
@@ -8596,6 +8582,209 @@
           <a:p>
             <a:r>
               <a:rPr lang="fr-FR" dirty="0" smtClean="0"/>
+              <a:t>SGD</a:t>
+            </a:r>
+            <a:endParaRPr lang="fr-FR" dirty="0"/>
+          </a:p>
+        </p:txBody>
+      </p:sp>
+      <p:sp>
+        <p:nvSpPr>
+          <p:cNvPr id="3" name="Espace réservé du contenu 2"/>
+          <p:cNvSpPr>
+            <a:spLocks noGrp="1"/>
+          </p:cNvSpPr>
+          <p:nvPr>
+            <p:ph idx="1"/>
+          </p:nvPr>
+        </p:nvSpPr>
+        <p:spPr/>
+        <p:txBody>
+          <a:bodyPr/>
+          <a:lstStyle/>
+          <a:p>
+            <a:r>
+              <a:rPr lang="fr-FR" dirty="0" err="1" smtClean="0"/>
+              <a:t>Stochastic</a:t>
+            </a:r>
+            <a:r>
+              <a:rPr lang="fr-FR" dirty="0" smtClean="0"/>
+              <a:t> Gradient </a:t>
+            </a:r>
+            <a:r>
+              <a:rPr lang="fr-FR" dirty="0" err="1" smtClean="0"/>
+              <a:t>Descent</a:t>
+            </a:r>
+            <a:r>
+              <a:rPr lang="fr-FR" dirty="0" smtClean="0"/>
+              <a:t> </a:t>
+            </a:r>
+            <a:r>
+              <a:rPr lang="fr-FR" dirty="0" err="1" smtClean="0"/>
+              <a:t>Optimizer</a:t>
+            </a:r>
+            <a:endParaRPr lang="fr-FR" dirty="0"/>
+          </a:p>
+          <a:p>
+            <a:pPr lvl="1"/>
+            <a:r>
+              <a:rPr lang="fr-FR" dirty="0" smtClean="0"/>
+              <a:t>Est plus couteux que </a:t>
+            </a:r>
+            <a:r>
+              <a:rPr lang="fr-FR" dirty="0" err="1" smtClean="0"/>
+              <a:t>RMSProp</a:t>
+            </a:r>
+            <a:r>
+              <a:rPr lang="fr-FR" dirty="0" smtClean="0"/>
+              <a:t> et Adam</a:t>
+            </a:r>
+          </a:p>
+          <a:p>
+            <a:pPr lvl="1"/>
+            <a:r>
+              <a:rPr lang="fr-FR" dirty="0" smtClean="0"/>
+              <a:t>Mais permet d’avoir un moment et de calculer </a:t>
+            </a:r>
+            <a:r>
+              <a:rPr lang="fr-FR" dirty="0" err="1" smtClean="0"/>
+              <a:t>df</a:t>
+            </a:r>
+            <a:r>
+              <a:rPr lang="fr-FR" dirty="0" smtClean="0"/>
+              <a:t>(x)</a:t>
+            </a:r>
+          </a:p>
+          <a:p>
+            <a:pPr lvl="1"/>
+            <a:r>
+              <a:rPr lang="fr-FR" dirty="0" smtClean="0"/>
+              <a:t>Souvent utilisé en 2</a:t>
+            </a:r>
+            <a:r>
+              <a:rPr lang="fr-FR" baseline="30000" dirty="0" smtClean="0"/>
+              <a:t>ème</a:t>
+            </a:r>
+            <a:r>
+              <a:rPr lang="fr-FR" dirty="0" smtClean="0"/>
+              <a:t> intention avec un </a:t>
+            </a:r>
+            <a:r>
+              <a:rPr lang="fr-FR" dirty="0" err="1" smtClean="0"/>
+              <a:t>lr</a:t>
+            </a:r>
+            <a:r>
+              <a:rPr lang="fr-FR" dirty="0" smtClean="0"/>
+              <a:t> plus faible qu’avec </a:t>
+            </a:r>
+            <a:r>
+              <a:rPr lang="fr-FR" dirty="0" err="1" smtClean="0"/>
+              <a:t>RMSProp</a:t>
+            </a:r>
+            <a:endParaRPr lang="fr-FR" dirty="0" smtClean="0"/>
+          </a:p>
+          <a:p>
+            <a:r>
+              <a:rPr lang="fr-FR" dirty="0" smtClean="0"/>
+              <a:t>Exemple</a:t>
+            </a:r>
+          </a:p>
+          <a:p>
+            <a:pPr lvl="1"/>
+            <a:r>
+              <a:rPr lang="fr-FR" dirty="0" err="1" smtClean="0"/>
+              <a:t>keras.optimizers.SGD</a:t>
+            </a:r>
+            <a:r>
+              <a:rPr lang="fr-FR" dirty="0" smtClean="0"/>
+              <a:t>(</a:t>
+            </a:r>
+            <a:r>
+              <a:rPr lang="fr-FR" dirty="0" err="1" smtClean="0"/>
+              <a:t>nesterov</a:t>
+            </a:r>
+            <a:r>
+              <a:rPr lang="fr-FR" dirty="0" smtClean="0"/>
+              <a:t>=</a:t>
+            </a:r>
+            <a:r>
+              <a:rPr lang="fr-FR" dirty="0" err="1" smtClean="0"/>
+              <a:t>True</a:t>
+            </a:r>
+            <a:r>
+              <a:rPr lang="fr-FR" dirty="0"/>
+              <a:t>, </a:t>
+            </a:r>
+            <a:r>
+              <a:rPr lang="fr-FR" dirty="0" err="1"/>
+              <a:t>lr</a:t>
+            </a:r>
+            <a:r>
+              <a:rPr lang="fr-FR" dirty="0"/>
+              <a:t>=1e-4)</a:t>
+            </a:r>
+            <a:endParaRPr lang="fr-FR" dirty="0" smtClean="0"/>
+          </a:p>
+          <a:p>
+            <a:pPr lvl="1"/>
+            <a:endParaRPr lang="fr-FR" dirty="0"/>
+          </a:p>
+        </p:txBody>
+      </p:sp>
+    </p:spTree>
+    <p:extLst>
+      <p:ext uri="{BB962C8B-B14F-4D97-AF65-F5344CB8AC3E}">
+        <p14:creationId xmlns:p14="http://schemas.microsoft.com/office/powerpoint/2010/main" val="1429168102"/>
+      </p:ext>
+    </p:extLst>
+  </p:cSld>
+  <p:clrMapOvr>
+    <a:masterClrMapping/>
+  </p:clrMapOvr>
+  <p:timing>
+    <p:tnLst>
+      <p:par>
+        <p:cTn id="1" dur="indefinite" restart="never" nodeType="tmRoot"/>
+      </p:par>
+    </p:tnLst>
+  </p:timing>
+</p:sld>
+</file>
+
+<file path=ppt/slides/slide36.xml><?xml version="1.0" encoding="utf-8"?>
+<p:sld xmlns:a="http://schemas.openxmlformats.org/drawingml/2006/main" xmlns:r="http://schemas.openxmlformats.org/officeDocument/2006/relationships" xmlns:p="http://schemas.openxmlformats.org/presentationml/2006/main">
+  <p:cSld>
+    <p:spTree>
+      <p:nvGrpSpPr>
+        <p:cNvPr id="1" name=""/>
+        <p:cNvGrpSpPr/>
+        <p:nvPr/>
+      </p:nvGrpSpPr>
+      <p:grpSpPr>
+        <a:xfrm>
+          <a:off x="0" y="0"/>
+          <a:ext cx="0" cy="0"/>
+          <a:chOff x="0" y="0"/>
+          <a:chExt cx="0" cy="0"/>
+        </a:xfrm>
+      </p:grpSpPr>
+      <p:sp>
+        <p:nvSpPr>
+          <p:cNvPr id="2" name="Titre 1"/>
+          <p:cNvSpPr>
+            <a:spLocks noGrp="1"/>
+          </p:cNvSpPr>
+          <p:nvPr>
+            <p:ph type="title"/>
+          </p:nvPr>
+        </p:nvSpPr>
+        <p:spPr/>
+        <p:txBody>
+          <a:bodyPr/>
+          <a:lstStyle/>
+          <a:p>
+            <a:r>
+              <a:rPr lang="fr-FR" dirty="0" smtClean="0"/>
               <a:t>Optimisation du </a:t>
             </a:r>
             <a:r>
@@ -8666,10 +8855,17 @@
   <p:clrMapOvr>
     <a:masterClrMapping/>
   </p:clrMapOvr>
+  <p:timing>
+    <p:tnLst>
+      <p:par>
+        <p:cTn id="1" dur="indefinite" restart="never" nodeType="tmRoot"/>
+      </p:par>
+    </p:tnLst>
+  </p:timing>
 </p:sld>
 </file>
 
-<file path=ppt/slides/slide36.xml><?xml version="1.0" encoding="utf-8"?>
+<file path=ppt/slides/slide37.xml><?xml version="1.0" encoding="utf-8"?>
 <p:sld xmlns:a="http://schemas.openxmlformats.org/drawingml/2006/main" xmlns:r="http://schemas.openxmlformats.org/officeDocument/2006/relationships" xmlns:p="http://schemas.openxmlformats.org/presentationml/2006/main">
   <p:cSld>
     <p:spTree>
@@ -8836,7 +9032,7 @@
 </p:sld>
 </file>
 
-<file path=ppt/slides/slide37.xml><?xml version="1.0" encoding="utf-8"?>
+<file path=ppt/slides/slide38.xml><?xml version="1.0" encoding="utf-8"?>
 <p:sld xmlns:a="http://schemas.openxmlformats.org/drawingml/2006/main" xmlns:r="http://schemas.openxmlformats.org/officeDocument/2006/relationships" xmlns:p="http://schemas.openxmlformats.org/presentationml/2006/main">
   <p:cSld>
     <p:spTree>
@@ -8975,218 +9171,6 @@
 </p:sld>
 </file>
 
-<file path=ppt/slides/slide38.xml><?xml version="1.0" encoding="utf-8"?>
-<p:sld xmlns:a="http://schemas.openxmlformats.org/drawingml/2006/main" xmlns:r="http://schemas.openxmlformats.org/officeDocument/2006/relationships" xmlns:p="http://schemas.openxmlformats.org/presentationml/2006/main">
-  <p:cSld>
-    <p:spTree>
-      <p:nvGrpSpPr>
-        <p:cNvPr id="1" name=""/>
-        <p:cNvGrpSpPr/>
-        <p:nvPr/>
-      </p:nvGrpSpPr>
-      <p:grpSpPr>
-        <a:xfrm>
-          <a:off x="0" y="0"/>
-          <a:ext cx="0" cy="0"/>
-          <a:chOff x="0" y="0"/>
-          <a:chExt cx="0" cy="0"/>
-        </a:xfrm>
-      </p:grpSpPr>
-      <p:sp>
-        <p:nvSpPr>
-          <p:cNvPr id="2" name="Titre 1"/>
-          <p:cNvSpPr>
-            <a:spLocks noGrp="1"/>
-          </p:cNvSpPr>
-          <p:nvPr>
-            <p:ph type="title"/>
-          </p:nvPr>
-        </p:nvSpPr>
-        <p:spPr/>
-        <p:txBody>
-          <a:bodyPr/>
-          <a:lstStyle/>
-          <a:p>
-            <a:r>
-              <a:rPr lang="fr-FR" dirty="0" err="1" smtClean="0"/>
-              <a:t>Hyperparamètres</a:t>
-            </a:r>
-            <a:endParaRPr lang="fr-FR" dirty="0"/>
-          </a:p>
-        </p:txBody>
-      </p:sp>
-      <p:sp>
-        <p:nvSpPr>
-          <p:cNvPr id="3" name="Espace réservé du contenu 2"/>
-          <p:cNvSpPr>
-            <a:spLocks noGrp="1"/>
-          </p:cNvSpPr>
-          <p:nvPr>
-            <p:ph idx="1"/>
-          </p:nvPr>
-        </p:nvSpPr>
-        <p:spPr/>
-        <p:txBody>
-          <a:bodyPr/>
-          <a:lstStyle/>
-          <a:p>
-            <a:r>
-              <a:rPr lang="fr-FR" dirty="0" smtClean="0"/>
-              <a:t>Les réseaux </a:t>
-            </a:r>
-            <a:r>
-              <a:rPr lang="fr-FR" dirty="0" err="1" smtClean="0"/>
-              <a:t>Deep</a:t>
-            </a:r>
-            <a:r>
-              <a:rPr lang="fr-FR" dirty="0" smtClean="0"/>
-              <a:t> Learning possèdent de nombreux </a:t>
-            </a:r>
-            <a:r>
-              <a:rPr lang="fr-FR" dirty="0" err="1" smtClean="0"/>
-              <a:t>hyperparamètres</a:t>
-            </a:r>
-            <a:endParaRPr lang="fr-FR" dirty="0" smtClean="0"/>
-          </a:p>
-          <a:p>
-            <a:r>
-              <a:rPr lang="fr-FR" dirty="0" err="1" smtClean="0"/>
-              <a:t>Keras</a:t>
-            </a:r>
-            <a:r>
-              <a:rPr lang="fr-FR" dirty="0" smtClean="0"/>
-              <a:t> permet l'utilisation d'</a:t>
-            </a:r>
-            <a:r>
-              <a:rPr lang="fr-FR" dirty="0" err="1" smtClean="0"/>
-              <a:t>hyperparamètres</a:t>
-            </a:r>
-            <a:endParaRPr lang="fr-FR" dirty="0"/>
-          </a:p>
-          <a:p>
-            <a:pPr lvl="1"/>
-            <a:r>
-              <a:rPr lang="fr-FR" dirty="0" smtClean="0"/>
-              <a:t>Nombre et forme des filtres</a:t>
-            </a:r>
-          </a:p>
-          <a:p>
-            <a:pPr lvl="1"/>
-            <a:r>
-              <a:rPr lang="fr-FR" dirty="0" smtClean="0"/>
-              <a:t>Régularisation</a:t>
-            </a:r>
-          </a:p>
-          <a:p>
-            <a:pPr lvl="2"/>
-            <a:r>
-              <a:rPr lang="fr-FR" dirty="0" err="1" smtClean="0"/>
-              <a:t>DropOut</a:t>
-            </a:r>
-            <a:r>
-              <a:rPr lang="fr-FR" dirty="0" smtClean="0"/>
-              <a:t>, </a:t>
-            </a:r>
-            <a:r>
-              <a:rPr lang="fr-FR" dirty="0" err="1" smtClean="0"/>
-              <a:t>DropConnect</a:t>
-            </a:r>
-            <a:r>
-              <a:rPr lang="fr-FR" dirty="0" smtClean="0"/>
-              <a:t>, …</a:t>
-            </a:r>
-          </a:p>
-          <a:p>
-            <a:pPr lvl="1"/>
-            <a:r>
-              <a:rPr lang="fr-FR" dirty="0" err="1" smtClean="0"/>
-              <a:t>Optimizer</a:t>
-            </a:r>
-            <a:endParaRPr lang="fr-FR" dirty="0" smtClean="0"/>
-          </a:p>
-          <a:p>
-            <a:pPr lvl="1"/>
-            <a:r>
-              <a:rPr lang="fr-FR" dirty="0" err="1" smtClean="0"/>
-              <a:t>Strides</a:t>
-            </a:r>
-            <a:endParaRPr lang="fr-FR" dirty="0" smtClean="0"/>
-          </a:p>
-          <a:p>
-            <a:pPr lvl="1"/>
-            <a:r>
-              <a:rPr lang="fr-FR" dirty="0" smtClean="0"/>
-              <a:t>…</a:t>
-            </a:r>
-          </a:p>
-          <a:p>
-            <a:pPr lvl="1"/>
-            <a:endParaRPr lang="fr-FR" dirty="0" smtClean="0"/>
-          </a:p>
-          <a:p>
-            <a:pPr lvl="2"/>
-            <a:endParaRPr lang="fr-FR" dirty="0" smtClean="0"/>
-          </a:p>
-          <a:p>
-            <a:pPr lvl="1"/>
-            <a:endParaRPr lang="fr-FR" dirty="0"/>
-          </a:p>
-        </p:txBody>
-      </p:sp>
-      <p:pic>
-        <p:nvPicPr>
-          <p:cNvPr id="2050" name="Picture 2" descr="https://upload.wikimedia.org/wikipedia/commons/thumb/8/8a/Conv_layers.png/352px-Conv_layers.png"/>
-          <p:cNvPicPr>
-            <a:picLocks noChangeAspect="1" noChangeArrowheads="1"/>
-          </p:cNvPicPr>
-          <p:nvPr/>
-        </p:nvPicPr>
-        <p:blipFill>
-          <a:blip r:embed="rId2">
-            <a:extLst>
-              <a:ext uri="{28A0092B-C50C-407E-A947-70E740481C1C}">
-                <a14:useLocalDpi xmlns:a14="http://schemas.microsoft.com/office/drawing/2010/main" val="0"/>
-              </a:ext>
-            </a:extLst>
-          </a:blip>
-          <a:srcRect/>
-          <a:stretch>
-            <a:fillRect/>
-          </a:stretch>
-        </p:blipFill>
-        <p:spPr bwMode="auto">
-          <a:xfrm>
-            <a:off x="5107009" y="3645024"/>
-            <a:ext cx="3352800" cy="1828800"/>
-          </a:xfrm>
-          <a:prstGeom prst="rect">
-            <a:avLst/>
-          </a:prstGeom>
-          <a:noFill/>
-          <a:extLst>
-            <a:ext uri="{909E8E84-426E-40DD-AFC4-6F175D3DCCD1}">
-              <a14:hiddenFill xmlns:a14="http://schemas.microsoft.com/office/drawing/2010/main">
-                <a:solidFill>
-                  <a:srgbClr val="FFFFFF"/>
-                </a:solidFill>
-              </a14:hiddenFill>
-            </a:ext>
-          </a:extLst>
-        </p:spPr>
-      </p:pic>
-    </p:spTree>
-    <p:extLst>
-      <p:ext uri="{BB962C8B-B14F-4D97-AF65-F5344CB8AC3E}">
-        <p14:creationId xmlns:p14="http://schemas.microsoft.com/office/powerpoint/2010/main" val="1816213828"/>
-      </p:ext>
-    </p:extLst>
-  </p:cSld>
-  <p:clrMapOvr>
-    <a:masterClrMapping/>
-  </p:clrMapOvr>
-</p:sld>
-</file>
-
 <file path=ppt/slides/slide39.xml><?xml version="1.0" encoding="utf-8"?>
 <p:sld xmlns:a="http://schemas.openxmlformats.org/drawingml/2006/main" xmlns:r="http://schemas.openxmlformats.org/officeDocument/2006/relationships" xmlns:p="http://schemas.openxmlformats.org/presentationml/2006/main">
   <p:cSld>
@@ -9278,11 +9262,7 @@
             <a:pPr lvl="1"/>
             <a:r>
               <a:rPr lang="fr-FR" dirty="0" smtClean="0"/>
-              <a:t>Encourage le réseau dans son </a:t>
-            </a:r>
-            <a:r>
-              <a:rPr lang="fr-FR" dirty="0" smtClean="0"/>
-              <a:t>ensemble</a:t>
+              <a:t>Encourage le réseau dans son ensemble</a:t>
             </a:r>
           </a:p>
           <a:p>
@@ -9399,6 +9379,13 @@
   <p:clrMapOvr>
     <a:masterClrMapping/>
   </p:clrMapOvr>
+  <p:timing>
+    <p:tnLst>
+      <p:par>
+        <p:cTn id="1" dur="indefinite" restart="never" nodeType="tmRoot"/>
+      </p:par>
+    </p:tnLst>
+  </p:timing>
 </p:sld>
 </file>
 
@@ -9750,6 +9737,13 @@
   <p:clrMapOvr>
     <a:masterClrMapping/>
   </p:clrMapOvr>
+  <p:timing>
+    <p:tnLst>
+      <p:par>
+        <p:cTn id="1" dur="indefinite" restart="never" nodeType="tmRoot"/>
+      </p:par>
+    </p:tnLst>
+  </p:timing>
 </p:sld>
 </file>
 
@@ -9885,6 +9879,13 @@
   <p:clrMapOvr>
     <a:masterClrMapping/>
   </p:clrMapOvr>
+  <p:timing>
+    <p:tnLst>
+      <p:par>
+        <p:cTn id="1" dur="indefinite" restart="never" nodeType="tmRoot"/>
+      </p:par>
+    </p:tnLst>
+  </p:timing>
 </p:sld>
 </file>
 
@@ -10687,11 +10688,7 @@
           <a:p>
             <a:r>
               <a:rPr lang="fr-FR" dirty="0" smtClean="0"/>
-              <a:t>relu </a:t>
-            </a:r>
-            <a:r>
-              <a:rPr lang="fr-FR" dirty="0" smtClean="0"/>
-              <a:t>(défaut)</a:t>
+              <a:t>relu (défaut)</a:t>
             </a:r>
           </a:p>
           <a:p>
@@ -10701,15 +10698,7 @@
             </a:r>
             <a:r>
               <a:rPr lang="fr-FR" dirty="0" smtClean="0"/>
-              <a:t> </a:t>
-            </a:r>
-            <a:r>
-              <a:rPr lang="fr-FR" dirty="0" smtClean="0"/>
-              <a:t>(assez rapide</a:t>
-            </a:r>
-            <a:r>
-              <a:rPr lang="fr-FR" dirty="0" smtClean="0"/>
-              <a:t>), </a:t>
+              <a:t> (assez rapide), </a:t>
             </a:r>
             <a:r>
               <a:rPr lang="fr-FR" dirty="0" err="1" smtClean="0"/>
@@ -10725,11 +10714,7 @@
             </a:r>
             <a:r>
               <a:rPr lang="fr-FR" dirty="0" smtClean="0"/>
-              <a:t> (</a:t>
-            </a:r>
-            <a:r>
-              <a:rPr lang="fr-FR" dirty="0" smtClean="0"/>
-              <a:t>rapide)</a:t>
+              <a:t> (rapide)</a:t>
             </a:r>
           </a:p>
           <a:p>
@@ -10751,7 +10736,6 @@
               <a:rPr lang="fr-FR" dirty="0" smtClean="0"/>
               <a:t>Deux écritures</a:t>
             </a:r>
-            <a:endParaRPr lang="fr-FR" dirty="0" smtClean="0"/>
           </a:p>
           <a:p>
             <a:pPr marL="457200" lvl="1" indent="0">
@@ -11023,6 +11007,13 @@
   <p:clrMapOvr>
     <a:masterClrMapping/>
   </p:clrMapOvr>
+  <p:timing>
+    <p:tnLst>
+      <p:par>
+        <p:cTn id="1" dur="indefinite" restart="never" nodeType="tmRoot"/>
+      </p:par>
+    </p:tnLst>
+  </p:timing>
 </p:sld>
 </file>
 
@@ -11150,6 +11141,13 @@
   <p:clrMapOvr>
     <a:masterClrMapping/>
   </p:clrMapOvr>
+  <p:timing>
+    <p:tnLst>
+      <p:par>
+        <p:cTn id="1" dur="indefinite" restart="never" nodeType="tmRoot"/>
+      </p:par>
+    </p:tnLst>
+  </p:timing>
 </p:sld>
 </file>
 
@@ -11321,6 +11319,13 @@
   <p:clrMapOvr>
     <a:masterClrMapping/>
   </p:clrMapOvr>
+  <p:timing>
+    <p:tnLst>
+      <p:par>
+        <p:cTn id="1" dur="indefinite" restart="never" nodeType="tmRoot"/>
+      </p:par>
+    </p:tnLst>
+  </p:timing>
 </p:sld>
 </file>
 
@@ -11510,6 +11515,13 @@
   <p:clrMapOvr>
     <a:masterClrMapping/>
   </p:clrMapOvr>
+  <p:timing>
+    <p:tnLst>
+      <p:par>
+        <p:cTn id="1" dur="indefinite" restart="never" nodeType="tmRoot"/>
+      </p:par>
+    </p:tnLst>
+  </p:timing>
 </p:sld>
 </file>
 

--- a/PPT/DeepLearning09-Keras.pptx
+++ b/PPT/DeepLearning09-Keras.pptx
@@ -5,10 +5,10 @@
     <p:sldMasterId id="2147483653" r:id="rId1"/>
   </p:sldMasterIdLst>
   <p:notesMasterIdLst>
-    <p:notesMasterId r:id="rId48"/>
+    <p:notesMasterId r:id="rId51"/>
   </p:notesMasterIdLst>
   <p:handoutMasterIdLst>
-    <p:handoutMasterId r:id="rId49"/>
+    <p:handoutMasterId r:id="rId52"/>
   </p:handoutMasterIdLst>
   <p:sldIdLst>
     <p:sldId id="264" r:id="rId2"/>
@@ -57,6 +57,9 @@
     <p:sldId id="356" r:id="rId45"/>
     <p:sldId id="357" r:id="rId46"/>
     <p:sldId id="358" r:id="rId47"/>
+    <p:sldId id="361" r:id="rId48"/>
+    <p:sldId id="362" r:id="rId49"/>
+    <p:sldId id="360" r:id="rId50"/>
   </p:sldIdLst>
   <p:sldSz cx="9144000" cy="6858000" type="screen4x3"/>
   <p:notesSz cx="6648450" cy="9782175"/>
@@ -4349,17 +4352,12 @@
               <a:rPr lang="fr-FR" dirty="0" smtClean="0"/>
               <a:t>)</a:t>
             </a:r>
-            <a:endParaRPr lang="fr-FR" dirty="0" smtClean="0"/>
-          </a:p>
-          <a:p>
-            <a:pPr lvl="1"/>
-            <a:r>
-              <a:rPr lang="fr-FR" dirty="0" smtClean="0"/>
-              <a:t>Ou Adam </a:t>
-            </a:r>
-            <a:r>
-              <a:rPr lang="fr-FR" dirty="0" smtClean="0"/>
-              <a:t>(avec </a:t>
+          </a:p>
+          <a:p>
+            <a:pPr lvl="1"/>
+            <a:r>
+              <a:rPr lang="fr-FR" dirty="0" smtClean="0"/>
+              <a:t>Ou Adam (avec </a:t>
             </a:r>
             <a:r>
               <a:rPr lang="fr-FR" dirty="0" err="1" smtClean="0"/>
@@ -4369,16 +4367,11 @@
               <a:rPr lang="fr-FR" dirty="0" smtClean="0"/>
               <a:t>)</a:t>
             </a:r>
-            <a:endParaRPr lang="fr-FR" dirty="0" smtClean="0"/>
-          </a:p>
-          <a:p>
-            <a:r>
-              <a:rPr lang="fr-FR" dirty="0" smtClean="0"/>
-              <a:t>Plus tard nous verrons </a:t>
-            </a:r>
-            <a:r>
-              <a:rPr lang="fr-FR" dirty="0" smtClean="0"/>
-              <a:t>SGD (avec dérivée et </a:t>
+          </a:p>
+          <a:p>
+            <a:r>
+              <a:rPr lang="fr-FR" dirty="0" smtClean="0"/>
+              <a:t>Plus tard nous verrons SGD (avec dérivée et </a:t>
             </a:r>
             <a:r>
               <a:rPr lang="fr-FR" dirty="0" err="1" smtClean="0"/>
@@ -7919,11 +7912,7 @@
             </a:r>
             <a:r>
               <a:rPr lang="fr-FR" dirty="0" smtClean="0"/>
-              <a:t> </a:t>
-            </a:r>
-            <a:r>
-              <a:rPr lang="fr-FR" dirty="0" smtClean="0"/>
-              <a:t>si le nombre de catégorie = 2</a:t>
+              <a:t> si le nombre de catégorie = 2</a:t>
             </a:r>
             <a:endParaRPr lang="fr-FR" dirty="0"/>
           </a:p>
@@ -10628,6 +10617,336 @@
       </p:par>
     </p:tnLst>
   </p:timing>
+</p:sld>
+</file>
+
+<file path=ppt/slides/slide47.xml><?xml version="1.0" encoding="utf-8"?>
+<p:sld xmlns:a="http://schemas.openxmlformats.org/drawingml/2006/main" xmlns:r="http://schemas.openxmlformats.org/officeDocument/2006/relationships" xmlns:p="http://schemas.openxmlformats.org/presentationml/2006/main">
+  <p:cSld>
+    <p:spTree>
+      <p:nvGrpSpPr>
+        <p:cNvPr id="1" name=""/>
+        <p:cNvGrpSpPr/>
+        <p:nvPr/>
+      </p:nvGrpSpPr>
+      <p:grpSpPr>
+        <a:xfrm>
+          <a:off x="0" y="0"/>
+          <a:ext cx="0" cy="0"/>
+          <a:chOff x="0" y="0"/>
+          <a:chExt cx="0" cy="0"/>
+        </a:xfrm>
+      </p:grpSpPr>
+      <p:sp>
+        <p:nvSpPr>
+          <p:cNvPr id="2" name="Titre 1"/>
+          <p:cNvSpPr>
+            <a:spLocks noGrp="1"/>
+          </p:cNvSpPr>
+          <p:nvPr>
+            <p:ph type="title"/>
+          </p:nvPr>
+        </p:nvSpPr>
+        <p:spPr/>
+        <p:txBody>
+          <a:bodyPr/>
+          <a:lstStyle/>
+          <a:p>
+            <a:r>
+              <a:rPr lang="fr-FR" dirty="0" err="1" smtClean="0"/>
+              <a:t>Jupyter</a:t>
+            </a:r>
+            <a:endParaRPr lang="fr-FR" dirty="0"/>
+          </a:p>
+        </p:txBody>
+      </p:sp>
+      <p:sp>
+        <p:nvSpPr>
+          <p:cNvPr id="3" name="Espace réservé du contenu 2"/>
+          <p:cNvSpPr>
+            <a:spLocks noGrp="1"/>
+          </p:cNvSpPr>
+          <p:nvPr>
+            <p:ph idx="1"/>
+          </p:nvPr>
+        </p:nvSpPr>
+        <p:spPr/>
+        <p:txBody>
+          <a:bodyPr/>
+          <a:lstStyle/>
+          <a:p>
+            <a:endParaRPr lang="fr-FR"/>
+          </a:p>
+        </p:txBody>
+      </p:sp>
+      <p:pic>
+        <p:nvPicPr>
+          <p:cNvPr id="1026" name="Picture 2" descr="Jupyter Notebook"/>
+          <p:cNvPicPr>
+            <a:picLocks noChangeAspect="1" noChangeArrowheads="1"/>
+          </p:cNvPicPr>
+          <p:nvPr/>
+        </p:nvPicPr>
+        <p:blipFill>
+          <a:blip r:embed="rId2">
+            <a:extLst>
+              <a:ext uri="{28A0092B-C50C-407E-A947-70E740481C1C}">
+                <a14:useLocalDpi xmlns:a14="http://schemas.microsoft.com/office/drawing/2010/main" val="0"/>
+              </a:ext>
+            </a:extLst>
+          </a:blip>
+          <a:srcRect/>
+          <a:stretch>
+            <a:fillRect/>
+          </a:stretch>
+        </p:blipFill>
+        <p:spPr bwMode="auto">
+          <a:xfrm>
+            <a:off x="1043607" y="980728"/>
+            <a:ext cx="7726927" cy="5472608"/>
+          </a:xfrm>
+          <a:prstGeom prst="rect">
+            <a:avLst/>
+          </a:prstGeom>
+          <a:noFill/>
+          <a:extLst>
+            <a:ext uri="{909E8E84-426E-40DD-AFC4-6F175D3DCCD1}">
+              <a14:hiddenFill xmlns:a14="http://schemas.microsoft.com/office/drawing/2010/main">
+                <a:solidFill>
+                  <a:srgbClr val="FFFFFF"/>
+                </a:solidFill>
+              </a14:hiddenFill>
+            </a:ext>
+          </a:extLst>
+        </p:spPr>
+      </p:pic>
+    </p:spTree>
+    <p:extLst>
+      <p:ext uri="{BB962C8B-B14F-4D97-AF65-F5344CB8AC3E}">
+        <p14:creationId xmlns:p14="http://schemas.microsoft.com/office/powerpoint/2010/main" val="1713641692"/>
+      </p:ext>
+    </p:extLst>
+  </p:cSld>
+  <p:clrMapOvr>
+    <a:masterClrMapping/>
+  </p:clrMapOvr>
+</p:sld>
+</file>
+
+<file path=ppt/slides/slide48.xml><?xml version="1.0" encoding="utf-8"?>
+<p:sld xmlns:a="http://schemas.openxmlformats.org/drawingml/2006/main" xmlns:r="http://schemas.openxmlformats.org/officeDocument/2006/relationships" xmlns:p="http://schemas.openxmlformats.org/presentationml/2006/main">
+  <p:cSld>
+    <p:spTree>
+      <p:nvGrpSpPr>
+        <p:cNvPr id="1" name=""/>
+        <p:cNvGrpSpPr/>
+        <p:nvPr/>
+      </p:nvGrpSpPr>
+      <p:grpSpPr>
+        <a:xfrm>
+          <a:off x="0" y="0"/>
+          <a:ext cx="0" cy="0"/>
+          <a:chOff x="0" y="0"/>
+          <a:chExt cx="0" cy="0"/>
+        </a:xfrm>
+      </p:grpSpPr>
+      <p:sp>
+        <p:nvSpPr>
+          <p:cNvPr id="2" name="Titre 1"/>
+          <p:cNvSpPr>
+            <a:spLocks noGrp="1"/>
+          </p:cNvSpPr>
+          <p:nvPr>
+            <p:ph type="title"/>
+          </p:nvPr>
+        </p:nvSpPr>
+        <p:spPr/>
+        <p:txBody>
+          <a:bodyPr/>
+          <a:lstStyle/>
+          <a:p>
+            <a:r>
+              <a:rPr lang="fr-FR" dirty="0" smtClean="0"/>
+              <a:t>Intégration </a:t>
+            </a:r>
+            <a:r>
+              <a:rPr lang="fr-FR" dirty="0" err="1" smtClean="0"/>
+              <a:t>matplotlib</a:t>
+            </a:r>
+            <a:endParaRPr lang="fr-FR" dirty="0"/>
+          </a:p>
+        </p:txBody>
+      </p:sp>
+      <p:sp>
+        <p:nvSpPr>
+          <p:cNvPr id="3" name="Espace réservé du contenu 2"/>
+          <p:cNvSpPr>
+            <a:spLocks noGrp="1"/>
+          </p:cNvSpPr>
+          <p:nvPr>
+            <p:ph idx="1"/>
+          </p:nvPr>
+        </p:nvSpPr>
+        <p:spPr/>
+        <p:txBody>
+          <a:bodyPr/>
+          <a:lstStyle/>
+          <a:p>
+            <a:endParaRPr lang="fr-FR"/>
+          </a:p>
+        </p:txBody>
+      </p:sp>
+      <p:pic>
+        <p:nvPicPr>
+          <p:cNvPr id="2050" name="Picture 2" descr="https://miro.medium.com/max/1339/1*IQTYIAc7kqjKBfGJ7au1iA.png"/>
+          <p:cNvPicPr>
+            <a:picLocks noChangeAspect="1" noChangeArrowheads="1"/>
+          </p:cNvPicPr>
+          <p:nvPr/>
+        </p:nvPicPr>
+        <p:blipFill>
+          <a:blip r:embed="rId2">
+            <a:extLst>
+              <a:ext uri="{28A0092B-C50C-407E-A947-70E740481C1C}">
+                <a14:useLocalDpi xmlns:a14="http://schemas.microsoft.com/office/drawing/2010/main" val="0"/>
+              </a:ext>
+            </a:extLst>
+          </a:blip>
+          <a:srcRect/>
+          <a:stretch>
+            <a:fillRect/>
+          </a:stretch>
+        </p:blipFill>
+        <p:spPr bwMode="auto">
+          <a:xfrm>
+            <a:off x="242057" y="1225192"/>
+            <a:ext cx="8640960" cy="5228144"/>
+          </a:xfrm>
+          <a:prstGeom prst="rect">
+            <a:avLst/>
+          </a:prstGeom>
+          <a:noFill/>
+          <a:extLst>
+            <a:ext uri="{909E8E84-426E-40DD-AFC4-6F175D3DCCD1}">
+              <a14:hiddenFill xmlns:a14="http://schemas.microsoft.com/office/drawing/2010/main">
+                <a:solidFill>
+                  <a:srgbClr val="FFFFFF"/>
+                </a:solidFill>
+              </a14:hiddenFill>
+            </a:ext>
+          </a:extLst>
+        </p:spPr>
+      </p:pic>
+    </p:spTree>
+    <p:extLst>
+      <p:ext uri="{BB962C8B-B14F-4D97-AF65-F5344CB8AC3E}">
+        <p14:creationId xmlns:p14="http://schemas.microsoft.com/office/powerpoint/2010/main" val="1494908792"/>
+      </p:ext>
+    </p:extLst>
+  </p:cSld>
+  <p:clrMapOvr>
+    <a:masterClrMapping/>
+  </p:clrMapOvr>
+</p:sld>
+</file>
+
+<file path=ppt/slides/slide49.xml><?xml version="1.0" encoding="utf-8"?>
+<p:sld xmlns:a="http://schemas.openxmlformats.org/drawingml/2006/main" xmlns:r="http://schemas.openxmlformats.org/officeDocument/2006/relationships" xmlns:p="http://schemas.openxmlformats.org/presentationml/2006/main">
+  <p:cSld>
+    <p:spTree>
+      <p:nvGrpSpPr>
+        <p:cNvPr id="1" name=""/>
+        <p:cNvGrpSpPr/>
+        <p:nvPr/>
+      </p:nvGrpSpPr>
+      <p:grpSpPr>
+        <a:xfrm>
+          <a:off x="0" y="0"/>
+          <a:ext cx="0" cy="0"/>
+          <a:chOff x="0" y="0"/>
+          <a:chExt cx="0" cy="0"/>
+        </a:xfrm>
+      </p:grpSpPr>
+      <p:sp>
+        <p:nvSpPr>
+          <p:cNvPr id="2" name="Titre 1"/>
+          <p:cNvSpPr>
+            <a:spLocks noGrp="1"/>
+          </p:cNvSpPr>
+          <p:nvPr>
+            <p:ph type="title"/>
+          </p:nvPr>
+        </p:nvSpPr>
+        <p:spPr/>
+        <p:txBody>
+          <a:bodyPr/>
+          <a:lstStyle/>
+          <a:p>
+            <a:r>
+              <a:rPr lang="fr-FR" dirty="0" smtClean="0"/>
+              <a:t>Google </a:t>
+            </a:r>
+            <a:r>
+              <a:rPr lang="fr-FR" dirty="0" err="1" smtClean="0"/>
+              <a:t>Colab</a:t>
+            </a:r>
+            <a:endParaRPr lang="fr-FR" dirty="0"/>
+          </a:p>
+        </p:txBody>
+      </p:sp>
+      <p:sp>
+        <p:nvSpPr>
+          <p:cNvPr id="3" name="Espace réservé du contenu 2"/>
+          <p:cNvSpPr>
+            <a:spLocks noGrp="1"/>
+          </p:cNvSpPr>
+          <p:nvPr>
+            <p:ph idx="1"/>
+          </p:nvPr>
+        </p:nvSpPr>
+        <p:spPr/>
+        <p:txBody>
+          <a:bodyPr/>
+          <a:lstStyle/>
+          <a:p>
+            <a:endParaRPr lang="fr-FR"/>
+          </a:p>
+        </p:txBody>
+      </p:sp>
+      <p:pic>
+        <p:nvPicPr>
+          <p:cNvPr id="4" name="Image 3"/>
+          <p:cNvPicPr>
+            <a:picLocks noChangeAspect="1"/>
+          </p:cNvPicPr>
+          <p:nvPr/>
+        </p:nvPicPr>
+        <p:blipFill>
+          <a:blip r:embed="rId2"/>
+          <a:stretch>
+            <a:fillRect/>
+          </a:stretch>
+        </p:blipFill>
+        <p:spPr>
+          <a:xfrm>
+            <a:off x="2228850" y="1462087"/>
+            <a:ext cx="4686300" cy="3933825"/>
+          </a:xfrm>
+          <a:prstGeom prst="rect">
+            <a:avLst/>
+          </a:prstGeom>
+        </p:spPr>
+      </p:pic>
+    </p:spTree>
+    <p:extLst>
+      <p:ext uri="{BB962C8B-B14F-4D97-AF65-F5344CB8AC3E}">
+        <p14:creationId xmlns:p14="http://schemas.microsoft.com/office/powerpoint/2010/main" val="2848823240"/>
+      </p:ext>
+    </p:extLst>
+  </p:cSld>
+  <p:clrMapOvr>
+    <a:masterClrMapping/>
+  </p:clrMapOvr>
 </p:sld>
 </file>
 

--- a/PPT/DeepLearning09-Keras.pptx
+++ b/PPT/DeepLearning09-Keras.pptx
@@ -5,10 +5,10 @@
     <p:sldMasterId id="2147483653" r:id="rId1"/>
   </p:sldMasterIdLst>
   <p:notesMasterIdLst>
-    <p:notesMasterId r:id="rId51"/>
+    <p:notesMasterId r:id="rId47"/>
   </p:notesMasterIdLst>
   <p:handoutMasterIdLst>
-    <p:handoutMasterId r:id="rId52"/>
+    <p:handoutMasterId r:id="rId48"/>
   </p:handoutMasterIdLst>
   <p:sldIdLst>
     <p:sldId id="264" r:id="rId2"/>
@@ -56,10 +56,6 @@
     <p:sldId id="320" r:id="rId44"/>
     <p:sldId id="356" r:id="rId45"/>
     <p:sldId id="357" r:id="rId46"/>
-    <p:sldId id="358" r:id="rId47"/>
-    <p:sldId id="361" r:id="rId48"/>
-    <p:sldId id="362" r:id="rId49"/>
-    <p:sldId id="360" r:id="rId50"/>
   </p:sldIdLst>
   <p:sldSz cx="9144000" cy="6858000" type="screen4x3"/>
   <p:notesSz cx="6648450" cy="9782175"/>
@@ -10459,494 +10455,6 @@
       </p:par>
     </p:tnLst>
   </p:timing>
-</p:sld>
-</file>
-
-<file path=ppt/slides/slide46.xml><?xml version="1.0" encoding="utf-8"?>
-<p:sld xmlns:a="http://schemas.openxmlformats.org/drawingml/2006/main" xmlns:r="http://schemas.openxmlformats.org/officeDocument/2006/relationships" xmlns:p="http://schemas.openxmlformats.org/presentationml/2006/main">
-  <p:cSld>
-    <p:spTree>
-      <p:nvGrpSpPr>
-        <p:cNvPr id="1" name=""/>
-        <p:cNvGrpSpPr/>
-        <p:nvPr/>
-      </p:nvGrpSpPr>
-      <p:grpSpPr>
-        <a:xfrm>
-          <a:off x="0" y="0"/>
-          <a:ext cx="0" cy="0"/>
-          <a:chOff x="0" y="0"/>
-          <a:chExt cx="0" cy="0"/>
-        </a:xfrm>
-      </p:grpSpPr>
-      <p:sp>
-        <p:nvSpPr>
-          <p:cNvPr id="2" name="Titre 1"/>
-          <p:cNvSpPr>
-            <a:spLocks noGrp="1"/>
-          </p:cNvSpPr>
-          <p:nvPr>
-            <p:ph type="title"/>
-          </p:nvPr>
-        </p:nvSpPr>
-        <p:spPr/>
-        <p:txBody>
-          <a:bodyPr/>
-          <a:lstStyle/>
-          <a:p>
-            <a:r>
-              <a:rPr lang="fr-FR" dirty="0" err="1" smtClean="0"/>
-              <a:t>TensorFlow</a:t>
-            </a:r>
-            <a:r>
-              <a:rPr lang="fr-FR" dirty="0" smtClean="0"/>
-              <a:t> Lite</a:t>
-            </a:r>
-            <a:endParaRPr lang="fr-FR" dirty="0"/>
-          </a:p>
-        </p:txBody>
-      </p:sp>
-      <p:sp>
-        <p:nvSpPr>
-          <p:cNvPr id="3" name="Espace réservé du contenu 2"/>
-          <p:cNvSpPr>
-            <a:spLocks noGrp="1"/>
-          </p:cNvSpPr>
-          <p:nvPr>
-            <p:ph idx="1"/>
-          </p:nvPr>
-        </p:nvSpPr>
-        <p:spPr/>
-        <p:txBody>
-          <a:bodyPr/>
-          <a:lstStyle/>
-          <a:p>
-            <a:r>
-              <a:rPr lang="fr-FR" dirty="0" smtClean="0"/>
-              <a:t>Distribution légère</a:t>
-            </a:r>
-          </a:p>
-          <a:p>
-            <a:pPr lvl="1"/>
-            <a:r>
-              <a:rPr lang="fr-FR" dirty="0" smtClean="0"/>
-              <a:t>Python</a:t>
-            </a:r>
-          </a:p>
-          <a:p>
-            <a:pPr lvl="1"/>
-            <a:r>
-              <a:rPr lang="fr-FR" dirty="0" smtClean="0"/>
-              <a:t>C++</a:t>
-            </a:r>
-          </a:p>
-          <a:p>
-            <a:pPr lvl="1"/>
-            <a:r>
-              <a:rPr lang="fr-FR" dirty="0" smtClean="0"/>
-              <a:t>Java</a:t>
-            </a:r>
-          </a:p>
-          <a:p>
-            <a:pPr lvl="1"/>
-            <a:r>
-              <a:rPr lang="fr-FR" dirty="0" smtClean="0"/>
-              <a:t>Android</a:t>
-            </a:r>
-          </a:p>
-          <a:p>
-            <a:pPr lvl="1"/>
-            <a:r>
-              <a:rPr lang="fr-FR" dirty="0" smtClean="0"/>
-              <a:t>iOS</a:t>
-            </a:r>
-          </a:p>
-          <a:p>
-            <a:pPr lvl="1"/>
-            <a:r>
-              <a:rPr lang="fr-FR" dirty="0" smtClean="0"/>
-              <a:t>Travaille sur des fichiers </a:t>
-            </a:r>
-            <a:r>
-              <a:rPr lang="fr-FR" dirty="0" err="1" smtClean="0"/>
-              <a:t>tflite</a:t>
-            </a:r>
-            <a:endParaRPr lang="fr-FR" dirty="0" smtClean="0"/>
-          </a:p>
-          <a:p>
-            <a:r>
-              <a:rPr lang="fr-FR" dirty="0" smtClean="0"/>
-              <a:t>Tensorflow.js</a:t>
-            </a:r>
-          </a:p>
-          <a:p>
-            <a:pPr lvl="1"/>
-            <a:r>
-              <a:rPr lang="fr-FR" dirty="0" smtClean="0"/>
-              <a:t>Portage </a:t>
-            </a:r>
-            <a:r>
-              <a:rPr lang="fr-FR" dirty="0" err="1" smtClean="0"/>
-              <a:t>Javascript</a:t>
-            </a:r>
-            <a:endParaRPr lang="fr-FR" dirty="0" smtClean="0"/>
-          </a:p>
-          <a:p>
-            <a:pPr lvl="1"/>
-            <a:r>
-              <a:rPr lang="fr-FR" dirty="0" smtClean="0"/>
-              <a:t>Marche sur les navigateurs modernes</a:t>
-            </a:r>
-          </a:p>
-        </p:txBody>
-      </p:sp>
-    </p:spTree>
-    <p:extLst>
-      <p:ext uri="{BB962C8B-B14F-4D97-AF65-F5344CB8AC3E}">
-        <p14:creationId xmlns:p14="http://schemas.microsoft.com/office/powerpoint/2010/main" val="2472777126"/>
-      </p:ext>
-    </p:extLst>
-  </p:cSld>
-  <p:clrMapOvr>
-    <a:masterClrMapping/>
-  </p:clrMapOvr>
-  <p:timing>
-    <p:tnLst>
-      <p:par>
-        <p:cTn id="1" dur="indefinite" restart="never" nodeType="tmRoot"/>
-      </p:par>
-    </p:tnLst>
-  </p:timing>
-</p:sld>
-</file>
-
-<file path=ppt/slides/slide47.xml><?xml version="1.0" encoding="utf-8"?>
-<p:sld xmlns:a="http://schemas.openxmlformats.org/drawingml/2006/main" xmlns:r="http://schemas.openxmlformats.org/officeDocument/2006/relationships" xmlns:p="http://schemas.openxmlformats.org/presentationml/2006/main">
-  <p:cSld>
-    <p:spTree>
-      <p:nvGrpSpPr>
-        <p:cNvPr id="1" name=""/>
-        <p:cNvGrpSpPr/>
-        <p:nvPr/>
-      </p:nvGrpSpPr>
-      <p:grpSpPr>
-        <a:xfrm>
-          <a:off x="0" y="0"/>
-          <a:ext cx="0" cy="0"/>
-          <a:chOff x="0" y="0"/>
-          <a:chExt cx="0" cy="0"/>
-        </a:xfrm>
-      </p:grpSpPr>
-      <p:sp>
-        <p:nvSpPr>
-          <p:cNvPr id="2" name="Titre 1"/>
-          <p:cNvSpPr>
-            <a:spLocks noGrp="1"/>
-          </p:cNvSpPr>
-          <p:nvPr>
-            <p:ph type="title"/>
-          </p:nvPr>
-        </p:nvSpPr>
-        <p:spPr/>
-        <p:txBody>
-          <a:bodyPr/>
-          <a:lstStyle/>
-          <a:p>
-            <a:r>
-              <a:rPr lang="fr-FR" dirty="0" err="1" smtClean="0"/>
-              <a:t>Jupyter</a:t>
-            </a:r>
-            <a:endParaRPr lang="fr-FR" dirty="0"/>
-          </a:p>
-        </p:txBody>
-      </p:sp>
-      <p:sp>
-        <p:nvSpPr>
-          <p:cNvPr id="3" name="Espace réservé du contenu 2"/>
-          <p:cNvSpPr>
-            <a:spLocks noGrp="1"/>
-          </p:cNvSpPr>
-          <p:nvPr>
-            <p:ph idx="1"/>
-          </p:nvPr>
-        </p:nvSpPr>
-        <p:spPr/>
-        <p:txBody>
-          <a:bodyPr/>
-          <a:lstStyle/>
-          <a:p>
-            <a:endParaRPr lang="fr-FR"/>
-          </a:p>
-        </p:txBody>
-      </p:sp>
-      <p:pic>
-        <p:nvPicPr>
-          <p:cNvPr id="1026" name="Picture 2" descr="Jupyter Notebook"/>
-          <p:cNvPicPr>
-            <a:picLocks noChangeAspect="1" noChangeArrowheads="1"/>
-          </p:cNvPicPr>
-          <p:nvPr/>
-        </p:nvPicPr>
-        <p:blipFill>
-          <a:blip r:embed="rId2">
-            <a:extLst>
-              <a:ext uri="{28A0092B-C50C-407E-A947-70E740481C1C}">
-                <a14:useLocalDpi xmlns:a14="http://schemas.microsoft.com/office/drawing/2010/main" val="0"/>
-              </a:ext>
-            </a:extLst>
-          </a:blip>
-          <a:srcRect/>
-          <a:stretch>
-            <a:fillRect/>
-          </a:stretch>
-        </p:blipFill>
-        <p:spPr bwMode="auto">
-          <a:xfrm>
-            <a:off x="1043607" y="980728"/>
-            <a:ext cx="7726927" cy="5472608"/>
-          </a:xfrm>
-          <a:prstGeom prst="rect">
-            <a:avLst/>
-          </a:prstGeom>
-          <a:noFill/>
-          <a:extLst>
-            <a:ext uri="{909E8E84-426E-40DD-AFC4-6F175D3DCCD1}">
-              <a14:hiddenFill xmlns:a14="http://schemas.microsoft.com/office/drawing/2010/main">
-                <a:solidFill>
-                  <a:srgbClr val="FFFFFF"/>
-                </a:solidFill>
-              </a14:hiddenFill>
-            </a:ext>
-          </a:extLst>
-        </p:spPr>
-      </p:pic>
-    </p:spTree>
-    <p:extLst>
-      <p:ext uri="{BB962C8B-B14F-4D97-AF65-F5344CB8AC3E}">
-        <p14:creationId xmlns:p14="http://schemas.microsoft.com/office/powerpoint/2010/main" val="1713641692"/>
-      </p:ext>
-    </p:extLst>
-  </p:cSld>
-  <p:clrMapOvr>
-    <a:masterClrMapping/>
-  </p:clrMapOvr>
-</p:sld>
-</file>
-
-<file path=ppt/slides/slide48.xml><?xml version="1.0" encoding="utf-8"?>
-<p:sld xmlns:a="http://schemas.openxmlformats.org/drawingml/2006/main" xmlns:r="http://schemas.openxmlformats.org/officeDocument/2006/relationships" xmlns:p="http://schemas.openxmlformats.org/presentationml/2006/main">
-  <p:cSld>
-    <p:spTree>
-      <p:nvGrpSpPr>
-        <p:cNvPr id="1" name=""/>
-        <p:cNvGrpSpPr/>
-        <p:nvPr/>
-      </p:nvGrpSpPr>
-      <p:grpSpPr>
-        <a:xfrm>
-          <a:off x="0" y="0"/>
-          <a:ext cx="0" cy="0"/>
-          <a:chOff x="0" y="0"/>
-          <a:chExt cx="0" cy="0"/>
-        </a:xfrm>
-      </p:grpSpPr>
-      <p:sp>
-        <p:nvSpPr>
-          <p:cNvPr id="2" name="Titre 1"/>
-          <p:cNvSpPr>
-            <a:spLocks noGrp="1"/>
-          </p:cNvSpPr>
-          <p:nvPr>
-            <p:ph type="title"/>
-          </p:nvPr>
-        </p:nvSpPr>
-        <p:spPr/>
-        <p:txBody>
-          <a:bodyPr/>
-          <a:lstStyle/>
-          <a:p>
-            <a:r>
-              <a:rPr lang="fr-FR" dirty="0" smtClean="0"/>
-              <a:t>Intégration </a:t>
-            </a:r>
-            <a:r>
-              <a:rPr lang="fr-FR" dirty="0" err="1" smtClean="0"/>
-              <a:t>matplotlib</a:t>
-            </a:r>
-            <a:endParaRPr lang="fr-FR" dirty="0"/>
-          </a:p>
-        </p:txBody>
-      </p:sp>
-      <p:sp>
-        <p:nvSpPr>
-          <p:cNvPr id="3" name="Espace réservé du contenu 2"/>
-          <p:cNvSpPr>
-            <a:spLocks noGrp="1"/>
-          </p:cNvSpPr>
-          <p:nvPr>
-            <p:ph idx="1"/>
-          </p:nvPr>
-        </p:nvSpPr>
-        <p:spPr/>
-        <p:txBody>
-          <a:bodyPr/>
-          <a:lstStyle/>
-          <a:p>
-            <a:endParaRPr lang="fr-FR"/>
-          </a:p>
-        </p:txBody>
-      </p:sp>
-      <p:pic>
-        <p:nvPicPr>
-          <p:cNvPr id="2050" name="Picture 2" descr="https://miro.medium.com/max/1339/1*IQTYIAc7kqjKBfGJ7au1iA.png"/>
-          <p:cNvPicPr>
-            <a:picLocks noChangeAspect="1" noChangeArrowheads="1"/>
-          </p:cNvPicPr>
-          <p:nvPr/>
-        </p:nvPicPr>
-        <p:blipFill>
-          <a:blip r:embed="rId2">
-            <a:extLst>
-              <a:ext uri="{28A0092B-C50C-407E-A947-70E740481C1C}">
-                <a14:useLocalDpi xmlns:a14="http://schemas.microsoft.com/office/drawing/2010/main" val="0"/>
-              </a:ext>
-            </a:extLst>
-          </a:blip>
-          <a:srcRect/>
-          <a:stretch>
-            <a:fillRect/>
-          </a:stretch>
-        </p:blipFill>
-        <p:spPr bwMode="auto">
-          <a:xfrm>
-            <a:off x="242057" y="1225192"/>
-            <a:ext cx="8640960" cy="5228144"/>
-          </a:xfrm>
-          <a:prstGeom prst="rect">
-            <a:avLst/>
-          </a:prstGeom>
-          <a:noFill/>
-          <a:extLst>
-            <a:ext uri="{909E8E84-426E-40DD-AFC4-6F175D3DCCD1}">
-              <a14:hiddenFill xmlns:a14="http://schemas.microsoft.com/office/drawing/2010/main">
-                <a:solidFill>
-                  <a:srgbClr val="FFFFFF"/>
-                </a:solidFill>
-              </a14:hiddenFill>
-            </a:ext>
-          </a:extLst>
-        </p:spPr>
-      </p:pic>
-    </p:spTree>
-    <p:extLst>
-      <p:ext uri="{BB962C8B-B14F-4D97-AF65-F5344CB8AC3E}">
-        <p14:creationId xmlns:p14="http://schemas.microsoft.com/office/powerpoint/2010/main" val="1494908792"/>
-      </p:ext>
-    </p:extLst>
-  </p:cSld>
-  <p:clrMapOvr>
-    <a:masterClrMapping/>
-  </p:clrMapOvr>
-</p:sld>
-</file>
-
-<file path=ppt/slides/slide49.xml><?xml version="1.0" encoding="utf-8"?>
-<p:sld xmlns:a="http://schemas.openxmlformats.org/drawingml/2006/main" xmlns:r="http://schemas.openxmlformats.org/officeDocument/2006/relationships" xmlns:p="http://schemas.openxmlformats.org/presentationml/2006/main">
-  <p:cSld>
-    <p:spTree>
-      <p:nvGrpSpPr>
-        <p:cNvPr id="1" name=""/>
-        <p:cNvGrpSpPr/>
-        <p:nvPr/>
-      </p:nvGrpSpPr>
-      <p:grpSpPr>
-        <a:xfrm>
-          <a:off x="0" y="0"/>
-          <a:ext cx="0" cy="0"/>
-          <a:chOff x="0" y="0"/>
-          <a:chExt cx="0" cy="0"/>
-        </a:xfrm>
-      </p:grpSpPr>
-      <p:sp>
-        <p:nvSpPr>
-          <p:cNvPr id="2" name="Titre 1"/>
-          <p:cNvSpPr>
-            <a:spLocks noGrp="1"/>
-          </p:cNvSpPr>
-          <p:nvPr>
-            <p:ph type="title"/>
-          </p:nvPr>
-        </p:nvSpPr>
-        <p:spPr/>
-        <p:txBody>
-          <a:bodyPr/>
-          <a:lstStyle/>
-          <a:p>
-            <a:r>
-              <a:rPr lang="fr-FR" dirty="0" smtClean="0"/>
-              <a:t>Google </a:t>
-            </a:r>
-            <a:r>
-              <a:rPr lang="fr-FR" dirty="0" err="1" smtClean="0"/>
-              <a:t>Colab</a:t>
-            </a:r>
-            <a:endParaRPr lang="fr-FR" dirty="0"/>
-          </a:p>
-        </p:txBody>
-      </p:sp>
-      <p:sp>
-        <p:nvSpPr>
-          <p:cNvPr id="3" name="Espace réservé du contenu 2"/>
-          <p:cNvSpPr>
-            <a:spLocks noGrp="1"/>
-          </p:cNvSpPr>
-          <p:nvPr>
-            <p:ph idx="1"/>
-          </p:nvPr>
-        </p:nvSpPr>
-        <p:spPr/>
-        <p:txBody>
-          <a:bodyPr/>
-          <a:lstStyle/>
-          <a:p>
-            <a:endParaRPr lang="fr-FR"/>
-          </a:p>
-        </p:txBody>
-      </p:sp>
-      <p:pic>
-        <p:nvPicPr>
-          <p:cNvPr id="4" name="Image 3"/>
-          <p:cNvPicPr>
-            <a:picLocks noChangeAspect="1"/>
-          </p:cNvPicPr>
-          <p:nvPr/>
-        </p:nvPicPr>
-        <p:blipFill>
-          <a:blip r:embed="rId2"/>
-          <a:stretch>
-            <a:fillRect/>
-          </a:stretch>
-        </p:blipFill>
-        <p:spPr>
-          <a:xfrm>
-            <a:off x="2228850" y="1462087"/>
-            <a:ext cx="4686300" cy="3933825"/>
-          </a:xfrm>
-          <a:prstGeom prst="rect">
-            <a:avLst/>
-          </a:prstGeom>
-        </p:spPr>
-      </p:pic>
-    </p:spTree>
-    <p:extLst>
-      <p:ext uri="{BB962C8B-B14F-4D97-AF65-F5344CB8AC3E}">
-        <p14:creationId xmlns:p14="http://schemas.microsoft.com/office/powerpoint/2010/main" val="2848823240"/>
-      </p:ext>
-    </p:extLst>
-  </p:cSld>
-  <p:clrMapOvr>
-    <a:masterClrMapping/>
-  </p:clrMapOvr>
 </p:sld>
 </file>
 

--- a/PPT/DeepLearning09-Keras.pptx
+++ b/PPT/DeepLearning09-Keras.pptx
@@ -5,10 +5,10 @@
     <p:sldMasterId id="2147483653" r:id="rId1"/>
   </p:sldMasterIdLst>
   <p:notesMasterIdLst>
-    <p:notesMasterId r:id="rId47"/>
+    <p:notesMasterId r:id="rId48"/>
   </p:notesMasterIdLst>
   <p:handoutMasterIdLst>
-    <p:handoutMasterId r:id="rId48"/>
+    <p:handoutMasterId r:id="rId49"/>
   </p:handoutMasterIdLst>
   <p:sldIdLst>
     <p:sldId id="264" r:id="rId2"/>
@@ -44,18 +44,19 @@
     <p:sldId id="344" r:id="rId32"/>
     <p:sldId id="345" r:id="rId33"/>
     <p:sldId id="346" r:id="rId34"/>
-    <p:sldId id="347" r:id="rId35"/>
-    <p:sldId id="348" r:id="rId36"/>
-    <p:sldId id="349" r:id="rId37"/>
-    <p:sldId id="305" r:id="rId38"/>
-    <p:sldId id="306" r:id="rId39"/>
-    <p:sldId id="351" r:id="rId40"/>
-    <p:sldId id="352" r:id="rId41"/>
-    <p:sldId id="354" r:id="rId42"/>
-    <p:sldId id="355" r:id="rId43"/>
-    <p:sldId id="320" r:id="rId44"/>
-    <p:sldId id="356" r:id="rId45"/>
-    <p:sldId id="357" r:id="rId46"/>
+    <p:sldId id="360" r:id="rId35"/>
+    <p:sldId id="347" r:id="rId36"/>
+    <p:sldId id="348" r:id="rId37"/>
+    <p:sldId id="349" r:id="rId38"/>
+    <p:sldId id="305" r:id="rId39"/>
+    <p:sldId id="306" r:id="rId40"/>
+    <p:sldId id="351" r:id="rId41"/>
+    <p:sldId id="352" r:id="rId42"/>
+    <p:sldId id="354" r:id="rId43"/>
+    <p:sldId id="355" r:id="rId44"/>
+    <p:sldId id="320" r:id="rId45"/>
+    <p:sldId id="356" r:id="rId46"/>
+    <p:sldId id="357" r:id="rId47"/>
   </p:sldIdLst>
   <p:sldSz cx="9144000" cy="6858000" type="screen4x3"/>
   <p:notesSz cx="6648450" cy="9782175"/>
@@ -648,35 +649,35 @@
           <a:p>
             <a:pPr lvl="0"/>
             <a:r>
-              <a:rPr lang="fr-FR" noProof="0" smtClean="0"/>
+              <a:rPr lang="fr-FR" noProof="0"/>
               <a:t>Cliquez pour modifier les styles du texte du masque</a:t>
             </a:r>
           </a:p>
           <a:p>
             <a:pPr lvl="1"/>
             <a:r>
-              <a:rPr lang="fr-FR" noProof="0" smtClean="0"/>
+              <a:rPr lang="fr-FR" noProof="0"/>
               <a:t>Deuxième niveau</a:t>
             </a:r>
           </a:p>
           <a:p>
             <a:pPr lvl="2"/>
             <a:r>
-              <a:rPr lang="fr-FR" noProof="0" smtClean="0"/>
+              <a:rPr lang="fr-FR" noProof="0"/>
               <a:t>Troisième niveau</a:t>
             </a:r>
           </a:p>
           <a:p>
             <a:pPr lvl="3"/>
             <a:r>
-              <a:rPr lang="fr-FR" noProof="0" smtClean="0"/>
+              <a:rPr lang="fr-FR" noProof="0"/>
               <a:t>Quatrième niveau</a:t>
             </a:r>
           </a:p>
           <a:p>
             <a:pPr lvl="4"/>
             <a:r>
-              <a:rPr lang="fr-FR" noProof="0" smtClean="0"/>
+              <a:rPr lang="fr-FR" noProof="0"/>
               <a:t>Cinquième niveau</a:t>
             </a:r>
           </a:p>
@@ -964,10 +965,9 @@
           <a:lstStyle/>
           <a:p>
             <a:r>
-              <a:rPr lang="fr-FR" smtClean="0"/>
+              <a:rPr lang="fr-FR"/>
               <a:t>Cliquez pour modifier le style du titre</a:t>
             </a:r>
-            <a:endParaRPr lang="fr-FR"/>
           </a:p>
         </p:txBody>
       </p:sp>
@@ -1029,10 +1029,9 @@
           </a:lstStyle>
           <a:p>
             <a:r>
-              <a:rPr lang="fr-FR" smtClean="0"/>
+              <a:rPr lang="fr-FR"/>
               <a:t>Cliquez pour modifier le style des sous-titres du masque</a:t>
             </a:r>
-            <a:endParaRPr lang="fr-FR"/>
           </a:p>
         </p:txBody>
       </p:sp>
@@ -1087,10 +1086,9 @@
           <a:lstStyle/>
           <a:p>
             <a:r>
-              <a:rPr lang="fr-FR" smtClean="0"/>
+              <a:rPr lang="fr-FR"/>
               <a:t>Cliquez pour modifier le style du titre</a:t>
             </a:r>
-            <a:endParaRPr lang="fr-FR"/>
           </a:p>
         </p:txBody>
       </p:sp>
@@ -1116,38 +1114,37 @@
           <a:p>
             <a:pPr lvl="0"/>
             <a:r>
-              <a:rPr lang="fr-FR" smtClean="0"/>
+              <a:rPr lang="fr-FR"/>
               <a:t>Cliquez pour modifier les styles du texte du masque</a:t>
             </a:r>
           </a:p>
           <a:p>
             <a:pPr lvl="1"/>
             <a:r>
-              <a:rPr lang="fr-FR" smtClean="0"/>
+              <a:rPr lang="fr-FR"/>
               <a:t>Deuxième niveau</a:t>
             </a:r>
           </a:p>
           <a:p>
             <a:pPr lvl="2"/>
             <a:r>
-              <a:rPr lang="fr-FR" smtClean="0"/>
+              <a:rPr lang="fr-FR"/>
               <a:t>Troisième niveau</a:t>
             </a:r>
           </a:p>
           <a:p>
             <a:pPr lvl="3"/>
             <a:r>
-              <a:rPr lang="fr-FR" smtClean="0"/>
+              <a:rPr lang="fr-FR"/>
               <a:t>Quatrième niveau</a:t>
             </a:r>
           </a:p>
           <a:p>
             <a:pPr lvl="4"/>
             <a:r>
-              <a:rPr lang="fr-FR" smtClean="0"/>
+              <a:rPr lang="fr-FR"/>
               <a:t>Cinquième niveau</a:t>
             </a:r>
-            <a:endParaRPr lang="fr-FR"/>
           </a:p>
         </p:txBody>
       </p:sp>
@@ -1206,10 +1203,9 @@
           </a:lstStyle>
           <a:p>
             <a:r>
-              <a:rPr lang="fr-FR" dirty="0" smtClean="0"/>
+              <a:rPr lang="fr-FR" dirty="0"/>
               <a:t>Cliquez pour modifier le style du titre</a:t>
             </a:r>
-            <a:endParaRPr lang="fr-FR" dirty="0"/>
           </a:p>
         </p:txBody>
       </p:sp>
@@ -1235,38 +1231,37 @@
           <a:p>
             <a:pPr lvl="0"/>
             <a:r>
-              <a:rPr lang="fr-FR" dirty="0" smtClean="0"/>
+              <a:rPr lang="fr-FR" dirty="0"/>
               <a:t>Cliquez pour modifier les styles du texte du masque</a:t>
             </a:r>
           </a:p>
           <a:p>
             <a:pPr lvl="1"/>
             <a:r>
-              <a:rPr lang="fr-FR" dirty="0" smtClean="0"/>
+              <a:rPr lang="fr-FR" dirty="0"/>
               <a:t>Deuxième niveau</a:t>
             </a:r>
           </a:p>
           <a:p>
             <a:pPr lvl="2"/>
             <a:r>
-              <a:rPr lang="fr-FR" dirty="0" smtClean="0"/>
+              <a:rPr lang="fr-FR" dirty="0"/>
               <a:t>Troisième niveau</a:t>
             </a:r>
           </a:p>
           <a:p>
             <a:pPr lvl="3"/>
             <a:r>
-              <a:rPr lang="fr-FR" dirty="0" smtClean="0"/>
+              <a:rPr lang="fr-FR" dirty="0"/>
               <a:t>Quatrième niveau</a:t>
             </a:r>
           </a:p>
           <a:p>
             <a:pPr lvl="4"/>
             <a:r>
-              <a:rPr lang="fr-FR" dirty="0" smtClean="0"/>
+              <a:rPr lang="fr-FR" dirty="0"/>
               <a:t>Cinquième niveau</a:t>
             </a:r>
-            <a:endParaRPr lang="fr-FR" dirty="0"/>
           </a:p>
         </p:txBody>
       </p:sp>
@@ -1316,10 +1311,9 @@
           <a:lstStyle/>
           <a:p>
             <a:r>
-              <a:rPr lang="fr-FR" smtClean="0"/>
+              <a:rPr lang="fr-FR"/>
               <a:t>Cliquez pour modifier le style du titre</a:t>
             </a:r>
-            <a:endParaRPr lang="fr-FR"/>
           </a:p>
         </p:txBody>
       </p:sp>
@@ -1373,38 +1367,37 @@
           <a:p>
             <a:pPr lvl="0"/>
             <a:r>
-              <a:rPr lang="fr-FR" smtClean="0"/>
+              <a:rPr lang="fr-FR"/>
               <a:t>Cliquez pour modifier les styles du texte du masque</a:t>
             </a:r>
           </a:p>
           <a:p>
             <a:pPr lvl="1"/>
             <a:r>
-              <a:rPr lang="fr-FR" smtClean="0"/>
+              <a:rPr lang="fr-FR"/>
               <a:t>Deuxième niveau</a:t>
             </a:r>
           </a:p>
           <a:p>
             <a:pPr lvl="2"/>
             <a:r>
-              <a:rPr lang="fr-FR" smtClean="0"/>
+              <a:rPr lang="fr-FR"/>
               <a:t>Troisième niveau</a:t>
             </a:r>
           </a:p>
           <a:p>
             <a:pPr lvl="3"/>
             <a:r>
-              <a:rPr lang="fr-FR" smtClean="0"/>
+              <a:rPr lang="fr-FR"/>
               <a:t>Quatrième niveau</a:t>
             </a:r>
           </a:p>
           <a:p>
             <a:pPr lvl="4"/>
             <a:r>
-              <a:rPr lang="fr-FR" smtClean="0"/>
+              <a:rPr lang="fr-FR"/>
               <a:t>Cinquième niveau</a:t>
             </a:r>
-            <a:endParaRPr lang="fr-FR"/>
           </a:p>
         </p:txBody>
       </p:sp>
@@ -1458,38 +1451,37 @@
           <a:p>
             <a:pPr lvl="0"/>
             <a:r>
-              <a:rPr lang="fr-FR" smtClean="0"/>
+              <a:rPr lang="fr-FR"/>
               <a:t>Cliquez pour modifier les styles du texte du masque</a:t>
             </a:r>
           </a:p>
           <a:p>
             <a:pPr lvl="1"/>
             <a:r>
-              <a:rPr lang="fr-FR" smtClean="0"/>
+              <a:rPr lang="fr-FR"/>
               <a:t>Deuxième niveau</a:t>
             </a:r>
           </a:p>
           <a:p>
             <a:pPr lvl="2"/>
             <a:r>
-              <a:rPr lang="fr-FR" smtClean="0"/>
+              <a:rPr lang="fr-FR"/>
               <a:t>Troisième niveau</a:t>
             </a:r>
           </a:p>
           <a:p>
             <a:pPr lvl="3"/>
             <a:r>
-              <a:rPr lang="fr-FR" smtClean="0"/>
+              <a:rPr lang="fr-FR"/>
               <a:t>Quatrième niveau</a:t>
             </a:r>
           </a:p>
           <a:p>
             <a:pPr lvl="4"/>
             <a:r>
-              <a:rPr lang="fr-FR" smtClean="0"/>
+              <a:rPr lang="fr-FR"/>
               <a:t>Cinquième niveau</a:t>
             </a:r>
-            <a:endParaRPr lang="fr-FR"/>
           </a:p>
         </p:txBody>
       </p:sp>
@@ -1548,10 +1540,9 @@
           </a:lstStyle>
           <a:p>
             <a:r>
-              <a:rPr lang="fr-FR" smtClean="0"/>
+              <a:rPr lang="fr-FR"/>
               <a:t>Cliquez pour modifier le style du titre</a:t>
             </a:r>
-            <a:endParaRPr lang="fr-FR"/>
           </a:p>
         </p:txBody>
       </p:sp>
@@ -1614,7 +1605,7 @@
           <a:p>
             <a:pPr lvl="0"/>
             <a:r>
-              <a:rPr lang="fr-FR" smtClean="0"/>
+              <a:rPr lang="fr-FR"/>
               <a:t>Cliquez pour modifier les styles du texte du masque</a:t>
             </a:r>
           </a:p>
@@ -1670,38 +1661,37 @@
           <a:p>
             <a:pPr lvl="0"/>
             <a:r>
-              <a:rPr lang="fr-FR" smtClean="0"/>
+              <a:rPr lang="fr-FR"/>
               <a:t>Cliquez pour modifier les styles du texte du masque</a:t>
             </a:r>
           </a:p>
           <a:p>
             <a:pPr lvl="1"/>
             <a:r>
-              <a:rPr lang="fr-FR" smtClean="0"/>
+              <a:rPr lang="fr-FR"/>
               <a:t>Deuxième niveau</a:t>
             </a:r>
           </a:p>
           <a:p>
             <a:pPr lvl="2"/>
             <a:r>
-              <a:rPr lang="fr-FR" smtClean="0"/>
+              <a:rPr lang="fr-FR"/>
               <a:t>Troisième niveau</a:t>
             </a:r>
           </a:p>
           <a:p>
             <a:pPr lvl="3"/>
             <a:r>
-              <a:rPr lang="fr-FR" smtClean="0"/>
+              <a:rPr lang="fr-FR"/>
               <a:t>Quatrième niveau</a:t>
             </a:r>
           </a:p>
           <a:p>
             <a:pPr lvl="4"/>
             <a:r>
-              <a:rPr lang="fr-FR" smtClean="0"/>
+              <a:rPr lang="fr-FR"/>
               <a:t>Cinquième niveau</a:t>
             </a:r>
-            <a:endParaRPr lang="fr-FR"/>
           </a:p>
         </p:txBody>
       </p:sp>
@@ -1764,7 +1754,7 @@
           <a:p>
             <a:pPr lvl="0"/>
             <a:r>
-              <a:rPr lang="fr-FR" smtClean="0"/>
+              <a:rPr lang="fr-FR"/>
               <a:t>Cliquez pour modifier les styles du texte du masque</a:t>
             </a:r>
           </a:p>
@@ -1820,38 +1810,37 @@
           <a:p>
             <a:pPr lvl="0"/>
             <a:r>
-              <a:rPr lang="fr-FR" smtClean="0"/>
+              <a:rPr lang="fr-FR"/>
               <a:t>Cliquez pour modifier les styles du texte du masque</a:t>
             </a:r>
           </a:p>
           <a:p>
             <a:pPr lvl="1"/>
             <a:r>
-              <a:rPr lang="fr-FR" smtClean="0"/>
+              <a:rPr lang="fr-FR"/>
               <a:t>Deuxième niveau</a:t>
             </a:r>
           </a:p>
           <a:p>
             <a:pPr lvl="2"/>
             <a:r>
-              <a:rPr lang="fr-FR" smtClean="0"/>
+              <a:rPr lang="fr-FR"/>
               <a:t>Troisième niveau</a:t>
             </a:r>
           </a:p>
           <a:p>
             <a:pPr lvl="3"/>
             <a:r>
-              <a:rPr lang="fr-FR" smtClean="0"/>
+              <a:rPr lang="fr-FR"/>
               <a:t>Quatrième niveau</a:t>
             </a:r>
           </a:p>
           <a:p>
             <a:pPr lvl="4"/>
             <a:r>
-              <a:rPr lang="fr-FR" smtClean="0"/>
+              <a:rPr lang="fr-FR"/>
               <a:t>Cinquième niveau</a:t>
             </a:r>
-            <a:endParaRPr lang="fr-FR"/>
           </a:p>
         </p:txBody>
       </p:sp>
@@ -1901,10 +1890,9 @@
           <a:lstStyle/>
           <a:p>
             <a:r>
-              <a:rPr lang="fr-FR" smtClean="0"/>
+              <a:rPr lang="fr-FR"/>
               <a:t>Cliquez pour modifier le style du titre</a:t>
             </a:r>
-            <a:endParaRPr lang="fr-FR"/>
           </a:p>
         </p:txBody>
       </p:sp>
@@ -1993,10 +1981,9 @@
           </a:lstStyle>
           <a:p>
             <a:r>
-              <a:rPr lang="fr-FR" smtClean="0"/>
+              <a:rPr lang="fr-FR"/>
               <a:t>Cliquez pour modifier le style du titre</a:t>
             </a:r>
-            <a:endParaRPr lang="fr-FR"/>
           </a:p>
         </p:txBody>
       </p:sp>
@@ -2050,38 +2037,37 @@
           <a:p>
             <a:pPr lvl="0"/>
             <a:r>
-              <a:rPr lang="fr-FR" smtClean="0"/>
+              <a:rPr lang="fr-FR"/>
               <a:t>Cliquez pour modifier les styles du texte du masque</a:t>
             </a:r>
           </a:p>
           <a:p>
             <a:pPr lvl="1"/>
             <a:r>
-              <a:rPr lang="fr-FR" smtClean="0"/>
+              <a:rPr lang="fr-FR"/>
               <a:t>Deuxième niveau</a:t>
             </a:r>
           </a:p>
           <a:p>
             <a:pPr lvl="2"/>
             <a:r>
-              <a:rPr lang="fr-FR" smtClean="0"/>
+              <a:rPr lang="fr-FR"/>
               <a:t>Troisième niveau</a:t>
             </a:r>
           </a:p>
           <a:p>
             <a:pPr lvl="3"/>
             <a:r>
-              <a:rPr lang="fr-FR" smtClean="0"/>
+              <a:rPr lang="fr-FR"/>
               <a:t>Quatrième niveau</a:t>
             </a:r>
           </a:p>
           <a:p>
             <a:pPr lvl="4"/>
             <a:r>
-              <a:rPr lang="fr-FR" smtClean="0"/>
+              <a:rPr lang="fr-FR"/>
               <a:t>Cinquième niveau</a:t>
             </a:r>
-            <a:endParaRPr lang="fr-FR"/>
           </a:p>
         </p:txBody>
       </p:sp>
@@ -2144,7 +2130,7 @@
           <a:p>
             <a:pPr lvl="0"/>
             <a:r>
-              <a:rPr lang="fr-FR" smtClean="0"/>
+              <a:rPr lang="fr-FR"/>
               <a:t>Cliquez pour modifier les styles du texte du masque</a:t>
             </a:r>
           </a:p>
@@ -2205,10 +2191,9 @@
           </a:lstStyle>
           <a:p>
             <a:r>
-              <a:rPr lang="fr-FR" smtClean="0"/>
+              <a:rPr lang="fr-FR"/>
               <a:t>Cliquez pour modifier le style du titre</a:t>
             </a:r>
-            <a:endParaRPr lang="fr-FR"/>
           </a:p>
         </p:txBody>
       </p:sp>
@@ -2270,7 +2255,7 @@
           </a:lstStyle>
           <a:p>
             <a:pPr lvl="0"/>
-            <a:endParaRPr lang="fr-FR" noProof="0" smtClean="0"/>
+            <a:endParaRPr lang="fr-FR" noProof="0"/>
           </a:p>
         </p:txBody>
       </p:sp>
@@ -2333,7 +2318,7 @@
           <a:p>
             <a:pPr lvl="0"/>
             <a:r>
-              <a:rPr lang="fr-FR" smtClean="0"/>
+              <a:rPr lang="fr-FR"/>
               <a:t>Cliquez pour modifier les styles du texte du masque</a:t>
             </a:r>
           </a:p>
@@ -2385,10 +2370,9 @@
           <a:lstStyle/>
           <a:p>
             <a:r>
-              <a:rPr lang="fr-FR" smtClean="0"/>
+              <a:rPr lang="fr-FR"/>
               <a:t>Cliquez pour modifier le style du titre</a:t>
             </a:r>
-            <a:endParaRPr lang="fr-FR"/>
           </a:p>
         </p:txBody>
       </p:sp>
@@ -2409,38 +2393,37 @@
           <a:p>
             <a:pPr lvl="0"/>
             <a:r>
-              <a:rPr lang="fr-FR" smtClean="0"/>
+              <a:rPr lang="fr-FR"/>
               <a:t>Cliquez pour modifier les styles du texte du masque</a:t>
             </a:r>
           </a:p>
           <a:p>
             <a:pPr lvl="1"/>
             <a:r>
-              <a:rPr lang="fr-FR" smtClean="0"/>
+              <a:rPr lang="fr-FR"/>
               <a:t>Deuxième niveau</a:t>
             </a:r>
           </a:p>
           <a:p>
             <a:pPr lvl="2"/>
             <a:r>
-              <a:rPr lang="fr-FR" smtClean="0"/>
+              <a:rPr lang="fr-FR"/>
               <a:t>Troisième niveau</a:t>
             </a:r>
           </a:p>
           <a:p>
             <a:pPr lvl="3"/>
             <a:r>
-              <a:rPr lang="fr-FR" smtClean="0"/>
+              <a:rPr lang="fr-FR"/>
               <a:t>Quatrième niveau</a:t>
             </a:r>
           </a:p>
           <a:p>
             <a:pPr lvl="4"/>
             <a:r>
-              <a:rPr lang="fr-FR" smtClean="0"/>
+              <a:rPr lang="fr-FR"/>
               <a:t>Cinquième niveau</a:t>
             </a:r>
-            <a:endParaRPr lang="fr-FR"/>
           </a:p>
         </p:txBody>
       </p:sp>
@@ -2621,7 +2604,7 @@
             <a:pPr eaLnBrk="1" hangingPunct="1">
               <a:defRPr/>
             </a:pPr>
-            <a:endParaRPr lang="fr-FR" altLang="fr-FR" smtClean="0"/>
+            <a:endParaRPr lang="fr-FR" altLang="fr-FR"/>
           </a:p>
         </p:txBody>
       </p:sp>
@@ -2775,7 +2758,7 @@
               <a:defRPr/>
             </a:pPr>
             <a:r>
-              <a:rPr lang="fr-FR" sz="1200" dirty="0" smtClean="0"/>
+              <a:rPr lang="fr-FR" sz="1200" dirty="0"/>
               <a:t>Page </a:t>
             </a:r>
             <a:fld id="{E218E9B1-FD08-4C80-902E-210BA2967D0D}" type="slidenum">
@@ -2788,7 +2771,7 @@
               </a:pPr>
               <a:t>‹N°›</a:t>
             </a:fld>
-            <a:endParaRPr lang="fr-FR" dirty="0" smtClean="0">
+            <a:endParaRPr lang="fr-FR" dirty="0">
               <a:latin typeface="Times New Roman" pitchFamily="18" charset="0"/>
             </a:endParaRPr>
           </a:p>
@@ -2944,10 +2927,10 @@
               <a:defRPr/>
             </a:pPr>
             <a:r>
-              <a:rPr lang="fr-FR" sz="1600" dirty="0" smtClean="0"/>
+              <a:rPr lang="fr-FR" sz="1600" dirty="0"/>
               <a:t>Python</a:t>
             </a:r>
-            <a:endParaRPr lang="fr-FR" dirty="0" smtClean="0">
+            <a:endParaRPr lang="fr-FR" dirty="0">
               <a:latin typeface="Times New Roman" pitchFamily="18" charset="0"/>
             </a:endParaRPr>
           </a:p>
@@ -3005,7 +2988,7 @@
           <a:p>
             <a:pPr lvl="0"/>
             <a:r>
-              <a:rPr lang="fr-FR" altLang="fr-FR" smtClean="0"/>
+              <a:rPr lang="fr-FR" altLang="fr-FR"/>
               <a:t>Cliquez pour modifier le style du titre du masque</a:t>
             </a:r>
           </a:p>
@@ -3063,35 +3046,35 @@
           <a:p>
             <a:pPr lvl="0"/>
             <a:r>
-              <a:rPr lang="fr-FR" altLang="fr-FR" smtClean="0"/>
+              <a:rPr lang="fr-FR" altLang="fr-FR"/>
               <a:t>Cliquez pour modifier les styles du texte du masque</a:t>
             </a:r>
           </a:p>
           <a:p>
             <a:pPr lvl="1"/>
             <a:r>
-              <a:rPr lang="fr-FR" altLang="fr-FR" smtClean="0"/>
+              <a:rPr lang="fr-FR" altLang="fr-FR"/>
               <a:t>Deuxième niveau</a:t>
             </a:r>
           </a:p>
           <a:p>
             <a:pPr lvl="2"/>
             <a:r>
-              <a:rPr lang="fr-FR" altLang="fr-FR" smtClean="0"/>
+              <a:rPr lang="fr-FR" altLang="fr-FR"/>
               <a:t>Troisième niveau</a:t>
             </a:r>
           </a:p>
           <a:p>
             <a:pPr lvl="3"/>
             <a:r>
-              <a:rPr lang="fr-FR" altLang="fr-FR" smtClean="0"/>
+              <a:rPr lang="fr-FR" altLang="fr-FR"/>
               <a:t>Quatrième niveau</a:t>
             </a:r>
           </a:p>
           <a:p>
             <a:pPr lvl="4"/>
             <a:r>
-              <a:rPr lang="fr-FR" altLang="fr-FR" smtClean="0"/>
+              <a:rPr lang="fr-FR" altLang="fr-FR"/>
               <a:t>Cinquième niveau</a:t>
             </a:r>
           </a:p>
@@ -3247,10 +3230,10 @@
               <a:defRPr/>
             </a:pPr>
             <a:r>
-              <a:rPr lang="fr-FR" sz="1200" smtClean="0"/>
+              <a:rPr lang="fr-FR" sz="1200"/>
               <a:t>© Cyril Vincent Conseil</a:t>
             </a:r>
-            <a:endParaRPr lang="fr-FR" smtClean="0">
+            <a:endParaRPr lang="fr-FR">
               <a:latin typeface="Times New Roman" pitchFamily="18" charset="0"/>
             </a:endParaRPr>
           </a:p>
@@ -3732,17 +3715,17 @@
           <a:p>
             <a:pPr eaLnBrk="1" hangingPunct="1"/>
             <a:r>
-              <a:rPr lang="fr-FR" altLang="fr-FR" dirty="0" smtClean="0"/>
+              <a:rPr lang="fr-FR" altLang="fr-FR" dirty="0"/>
               <a:t>Chapitre 9</a:t>
             </a:r>
           </a:p>
           <a:p>
             <a:pPr eaLnBrk="1" hangingPunct="1"/>
             <a:r>
-              <a:rPr lang="fr-FR" altLang="fr-FR" dirty="0" err="1" smtClean="0"/>
+              <a:rPr lang="fr-FR" altLang="fr-FR" dirty="0" err="1"/>
               <a:t>Keras</a:t>
             </a:r>
-            <a:endParaRPr lang="fr-FR" altLang="fr-FR" dirty="0" smtClean="0"/>
+            <a:endParaRPr lang="fr-FR" altLang="fr-FR" dirty="0"/>
           </a:p>
         </p:txBody>
       </p:sp>
@@ -3793,14 +3776,13 @@
           <a:lstStyle/>
           <a:p>
             <a:r>
-              <a:rPr lang="fr-FR" sz="3600" dirty="0" err="1" smtClean="0"/>
+              <a:rPr lang="fr-FR" sz="3600" dirty="0" err="1"/>
               <a:t>Deep</a:t>
             </a:r>
             <a:r>
-              <a:rPr lang="fr-FR" sz="3600" dirty="0" smtClean="0"/>
+              <a:rPr lang="fr-FR" sz="3600" dirty="0"/>
               <a:t> Learning</a:t>
             </a:r>
-            <a:endParaRPr lang="fr-FR" sz="3600" dirty="0"/>
           </a:p>
         </p:txBody>
       </p:sp>
@@ -3850,13 +3832,6 @@
   <p:clrMapOvr>
     <a:masterClrMapping/>
   </p:clrMapOvr>
-  <p:timing>
-    <p:tnLst>
-      <p:par>
-        <p:cTn id="1" dur="indefinite" restart="never" nodeType="tmRoot"/>
-      </p:par>
-    </p:tnLst>
-  </p:timing>
 </p:sld>
 </file>
 
@@ -3893,10 +3868,9 @@
           <a:lstStyle/>
           <a:p>
             <a:r>
-              <a:rPr lang="fr-FR" dirty="0" smtClean="0"/>
+              <a:rPr lang="fr-FR" dirty="0"/>
               <a:t>Model</a:t>
             </a:r>
-            <a:endParaRPr lang="fr-FR" dirty="0"/>
           </a:p>
         </p:txBody>
       </p:sp>
@@ -3916,7 +3890,7 @@
           <a:lstStyle/>
           <a:p>
             <a:r>
-              <a:rPr lang="fr-FR" dirty="0" err="1" smtClean="0"/>
+              <a:rPr lang="fr-FR" dirty="0" err="1"/>
               <a:t>Keras.Model</a:t>
             </a:r>
             <a:endParaRPr lang="fr-FR" dirty="0"/>
@@ -3928,72 +3902,62 @@
               <a:t>Model = </a:t>
             </a:r>
             <a:r>
-              <a:rPr lang="fr-FR" dirty="0" err="1" smtClean="0"/>
+              <a:rPr lang="fr-FR" dirty="0" err="1"/>
               <a:t>keras.Model</a:t>
             </a:r>
             <a:r>
-              <a:rPr lang="fr-FR" dirty="0" smtClean="0"/>
+              <a:rPr lang="fr-FR" dirty="0"/>
               <a:t>(inputs, outputs)</a:t>
             </a:r>
+          </a:p>
+          <a:p>
+            <a:pPr lvl="1"/>
+            <a:r>
+              <a:rPr lang="fr-FR" dirty="0"/>
+              <a:t>Ajout d’un layer un </a:t>
+            </a:r>
+            <a:r>
+              <a:rPr lang="fr-FR" dirty="0" err="1"/>
+              <a:t>tuple</a:t>
+            </a:r>
+            <a:r>
+              <a:rPr lang="fr-FR" dirty="0"/>
+              <a:t> </a:t>
+            </a:r>
+            <a:r>
+              <a:rPr lang="fr-FR" dirty="0" err="1"/>
+              <a:t>postfixé</a:t>
+            </a:r>
             <a:endParaRPr lang="fr-FR" dirty="0"/>
           </a:p>
           <a:p>
             <a:pPr lvl="1"/>
             <a:r>
-              <a:rPr lang="fr-FR" dirty="0" smtClean="0"/>
-              <a:t>Ajout </a:t>
-            </a:r>
-            <a:r>
-              <a:rPr lang="fr-FR" dirty="0"/>
-              <a:t>d’un layer </a:t>
-            </a:r>
-            <a:r>
-              <a:rPr lang="fr-FR" dirty="0" smtClean="0"/>
-              <a:t>un </a:t>
-            </a:r>
-            <a:r>
-              <a:rPr lang="fr-FR" dirty="0" err="1" smtClean="0"/>
-              <a:t>tuple</a:t>
-            </a:r>
-            <a:r>
-              <a:rPr lang="fr-FR" dirty="0" smtClean="0"/>
-              <a:t> </a:t>
-            </a:r>
-            <a:r>
-              <a:rPr lang="fr-FR" dirty="0" err="1" smtClean="0"/>
-              <a:t>postfixé</a:t>
-            </a:r>
-            <a:endParaRPr lang="fr-FR" dirty="0" smtClean="0"/>
-          </a:p>
-          <a:p>
-            <a:pPr lvl="1"/>
-            <a:r>
-              <a:rPr lang="fr-FR" dirty="0" smtClean="0"/>
+              <a:rPr lang="fr-FR" dirty="0"/>
               <a:t>Un layer peut avoir plusieurs parents (non MLP)</a:t>
             </a:r>
           </a:p>
           <a:p>
             <a:pPr lvl="1"/>
             <a:r>
-              <a:rPr lang="fr-FR" dirty="0" smtClean="0"/>
+              <a:rPr lang="fr-FR" dirty="0"/>
               <a:t>Le modèle peut avoir plusieurs inputs et outputs</a:t>
             </a:r>
           </a:p>
           <a:p>
             <a:pPr lvl="1"/>
             <a:r>
-              <a:rPr lang="fr-FR" dirty="0" smtClean="0"/>
+              <a:rPr lang="fr-FR" dirty="0"/>
               <a:t>Le premier layer doit être de type Input(</a:t>
             </a:r>
             <a:r>
-              <a:rPr lang="fr-FR" dirty="0" err="1" smtClean="0"/>
+              <a:rPr lang="fr-FR" dirty="0" err="1"/>
               <a:t>shape</a:t>
             </a:r>
             <a:r>
-              <a:rPr lang="fr-FR" dirty="0" smtClean="0"/>
+              <a:rPr lang="fr-FR" dirty="0"/>
               <a:t>)</a:t>
             </a:r>
-            <a:endParaRPr lang="fr-FR" dirty="0"/>
           </a:p>
         </p:txBody>
       </p:sp>
@@ -4031,13 +3995,6 @@
   <p:clrMapOvr>
     <a:masterClrMapping/>
   </p:clrMapOvr>
-  <p:timing>
-    <p:tnLst>
-      <p:par>
-        <p:cTn id="1" dur="indefinite" restart="never" nodeType="tmRoot"/>
-      </p:par>
-    </p:tnLst>
-  </p:timing>
 </p:sld>
 </file>
 
@@ -4074,7 +4031,7 @@
           <a:lstStyle/>
           <a:p>
             <a:r>
-              <a:rPr lang="fr-FR" dirty="0" err="1" smtClean="0"/>
+              <a:rPr lang="fr-FR" dirty="0" err="1"/>
               <a:t>Initializer</a:t>
             </a:r>
             <a:endParaRPr lang="fr-FR" dirty="0"/>
@@ -4102,36 +4059,32 @@
             </a:r>
             <a:r>
               <a:rPr lang="fr-FR" dirty="0"/>
-              <a:t> </a:t>
-            </a:r>
-            <a:r>
-              <a:rPr lang="fr-FR" dirty="0" smtClean="0"/>
-              <a:t>et </a:t>
-            </a:r>
-            <a:r>
-              <a:rPr lang="fr-FR" dirty="0" err="1" smtClean="0"/>
+              <a:t> et </a:t>
+            </a:r>
+            <a:r>
+              <a:rPr lang="fr-FR" dirty="0" err="1"/>
               <a:t>bias_initializer</a:t>
             </a:r>
-            <a:endParaRPr lang="fr-FR" dirty="0" smtClean="0"/>
-          </a:p>
-          <a:p>
-            <a:pPr lvl="1"/>
-            <a:r>
-              <a:rPr lang="fr-FR" dirty="0" smtClean="0"/>
+            <a:endParaRPr lang="fr-FR" dirty="0"/>
+          </a:p>
+          <a:p>
+            <a:pPr lvl="1"/>
+            <a:r>
+              <a:rPr lang="fr-FR" dirty="0"/>
               <a:t>Valeur initiale des poids</a:t>
             </a:r>
           </a:p>
           <a:p>
             <a:pPr lvl="1"/>
             <a:r>
-              <a:rPr lang="fr-FR" dirty="0" smtClean="0"/>
+              <a:rPr lang="fr-FR" dirty="0"/>
               <a:t>Par défaut </a:t>
             </a:r>
             <a:r>
-              <a:rPr lang="fr-FR" dirty="0" err="1" smtClean="0"/>
+              <a:rPr lang="fr-FR" dirty="0" err="1"/>
               <a:t>glorot_normal</a:t>
             </a:r>
-            <a:endParaRPr lang="fr-FR" dirty="0" smtClean="0"/>
+            <a:endParaRPr lang="fr-FR" dirty="0"/>
           </a:p>
           <a:p>
             <a:pPr lvl="1"/>
@@ -4156,78 +4109,70 @@
               <a:t>fan_out</a:t>
             </a:r>
             <a:r>
-              <a:rPr lang="fr-FR" dirty="0" smtClean="0"/>
+              <a:rPr lang="fr-FR" dirty="0"/>
               <a:t>))</a:t>
             </a:r>
           </a:p>
           <a:p>
             <a:pPr lvl="1"/>
             <a:r>
-              <a:rPr lang="fr-FR" dirty="0" err="1" smtClean="0"/>
+              <a:rPr lang="fr-FR" dirty="0" err="1"/>
               <a:t>fan_in</a:t>
             </a:r>
             <a:r>
-              <a:rPr lang="fr-FR" dirty="0" smtClean="0"/>
+              <a:rPr lang="fr-FR" dirty="0"/>
               <a:t> = nb input du perceptron (</a:t>
             </a:r>
             <a:r>
-              <a:rPr lang="fr-FR" dirty="0" err="1" smtClean="0"/>
+              <a:rPr lang="fr-FR" dirty="0" err="1"/>
               <a:t>tensor</a:t>
             </a:r>
             <a:r>
-              <a:rPr lang="fr-FR" dirty="0" smtClean="0"/>
+              <a:rPr lang="fr-FR" dirty="0"/>
               <a:t>)</a:t>
             </a:r>
           </a:p>
           <a:p>
             <a:pPr lvl="1"/>
             <a:r>
-              <a:rPr lang="fr-FR" dirty="0" err="1" smtClean="0"/>
+              <a:rPr lang="fr-FR" dirty="0" err="1"/>
               <a:t>fan_out</a:t>
             </a:r>
             <a:r>
-              <a:rPr lang="fr-FR" dirty="0" smtClean="0"/>
+              <a:rPr lang="fr-FR" dirty="0"/>
               <a:t> = nb output</a:t>
             </a:r>
           </a:p>
           <a:p>
             <a:pPr lvl="1"/>
             <a:r>
-              <a:rPr lang="fr-FR" dirty="0" smtClean="0"/>
+              <a:rPr lang="fr-FR" dirty="0"/>
               <a:t>Dans le cas d'une activation linéaire</a:t>
             </a:r>
           </a:p>
           <a:p>
             <a:pPr lvl="1"/>
             <a:r>
-              <a:rPr lang="fr-FR" dirty="0" smtClean="0"/>
+              <a:rPr lang="fr-FR" dirty="0"/>
               <a:t>ho=</a:t>
             </a:r>
             <a:r>
               <a:rPr lang="fr-FR" dirty="0" err="1"/>
-              <a:t>w</a:t>
-            </a:r>
-            <a:r>
-              <a:rPr lang="fr-FR" dirty="0" err="1" smtClean="0"/>
-              <a:t>eight</a:t>
-            </a:r>
-            <a:r>
-              <a:rPr lang="fr-FR" dirty="0" smtClean="0"/>
-              <a:t>*x </a:t>
-            </a:r>
-            <a:r>
-              <a:rPr lang="fr-FR" dirty="0"/>
-              <a:t>+ </a:t>
-            </a:r>
-            <a:r>
-              <a:rPr lang="fr-FR" dirty="0" err="1" smtClean="0"/>
+              <a:t>weight</a:t>
+            </a:r>
+            <a:r>
+              <a:rPr lang="fr-FR" dirty="0"/>
+              <a:t>*x + </a:t>
+            </a:r>
+            <a:r>
+              <a:rPr lang="fr-FR" dirty="0" err="1"/>
               <a:t>bias</a:t>
             </a:r>
-            <a:endParaRPr lang="fr-FR" dirty="0" smtClean="0"/>
-          </a:p>
-          <a:p>
-            <a:pPr lvl="1"/>
-            <a:endParaRPr lang="fr-FR" dirty="0" smtClean="0"/>
+            <a:endParaRPr lang="fr-FR" dirty="0"/>
+          </a:p>
+          <a:p>
+            <a:pPr lvl="1"/>
+            <a:endParaRPr lang="fr-FR" dirty="0"/>
           </a:p>
           <a:p>
             <a:endParaRPr lang="fr-FR" dirty="0"/>
@@ -4244,13 +4189,6 @@
   <p:clrMapOvr>
     <a:masterClrMapping/>
   </p:clrMapOvr>
-  <p:timing>
-    <p:tnLst>
-      <p:par>
-        <p:cTn id="1" dur="indefinite" restart="never" nodeType="tmRoot"/>
-      </p:par>
-    </p:tnLst>
-  </p:timing>
 </p:sld>
 </file>
 
@@ -4287,7 +4225,7 @@
           <a:lstStyle/>
           <a:p>
             <a:r>
-              <a:rPr lang="fr-FR" dirty="0" err="1" smtClean="0"/>
+              <a:rPr lang="fr-FR" dirty="0" err="1"/>
               <a:t>Optimizer</a:t>
             </a:r>
             <a:endParaRPr lang="fr-FR" dirty="0"/>
@@ -4310,82 +4248,81 @@
           <a:lstStyle/>
           <a:p>
             <a:r>
-              <a:rPr lang="fr-FR" dirty="0" smtClean="0"/>
+              <a:rPr lang="fr-FR" dirty="0"/>
               <a:t>Algorithme de </a:t>
             </a:r>
             <a:r>
-              <a:rPr lang="fr-FR" dirty="0" err="1" smtClean="0"/>
+              <a:rPr lang="fr-FR" dirty="0" err="1"/>
               <a:t>backtracking</a:t>
             </a:r>
             <a:endParaRPr lang="fr-FR" dirty="0"/>
           </a:p>
           <a:p>
             <a:r>
-              <a:rPr lang="fr-FR" dirty="0" smtClean="0"/>
+              <a:rPr lang="fr-FR" dirty="0"/>
               <a:t>En 1</a:t>
             </a:r>
             <a:r>
-              <a:rPr lang="fr-FR" baseline="30000" dirty="0" smtClean="0"/>
+              <a:rPr lang="fr-FR" baseline="30000" dirty="0"/>
               <a:t>ère</a:t>
             </a:r>
             <a:r>
-              <a:rPr lang="fr-FR" dirty="0" smtClean="0"/>
+              <a:rPr lang="fr-FR" dirty="0"/>
               <a:t> intention utiliser </a:t>
             </a:r>
             <a:r>
-              <a:rPr lang="fr-FR" dirty="0" err="1" smtClean="0"/>
+              <a:rPr lang="fr-FR" dirty="0" err="1"/>
               <a:t>RMSProp</a:t>
             </a:r>
             <a:r>
-              <a:rPr lang="fr-FR" dirty="0" smtClean="0"/>
+              <a:rPr lang="fr-FR" dirty="0"/>
               <a:t> (pas de </a:t>
             </a:r>
             <a:r>
-              <a:rPr lang="fr-FR" dirty="0" err="1" smtClean="0"/>
+              <a:rPr lang="fr-FR" dirty="0" err="1"/>
               <a:t>momentum</a:t>
             </a:r>
             <a:r>
-              <a:rPr lang="fr-FR" dirty="0" smtClean="0"/>
+              <a:rPr lang="fr-FR" dirty="0"/>
               <a:t>)</a:t>
             </a:r>
           </a:p>
           <a:p>
             <a:pPr lvl="1"/>
             <a:r>
-              <a:rPr lang="fr-FR" dirty="0" smtClean="0"/>
+              <a:rPr lang="fr-FR" dirty="0"/>
               <a:t>Ou Adam (avec </a:t>
             </a:r>
             <a:r>
-              <a:rPr lang="fr-FR" dirty="0" err="1" smtClean="0"/>
+              <a:rPr lang="fr-FR" dirty="0" err="1"/>
               <a:t>momentum</a:t>
             </a:r>
             <a:r>
-              <a:rPr lang="fr-FR" dirty="0" smtClean="0"/>
+              <a:rPr lang="fr-FR" dirty="0"/>
               <a:t>)</a:t>
             </a:r>
           </a:p>
           <a:p>
             <a:r>
-              <a:rPr lang="fr-FR" dirty="0" smtClean="0"/>
+              <a:rPr lang="fr-FR" dirty="0"/>
               <a:t>Plus tard nous verrons SGD (avec dérivée et </a:t>
             </a:r>
             <a:r>
-              <a:rPr lang="fr-FR" dirty="0" err="1" smtClean="0"/>
+              <a:rPr lang="fr-FR" dirty="0" err="1"/>
               <a:t>nesterov</a:t>
             </a:r>
             <a:r>
-              <a:rPr lang="fr-FR" dirty="0" smtClean="0"/>
+              <a:rPr lang="fr-FR" dirty="0"/>
               <a:t> </a:t>
             </a:r>
             <a:r>
-              <a:rPr lang="fr-FR" dirty="0" err="1" smtClean="0"/>
+              <a:rPr lang="fr-FR" dirty="0" err="1"/>
               <a:t>momentum</a:t>
             </a:r>
             <a:r>
-              <a:rPr lang="fr-FR" dirty="0" smtClean="0"/>
+              <a:rPr lang="fr-FR" dirty="0"/>
               <a:t>)</a:t>
             </a:r>
-            <a:endParaRPr lang="fr-FR" dirty="0"/>
           </a:p>
         </p:txBody>
       </p:sp>
@@ -4423,13 +4360,6 @@
   <p:clrMapOvr>
     <a:masterClrMapping/>
   </p:clrMapOvr>
-  <p:timing>
-    <p:tnLst>
-      <p:par>
-        <p:cTn id="1" dur="indefinite" restart="never" nodeType="tmRoot"/>
-      </p:par>
-    </p:tnLst>
-  </p:timing>
 </p:sld>
 </file>
 
@@ -4466,7 +4396,7 @@
           <a:lstStyle/>
           <a:p>
             <a:r>
-              <a:rPr lang="fr-FR" dirty="0" err="1" smtClean="0"/>
+              <a:rPr lang="fr-FR" dirty="0" err="1"/>
               <a:t>Optimizer</a:t>
             </a:r>
             <a:endParaRPr lang="fr-FR" dirty="0"/>
@@ -4524,13 +4454,6 @@
   <p:clrMapOvr>
     <a:masterClrMapping/>
   </p:clrMapOvr>
-  <p:timing>
-    <p:tnLst>
-      <p:par>
-        <p:cTn id="1" dur="indefinite" restart="never" nodeType="tmRoot"/>
-      </p:par>
-    </p:tnLst>
-  </p:timing>
 </p:sld>
 </file>
 
@@ -4567,10 +4490,9 @@
           <a:lstStyle/>
           <a:p>
             <a:r>
-              <a:rPr lang="fr-FR" dirty="0" smtClean="0"/>
+              <a:rPr lang="fr-FR" dirty="0"/>
               <a:t>Compile</a:t>
             </a:r>
-            <a:endParaRPr lang="fr-FR" dirty="0"/>
           </a:p>
         </p:txBody>
       </p:sp>
@@ -4590,7 +4512,7 @@
           <a:lstStyle/>
           <a:p>
             <a:r>
-              <a:rPr lang="fr-FR" dirty="0" smtClean="0"/>
+              <a:rPr lang="fr-FR" dirty="0"/>
               <a:t>Compile construit le réseaux de tenseurs</a:t>
             </a:r>
           </a:p>
@@ -4598,133 +4520,133 @@
             <a:endParaRPr lang="fr-FR" dirty="0"/>
           </a:p>
           <a:p>
-            <a:endParaRPr lang="fr-FR" dirty="0" smtClean="0"/>
-          </a:p>
-          <a:p>
-            <a:pPr lvl="1"/>
-            <a:r>
-              <a:rPr lang="fr-FR" dirty="0" err="1" smtClean="0"/>
+            <a:endParaRPr lang="fr-FR" dirty="0"/>
+          </a:p>
+          <a:p>
+            <a:pPr lvl="1"/>
+            <a:r>
+              <a:rPr lang="fr-FR" dirty="0" err="1"/>
               <a:t>Loss</a:t>
             </a:r>
-            <a:endParaRPr lang="fr-FR" dirty="0" smtClean="0"/>
+            <a:endParaRPr lang="fr-FR" dirty="0"/>
           </a:p>
           <a:p>
             <a:pPr lvl="2"/>
             <a:r>
-              <a:rPr lang="fr-FR" dirty="0" smtClean="0"/>
+              <a:rPr lang="fr-FR" dirty="0"/>
               <a:t>Méthode de calcul du </a:t>
             </a:r>
             <a:r>
-              <a:rPr lang="fr-FR" dirty="0" err="1" smtClean="0"/>
+              <a:rPr lang="fr-FR" dirty="0" err="1"/>
               <a:t>loss</a:t>
             </a:r>
-            <a:endParaRPr lang="fr-FR" dirty="0" smtClean="0"/>
+            <a:endParaRPr lang="fr-FR" dirty="0"/>
           </a:p>
           <a:p>
             <a:pPr lvl="2"/>
             <a:r>
-              <a:rPr lang="fr-FR" dirty="0" err="1" smtClean="0"/>
+              <a:rPr lang="fr-FR" dirty="0" err="1"/>
               <a:t>mse</a:t>
             </a:r>
             <a:r>
-              <a:rPr lang="fr-FR" dirty="0" smtClean="0"/>
+              <a:rPr lang="fr-FR" dirty="0"/>
               <a:t> :  </a:t>
             </a:r>
             <a:r>
-              <a:rPr lang="fr-FR" dirty="0" err="1" smtClean="0"/>
+              <a:rPr lang="fr-FR" dirty="0" err="1"/>
               <a:t>Mean</a:t>
             </a:r>
             <a:r>
-              <a:rPr lang="fr-FR" dirty="0" smtClean="0"/>
+              <a:rPr lang="fr-FR" dirty="0"/>
               <a:t> </a:t>
             </a:r>
             <a:r>
-              <a:rPr lang="fr-FR" dirty="0" err="1" smtClean="0"/>
+              <a:rPr lang="fr-FR" dirty="0" err="1"/>
               <a:t>Squared</a:t>
             </a:r>
             <a:r>
-              <a:rPr lang="fr-FR" dirty="0" smtClean="0"/>
+              <a:rPr lang="fr-FR" dirty="0"/>
               <a:t> </a:t>
             </a:r>
             <a:r>
-              <a:rPr lang="fr-FR" dirty="0" err="1" smtClean="0"/>
+              <a:rPr lang="fr-FR" dirty="0" err="1"/>
               <a:t>Error</a:t>
             </a:r>
-            <a:endParaRPr lang="fr-FR" dirty="0" smtClean="0"/>
-          </a:p>
-          <a:p>
-            <a:pPr lvl="1"/>
-            <a:r>
-              <a:rPr lang="fr-FR" dirty="0" err="1" smtClean="0"/>
+            <a:endParaRPr lang="fr-FR" dirty="0"/>
+          </a:p>
+          <a:p>
+            <a:pPr lvl="1"/>
+            <a:r>
+              <a:rPr lang="fr-FR" dirty="0" err="1"/>
               <a:t>Metrics</a:t>
             </a:r>
-            <a:endParaRPr lang="fr-FR" dirty="0" smtClean="0"/>
+            <a:endParaRPr lang="fr-FR" dirty="0"/>
           </a:p>
           <a:p>
             <a:pPr lvl="2"/>
             <a:r>
-              <a:rPr lang="fr-FR" dirty="0" smtClean="0"/>
+              <a:rPr lang="fr-FR" dirty="0"/>
               <a:t>Par défaut seul le </a:t>
             </a:r>
             <a:r>
-              <a:rPr lang="fr-FR" dirty="0" err="1" smtClean="0"/>
+              <a:rPr lang="fr-FR" dirty="0" err="1"/>
               <a:t>loss</a:t>
             </a:r>
             <a:r>
-              <a:rPr lang="fr-FR" dirty="0" smtClean="0"/>
+              <a:rPr lang="fr-FR" dirty="0"/>
               <a:t> est affiché (peu parlant)</a:t>
             </a:r>
           </a:p>
           <a:p>
             <a:pPr lvl="2"/>
             <a:r>
-              <a:rPr lang="fr-FR" dirty="0" smtClean="0"/>
+              <a:rPr lang="fr-FR" dirty="0"/>
               <a:t>Le </a:t>
             </a:r>
             <a:r>
-              <a:rPr lang="fr-FR" dirty="0" err="1" smtClean="0"/>
+              <a:rPr lang="fr-FR" dirty="0" err="1"/>
               <a:t>metric</a:t>
             </a:r>
             <a:r>
-              <a:rPr lang="fr-FR" dirty="0" smtClean="0"/>
+              <a:rPr lang="fr-FR" dirty="0"/>
               <a:t> le plus parlant est </a:t>
             </a:r>
             <a:r>
-              <a:rPr lang="fr-FR" dirty="0" err="1" smtClean="0"/>
+              <a:rPr lang="fr-FR" dirty="0" err="1"/>
               <a:t>accuracy</a:t>
             </a:r>
             <a:r>
-              <a:rPr lang="fr-FR" dirty="0" smtClean="0"/>
+              <a:rPr lang="fr-FR" dirty="0"/>
               <a:t> qui affiche la précision du calcul soit </a:t>
             </a:r>
             <a:r>
-              <a:rPr lang="fr-FR" dirty="0" err="1" smtClean="0"/>
+              <a:rPr lang="fr-FR" dirty="0" err="1"/>
               <a:t>nbGoodResult</a:t>
             </a:r>
             <a:r>
-              <a:rPr lang="fr-FR" dirty="0" smtClean="0"/>
+              <a:rPr lang="fr-FR" dirty="0"/>
               <a:t> / </a:t>
             </a:r>
             <a:r>
-              <a:rPr lang="fr-FR" dirty="0" err="1" smtClean="0"/>
+              <a:rPr lang="fr-FR" dirty="0" err="1"/>
               <a:t>nbTotalItem</a:t>
             </a:r>
-            <a:endParaRPr lang="fr-FR" dirty="0" smtClean="0"/>
-          </a:p>
-          <a:p>
-            <a:r>
-              <a:rPr lang="fr-FR" dirty="0" err="1" smtClean="0"/>
+            <a:endParaRPr lang="fr-FR" dirty="0"/>
+          </a:p>
+          <a:p>
+            <a:r>
+              <a:rPr lang="fr-FR" dirty="0" err="1"/>
               <a:t>Model.summary</a:t>
             </a:r>
             <a:r>
-              <a:rPr lang="fr-FR" dirty="0" smtClean="0"/>
+              <a:rPr lang="fr-FR" dirty="0"/>
               <a:t>()</a:t>
             </a:r>
           </a:p>
           <a:p>
             <a:pPr lvl="1"/>
             <a:r>
-              <a:rPr lang="fr-FR" dirty="0" smtClean="0"/>
+              <a:rPr lang="fr-FR" dirty="0"/>
               <a:t>Affiche le réseau</a:t>
             </a:r>
           </a:p>
@@ -4768,13 +4690,6 @@
   <p:clrMapOvr>
     <a:masterClrMapping/>
   </p:clrMapOvr>
-  <p:timing>
-    <p:tnLst>
-      <p:par>
-        <p:cTn id="1" dur="indefinite" restart="never" nodeType="tmRoot"/>
-      </p:par>
-    </p:tnLst>
-  </p:timing>
 </p:sld>
 </file>
 
@@ -4811,10 +4726,9 @@
           <a:lstStyle/>
           <a:p>
             <a:r>
-              <a:rPr lang="fr-FR" dirty="0" smtClean="0"/>
+              <a:rPr lang="fr-FR" dirty="0"/>
               <a:t>Exemple complet de compilation</a:t>
             </a:r>
-            <a:endParaRPr lang="fr-FR" dirty="0"/>
           </a:p>
         </p:txBody>
       </p:sp>
@@ -4852,13 +4766,6 @@
   <p:clrMapOvr>
     <a:masterClrMapping/>
   </p:clrMapOvr>
-  <p:timing>
-    <p:tnLst>
-      <p:par>
-        <p:cTn id="1" dur="indefinite" restart="never" nodeType="tmRoot"/>
-      </p:par>
-    </p:tnLst>
-  </p:timing>
 </p:sld>
 </file>
 
@@ -4895,10 +4802,9 @@
           <a:lstStyle/>
           <a:p>
             <a:r>
-              <a:rPr lang="fr-FR" dirty="0" smtClean="0"/>
+              <a:rPr lang="fr-FR" dirty="0"/>
               <a:t>Fit</a:t>
             </a:r>
-            <a:endParaRPr lang="fr-FR" dirty="0"/>
           </a:p>
         </p:txBody>
       </p:sp>
@@ -4918,22 +4824,22 @@
           <a:lstStyle/>
           <a:p>
             <a:r>
-              <a:rPr lang="fr-FR" dirty="0" smtClean="0"/>
+              <a:rPr lang="fr-FR" dirty="0"/>
               <a:t>Entraine le modèle</a:t>
             </a:r>
           </a:p>
           <a:p>
             <a:pPr lvl="1"/>
             <a:r>
-              <a:rPr lang="fr-FR" dirty="0" err="1" smtClean="0"/>
+              <a:rPr lang="fr-FR" dirty="0" err="1"/>
               <a:t>model.fit</a:t>
             </a:r>
             <a:r>
-              <a:rPr lang="fr-FR" dirty="0" smtClean="0"/>
+              <a:rPr lang="fr-FR" dirty="0"/>
               <a:t>(</a:t>
             </a:r>
             <a:r>
-              <a:rPr lang="fr-FR" dirty="0" err="1" smtClean="0"/>
+              <a:rPr lang="fr-FR" dirty="0" err="1"/>
               <a:t>dataset</a:t>
             </a:r>
             <a:r>
@@ -4954,25 +4860,21 @@
             </a:r>
             <a:r>
               <a:rPr lang="fr-FR" dirty="0"/>
-              <a:t>=30</a:t>
-            </a:r>
-            <a:r>
-              <a:rPr lang="fr-FR" dirty="0" smtClean="0"/>
-              <a:t>)</a:t>
-            </a:r>
-          </a:p>
-          <a:p>
-            <a:pPr lvl="1"/>
-            <a:r>
-              <a:rPr lang="fr-FR" dirty="0" err="1" smtClean="0"/>
+              <a:t>=30)</a:t>
+            </a:r>
+          </a:p>
+          <a:p>
+            <a:pPr lvl="1"/>
+            <a:r>
+              <a:rPr lang="fr-FR" dirty="0" err="1"/>
               <a:t>Retourn</a:t>
             </a:r>
             <a:r>
-              <a:rPr lang="fr-FR" dirty="0" smtClean="0"/>
+              <a:rPr lang="fr-FR" dirty="0"/>
               <a:t> l’historique des </a:t>
             </a:r>
             <a:r>
-              <a:rPr lang="fr-FR" dirty="0" err="1" smtClean="0"/>
+              <a:rPr lang="fr-FR" dirty="0" err="1"/>
               <a:t>metrics</a:t>
             </a:r>
             <a:endParaRPr lang="fr-FR" dirty="0"/>
@@ -5013,13 +4915,6 @@
   <p:clrMapOvr>
     <a:masterClrMapping/>
   </p:clrMapOvr>
-  <p:timing>
-    <p:tnLst>
-      <p:par>
-        <p:cTn id="1" dur="indefinite" restart="never" nodeType="tmRoot"/>
-      </p:par>
-    </p:tnLst>
-  </p:timing>
 </p:sld>
 </file>
 
@@ -5056,7 +4951,7 @@
           <a:lstStyle/>
           <a:p>
             <a:r>
-              <a:rPr lang="fr-FR" dirty="0" err="1" smtClean="0"/>
+              <a:rPr lang="fr-FR" dirty="0" err="1"/>
               <a:t>Epochs</a:t>
             </a:r>
             <a:endParaRPr lang="fr-FR" dirty="0"/>
@@ -5079,111 +4974,110 @@
           <a:lstStyle/>
           <a:p>
             <a:r>
-              <a:rPr lang="fr-FR" dirty="0" err="1" smtClean="0"/>
+              <a:rPr lang="fr-FR" dirty="0" err="1"/>
               <a:t>Epochs</a:t>
             </a:r>
             <a:r>
-              <a:rPr lang="fr-FR" dirty="0" smtClean="0"/>
+              <a:rPr lang="fr-FR" dirty="0"/>
               <a:t> est le nombre d’itération sur tous le </a:t>
             </a:r>
             <a:r>
-              <a:rPr lang="fr-FR" dirty="0" err="1" smtClean="0"/>
+              <a:rPr lang="fr-FR" dirty="0" err="1"/>
               <a:t>dataset</a:t>
             </a:r>
-            <a:endParaRPr lang="fr-FR" dirty="0" smtClean="0"/>
-          </a:p>
-          <a:p>
-            <a:pPr lvl="1"/>
-            <a:r>
-              <a:rPr lang="fr-FR" dirty="0" smtClean="0"/>
+            <a:endParaRPr lang="fr-FR" dirty="0"/>
+          </a:p>
+          <a:p>
+            <a:pPr lvl="1"/>
+            <a:r>
+              <a:rPr lang="fr-FR" dirty="0"/>
               <a:t>Ainsi si le nombre de data dans le </a:t>
             </a:r>
             <a:r>
-              <a:rPr lang="fr-FR" dirty="0" err="1" smtClean="0"/>
+              <a:rPr lang="fr-FR" dirty="0" err="1"/>
               <a:t>dataset</a:t>
             </a:r>
             <a:r>
-              <a:rPr lang="fr-FR" dirty="0" smtClean="0"/>
+              <a:rPr lang="fr-FR" dirty="0"/>
               <a:t> est nb = 1000</a:t>
             </a:r>
           </a:p>
           <a:p>
             <a:pPr lvl="1"/>
             <a:r>
-              <a:rPr lang="fr-FR" dirty="0" smtClean="0"/>
+              <a:rPr lang="fr-FR" dirty="0"/>
               <a:t>Si </a:t>
             </a:r>
             <a:r>
-              <a:rPr lang="fr-FR" dirty="0" err="1" smtClean="0"/>
+              <a:rPr lang="fr-FR" dirty="0" err="1"/>
               <a:t>epochs</a:t>
             </a:r>
             <a:r>
-              <a:rPr lang="fr-FR" dirty="0" smtClean="0"/>
+              <a:rPr lang="fr-FR" dirty="0"/>
               <a:t> = 10 il y aura 10000 inférences</a:t>
             </a:r>
           </a:p>
           <a:p>
             <a:r>
-              <a:rPr lang="fr-FR" dirty="0" err="1" smtClean="0"/>
+              <a:rPr lang="fr-FR" dirty="0" err="1"/>
               <a:t>Steps_per_epoch</a:t>
             </a:r>
-            <a:endParaRPr lang="fr-FR" dirty="0" smtClean="0"/>
-          </a:p>
-          <a:p>
-            <a:pPr lvl="1"/>
-            <a:r>
-              <a:rPr lang="fr-FR" dirty="0" smtClean="0"/>
+            <a:endParaRPr lang="fr-FR" dirty="0"/>
+          </a:p>
+          <a:p>
+            <a:pPr lvl="1"/>
+            <a:r>
+              <a:rPr lang="fr-FR" dirty="0"/>
               <a:t>Il s’agit du ratio </a:t>
             </a:r>
             <a:r>
-              <a:rPr lang="fr-FR" dirty="0" err="1" smtClean="0"/>
+              <a:rPr lang="fr-FR" dirty="0" err="1"/>
               <a:t>nbInference</a:t>
             </a:r>
             <a:r>
-              <a:rPr lang="fr-FR" dirty="0" smtClean="0"/>
+              <a:rPr lang="fr-FR" dirty="0"/>
               <a:t> / </a:t>
             </a:r>
             <a:r>
-              <a:rPr lang="fr-FR" dirty="0" err="1" smtClean="0"/>
+              <a:rPr lang="fr-FR" dirty="0" err="1"/>
               <a:t>nbBacktracking</a:t>
             </a:r>
-            <a:endParaRPr lang="fr-FR" dirty="0" smtClean="0"/>
-          </a:p>
-          <a:p>
-            <a:pPr lvl="1"/>
-            <a:r>
-              <a:rPr lang="fr-FR" dirty="0" smtClean="0"/>
+            <a:endParaRPr lang="fr-FR" dirty="0"/>
+          </a:p>
+          <a:p>
+            <a:pPr lvl="1"/>
+            <a:r>
+              <a:rPr lang="fr-FR" dirty="0"/>
               <a:t>Moins précis car le </a:t>
             </a:r>
             <a:r>
-              <a:rPr lang="fr-FR" dirty="0" err="1" smtClean="0"/>
+              <a:rPr lang="fr-FR" dirty="0" err="1"/>
               <a:t>loss</a:t>
             </a:r>
             <a:r>
-              <a:rPr lang="fr-FR" dirty="0" smtClean="0"/>
+              <a:rPr lang="fr-FR" dirty="0"/>
               <a:t> est la moyenne des </a:t>
             </a:r>
             <a:r>
-              <a:rPr lang="fr-FR" dirty="0" err="1" smtClean="0"/>
+              <a:rPr lang="fr-FR" dirty="0" err="1"/>
               <a:t>loss</a:t>
             </a:r>
             <a:r>
-              <a:rPr lang="fr-FR" dirty="0" smtClean="0"/>
+              <a:rPr lang="fr-FR" dirty="0"/>
               <a:t> des inférences du </a:t>
             </a:r>
             <a:r>
-              <a:rPr lang="fr-FR" dirty="0" err="1" smtClean="0"/>
+              <a:rPr lang="fr-FR" dirty="0" err="1"/>
               <a:t>steps</a:t>
             </a:r>
-            <a:endParaRPr lang="fr-FR" dirty="0" smtClean="0"/>
-          </a:p>
-          <a:p>
-            <a:pPr lvl="1"/>
-            <a:r>
-              <a:rPr lang="fr-FR" dirty="0" smtClean="0"/>
+            <a:endParaRPr lang="fr-FR" dirty="0"/>
+          </a:p>
+          <a:p>
+            <a:pPr lvl="1"/>
+            <a:r>
+              <a:rPr lang="fr-FR" dirty="0"/>
               <a:t>Plus rapide sur GPU</a:t>
             </a:r>
-            <a:endParaRPr lang="fr-FR" dirty="0"/>
           </a:p>
         </p:txBody>
       </p:sp>
@@ -5197,13 +5091,6 @@
   <p:clrMapOvr>
     <a:masterClrMapping/>
   </p:clrMapOvr>
-  <p:timing>
-    <p:tnLst>
-      <p:par>
-        <p:cTn id="1" dur="indefinite" restart="never" nodeType="tmRoot"/>
-      </p:par>
-    </p:tnLst>
-  </p:timing>
 </p:sld>
 </file>
 
@@ -5240,11 +5127,11 @@
           <a:lstStyle/>
           <a:p>
             <a:r>
-              <a:rPr lang="fr-FR" dirty="0" smtClean="0"/>
+              <a:rPr lang="fr-FR" dirty="0"/>
               <a:t>Evolution de </a:t>
             </a:r>
             <a:r>
-              <a:rPr lang="fr-FR" dirty="0" err="1" smtClean="0"/>
+              <a:rPr lang="fr-FR" dirty="0" err="1"/>
               <a:t>loss</a:t>
             </a:r>
             <a:endParaRPr lang="fr-FR" dirty="0"/>
@@ -5267,11 +5154,11 @@
           <a:lstStyle/>
           <a:p>
             <a:r>
-              <a:rPr lang="fr-FR" dirty="0" smtClean="0"/>
+              <a:rPr lang="fr-FR" dirty="0"/>
               <a:t>Pour 5 </a:t>
             </a:r>
             <a:r>
-              <a:rPr lang="fr-FR" dirty="0" err="1" smtClean="0"/>
+              <a:rPr lang="fr-FR" dirty="0" err="1"/>
               <a:t>epoch</a:t>
             </a:r>
             <a:endParaRPr lang="fr-FR" dirty="0"/>
@@ -5312,13 +5199,6 @@
   <p:clrMapOvr>
     <a:masterClrMapping/>
   </p:clrMapOvr>
-  <p:timing>
-    <p:tnLst>
-      <p:par>
-        <p:cTn id="1" dur="indefinite" restart="never" nodeType="tmRoot"/>
-      </p:par>
-    </p:tnLst>
-  </p:timing>
 </p:sld>
 </file>
 
@@ -5355,7 +5235,7 @@
           <a:lstStyle/>
           <a:p>
             <a:r>
-              <a:rPr lang="fr-FR" dirty="0" err="1" smtClean="0"/>
+              <a:rPr lang="fr-FR" dirty="0" err="1"/>
               <a:t>Evaluate</a:t>
             </a:r>
             <a:endParaRPr lang="fr-FR" dirty="0"/>
@@ -5378,30 +5258,30 @@
           <a:lstStyle/>
           <a:p>
             <a:r>
-              <a:rPr lang="fr-FR" dirty="0" smtClean="0"/>
+              <a:rPr lang="fr-FR" dirty="0"/>
               <a:t>Evalue le modèle</a:t>
             </a:r>
           </a:p>
           <a:p>
             <a:pPr lvl="1"/>
             <a:r>
-              <a:rPr lang="fr-FR" dirty="0" err="1" smtClean="0"/>
+              <a:rPr lang="fr-FR" dirty="0" err="1"/>
               <a:t>Metrics</a:t>
             </a:r>
             <a:r>
-              <a:rPr lang="fr-FR" dirty="0" smtClean="0"/>
+              <a:rPr lang="fr-FR" dirty="0"/>
               <a:t> = </a:t>
             </a:r>
             <a:r>
-              <a:rPr lang="fr-FR" dirty="0" err="1" smtClean="0"/>
+              <a:rPr lang="fr-FR" dirty="0" err="1"/>
               <a:t>model.evaluate</a:t>
             </a:r>
             <a:r>
-              <a:rPr lang="fr-FR" dirty="0" smtClean="0"/>
+              <a:rPr lang="fr-FR" dirty="0"/>
               <a:t>(</a:t>
             </a:r>
             <a:r>
-              <a:rPr lang="fr-FR" dirty="0" err="1" smtClean="0"/>
+              <a:rPr lang="fr-FR" dirty="0" err="1"/>
               <a:t>dataset</a:t>
             </a:r>
             <a:r>
@@ -5414,35 +5294,30 @@
             </a:r>
             <a:r>
               <a:rPr lang="fr-FR" dirty="0"/>
-              <a:t>=30</a:t>
-            </a:r>
-            <a:r>
-              <a:rPr lang="fr-FR" dirty="0" smtClean="0"/>
-              <a:t>)</a:t>
-            </a:r>
-          </a:p>
-          <a:p>
-            <a:r>
-              <a:rPr lang="fr-FR" dirty="0" smtClean="0"/>
+              <a:t>=30)</a:t>
+            </a:r>
+          </a:p>
+          <a:p>
+            <a:r>
+              <a:rPr lang="fr-FR" dirty="0"/>
               <a:t>Calcul les </a:t>
             </a:r>
             <a:r>
-              <a:rPr lang="fr-FR" dirty="0" err="1" smtClean="0"/>
+              <a:rPr lang="fr-FR" dirty="0" err="1"/>
               <a:t>metrics</a:t>
             </a:r>
             <a:r>
-              <a:rPr lang="fr-FR" dirty="0" smtClean="0"/>
+              <a:rPr lang="fr-FR" dirty="0"/>
               <a:t> du </a:t>
             </a:r>
             <a:r>
-              <a:rPr lang="fr-FR" dirty="0" err="1" smtClean="0"/>
+              <a:rPr lang="fr-FR" dirty="0" err="1"/>
               <a:t>dataset</a:t>
             </a:r>
             <a:r>
-              <a:rPr lang="fr-FR" dirty="0" smtClean="0"/>
+              <a:rPr lang="fr-FR" dirty="0"/>
               <a:t> après l’apprentissage</a:t>
             </a:r>
-            <a:endParaRPr lang="fr-FR" dirty="0"/>
           </a:p>
         </p:txBody>
       </p:sp>
@@ -5456,13 +5331,6 @@
   <p:clrMapOvr>
     <a:masterClrMapping/>
   </p:clrMapOvr>
-  <p:timing>
-    <p:tnLst>
-      <p:par>
-        <p:cTn id="1" dur="indefinite" restart="never" nodeType="tmRoot"/>
-      </p:par>
-    </p:tnLst>
-  </p:timing>
 </p:sld>
 </file>
 
@@ -5499,7 +5367,7 @@
           <a:lstStyle/>
           <a:p>
             <a:r>
-              <a:rPr lang="fr-FR" dirty="0" err="1" smtClean="0"/>
+              <a:rPr lang="fr-FR" dirty="0" err="1"/>
               <a:t>Keras</a:t>
             </a:r>
             <a:endParaRPr lang="fr-FR" dirty="0"/>
@@ -5527,121 +5395,105 @@
             </a:r>
             <a:r>
               <a:rPr lang="fr-FR" dirty="0"/>
-              <a:t> est une </a:t>
-            </a:r>
-            <a:r>
-              <a:rPr lang="fr-FR" dirty="0" smtClean="0"/>
-              <a:t>API Python portable qui permet d'effectuer du </a:t>
-            </a:r>
-            <a:r>
-              <a:rPr lang="fr-FR" dirty="0" err="1" smtClean="0"/>
+              <a:t> est une API Python portable qui permet d'effectuer du </a:t>
+            </a:r>
+            <a:r>
+              <a:rPr lang="fr-FR" dirty="0" err="1"/>
               <a:t>Deep</a:t>
             </a:r>
             <a:r>
-              <a:rPr lang="fr-FR" dirty="0" smtClean="0"/>
+              <a:rPr lang="fr-FR" dirty="0"/>
               <a:t> Learning par-dessus </a:t>
             </a:r>
             <a:r>
-              <a:rPr lang="fr-FR" dirty="0" err="1" smtClean="0"/>
+              <a:rPr lang="fr-FR" dirty="0" err="1"/>
               <a:t>Tensorflow</a:t>
             </a:r>
             <a:r>
-              <a:rPr lang="fr-FR" dirty="0" smtClean="0"/>
-              <a:t>, CNTK </a:t>
-            </a:r>
-            <a:r>
-              <a:rPr lang="fr-FR" dirty="0"/>
-              <a:t>et </a:t>
-            </a:r>
-            <a:r>
-              <a:rPr lang="fr-FR" dirty="0" err="1" smtClean="0"/>
+              <a:rPr lang="fr-FR" dirty="0"/>
+              <a:t>, CNTK et </a:t>
+            </a:r>
+            <a:r>
+              <a:rPr lang="fr-FR" dirty="0" err="1"/>
               <a:t>Theano</a:t>
             </a:r>
-            <a:endParaRPr lang="fr-FR" dirty="0" smtClean="0"/>
-          </a:p>
-          <a:p>
-            <a:pPr lvl="1"/>
-            <a:r>
-              <a:rPr lang="fr-FR" dirty="0" smtClean="0"/>
-              <a:t>Elle </a:t>
-            </a:r>
-            <a:r>
-              <a:rPr lang="fr-FR" dirty="0"/>
-              <a:t>a été initialement écrite par François </a:t>
-            </a:r>
-            <a:r>
-              <a:rPr lang="fr-FR" dirty="0" smtClean="0"/>
-              <a:t>Chollet</a:t>
+            <a:endParaRPr lang="fr-FR" dirty="0"/>
+          </a:p>
+          <a:p>
+            <a:pPr lvl="1"/>
+            <a:r>
+              <a:rPr lang="fr-FR" dirty="0"/>
+              <a:t>Elle a été initialement écrite par François Chollet</a:t>
             </a:r>
           </a:p>
           <a:p>
             <a:pPr lvl="2"/>
             <a:r>
-              <a:rPr lang="fr-FR" dirty="0" smtClean="0"/>
+              <a:rPr lang="fr-FR" dirty="0"/>
               <a:t>Salarié de Google</a:t>
             </a:r>
           </a:p>
           <a:p>
             <a:pPr lvl="1"/>
             <a:r>
-              <a:rPr lang="fr-FR" dirty="0" smtClean="0"/>
+              <a:rPr lang="fr-FR" dirty="0"/>
               <a:t>Permet d'écrire des réseaux neuronaux simplement</a:t>
             </a:r>
           </a:p>
           <a:p>
             <a:pPr lvl="1"/>
             <a:r>
-              <a:rPr lang="fr-FR" dirty="0" smtClean="0"/>
+              <a:rPr lang="fr-FR" dirty="0"/>
               <a:t>Permet de rendre le code </a:t>
             </a:r>
             <a:r>
-              <a:rPr lang="fr-FR" dirty="0" err="1" smtClean="0"/>
+              <a:rPr lang="fr-FR" dirty="0" err="1"/>
               <a:t>TensorFlow</a:t>
             </a:r>
             <a:r>
-              <a:rPr lang="fr-FR" dirty="0" smtClean="0"/>
+              <a:rPr lang="fr-FR" dirty="0"/>
               <a:t> portable vers CNTK et </a:t>
             </a:r>
             <a:r>
-              <a:rPr lang="fr-FR" dirty="0" err="1" smtClean="0"/>
+              <a:rPr lang="fr-FR" dirty="0" err="1"/>
               <a:t>Theano</a:t>
             </a:r>
-            <a:endParaRPr lang="fr-FR" dirty="0" smtClean="0"/>
-          </a:p>
-          <a:p>
-            <a:pPr lvl="1"/>
-            <a:r>
-              <a:rPr lang="fr-FR" dirty="0" smtClean="0"/>
+            <a:endParaRPr lang="fr-FR" dirty="0"/>
+          </a:p>
+          <a:p>
+            <a:pPr lvl="1"/>
+            <a:r>
+              <a:rPr lang="fr-FR" dirty="0"/>
               <a:t>Package </a:t>
             </a:r>
             <a:r>
-              <a:rPr lang="fr-FR" dirty="0" err="1" smtClean="0"/>
+              <a:rPr lang="fr-FR" dirty="0" err="1"/>
               <a:t>keras</a:t>
             </a:r>
-            <a:endParaRPr lang="fr-FR" dirty="0" smtClean="0"/>
-          </a:p>
-          <a:p>
-            <a:r>
-              <a:rPr lang="fr-FR" dirty="0" smtClean="0"/>
+            <a:endParaRPr lang="fr-FR" dirty="0"/>
+          </a:p>
+          <a:p>
+            <a:r>
+              <a:rPr lang="fr-FR" dirty="0"/>
               <a:t>Inclus dans </a:t>
             </a:r>
             <a:r>
-              <a:rPr lang="fr-FR" dirty="0" err="1" smtClean="0"/>
+              <a:rPr lang="fr-FR" dirty="0" err="1"/>
               <a:t>Tensorflow</a:t>
             </a:r>
             <a:r>
-              <a:rPr lang="fr-FR" dirty="0" smtClean="0"/>
+              <a:rPr lang="fr-FR" dirty="0"/>
               <a:t> 2</a:t>
             </a:r>
           </a:p>
           <a:p>
             <a:pPr lvl="1"/>
             <a:r>
-              <a:rPr lang="fr-FR" dirty="0" smtClean="0"/>
+              <a:rPr lang="fr-FR" dirty="0"/>
               <a:t>Import </a:t>
             </a:r>
             <a:r>
-              <a:rPr lang="fr-FR" dirty="0" err="1" smtClean="0"/>
+              <a:rPr lang="fr-FR" dirty="0" err="1"/>
               <a:t>tensorflow.keras</a:t>
             </a:r>
             <a:endParaRPr lang="fr-FR" dirty="0"/>
@@ -5740,13 +5592,6 @@
   <p:clrMapOvr>
     <a:masterClrMapping/>
   </p:clrMapOvr>
-  <p:timing>
-    <p:tnLst>
-      <p:par>
-        <p:cTn id="1" dur="indefinite" restart="never" nodeType="tmRoot"/>
-      </p:par>
-    </p:tnLst>
-  </p:timing>
 </p:sld>
 </file>
 
@@ -5783,7 +5628,7 @@
           <a:lstStyle/>
           <a:p>
             <a:r>
-              <a:rPr lang="fr-FR" dirty="0" err="1" smtClean="0"/>
+              <a:rPr lang="fr-FR" dirty="0" err="1"/>
               <a:t>Predict</a:t>
             </a:r>
             <a:endParaRPr lang="fr-FR" dirty="0"/>
@@ -5806,23 +5651,19 @@
           <a:lstStyle/>
           <a:p>
             <a:r>
-              <a:rPr lang="fr-FR" dirty="0" smtClean="0"/>
+              <a:rPr lang="fr-FR" dirty="0"/>
               <a:t>Prédiction</a:t>
             </a:r>
           </a:p>
           <a:p>
             <a:pPr lvl="1"/>
             <a:r>
-              <a:rPr lang="fr-FR" dirty="0" err="1" smtClean="0"/>
+              <a:rPr lang="fr-FR" dirty="0" err="1"/>
               <a:t>result</a:t>
             </a:r>
             <a:r>
-              <a:rPr lang="fr-FR" dirty="0" smtClean="0"/>
-              <a:t> </a:t>
-            </a:r>
-            <a:r>
-              <a:rPr lang="fr-FR" dirty="0"/>
-              <a:t>= </a:t>
+              <a:rPr lang="fr-FR" dirty="0"/>
+              <a:t> = </a:t>
             </a:r>
             <a:r>
               <a:rPr lang="fr-FR" dirty="0" err="1"/>
@@ -5838,31 +5679,25 @@
             </a:r>
             <a:r>
               <a:rPr lang="fr-FR" dirty="0"/>
-              <a:t>=32</a:t>
-            </a:r>
-            <a:r>
-              <a:rPr lang="fr-FR" dirty="0" smtClean="0"/>
-              <a:t>)</a:t>
-            </a:r>
-            <a:endParaRPr lang="fr-FR" dirty="0"/>
-          </a:p>
-          <a:p>
-            <a:r>
-              <a:rPr lang="fr-FR" dirty="0" smtClean="0"/>
+              <a:t>=32)</a:t>
+            </a:r>
+          </a:p>
+          <a:p>
+            <a:r>
+              <a:rPr lang="fr-FR" dirty="0"/>
               <a:t>Calcul la prédiction pour data</a:t>
             </a:r>
           </a:p>
           <a:p>
             <a:pPr lvl="1"/>
             <a:r>
-              <a:rPr lang="fr-FR" dirty="0" err="1" smtClean="0"/>
+              <a:rPr lang="fr-FR" dirty="0" err="1"/>
               <a:t>Batch_size</a:t>
             </a:r>
             <a:r>
-              <a:rPr lang="fr-FR" dirty="0" smtClean="0"/>
+              <a:rPr lang="fr-FR" dirty="0"/>
               <a:t> définit le nombre de données analysées dans le même cycle GPU</a:t>
             </a:r>
-            <a:endParaRPr lang="fr-FR" dirty="0"/>
           </a:p>
         </p:txBody>
       </p:sp>
@@ -5900,13 +5735,6 @@
   <p:clrMapOvr>
     <a:masterClrMapping/>
   </p:clrMapOvr>
-  <p:timing>
-    <p:tnLst>
-      <p:par>
-        <p:cTn id="1" dur="indefinite" restart="never" nodeType="tmRoot"/>
-      </p:par>
-    </p:tnLst>
-  </p:timing>
 </p:sld>
 </file>
 
@@ -5943,7 +5771,7 @@
           <a:lstStyle/>
           <a:p>
             <a:r>
-              <a:rPr lang="fr-FR" dirty="0" err="1" smtClean="0"/>
+              <a:rPr lang="fr-FR" dirty="0" err="1"/>
               <a:t>Echantillonage</a:t>
             </a:r>
             <a:endParaRPr lang="fr-FR" dirty="0"/>
@@ -5975,89 +5803,56 @@
             </a:r>
             <a:r>
               <a:rPr lang="fr-FR" dirty="0"/>
-              <a:t>) dont vous disposez constitue une ressource </a:t>
-            </a:r>
-            <a:r>
-              <a:rPr lang="fr-FR" dirty="0" smtClean="0"/>
-              <a:t>précieuse</a:t>
-            </a:r>
-          </a:p>
-          <a:p>
-            <a:pPr lvl="1"/>
-            <a:r>
-              <a:rPr lang="fr-FR" dirty="0" smtClean="0"/>
-              <a:t>Il </a:t>
-            </a:r>
-            <a:r>
-              <a:rPr lang="fr-FR" dirty="0"/>
-              <a:t>faut pouvoir l’utiliser à bon escient afin de pouvoir à la fois choisir un modèle et </a:t>
-            </a:r>
-            <a:r>
-              <a:rPr lang="fr-FR" dirty="0" smtClean="0"/>
-              <a:t>l'entraîner</a:t>
-            </a:r>
-          </a:p>
-          <a:p>
-            <a:pPr lvl="1"/>
-            <a:r>
-              <a:rPr lang="fr-FR" dirty="0" smtClean="0"/>
-              <a:t>mais </a:t>
-            </a:r>
-            <a:r>
-              <a:rPr lang="fr-FR" dirty="0"/>
-              <a:t>aussi de pouvoir tester la qualité de ce </a:t>
-            </a:r>
-            <a:r>
-              <a:rPr lang="fr-FR" dirty="0" smtClean="0"/>
-              <a:t>modèle</a:t>
-            </a:r>
-          </a:p>
-          <a:p>
-            <a:r>
-              <a:rPr lang="fr-FR" dirty="0"/>
-              <a:t>La première question à se poser </a:t>
-            </a:r>
-            <a:r>
-              <a:rPr lang="fr-FR" dirty="0" smtClean="0"/>
-              <a:t>est</a:t>
-            </a:r>
-          </a:p>
-          <a:p>
-            <a:pPr lvl="1"/>
-            <a:r>
-              <a:rPr lang="fr-FR" dirty="0" smtClean="0"/>
-              <a:t>Est-ce </a:t>
-            </a:r>
-            <a:r>
-              <a:rPr lang="fr-FR" dirty="0"/>
-              <a:t>qu’on va utiliser toutes les données d'exemple dont on </a:t>
-            </a:r>
-            <a:r>
-              <a:rPr lang="fr-FR" dirty="0" smtClean="0"/>
-              <a:t>dispose ?</a:t>
-            </a:r>
-          </a:p>
-          <a:p>
-            <a:pPr lvl="1"/>
-            <a:r>
-              <a:rPr lang="fr-FR" dirty="0" smtClean="0"/>
+              <a:t>) dont vous disposez constitue une ressource précieuse</a:t>
+            </a:r>
+          </a:p>
+          <a:p>
+            <a:pPr lvl="1"/>
+            <a:r>
+              <a:rPr lang="fr-FR" dirty="0"/>
+              <a:t>Il faut pouvoir l’utiliser à bon escient afin de pouvoir à la fois choisir un modèle et l'entraîner</a:t>
+            </a:r>
+          </a:p>
+          <a:p>
+            <a:pPr lvl="1"/>
+            <a:r>
+              <a:rPr lang="fr-FR" dirty="0"/>
+              <a:t>mais aussi de pouvoir tester la qualité de ce modèle</a:t>
+            </a:r>
+          </a:p>
+          <a:p>
+            <a:r>
+              <a:rPr lang="fr-FR" dirty="0"/>
+              <a:t>La première question à se poser est</a:t>
+            </a:r>
+          </a:p>
+          <a:p>
+            <a:pPr lvl="1"/>
+            <a:r>
+              <a:rPr lang="fr-FR" dirty="0"/>
+              <a:t>Est-ce qu’on va utiliser toutes les données d'exemple dont on dispose ?</a:t>
+            </a:r>
+          </a:p>
+          <a:p>
+            <a:pPr lvl="1"/>
+            <a:r>
+              <a:rPr lang="fr-FR" dirty="0"/>
               <a:t>Volume, tests, …</a:t>
             </a:r>
           </a:p>
           <a:p>
             <a:r>
-              <a:rPr lang="fr-FR" dirty="0" smtClean="0"/>
+              <a:rPr lang="fr-FR" dirty="0"/>
               <a:t>Il faut échantillonner (</a:t>
             </a:r>
             <a:r>
-              <a:rPr lang="fr-FR" dirty="0" err="1" smtClean="0"/>
+              <a:rPr lang="fr-FR" dirty="0" err="1"/>
               <a:t>sampling</a:t>
             </a:r>
             <a:r>
-              <a:rPr lang="fr-FR" dirty="0" smtClean="0"/>
+              <a:rPr lang="fr-FR" dirty="0"/>
               <a:t>) les données à tester</a:t>
             </a:r>
-            <a:endParaRPr lang="fr-FR" dirty="0"/>
           </a:p>
         </p:txBody>
       </p:sp>
@@ -6071,13 +5866,6 @@
   <p:clrMapOvr>
     <a:masterClrMapping/>
   </p:clrMapOvr>
-  <p:timing>
-    <p:tnLst>
-      <p:par>
-        <p:cTn id="1" dur="indefinite" restart="never" nodeType="tmRoot"/>
-      </p:par>
-    </p:tnLst>
-  </p:timing>
 </p:sld>
 </file>
 
@@ -6114,7 +5902,7 @@
           <a:lstStyle/>
           <a:p>
             <a:r>
-              <a:rPr lang="fr-FR" dirty="0" err="1" smtClean="0"/>
+              <a:rPr lang="fr-FR" dirty="0" err="1"/>
               <a:t>Overfitting</a:t>
             </a:r>
             <a:endParaRPr lang="fr-FR" dirty="0"/>
@@ -6138,55 +5926,35 @@
           <a:p>
             <a:r>
               <a:rPr lang="fr-FR" dirty="0"/>
-              <a:t>La notion </a:t>
-            </a:r>
-            <a:r>
-              <a:rPr lang="fr-FR" dirty="0" smtClean="0"/>
-              <a:t>de </a:t>
-            </a:r>
-            <a:r>
-              <a:rPr lang="fr-FR" dirty="0" err="1" smtClean="0"/>
+              <a:t>La notion de </a:t>
+            </a:r>
+            <a:r>
+              <a:rPr lang="fr-FR" dirty="0" err="1"/>
               <a:t>surapprentissage</a:t>
             </a:r>
             <a:r>
-              <a:rPr lang="fr-FR" dirty="0" smtClean="0"/>
-              <a:t> désigne </a:t>
-            </a:r>
-            <a:r>
-              <a:rPr lang="fr-FR" dirty="0"/>
-              <a:t>le fait que le modèle que vous avez choisi est trop collé aux données </a:t>
-            </a:r>
-            <a:r>
-              <a:rPr lang="fr-FR" dirty="0" smtClean="0"/>
-              <a:t>d'entraînement</a:t>
-            </a:r>
-          </a:p>
-          <a:p>
-            <a:pPr lvl="1"/>
-            <a:r>
-              <a:rPr lang="fr-FR" dirty="0" smtClean="0"/>
-              <a:t>C'est </a:t>
-            </a:r>
-            <a:r>
-              <a:rPr lang="fr-FR" dirty="0"/>
-              <a:t>un problème classique de data science, lorsqu'on choisi un modèle trop "flexible", c'est à dire avec une complexité trop élevée qui prend aussi en compte le bruit du </a:t>
-            </a:r>
-            <a:r>
-              <a:rPr lang="fr-FR" dirty="0" smtClean="0"/>
-              <a:t>phénomène</a:t>
-            </a:r>
-          </a:p>
-          <a:p>
-            <a:pPr lvl="1"/>
-            <a:r>
-              <a:rPr lang="fr-FR" dirty="0" smtClean="0"/>
+              <a:rPr lang="fr-FR" dirty="0"/>
+              <a:t> désigne le fait que le modèle que vous avez choisi est trop collé aux données d'entraînement</a:t>
+            </a:r>
+          </a:p>
+          <a:p>
+            <a:pPr lvl="1"/>
+            <a:r>
+              <a:rPr lang="fr-FR" dirty="0"/>
+              <a:t>C'est un problème classique de data science, lorsqu'on choisi un modèle trop "flexible", c'est à dire avec une complexité trop élevée qui prend aussi en compte le bruit du phénomène</a:t>
+            </a:r>
+          </a:p>
+          <a:p>
+            <a:pPr lvl="1"/>
+            <a:r>
+              <a:rPr lang="fr-FR" dirty="0"/>
               <a:t>Ici modèle simple </a:t>
             </a:r>
           </a:p>
           <a:p>
             <a:pPr lvl="1"/>
             <a:r>
-              <a:rPr lang="fr-FR" dirty="0" smtClean="0"/>
+              <a:rPr lang="fr-FR" dirty="0"/>
               <a:t>vs modèle complexe</a:t>
             </a:r>
           </a:p>
@@ -6243,13 +6011,6 @@
   <p:clrMapOvr>
     <a:masterClrMapping/>
   </p:clrMapOvr>
-  <p:timing>
-    <p:tnLst>
-      <p:par>
-        <p:cTn id="1" dur="indefinite" restart="never" nodeType="tmRoot"/>
-      </p:par>
-    </p:tnLst>
-  </p:timing>
 </p:sld>
 </file>
 
@@ -6286,10 +6047,9 @@
           <a:lstStyle/>
           <a:p>
             <a:r>
-              <a:rPr lang="fr-FR" dirty="0" smtClean="0"/>
+              <a:rPr lang="fr-FR" dirty="0"/>
               <a:t>Randomisation</a:t>
             </a:r>
-            <a:endParaRPr lang="fr-FR" dirty="0"/>
           </a:p>
         </p:txBody>
       </p:sp>
@@ -6310,43 +6070,19 @@
           <a:p>
             <a:r>
               <a:rPr lang="fr-FR" dirty="0"/>
-              <a:t>I</a:t>
-            </a:r>
-            <a:r>
-              <a:rPr lang="fr-FR" dirty="0" smtClean="0"/>
-              <a:t>l </a:t>
-            </a:r>
-            <a:r>
-              <a:rPr lang="fr-FR" dirty="0"/>
-              <a:t>s’avère que si on entraîne le modèle avec des données, il va naturellement être plus performant sur ces </a:t>
-            </a:r>
-            <a:r>
-              <a:rPr lang="fr-FR" dirty="0" smtClean="0"/>
-              <a:t>données-là</a:t>
-            </a:r>
-          </a:p>
-          <a:p>
-            <a:r>
-              <a:rPr lang="fr-FR" dirty="0" smtClean="0"/>
-              <a:t>Ce </a:t>
-            </a:r>
-            <a:r>
-              <a:rPr lang="fr-FR" dirty="0"/>
-              <a:t>qui nous intéresse c’est de mesurer sa performance sur des données qu’il n’a jamais vues puisque c’est ce qui va se passer en </a:t>
-            </a:r>
-            <a:r>
-              <a:rPr lang="fr-FR" dirty="0" smtClean="0"/>
-              <a:t>pratique</a:t>
-            </a:r>
-          </a:p>
-          <a:p>
-            <a:r>
-              <a:rPr lang="fr-FR" dirty="0" smtClean="0"/>
-              <a:t>Cette </a:t>
-            </a:r>
-            <a:r>
-              <a:rPr lang="fr-FR" dirty="0"/>
-              <a:t>performance est appelée la </a:t>
+              <a:t>Il s’avère que si on entraîne le modèle avec des données, il va naturellement être plus performant sur ces données-là</a:t>
+            </a:r>
+          </a:p>
+          <a:p>
+            <a:r>
+              <a:rPr lang="fr-FR" dirty="0"/>
+              <a:t>Ce qui nous intéresse c’est de mesurer sa performance sur des données qu’il n’a jamais vues puisque c’est ce qui va se passer en pratique</a:t>
+            </a:r>
+          </a:p>
+          <a:p>
+            <a:r>
+              <a:rPr lang="fr-FR" dirty="0"/>
+              <a:t>Cette performance est appelée la </a:t>
             </a:r>
             <a:r>
               <a:rPr lang="fr-FR" b="1" dirty="0"/>
@@ -6354,23 +6090,14 @@
             </a:r>
             <a:r>
               <a:rPr lang="fr-FR" dirty="0"/>
-              <a:t> du </a:t>
-            </a:r>
-            <a:r>
-              <a:rPr lang="fr-FR" dirty="0" smtClean="0"/>
-              <a:t>modèle</a:t>
-            </a:r>
-            <a:endParaRPr lang="fr-FR" dirty="0"/>
-          </a:p>
-          <a:p>
-            <a:pPr lvl="1"/>
-            <a:r>
-              <a:rPr lang="fr-FR" dirty="0" smtClean="0"/>
-              <a:t>Sa </a:t>
-            </a:r>
-            <a:r>
-              <a:rPr lang="fr-FR" dirty="0"/>
-              <a:t>capacité à effectuer des prédictions de qualité sur des situations jamais rencontrées.</a:t>
+              <a:t> du modèle</a:t>
+            </a:r>
+          </a:p>
+          <a:p>
+            <a:pPr lvl="1"/>
+            <a:r>
+              <a:rPr lang="fr-FR" dirty="0"/>
+              <a:t>Sa capacité à effectuer des prédictions de qualité sur des situations jamais rencontrées.</a:t>
             </a:r>
           </a:p>
         </p:txBody>
@@ -6385,13 +6112,6 @@
   <p:clrMapOvr>
     <a:masterClrMapping/>
   </p:clrMapOvr>
-  <p:timing>
-    <p:tnLst>
-      <p:par>
-        <p:cTn id="1" dur="indefinite" restart="never" nodeType="tmRoot"/>
-      </p:par>
-    </p:tnLst>
-  </p:timing>
 </p:sld>
 </file>
 
@@ -6428,10 +6148,9 @@
           <a:lstStyle/>
           <a:p>
             <a:r>
-              <a:rPr lang="fr-FR" dirty="0" smtClean="0"/>
+              <a:rPr lang="fr-FR" dirty="0"/>
               <a:t>Randomisation</a:t>
             </a:r>
-            <a:endParaRPr lang="fr-FR" dirty="0"/>
           </a:p>
         </p:txBody>
       </p:sp>
@@ -6451,68 +6170,67 @@
           <a:lstStyle/>
           <a:p>
             <a:r>
-              <a:rPr lang="fr-FR" dirty="0" smtClean="0"/>
+              <a:rPr lang="fr-FR" dirty="0"/>
               <a:t>Il faut utiliser le bon échantillon</a:t>
             </a:r>
           </a:p>
           <a:p>
             <a:pPr lvl="1"/>
             <a:r>
-              <a:rPr lang="fr-FR" dirty="0" smtClean="0"/>
+              <a:rPr lang="fr-FR" dirty="0"/>
               <a:t>Bien répartis</a:t>
             </a:r>
           </a:p>
           <a:p>
             <a:pPr lvl="1"/>
             <a:r>
-              <a:rPr lang="fr-FR" dirty="0" smtClean="0"/>
+              <a:rPr lang="fr-FR" dirty="0"/>
               <a:t>Ne pas introduire de biais</a:t>
             </a:r>
           </a:p>
           <a:p>
             <a:pPr lvl="1"/>
             <a:r>
-              <a:rPr lang="fr-FR" dirty="0" smtClean="0"/>
+              <a:rPr lang="fr-FR" dirty="0"/>
               <a:t>Par exemple à Paris les loyers sont plus chères qu’ailleurs</a:t>
             </a:r>
           </a:p>
           <a:p>
             <a:r>
-              <a:rPr lang="fr-FR" dirty="0" smtClean="0"/>
+              <a:rPr lang="fr-FR" dirty="0"/>
               <a:t>Il faut ensuite découper l’échantillon avec le</a:t>
             </a:r>
           </a:p>
           <a:p>
             <a:pPr lvl="1"/>
             <a:r>
-              <a:rPr lang="fr-FR" dirty="0" smtClean="0"/>
+              <a:rPr lang="fr-FR" dirty="0"/>
               <a:t>Training Set</a:t>
             </a:r>
           </a:p>
           <a:p>
             <a:pPr lvl="1"/>
             <a:r>
-              <a:rPr lang="fr-FR" dirty="0" err="1" smtClean="0"/>
+              <a:rPr lang="fr-FR" dirty="0" err="1"/>
               <a:t>Testing</a:t>
             </a:r>
             <a:r>
-              <a:rPr lang="fr-FR" dirty="0" smtClean="0"/>
+              <a:rPr lang="fr-FR" dirty="0"/>
               <a:t> Set</a:t>
             </a:r>
           </a:p>
           <a:p>
             <a:r>
-              <a:rPr lang="fr-FR" dirty="0" smtClean="0"/>
+              <a:rPr lang="fr-FR" dirty="0"/>
               <a:t>L’un sert à l’apprentissage, l’autre au test</a:t>
             </a:r>
           </a:p>
           <a:p>
             <a:pPr lvl="1"/>
             <a:r>
-              <a:rPr lang="fr-FR" dirty="0" smtClean="0"/>
+              <a:rPr lang="fr-FR" dirty="0"/>
               <a:t>Souvent 80/20</a:t>
             </a:r>
-            <a:endParaRPr lang="fr-FR" dirty="0"/>
           </a:p>
         </p:txBody>
       </p:sp>
@@ -6526,13 +6244,6 @@
   <p:clrMapOvr>
     <a:masterClrMapping/>
   </p:clrMapOvr>
-  <p:timing>
-    <p:tnLst>
-      <p:par>
-        <p:cTn id="1" dur="indefinite" restart="never" nodeType="tmRoot"/>
-      </p:par>
-    </p:tnLst>
-  </p:timing>
 </p:sld>
 </file>
 
@@ -6569,10 +6280,9 @@
           <a:lstStyle/>
           <a:p>
             <a:r>
-              <a:rPr lang="fr-FR" dirty="0" smtClean="0"/>
+              <a:rPr lang="fr-FR" dirty="0"/>
               <a:t>Vocabulaire</a:t>
             </a:r>
-            <a:endParaRPr lang="fr-FR" dirty="0"/>
           </a:p>
         </p:txBody>
       </p:sp>
@@ -6592,87 +6302,87 @@
           <a:lstStyle/>
           <a:p>
             <a:r>
-              <a:rPr lang="fr-FR" sz="2400" dirty="0" err="1" smtClean="0"/>
+              <a:rPr lang="fr-FR" sz="2400" dirty="0" err="1"/>
               <a:t>TensorFlow</a:t>
             </a:r>
             <a:r>
-              <a:rPr lang="fr-FR" sz="2400" dirty="0" smtClean="0"/>
+              <a:rPr lang="fr-FR" sz="2400" dirty="0"/>
               <a:t> et </a:t>
             </a:r>
             <a:r>
-              <a:rPr lang="fr-FR" sz="2400" dirty="0" err="1" smtClean="0"/>
+              <a:rPr lang="fr-FR" sz="2400" dirty="0" err="1"/>
               <a:t>SKLearn</a:t>
             </a:r>
             <a:r>
-              <a:rPr lang="fr-FR" sz="2400" dirty="0" smtClean="0"/>
+              <a:rPr lang="fr-FR" sz="2400" dirty="0"/>
               <a:t> n’utilisent pas le même vocabulaire</a:t>
             </a:r>
           </a:p>
           <a:p>
             <a:r>
-              <a:rPr lang="fr-FR" sz="2400" dirty="0" err="1" smtClean="0"/>
+              <a:rPr lang="fr-FR" sz="2400" dirty="0" err="1"/>
               <a:t>TrainingSet</a:t>
             </a:r>
-            <a:endParaRPr lang="fr-FR" sz="2400" dirty="0" smtClean="0"/>
-          </a:p>
-          <a:p>
-            <a:pPr lvl="1"/>
-            <a:r>
-              <a:rPr lang="fr-FR" sz="2000" dirty="0" smtClean="0"/>
+            <a:endParaRPr lang="fr-FR" sz="2400" dirty="0"/>
+          </a:p>
+          <a:p>
+            <a:pPr lvl="1"/>
+            <a:r>
+              <a:rPr lang="fr-FR" sz="2000" dirty="0"/>
               <a:t>Jeux d’entrainement</a:t>
             </a:r>
           </a:p>
           <a:p>
             <a:pPr lvl="1"/>
             <a:r>
-              <a:rPr lang="fr-FR" sz="2000" dirty="0" smtClean="0"/>
+              <a:rPr lang="fr-FR" sz="2000" dirty="0"/>
               <a:t>Calcul du </a:t>
             </a:r>
             <a:r>
-              <a:rPr lang="fr-FR" sz="2000" dirty="0" err="1" smtClean="0"/>
+              <a:rPr lang="fr-FR" sz="2000" dirty="0" err="1"/>
               <a:t>Loss</a:t>
             </a:r>
-            <a:endParaRPr lang="fr-FR" sz="2000" dirty="0" smtClean="0"/>
-          </a:p>
-          <a:p>
-            <a:r>
-              <a:rPr lang="fr-FR" sz="2400" dirty="0" err="1" smtClean="0"/>
+            <a:endParaRPr lang="fr-FR" sz="2000" dirty="0"/>
+          </a:p>
+          <a:p>
+            <a:r>
+              <a:rPr lang="fr-FR" sz="2400" dirty="0" err="1"/>
               <a:t>ValidationSet</a:t>
             </a:r>
-            <a:endParaRPr lang="fr-FR" sz="2400" dirty="0" smtClean="0"/>
-          </a:p>
-          <a:p>
-            <a:pPr lvl="1"/>
-            <a:r>
-              <a:rPr lang="fr-FR" sz="2000" dirty="0" smtClean="0"/>
+            <a:endParaRPr lang="fr-FR" sz="2400" dirty="0"/>
+          </a:p>
+          <a:p>
+            <a:pPr lvl="1"/>
+            <a:r>
+              <a:rPr lang="fr-FR" sz="2000" dirty="0"/>
               <a:t>Jeux pour mesurer la qualité du modèle</a:t>
             </a:r>
           </a:p>
           <a:p>
             <a:pPr lvl="1"/>
             <a:r>
-              <a:rPr lang="fr-FR" sz="2000" dirty="0" smtClean="0"/>
+              <a:rPr lang="fr-FR" sz="2000" dirty="0"/>
               <a:t>Ne doit jamais être vu du modèle</a:t>
             </a:r>
           </a:p>
           <a:p>
             <a:r>
-              <a:rPr lang="fr-FR" sz="2400" dirty="0" err="1" smtClean="0"/>
+              <a:rPr lang="fr-FR" sz="2400" dirty="0" err="1"/>
               <a:t>TestSet</a:t>
             </a:r>
-            <a:endParaRPr lang="fr-FR" sz="2400" dirty="0" smtClean="0"/>
-          </a:p>
-          <a:p>
-            <a:pPr lvl="1"/>
-            <a:r>
-              <a:rPr lang="fr-FR" sz="2000" dirty="0" smtClean="0"/>
+            <a:endParaRPr lang="fr-FR" sz="2400" dirty="0"/>
+          </a:p>
+          <a:p>
+            <a:pPr lvl="1"/>
+            <a:r>
+              <a:rPr lang="fr-FR" sz="2000" dirty="0"/>
               <a:t>Recette final</a:t>
             </a:r>
           </a:p>
           <a:p>
             <a:pPr lvl="1"/>
             <a:r>
-              <a:rPr lang="fr-FR" sz="2000" dirty="0" smtClean="0"/>
+              <a:rPr lang="fr-FR" sz="2000" dirty="0"/>
               <a:t>Ne doit jamais être vu des développeurs</a:t>
             </a:r>
           </a:p>
@@ -6688,13 +6398,6 @@
   <p:clrMapOvr>
     <a:masterClrMapping/>
   </p:clrMapOvr>
-  <p:timing>
-    <p:tnLst>
-      <p:par>
-        <p:cTn id="1" dur="indefinite" restart="never" nodeType="tmRoot"/>
-      </p:par>
-    </p:tnLst>
-  </p:timing>
 </p:sld>
 </file>
 
@@ -6731,11 +6434,11 @@
           <a:lstStyle/>
           <a:p>
             <a:r>
-              <a:rPr lang="fr-FR" dirty="0" smtClean="0"/>
+              <a:rPr lang="fr-FR" dirty="0"/>
               <a:t>Méthode </a:t>
             </a:r>
             <a:r>
-              <a:rPr lang="fr-FR" dirty="0" err="1" smtClean="0"/>
+              <a:rPr lang="fr-FR" dirty="0" err="1"/>
               <a:t>SKLearn</a:t>
             </a:r>
             <a:endParaRPr lang="fr-FR" dirty="0"/>
@@ -6856,11 +6559,7 @@
             </a:r>
             <a:r>
               <a:rPr lang="fr-FR" dirty="0"/>
-              <a:t>=0.2</a:t>
-            </a:r>
-            <a:r>
-              <a:rPr lang="fr-FR" dirty="0" smtClean="0"/>
-              <a:t>)</a:t>
+              <a:t>=0.2)</a:t>
             </a:r>
           </a:p>
           <a:p>
@@ -6891,13 +6590,6 @@
   <p:clrMapOvr>
     <a:masterClrMapping/>
   </p:clrMapOvr>
-  <p:timing>
-    <p:tnLst>
-      <p:par>
-        <p:cTn id="1" dur="indefinite" restart="never" nodeType="tmRoot"/>
-      </p:par>
-    </p:tnLst>
-  </p:timing>
 </p:sld>
 </file>
 
@@ -6934,11 +6626,11 @@
           <a:lstStyle/>
           <a:p>
             <a:r>
-              <a:rPr lang="fr-FR" dirty="0" smtClean="0"/>
+              <a:rPr lang="fr-FR" dirty="0"/>
               <a:t>Méthode </a:t>
             </a:r>
             <a:r>
-              <a:rPr lang="fr-FR" dirty="0" err="1" smtClean="0"/>
+              <a:rPr lang="fr-FR" dirty="0" err="1"/>
               <a:t>Keras</a:t>
             </a:r>
             <a:endParaRPr lang="fr-FR" dirty="0"/>
@@ -6961,71 +6653,67 @@
           <a:lstStyle/>
           <a:p>
             <a:r>
-              <a:rPr lang="en-US" dirty="0" smtClean="0"/>
+              <a:rPr lang="en-US" dirty="0"/>
               <a:t>Simple</a:t>
             </a:r>
           </a:p>
           <a:p>
             <a:pPr lvl="1"/>
             <a:r>
-              <a:rPr lang="en-US" dirty="0" err="1" smtClean="0"/>
+              <a:rPr lang="en-US" dirty="0" err="1"/>
               <a:t>model.fit</a:t>
             </a:r>
             <a:r>
-              <a:rPr lang="en-US" dirty="0" smtClean="0"/>
+              <a:rPr lang="en-US" dirty="0"/>
               <a:t>(</a:t>
             </a:r>
             <a:r>
-              <a:rPr lang="en-US" dirty="0" err="1" smtClean="0"/>
+              <a:rPr lang="en-US" dirty="0" err="1"/>
               <a:t>validation_split</a:t>
             </a:r>
             <a:r>
-              <a:rPr lang="en-US" dirty="0" smtClean="0"/>
+              <a:rPr lang="en-US" dirty="0"/>
               <a:t>=0.2)</a:t>
             </a:r>
-            <a:endParaRPr lang="fr-FR" dirty="0" smtClean="0"/>
-          </a:p>
-          <a:p>
-            <a:r>
-              <a:rPr lang="fr-FR" dirty="0" smtClean="0"/>
+            <a:endParaRPr lang="fr-FR" dirty="0"/>
+          </a:p>
+          <a:p>
+            <a:r>
+              <a:rPr lang="fr-FR" dirty="0"/>
               <a:t>Pour s’assurer la reproductibilité de la randomisation</a:t>
             </a:r>
           </a:p>
           <a:p>
             <a:pPr lvl="1"/>
             <a:r>
-              <a:rPr lang="fr-FR" dirty="0" err="1" smtClean="0"/>
+              <a:rPr lang="fr-FR" dirty="0" err="1"/>
               <a:t>tensorflow.random.set_seed</a:t>
             </a:r>
             <a:r>
-              <a:rPr lang="fr-FR" dirty="0" smtClean="0"/>
+              <a:rPr lang="fr-FR" dirty="0"/>
               <a:t>(1511)</a:t>
             </a:r>
           </a:p>
           <a:p>
             <a:r>
-              <a:rPr lang="fr-FR" dirty="0" smtClean="0"/>
+              <a:rPr lang="fr-FR" dirty="0"/>
               <a:t>En cas d’utilisation </a:t>
             </a:r>
             <a:r>
-              <a:rPr lang="fr-FR" dirty="0" err="1" smtClean="0"/>
+              <a:rPr lang="fr-FR" dirty="0" err="1"/>
               <a:t>numpy</a:t>
             </a:r>
-            <a:endParaRPr lang="fr-FR" dirty="0" smtClean="0"/>
-          </a:p>
-          <a:p>
-            <a:pPr lvl="1"/>
-            <a:r>
-              <a:rPr lang="fr-FR" dirty="0" err="1" smtClean="0"/>
+            <a:endParaRPr lang="fr-FR" dirty="0"/>
+          </a:p>
+          <a:p>
+            <a:pPr lvl="1"/>
+            <a:r>
+              <a:rPr lang="fr-FR" dirty="0" err="1"/>
               <a:t>np.random.seed</a:t>
             </a:r>
             <a:r>
-              <a:rPr lang="fr-FR" dirty="0" smtClean="0"/>
-              <a:t>(1511</a:t>
-            </a:r>
-            <a:r>
-              <a:rPr lang="fr-FR" dirty="0"/>
-              <a:t>)</a:t>
+              <a:rPr lang="fr-FR" dirty="0"/>
+              <a:t>(1511)</a:t>
             </a:r>
           </a:p>
           <a:p>
@@ -7044,13 +6732,6 @@
   <p:clrMapOvr>
     <a:masterClrMapping/>
   </p:clrMapOvr>
-  <p:timing>
-    <p:tnLst>
-      <p:par>
-        <p:cTn id="1" dur="indefinite" restart="never" nodeType="tmRoot"/>
-      </p:par>
-    </p:tnLst>
-  </p:timing>
 </p:sld>
 </file>
 
@@ -7087,10 +6768,9 @@
           <a:lstStyle/>
           <a:p>
             <a:r>
-              <a:rPr lang="fr-FR" dirty="0" smtClean="0"/>
+              <a:rPr lang="fr-FR" dirty="0"/>
               <a:t>Compréhension des résultats</a:t>
             </a:r>
-            <a:endParaRPr lang="fr-FR" dirty="0"/>
           </a:p>
         </p:txBody>
       </p:sp>
@@ -7110,102 +6790,38 @@
           <a:lstStyle/>
           <a:p>
             <a:r>
-              <a:rPr lang="fr-FR" sz="2400" dirty="0" err="1" smtClean="0"/>
+              <a:rPr lang="fr-FR" sz="2400" dirty="0" err="1"/>
               <a:t>Loss</a:t>
             </a:r>
             <a:r>
-              <a:rPr lang="fr-FR" sz="2400" dirty="0" smtClean="0"/>
+              <a:rPr lang="fr-FR" sz="2400" dirty="0"/>
               <a:t> détermine le </a:t>
             </a:r>
             <a:r>
-              <a:rPr lang="fr-FR" sz="2400" dirty="0" err="1" smtClean="0"/>
+              <a:rPr lang="fr-FR" sz="2400" dirty="0" err="1"/>
               <a:t>loss</a:t>
             </a:r>
             <a:r>
-              <a:rPr lang="fr-FR" sz="2400" dirty="0" smtClean="0"/>
+              <a:rPr lang="fr-FR" sz="2400" dirty="0"/>
               <a:t> de l’inférence avec les training set</a:t>
             </a:r>
           </a:p>
           <a:p>
             <a:r>
-              <a:rPr lang="fr-FR" sz="2400" dirty="0" err="1" smtClean="0"/>
+              <a:rPr lang="fr-FR" sz="2400" dirty="0" err="1"/>
               <a:t>Val_loss</a:t>
             </a:r>
             <a:r>
-              <a:rPr lang="fr-FR" sz="2400" dirty="0" smtClean="0"/>
+              <a:rPr lang="fr-FR" sz="2400" dirty="0"/>
               <a:t> détermine le </a:t>
             </a:r>
             <a:r>
-              <a:rPr lang="fr-FR" sz="2400" dirty="0" err="1" smtClean="0"/>
+              <a:rPr lang="fr-FR" sz="2400" dirty="0" err="1"/>
               <a:t>loss</a:t>
             </a:r>
             <a:r>
-              <a:rPr lang="fr-FR" sz="2400" dirty="0" smtClean="0"/>
+              <a:rPr lang="fr-FR" sz="2400" dirty="0"/>
               <a:t> de l’</a:t>
-            </a:r>
-            <a:r>
-              <a:rPr lang="fr-FR" sz="2400" dirty="0" err="1" smtClean="0"/>
-              <a:t>epoch</a:t>
-            </a:r>
-            <a:r>
-              <a:rPr lang="fr-FR" sz="2400" dirty="0" smtClean="0"/>
-              <a:t> avec le jeux de validation</a:t>
-            </a:r>
-          </a:p>
-          <a:p>
-            <a:r>
-              <a:rPr lang="fr-FR" sz="2400" dirty="0" err="1" smtClean="0"/>
-              <a:t>Accuracy</a:t>
-            </a:r>
-            <a:r>
-              <a:rPr lang="fr-FR" sz="2400" dirty="0" smtClean="0"/>
-              <a:t> </a:t>
-            </a:r>
-            <a:r>
-              <a:rPr lang="fr-FR" sz="2400" dirty="0"/>
-              <a:t>détermine </a:t>
-            </a:r>
-            <a:r>
-              <a:rPr lang="fr-FR" sz="2400" dirty="0" smtClean="0"/>
-              <a:t>la précision de </a:t>
-            </a:r>
-            <a:r>
-              <a:rPr lang="fr-FR" sz="2400" dirty="0"/>
-              <a:t>l’inférence avec les training set</a:t>
-            </a:r>
-          </a:p>
-          <a:p>
-            <a:r>
-              <a:rPr lang="fr-FR" sz="2400" dirty="0"/>
-              <a:t>Val</a:t>
-            </a:r>
-            <a:r>
-              <a:rPr lang="fr-FR" sz="2400" dirty="0" smtClean="0"/>
-              <a:t>_</a:t>
-            </a:r>
-            <a:r>
-              <a:rPr lang="fr-FR" sz="2400" dirty="0"/>
-              <a:t> </a:t>
-            </a:r>
-            <a:r>
-              <a:rPr lang="fr-FR" sz="2400" dirty="0" err="1" smtClean="0"/>
-              <a:t>accuracy</a:t>
-            </a:r>
-            <a:r>
-              <a:rPr lang="fr-FR" sz="2400" dirty="0" smtClean="0"/>
-              <a:t> </a:t>
-            </a:r>
-            <a:r>
-              <a:rPr lang="fr-FR" sz="2400" dirty="0"/>
-              <a:t>détermine la précision </a:t>
-            </a:r>
-            <a:r>
-              <a:rPr lang="fr-FR" sz="2400" dirty="0" smtClean="0"/>
-              <a:t>de </a:t>
-            </a:r>
-            <a:r>
-              <a:rPr lang="fr-FR" sz="2400" dirty="0"/>
-              <a:t>l’</a:t>
             </a:r>
             <a:r>
               <a:rPr lang="fr-FR" sz="2400" dirty="0" err="1"/>
@@ -7213,125 +6829,152 @@
             </a:r>
             <a:r>
               <a:rPr lang="fr-FR" sz="2400" dirty="0"/>
-              <a:t> avec le jeux de </a:t>
-            </a:r>
-            <a:r>
-              <a:rPr lang="fr-FR" sz="2400" dirty="0" smtClean="0"/>
-              <a:t>validation</a:t>
-            </a:r>
-          </a:p>
-          <a:p>
-            <a:r>
-              <a:rPr lang="fr-FR" sz="2400" dirty="0" smtClean="0"/>
+              <a:t> avec le jeux de validation</a:t>
+            </a:r>
+          </a:p>
+          <a:p>
+            <a:r>
+              <a:rPr lang="fr-FR" sz="2400" dirty="0" err="1"/>
+              <a:t>Accuracy</a:t>
+            </a:r>
+            <a:r>
+              <a:rPr lang="fr-FR" sz="2400" dirty="0"/>
+              <a:t> détermine la précision de l’inférence avec les training set</a:t>
+            </a:r>
+          </a:p>
+          <a:p>
+            <a:r>
+              <a:rPr lang="fr-FR" sz="2400" dirty="0"/>
+              <a:t>Val_ </a:t>
+            </a:r>
+            <a:r>
+              <a:rPr lang="fr-FR" sz="2400" dirty="0" err="1"/>
+              <a:t>accuracy</a:t>
+            </a:r>
+            <a:r>
+              <a:rPr lang="fr-FR" sz="2400" dirty="0"/>
+              <a:t> détermine la précision de l’</a:t>
+            </a:r>
+            <a:r>
+              <a:rPr lang="fr-FR" sz="2400" dirty="0" err="1"/>
+              <a:t>epoch</a:t>
+            </a:r>
+            <a:r>
+              <a:rPr lang="fr-FR" sz="2400" dirty="0"/>
+              <a:t> avec le jeux de validation</a:t>
+            </a:r>
+          </a:p>
+          <a:p>
+            <a:r>
+              <a:rPr lang="fr-FR" sz="2400" dirty="0"/>
               <a:t>Si </a:t>
             </a:r>
             <a:r>
-              <a:rPr lang="fr-FR" sz="2400" dirty="0" err="1" smtClean="0"/>
+              <a:rPr lang="fr-FR" sz="2400" dirty="0" err="1"/>
               <a:t>accuracy</a:t>
             </a:r>
             <a:r>
-              <a:rPr lang="fr-FR" sz="2400" dirty="0" smtClean="0"/>
+              <a:rPr lang="fr-FR" sz="2400" dirty="0"/>
               <a:t> est bas : le réseau ne fonctionne pas</a:t>
             </a:r>
           </a:p>
           <a:p>
             <a:r>
-              <a:rPr lang="fr-FR" sz="2400" dirty="0" smtClean="0"/>
+              <a:rPr lang="fr-FR" sz="2400" dirty="0"/>
               <a:t>Si </a:t>
             </a:r>
             <a:r>
-              <a:rPr lang="fr-FR" sz="2400" dirty="0" err="1" smtClean="0"/>
+              <a:rPr lang="fr-FR" sz="2400" dirty="0" err="1"/>
               <a:t>accuracy</a:t>
             </a:r>
             <a:r>
-              <a:rPr lang="fr-FR" sz="2400" dirty="0" smtClean="0"/>
+              <a:rPr lang="fr-FR" sz="2400" dirty="0"/>
               <a:t> &gt;&gt; </a:t>
             </a:r>
             <a:r>
-              <a:rPr lang="fr-FR" sz="2400" dirty="0" err="1" smtClean="0"/>
+              <a:rPr lang="fr-FR" sz="2400" dirty="0" err="1"/>
               <a:t>val_accuracy</a:t>
             </a:r>
             <a:r>
-              <a:rPr lang="fr-FR" sz="2400" dirty="0" smtClean="0"/>
+              <a:rPr lang="fr-FR" sz="2400" dirty="0"/>
               <a:t> : </a:t>
             </a:r>
             <a:r>
-              <a:rPr lang="fr-FR" sz="2400" dirty="0" err="1" smtClean="0"/>
+              <a:rPr lang="fr-FR" sz="2400" dirty="0" err="1"/>
               <a:t>overfitting</a:t>
             </a:r>
-            <a:endParaRPr lang="fr-FR" sz="2400" dirty="0" smtClean="0"/>
-          </a:p>
-          <a:p>
-            <a:r>
-              <a:rPr lang="fr-FR" sz="2400" dirty="0" smtClean="0"/>
+            <a:endParaRPr lang="fr-FR" sz="2400" dirty="0"/>
+          </a:p>
+          <a:p>
+            <a:r>
+              <a:rPr lang="fr-FR" sz="2400" dirty="0"/>
               <a:t>Si </a:t>
             </a:r>
             <a:r>
-              <a:rPr lang="fr-FR" sz="2400" dirty="0" err="1" smtClean="0"/>
+              <a:rPr lang="fr-FR" sz="2400" dirty="0" err="1"/>
               <a:t>accuracy</a:t>
             </a:r>
             <a:r>
-              <a:rPr lang="fr-FR" sz="2400" dirty="0" smtClean="0"/>
+              <a:rPr lang="fr-FR" sz="2400" dirty="0"/>
               <a:t> &gt; </a:t>
             </a:r>
             <a:r>
-              <a:rPr lang="fr-FR" sz="2400" dirty="0" err="1" smtClean="0"/>
+              <a:rPr lang="fr-FR" sz="2400" dirty="0" err="1"/>
               <a:t>val_accuracy</a:t>
             </a:r>
             <a:r>
-              <a:rPr lang="fr-FR" sz="2400" dirty="0" smtClean="0"/>
+              <a:rPr lang="fr-FR" sz="2400" dirty="0"/>
               <a:t> : léger </a:t>
             </a:r>
             <a:r>
-              <a:rPr lang="fr-FR" sz="2400" dirty="0" err="1" smtClean="0"/>
+              <a:rPr lang="fr-FR" sz="2400" dirty="0" err="1"/>
               <a:t>overfitting</a:t>
             </a:r>
-            <a:endParaRPr lang="fr-FR" sz="2400" dirty="0" smtClean="0"/>
-          </a:p>
-          <a:p>
-            <a:r>
-              <a:rPr lang="fr-FR" sz="2400" dirty="0" smtClean="0"/>
+            <a:endParaRPr lang="fr-FR" sz="2400" dirty="0"/>
+          </a:p>
+          <a:p>
+            <a:r>
+              <a:rPr lang="fr-FR" sz="2400" dirty="0"/>
               <a:t>Si </a:t>
             </a:r>
             <a:r>
-              <a:rPr lang="fr-FR" sz="2400" dirty="0" err="1" smtClean="0"/>
+              <a:rPr lang="fr-FR" sz="2400" dirty="0" err="1"/>
               <a:t>val_accuracy</a:t>
             </a:r>
             <a:r>
-              <a:rPr lang="fr-FR" sz="2400" dirty="0" smtClean="0"/>
+              <a:rPr lang="fr-FR" sz="2400" dirty="0"/>
               <a:t> &gt;= </a:t>
             </a:r>
             <a:r>
-              <a:rPr lang="fr-FR" sz="2400" dirty="0" err="1" smtClean="0"/>
+              <a:rPr lang="fr-FR" sz="2400" dirty="0" err="1"/>
               <a:t>accuracy</a:t>
             </a:r>
             <a:r>
-              <a:rPr lang="fr-FR" sz="2400" dirty="0" smtClean="0"/>
+              <a:rPr lang="fr-FR" sz="2400" dirty="0"/>
               <a:t> : parfait</a:t>
             </a:r>
           </a:p>
           <a:p>
             <a:r>
-              <a:rPr lang="fr-FR" sz="2400" dirty="0" smtClean="0"/>
+              <a:rPr lang="fr-FR" sz="2400" dirty="0"/>
               <a:t>Si </a:t>
             </a:r>
             <a:r>
-              <a:rPr lang="fr-FR" sz="2400" dirty="0" err="1" smtClean="0"/>
+              <a:rPr lang="fr-FR" sz="2400" dirty="0" err="1"/>
               <a:t>val_accuracy</a:t>
             </a:r>
             <a:r>
-              <a:rPr lang="fr-FR" sz="2400" dirty="0" smtClean="0"/>
+              <a:rPr lang="fr-FR" sz="2400" dirty="0"/>
               <a:t> &gt;&gt; </a:t>
             </a:r>
             <a:r>
-              <a:rPr lang="fr-FR" sz="2400" dirty="0" err="1" smtClean="0"/>
+              <a:rPr lang="fr-FR" sz="2400" dirty="0" err="1"/>
               <a:t>accuracy</a:t>
             </a:r>
             <a:r>
-              <a:rPr lang="fr-FR" sz="2400" dirty="0" smtClean="0"/>
+              <a:rPr lang="fr-FR" sz="2400" dirty="0"/>
               <a:t> : anormal</a:t>
             </a:r>
-            <a:endParaRPr lang="fr-FR" sz="2400" dirty="0"/>
           </a:p>
           <a:p>
             <a:endParaRPr lang="fr-FR" sz="2400" dirty="0"/>
@@ -7348,13 +6991,6 @@
   <p:clrMapOvr>
     <a:masterClrMapping/>
   </p:clrMapOvr>
-  <p:timing>
-    <p:tnLst>
-      <p:par>
-        <p:cTn id="1" dur="indefinite" restart="never" nodeType="tmRoot"/>
-      </p:par>
-    </p:tnLst>
-  </p:timing>
 </p:sld>
 </file>
 
@@ -7391,7 +7027,7 @@
           <a:lstStyle/>
           <a:p>
             <a:r>
-              <a:rPr lang="fr-FR" dirty="0" err="1" smtClean="0"/>
+              <a:rPr lang="fr-FR" dirty="0" err="1"/>
               <a:t>Scaling</a:t>
             </a:r>
             <a:endParaRPr lang="fr-FR" dirty="0"/>
@@ -7414,60 +7050,60 @@
           <a:lstStyle/>
           <a:p>
             <a:r>
-              <a:rPr lang="fr-FR" dirty="0" smtClean="0"/>
+              <a:rPr lang="fr-FR" dirty="0"/>
               <a:t>Il est difficile de comparer des données de l’ordre de 100000 et de l’ordre de 0.00001</a:t>
             </a:r>
           </a:p>
           <a:p>
             <a:pPr lvl="1"/>
             <a:r>
-              <a:rPr lang="fr-FR" dirty="0" smtClean="0"/>
+              <a:rPr lang="fr-FR" dirty="0"/>
               <a:t>La descente du gradient va être négligeable sur 100000 et important sur 0.00001</a:t>
             </a:r>
           </a:p>
           <a:p>
             <a:pPr lvl="1"/>
             <a:r>
-              <a:rPr lang="fr-FR" dirty="0" smtClean="0"/>
+              <a:rPr lang="fr-FR" dirty="0"/>
               <a:t>Peut empêcher un réseau de fonctionner</a:t>
             </a:r>
           </a:p>
           <a:p>
             <a:r>
-              <a:rPr lang="fr-FR" dirty="0" smtClean="0"/>
+              <a:rPr lang="fr-FR" dirty="0"/>
               <a:t>Standardisation</a:t>
             </a:r>
           </a:p>
           <a:p>
             <a:pPr lvl="1"/>
             <a:r>
-              <a:rPr lang="fr-FR" dirty="0" smtClean="0"/>
+              <a:rPr lang="fr-FR" dirty="0"/>
               <a:t>Permet de comparer des données comparables</a:t>
             </a:r>
           </a:p>
           <a:p>
             <a:pPr lvl="1"/>
             <a:r>
-              <a:rPr lang="fr-FR" dirty="0" smtClean="0"/>
+              <a:rPr lang="fr-FR" dirty="0"/>
               <a:t>Par exemple centrer les données sur zéro avec un écart type de 1</a:t>
             </a:r>
           </a:p>
           <a:p>
             <a:pPr lvl="1"/>
             <a:r>
-              <a:rPr lang="fr-FR" dirty="0" smtClean="0"/>
+              <a:rPr lang="fr-FR" dirty="0"/>
               <a:t>F(x) = (x – </a:t>
             </a:r>
             <a:r>
-              <a:rPr lang="fr-FR" dirty="0" err="1" smtClean="0"/>
+              <a:rPr lang="fr-FR" dirty="0" err="1"/>
               <a:t>moy</a:t>
             </a:r>
             <a:r>
-              <a:rPr lang="fr-FR" dirty="0" smtClean="0"/>
+              <a:rPr lang="fr-FR" dirty="0"/>
               <a:t>) / </a:t>
             </a:r>
             <a:r>
-              <a:rPr lang="fr-FR" dirty="0" err="1" smtClean="0"/>
+              <a:rPr lang="fr-FR" dirty="0" err="1"/>
               <a:t>std</a:t>
             </a:r>
             <a:endParaRPr lang="fr-FR" dirty="0"/>
@@ -7484,13 +7120,6 @@
   <p:clrMapOvr>
     <a:masterClrMapping/>
   </p:clrMapOvr>
-  <p:timing>
-    <p:tnLst>
-      <p:par>
-        <p:cTn id="1" dur="indefinite" restart="never" nodeType="tmRoot"/>
-      </p:par>
-    </p:tnLst>
-  </p:timing>
 </p:sld>
 </file>
 
@@ -7527,10 +7156,9 @@
           <a:lstStyle/>
           <a:p>
             <a:r>
-              <a:rPr lang="fr-FR" dirty="0" smtClean="0"/>
+              <a:rPr lang="fr-FR" dirty="0"/>
               <a:t>Exemple simple</a:t>
             </a:r>
-            <a:endParaRPr lang="fr-FR" dirty="0"/>
           </a:p>
         </p:txBody>
       </p:sp>
@@ -7550,14 +7178,14 @@
           <a:lstStyle/>
           <a:p>
             <a:r>
-              <a:rPr lang="fr-FR" dirty="0" smtClean="0"/>
+              <a:rPr lang="fr-FR" dirty="0"/>
               <a:t>MLP 5x5x1</a:t>
             </a:r>
           </a:p>
           <a:p>
             <a:pPr lvl="1"/>
             <a:r>
-              <a:rPr lang="fr-FR" dirty="0" smtClean="0"/>
+              <a:rPr lang="fr-FR" dirty="0"/>
               <a:t>Par défaut l’activation est relu</a:t>
             </a:r>
           </a:p>
@@ -7600,13 +7228,6 @@
   <p:clrMapOvr>
     <a:masterClrMapping/>
   </p:clrMapOvr>
-  <p:timing>
-    <p:tnLst>
-      <p:par>
-        <p:cTn id="1" dur="indefinite" restart="never" nodeType="tmRoot"/>
-      </p:par>
-    </p:tnLst>
-  </p:timing>
 </p:sld>
 </file>
 
@@ -7643,10 +7264,9 @@
           <a:lstStyle/>
           <a:p>
             <a:r>
-              <a:rPr lang="fr-FR" dirty="0" smtClean="0"/>
+              <a:rPr lang="fr-FR" dirty="0"/>
               <a:t>Standardisation d’un jeux de données</a:t>
             </a:r>
-            <a:endParaRPr lang="fr-FR" dirty="0"/>
           </a:p>
         </p:txBody>
       </p:sp>
@@ -7667,93 +7287,72 @@
           <a:p>
             <a:r>
               <a:rPr lang="fr-FR" sz="2400" dirty="0"/>
-              <a:t>Permet de </a:t>
-            </a:r>
-            <a:r>
-              <a:rPr lang="fr-FR" sz="2400" dirty="0" smtClean="0"/>
-              <a:t>normaliser </a:t>
-            </a:r>
-            <a:r>
-              <a:rPr lang="fr-FR" sz="2400" dirty="0"/>
-              <a:t>les </a:t>
-            </a:r>
-            <a:r>
-              <a:rPr lang="fr-FR" sz="2400" dirty="0" smtClean="0"/>
-              <a:t>données</a:t>
-            </a:r>
-          </a:p>
-          <a:p>
-            <a:r>
-              <a:rPr lang="fr-FR" sz="2400" dirty="0" err="1" smtClean="0"/>
+              <a:t>Permet de normaliser les données</a:t>
+            </a:r>
+          </a:p>
+          <a:p>
+            <a:r>
+              <a:rPr lang="fr-FR" sz="2400" dirty="0" err="1"/>
               <a:t>MinMaxScaler</a:t>
             </a:r>
-            <a:endParaRPr lang="fr-FR" sz="2400" dirty="0" smtClean="0"/>
-          </a:p>
-          <a:p>
-            <a:pPr lvl="1"/>
-            <a:r>
-              <a:rPr lang="fr-FR" sz="2000" dirty="0" smtClean="0"/>
+            <a:endParaRPr lang="fr-FR" sz="2400" dirty="0"/>
+          </a:p>
+          <a:p>
+            <a:pPr lvl="1"/>
+            <a:r>
+              <a:rPr lang="fr-FR" sz="2000" dirty="0"/>
               <a:t>Transforme les données pour qu’elles soient comprises entre min et max</a:t>
             </a:r>
           </a:p>
           <a:p>
             <a:r>
-              <a:rPr lang="fr-FR" sz="2400" dirty="0" err="1" smtClean="0"/>
+              <a:rPr lang="fr-FR" sz="2400" dirty="0" err="1"/>
               <a:t>StandardScaler</a:t>
             </a:r>
-            <a:endParaRPr lang="fr-FR" sz="2400" dirty="0" smtClean="0"/>
-          </a:p>
-          <a:p>
-            <a:pPr lvl="1"/>
-            <a:r>
-              <a:rPr lang="fr-FR" sz="2000" dirty="0" smtClean="0"/>
-              <a:t>Supprime </a:t>
-            </a:r>
+            <a:endParaRPr lang="fr-FR" sz="2400" dirty="0"/>
+          </a:p>
+          <a:p>
+            <a:pPr lvl="1"/>
             <a:r>
               <a:rPr lang="fr-FR" sz="2000" dirty="0"/>
-              <a:t>la moyenne et la mise à l'échelle de la variance de </a:t>
-            </a:r>
-            <a:r>
-              <a:rPr lang="fr-FR" sz="2000" dirty="0" smtClean="0"/>
-              <a:t>l'unité et en centrant sur 0</a:t>
-            </a:r>
-          </a:p>
-          <a:p>
-            <a:pPr lvl="1"/>
-            <a:r>
-              <a:rPr lang="fr-FR" sz="2000" dirty="0" smtClean="0"/>
+              <a:t>Supprime la moyenne et la mise à l'échelle de la variance de l'unité et en centrant sur 0</a:t>
+            </a:r>
+          </a:p>
+          <a:p>
+            <a:pPr lvl="1"/>
+            <a:r>
+              <a:rPr lang="fr-FR" sz="2000" dirty="0"/>
               <a:t>La moyenne devient 0</a:t>
             </a:r>
           </a:p>
           <a:p>
             <a:pPr lvl="1"/>
             <a:r>
-              <a:rPr lang="fr-FR" sz="2000" dirty="0" smtClean="0"/>
+              <a:rPr lang="fr-FR" sz="2000" dirty="0"/>
               <a:t>L’écart type devient 1</a:t>
             </a:r>
           </a:p>
           <a:p>
             <a:r>
-              <a:rPr lang="fr-FR" sz="2400" dirty="0" err="1" smtClean="0"/>
+              <a:rPr lang="fr-FR" sz="2400" dirty="0" err="1"/>
               <a:t>RobusteScaler</a:t>
             </a:r>
-            <a:endParaRPr lang="fr-FR" sz="2400" dirty="0" smtClean="0"/>
-          </a:p>
-          <a:p>
-            <a:pPr lvl="1"/>
-            <a:r>
-              <a:rPr lang="fr-FR" sz="2000" dirty="0" smtClean="0"/>
+            <a:endParaRPr lang="fr-FR" sz="2400" dirty="0"/>
+          </a:p>
+          <a:p>
+            <a:pPr lvl="1"/>
+            <a:r>
+              <a:rPr lang="fr-FR" sz="2000" dirty="0"/>
               <a:t>Fonctionne comme </a:t>
             </a:r>
             <a:r>
-              <a:rPr lang="fr-FR" sz="2000" dirty="0" err="1" smtClean="0"/>
+              <a:rPr lang="fr-FR" sz="2000" dirty="0" err="1"/>
               <a:t>StandardScaler</a:t>
             </a:r>
             <a:r>
-              <a:rPr lang="fr-FR" sz="2000" dirty="0" smtClean="0"/>
+              <a:rPr lang="fr-FR" sz="2000" dirty="0"/>
               <a:t> mais en quantile</a:t>
             </a:r>
-            <a:endParaRPr lang="fr-FR" sz="2000" dirty="0"/>
           </a:p>
         </p:txBody>
       </p:sp>
@@ -7791,13 +7390,6 @@
   <p:clrMapOvr>
     <a:masterClrMapping/>
   </p:clrMapOvr>
-  <p:timing>
-    <p:tnLst>
-      <p:par>
-        <p:cTn id="1" dur="indefinite" restart="never" nodeType="tmRoot"/>
-      </p:par>
-    </p:tnLst>
-  </p:timing>
 </p:sld>
 </file>
 
@@ -7834,11 +7426,11 @@
           <a:lstStyle/>
           <a:p>
             <a:r>
-              <a:rPr lang="fr-FR" dirty="0" smtClean="0"/>
+              <a:rPr lang="fr-FR" dirty="0"/>
               <a:t>Calcul du </a:t>
             </a:r>
             <a:r>
-              <a:rPr lang="fr-FR" dirty="0" err="1" smtClean="0"/>
+              <a:rPr lang="fr-FR" dirty="0" err="1"/>
               <a:t>loss</a:t>
             </a:r>
             <a:endParaRPr lang="fr-FR" dirty="0"/>
@@ -7861,56 +7453,55 @@
           <a:lstStyle/>
           <a:p>
             <a:r>
-              <a:rPr lang="fr-FR" dirty="0" smtClean="0"/>
+              <a:rPr lang="fr-FR" dirty="0"/>
               <a:t>Pour l’instant nous avons pris MSE</a:t>
             </a:r>
           </a:p>
           <a:p>
             <a:pPr lvl="1"/>
             <a:r>
-              <a:rPr lang="fr-FR" dirty="0" smtClean="0"/>
+              <a:rPr lang="fr-FR" dirty="0"/>
               <a:t>Marche bien pour des données numérique</a:t>
             </a:r>
           </a:p>
           <a:p>
             <a:pPr lvl="1"/>
             <a:r>
-              <a:rPr lang="fr-FR" dirty="0" smtClean="0"/>
+              <a:rPr lang="fr-FR" dirty="0"/>
               <a:t>Marche mal pour des catégories, surtout si leur nombre est &gt; 2</a:t>
             </a:r>
           </a:p>
           <a:p>
             <a:pPr lvl="1"/>
             <a:r>
-              <a:rPr lang="fr-FR" dirty="0" smtClean="0"/>
+              <a:rPr lang="fr-FR" dirty="0"/>
               <a:t>Par exemple, pour MNIST, le MSE entre 1 et 7 est 36 alors que le MSE entre 1 et 2 est 1</a:t>
             </a:r>
           </a:p>
           <a:p>
             <a:r>
-              <a:rPr lang="fr-FR" dirty="0" smtClean="0"/>
+              <a:rPr lang="fr-FR" dirty="0"/>
               <a:t>La solution est </a:t>
             </a:r>
             <a:r>
-              <a:rPr lang="fr-FR" dirty="0" err="1" smtClean="0"/>
+              <a:rPr lang="fr-FR" dirty="0" err="1"/>
               <a:t>categorical_crossentropy</a:t>
             </a:r>
             <a:r>
-              <a:rPr lang="fr-FR" dirty="0" smtClean="0"/>
+              <a:rPr lang="fr-FR" dirty="0"/>
               <a:t> pour les catégories</a:t>
             </a:r>
           </a:p>
           <a:p>
             <a:pPr lvl="1"/>
             <a:r>
-              <a:rPr lang="fr-FR" dirty="0" err="1" smtClean="0"/>
+              <a:rPr lang="fr-FR" dirty="0" err="1"/>
               <a:t>Binary_crossentropy</a:t>
             </a:r>
             <a:r>
-              <a:rPr lang="fr-FR" dirty="0" smtClean="0"/>
+              <a:rPr lang="fr-FR" dirty="0"/>
               <a:t> si le nombre de catégorie = 2</a:t>
             </a:r>
-            <a:endParaRPr lang="fr-FR" dirty="0"/>
           </a:p>
         </p:txBody>
       </p:sp>
@@ -7924,13 +7515,6 @@
   <p:clrMapOvr>
     <a:masterClrMapping/>
   </p:clrMapOvr>
-  <p:timing>
-    <p:tnLst>
-      <p:par>
-        <p:cTn id="1" dur="indefinite" restart="never" nodeType="tmRoot"/>
-      </p:par>
-    </p:tnLst>
-  </p:timing>
 </p:sld>
 </file>
 
@@ -7967,15 +7551,15 @@
           <a:lstStyle/>
           <a:p>
             <a:r>
-              <a:rPr lang="fr-FR" dirty="0" err="1" smtClean="0"/>
+              <a:rPr lang="fr-FR" dirty="0" err="1"/>
               <a:t>Categorical</a:t>
             </a:r>
             <a:r>
-              <a:rPr lang="fr-FR" dirty="0" smtClean="0"/>
+              <a:rPr lang="fr-FR" dirty="0"/>
               <a:t> Cross </a:t>
             </a:r>
             <a:r>
-              <a:rPr lang="fr-FR" dirty="0" err="1" smtClean="0"/>
+              <a:rPr lang="fr-FR" dirty="0" err="1"/>
               <a:t>Entropy</a:t>
             </a:r>
             <a:endParaRPr lang="fr-FR" dirty="0"/>
@@ -7998,36 +7582,36 @@
           <a:lstStyle/>
           <a:p>
             <a:r>
-              <a:rPr lang="fr-FR" dirty="0" smtClean="0"/>
+              <a:rPr lang="fr-FR" dirty="0"/>
               <a:t>La méthode de calcul du </a:t>
             </a:r>
             <a:r>
-              <a:rPr lang="fr-FR" dirty="0" err="1" smtClean="0"/>
+              <a:rPr lang="fr-FR" dirty="0" err="1"/>
               <a:t>loss</a:t>
             </a:r>
             <a:r>
-              <a:rPr lang="fr-FR" dirty="0" smtClean="0"/>
+              <a:rPr lang="fr-FR" dirty="0"/>
               <a:t> est très importante</a:t>
             </a:r>
           </a:p>
           <a:p>
             <a:pPr lvl="1"/>
             <a:r>
-              <a:rPr lang="fr-FR" dirty="0" smtClean="0"/>
+              <a:rPr lang="fr-FR" dirty="0"/>
               <a:t>Si le nombre de catégorie est faible (&lt;3) la méthode </a:t>
             </a:r>
             <a:r>
-              <a:rPr lang="fr-FR" dirty="0" err="1" smtClean="0"/>
+              <a:rPr lang="fr-FR" dirty="0" err="1"/>
               <a:t>mse</a:t>
             </a:r>
             <a:r>
-              <a:rPr lang="fr-FR" dirty="0" smtClean="0"/>
+              <a:rPr lang="fr-FR" dirty="0"/>
               <a:t> est convenable</a:t>
             </a:r>
           </a:p>
           <a:p>
             <a:r>
-              <a:rPr lang="fr-FR" dirty="0" smtClean="0"/>
+              <a:rPr lang="fr-FR" dirty="0"/>
               <a:t>Sinon la méthode </a:t>
             </a:r>
             <a:r>
@@ -8039,75 +7623,75 @@
               <a:t> Cross </a:t>
             </a:r>
             <a:r>
-              <a:rPr lang="fr-FR" dirty="0" err="1" smtClean="0"/>
+              <a:rPr lang="fr-FR" dirty="0" err="1"/>
               <a:t>Entropy</a:t>
             </a:r>
             <a:r>
-              <a:rPr lang="fr-FR" dirty="0" smtClean="0"/>
+              <a:rPr lang="fr-FR" dirty="0"/>
               <a:t> est meilleure</a:t>
             </a:r>
           </a:p>
           <a:p>
             <a:pPr lvl="1"/>
             <a:r>
-              <a:rPr lang="fr-FR" dirty="0" smtClean="0"/>
+              <a:rPr lang="fr-FR" dirty="0"/>
               <a:t>Utilise le </a:t>
             </a:r>
             <a:r>
-              <a:rPr lang="fr-FR" dirty="0" err="1" smtClean="0"/>
+              <a:rPr lang="fr-FR" dirty="0" err="1"/>
               <a:t>loss</a:t>
             </a:r>
             <a:r>
-              <a:rPr lang="fr-FR" dirty="0" smtClean="0"/>
+              <a:rPr lang="fr-FR" dirty="0"/>
               <a:t> par Cross </a:t>
             </a:r>
             <a:r>
-              <a:rPr lang="fr-FR" dirty="0" err="1" smtClean="0"/>
+              <a:rPr lang="fr-FR" dirty="0" err="1"/>
               <a:t>Entropy</a:t>
             </a:r>
-            <a:endParaRPr lang="fr-FR" dirty="0" smtClean="0"/>
-          </a:p>
-          <a:p>
-            <a:pPr lvl="1"/>
-            <a:endParaRPr lang="fr-FR" dirty="0" smtClean="0"/>
-          </a:p>
-          <a:p>
-            <a:pPr lvl="1"/>
-            <a:endParaRPr lang="fr-FR" dirty="0" smtClean="0"/>
-          </a:p>
-          <a:p>
-            <a:pPr lvl="1"/>
-            <a:r>
-              <a:rPr lang="fr-FR" dirty="0" smtClean="0"/>
+            <a:endParaRPr lang="fr-FR" dirty="0"/>
+          </a:p>
+          <a:p>
+            <a:pPr lvl="1"/>
+            <a:endParaRPr lang="fr-FR" dirty="0"/>
+          </a:p>
+          <a:p>
+            <a:pPr lvl="1"/>
+            <a:endParaRPr lang="fr-FR" dirty="0"/>
+          </a:p>
+          <a:p>
+            <a:pPr lvl="1"/>
+            <a:r>
+              <a:rPr lang="fr-FR" dirty="0"/>
               <a:t>Puis applique une matrice de catégorisation (</a:t>
             </a:r>
             <a:r>
-              <a:rPr lang="fr-FR" dirty="0" err="1" smtClean="0"/>
+              <a:rPr lang="fr-FR" dirty="0" err="1"/>
               <a:t>to_categorical</a:t>
             </a:r>
             <a:r>
-              <a:rPr lang="fr-FR" dirty="0" smtClean="0"/>
+              <a:rPr lang="fr-FR" dirty="0"/>
               <a:t>)</a:t>
             </a:r>
           </a:p>
           <a:p>
             <a:pPr lvl="1"/>
             <a:r>
-              <a:rPr lang="fr-FR" dirty="0" err="1" smtClean="0"/>
+              <a:rPr lang="fr-FR" dirty="0" err="1"/>
               <a:t>BinaryCrossEntropy</a:t>
             </a:r>
             <a:r>
-              <a:rPr lang="fr-FR" dirty="0" smtClean="0"/>
+              <a:rPr lang="fr-FR" dirty="0"/>
               <a:t> marche mieux s'il y a uniquement 2 catégories</a:t>
             </a:r>
           </a:p>
           <a:p>
             <a:pPr lvl="2"/>
-            <a:endParaRPr lang="fr-FR" dirty="0" smtClean="0"/>
-          </a:p>
-          <a:p>
-            <a:pPr lvl="1"/>
-            <a:endParaRPr lang="fr-FR" dirty="0" smtClean="0"/>
+            <a:endParaRPr lang="fr-FR" dirty="0"/>
+          </a:p>
+          <a:p>
+            <a:pPr lvl="1"/>
+            <a:endParaRPr lang="fr-FR" dirty="0"/>
           </a:p>
         </p:txBody>
       </p:sp>
@@ -8145,13 +7729,6 @@
   <p:clrMapOvr>
     <a:masterClrMapping/>
   </p:clrMapOvr>
-  <p:timing>
-    <p:tnLst>
-      <p:par>
-        <p:cTn id="1" dur="indefinite" restart="never" nodeType="tmRoot"/>
-      </p:par>
-    </p:tnLst>
-  </p:timing>
 </p:sld>
 </file>
 
@@ -8188,7 +7765,7 @@
           <a:lstStyle/>
           <a:p>
             <a:r>
-              <a:rPr lang="fr-FR" dirty="0" err="1" smtClean="0"/>
+              <a:rPr lang="fr-FR" dirty="0" err="1"/>
               <a:t>to_categorical</a:t>
             </a:r>
             <a:endParaRPr lang="fr-FR" dirty="0"/>
@@ -8211,122 +7788,118 @@
           <a:lstStyle/>
           <a:p>
             <a:r>
-              <a:rPr lang="fr-FR" dirty="0" smtClean="0"/>
+              <a:rPr lang="fr-FR" dirty="0"/>
               <a:t>Convertit un vecteur de labels en matrice</a:t>
             </a:r>
           </a:p>
           <a:p>
             <a:pPr lvl="1"/>
             <a:r>
-              <a:rPr lang="fr-FR" dirty="0" smtClean="0"/>
+              <a:rPr lang="fr-FR" dirty="0"/>
               <a:t>Utile pour le calcul du </a:t>
             </a:r>
             <a:r>
-              <a:rPr lang="fr-FR" dirty="0" err="1" smtClean="0"/>
+              <a:rPr lang="fr-FR" dirty="0" err="1"/>
               <a:t>loss</a:t>
             </a:r>
             <a:r>
-              <a:rPr lang="fr-FR" dirty="0" smtClean="0"/>
+              <a:rPr lang="fr-FR" dirty="0"/>
               <a:t> par </a:t>
             </a:r>
             <a:r>
-              <a:rPr lang="fr-FR" dirty="0" err="1" smtClean="0"/>
+              <a:rPr lang="fr-FR" dirty="0" err="1"/>
               <a:t>categorical_crossentropy</a:t>
             </a:r>
-            <a:endParaRPr lang="fr-FR" dirty="0" smtClean="0"/>
-          </a:p>
-          <a:p>
-            <a:pPr lvl="1"/>
-            <a:r>
-              <a:rPr lang="fr-FR" dirty="0" smtClean="0"/>
+            <a:endParaRPr lang="fr-FR" dirty="0"/>
+          </a:p>
+          <a:p>
+            <a:pPr lvl="1"/>
+            <a:r>
+              <a:rPr lang="fr-FR" dirty="0"/>
               <a:t>Par exemple, supposons 5 labels sur 3 classes</a:t>
             </a:r>
           </a:p>
           <a:p>
             <a:pPr lvl="1"/>
             <a:r>
-              <a:rPr lang="fr-FR" dirty="0" smtClean="0"/>
+              <a:rPr lang="fr-FR" dirty="0"/>
               <a:t>labels = </a:t>
             </a:r>
             <a:r>
               <a:rPr lang="en-US" dirty="0"/>
-              <a:t>array([0, 2, 1, 2, 0</a:t>
-            </a:r>
-            <a:r>
-              <a:rPr lang="en-US" dirty="0" smtClean="0"/>
-              <a:t>])</a:t>
-            </a:r>
-          </a:p>
-          <a:p>
-            <a:pPr lvl="1"/>
-            <a:r>
-              <a:rPr lang="en-US" dirty="0" smtClean="0"/>
+              <a:t>array([0, 2, 1, 2, 0])</a:t>
+            </a:r>
+          </a:p>
+          <a:p>
+            <a:pPr lvl="1"/>
+            <a:r>
+              <a:rPr lang="en-US" dirty="0"/>
               <a:t>On </a:t>
             </a:r>
             <a:r>
-              <a:rPr lang="en-US" dirty="0" err="1" smtClean="0"/>
+              <a:rPr lang="en-US" dirty="0" err="1"/>
               <a:t>obtient</a:t>
             </a:r>
-            <a:endParaRPr lang="en-US" dirty="0" smtClean="0"/>
-          </a:p>
-          <a:p>
-            <a:pPr lvl="1"/>
             <a:endParaRPr lang="en-US" dirty="0"/>
           </a:p>
           <a:p>
             <a:pPr lvl="1"/>
-            <a:endParaRPr lang="en-US" dirty="0" smtClean="0"/>
-          </a:p>
-          <a:p>
-            <a:pPr lvl="1"/>
             <a:endParaRPr lang="en-US" dirty="0"/>
           </a:p>
           <a:p>
             <a:pPr lvl="1"/>
-            <a:endParaRPr lang="en-US" dirty="0" smtClean="0"/>
-          </a:p>
-          <a:p>
-            <a:pPr lvl="1"/>
-            <a:r>
-              <a:rPr lang="en-US" dirty="0" smtClean="0"/>
+            <a:endParaRPr lang="en-US" dirty="0"/>
+          </a:p>
+          <a:p>
+            <a:pPr lvl="1"/>
+            <a:endParaRPr lang="en-US" dirty="0"/>
+          </a:p>
+          <a:p>
+            <a:pPr lvl="1"/>
+            <a:endParaRPr lang="en-US" dirty="0"/>
+          </a:p>
+          <a:p>
+            <a:pPr lvl="1"/>
+            <a:r>
+              <a:rPr lang="en-US" dirty="0"/>
               <a:t>Les distances du loss pour </a:t>
             </a:r>
             <a:r>
-              <a:rPr lang="en-US" dirty="0" err="1" smtClean="0"/>
+              <a:rPr lang="en-US" dirty="0" err="1"/>
               <a:t>chaque</a:t>
-            </a:r>
-            <a:r>
-              <a:rPr lang="en-US" dirty="0" smtClean="0"/>
-              <a:t> </a:t>
-            </a:r>
-            <a:r>
-              <a:rPr lang="en-US" dirty="0" err="1" smtClean="0"/>
-              <a:t>valeur</a:t>
-            </a:r>
-            <a:r>
-              <a:rPr lang="en-US" dirty="0" smtClean="0"/>
-              <a:t> </a:t>
-            </a:r>
-            <a:r>
-              <a:rPr lang="en-US" dirty="0" err="1" smtClean="0"/>
-              <a:t>sont</a:t>
             </a:r>
             <a:r>
               <a:rPr lang="en-US" dirty="0"/>
               <a:t> </a:t>
             </a:r>
             <a:r>
-              <a:rPr lang="en-US" dirty="0" err="1" smtClean="0"/>
+              <a:rPr lang="en-US" dirty="0" err="1"/>
+              <a:t>valeur</a:t>
+            </a:r>
+            <a:r>
+              <a:rPr lang="en-US" dirty="0"/>
+              <a:t> </a:t>
+            </a:r>
+            <a:r>
+              <a:rPr lang="en-US" dirty="0" err="1"/>
+              <a:t>sont</a:t>
+            </a:r>
+            <a:r>
+              <a:rPr lang="en-US" dirty="0"/>
+              <a:t> </a:t>
+            </a:r>
+            <a:r>
+              <a:rPr lang="en-US" dirty="0" err="1"/>
               <a:t>égales</a:t>
             </a:r>
             <a:r>
-              <a:rPr lang="en-US" dirty="0" smtClean="0"/>
+              <a:rPr lang="en-US" dirty="0"/>
               <a:t> à 1</a:t>
             </a:r>
           </a:p>
           <a:p>
             <a:pPr lvl="1"/>
-            <a:endParaRPr lang="en-US" dirty="0" smtClean="0"/>
+            <a:endParaRPr lang="en-US" dirty="0"/>
           </a:p>
           <a:p>
             <a:pPr lvl="1"/>
@@ -8368,13 +7941,6 @@
   <p:clrMapOvr>
     <a:masterClrMapping/>
   </p:clrMapOvr>
-  <p:timing>
-    <p:tnLst>
-      <p:par>
-        <p:cTn id="1" dur="indefinite" restart="never" nodeType="tmRoot"/>
-      </p:par>
-    </p:tnLst>
-  </p:timing>
 </p:sld>
 </file>
 
@@ -8397,7 +7963,13 @@
       </p:grpSpPr>
       <p:sp>
         <p:nvSpPr>
-          <p:cNvPr id="2" name="Titre 1"/>
+          <p:cNvPr id="2" name="Titre 1">
+            <a:extLst>
+              <a:ext uri="{FF2B5EF4-FFF2-40B4-BE49-F238E27FC236}">
+                <a16:creationId xmlns:a16="http://schemas.microsoft.com/office/drawing/2014/main" id="{A706EE5B-DE35-4889-9449-64CF7C38897F}"/>
+              </a:ext>
+            </a:extLst>
+          </p:cNvPr>
           <p:cNvSpPr>
             <a:spLocks noGrp="1"/>
           </p:cNvSpPr>
@@ -8411,16 +7983,21 @@
           <a:lstStyle/>
           <a:p>
             <a:r>
-              <a:rPr lang="fr-FR" dirty="0" err="1" smtClean="0"/>
-              <a:t>Softmax</a:t>
-            </a:r>
-            <a:endParaRPr lang="fr-FR" dirty="0"/>
-          </a:p>
-        </p:txBody>
-      </p:sp>
-      <p:sp>
-        <p:nvSpPr>
-          <p:cNvPr id="3" name="Espace réservé du contenu 2"/>
+              <a:rPr lang="fr-FR" dirty="0"/>
+              <a:t>Fonction de répartition de probabilité</a:t>
+            </a:r>
+          </a:p>
+        </p:txBody>
+      </p:sp>
+      <p:sp>
+        <p:nvSpPr>
+          <p:cNvPr id="3" name="Espace réservé du contenu 2">
+            <a:extLst>
+              <a:ext uri="{FF2B5EF4-FFF2-40B4-BE49-F238E27FC236}">
+                <a16:creationId xmlns:a16="http://schemas.microsoft.com/office/drawing/2014/main" id="{15C6585B-826F-466E-BCBD-546392E175DD}"/>
+              </a:ext>
+            </a:extLst>
+          </p:cNvPr>
           <p:cNvSpPr>
             <a:spLocks noGrp="1"/>
           </p:cNvSpPr>
@@ -8434,102 +8011,123 @@
           <a:lstStyle/>
           <a:p>
             <a:r>
-              <a:rPr lang="fr-FR" dirty="0" smtClean="0"/>
-              <a:t>Si le nombre de catégorie est = 2</a:t>
-            </a:r>
-          </a:p>
-          <a:p>
-            <a:pPr lvl="1"/>
-            <a:r>
-              <a:rPr lang="fr-FR" dirty="0" smtClean="0"/>
-              <a:t>Il faut un output layer avec 1 neurone</a:t>
-            </a:r>
-          </a:p>
-          <a:p>
-            <a:pPr lvl="1"/>
-            <a:r>
-              <a:rPr lang="fr-FR" dirty="0" smtClean="0"/>
-              <a:t>L’activation </a:t>
-            </a:r>
-            <a:r>
-              <a:rPr lang="fr-FR" dirty="0" err="1" smtClean="0"/>
-              <a:t>sigmoid</a:t>
-            </a:r>
-            <a:r>
-              <a:rPr lang="fr-FR" dirty="0" smtClean="0"/>
-              <a:t> est couramment utilisée</a:t>
-            </a:r>
-          </a:p>
-          <a:p>
-            <a:pPr lvl="1"/>
-            <a:r>
-              <a:rPr lang="fr-FR" dirty="0" smtClean="0"/>
-              <a:t>Il est possible également d’avoir un output layer avec 2 neurones, mais il est indispensable que la somme des sorties = 1</a:t>
-            </a:r>
-          </a:p>
-          <a:p>
-            <a:pPr lvl="1"/>
-            <a:r>
-              <a:rPr lang="fr-FR" dirty="0" smtClean="0"/>
-              <a:t>L’activation </a:t>
-            </a:r>
-            <a:r>
-              <a:rPr lang="fr-FR" dirty="0" err="1" smtClean="0"/>
-              <a:t>softmax</a:t>
-            </a:r>
-            <a:r>
-              <a:rPr lang="fr-FR" dirty="0" smtClean="0"/>
-              <a:t> est alors utilisée</a:t>
-            </a:r>
-          </a:p>
-          <a:p>
-            <a:r>
-              <a:rPr lang="fr-FR" dirty="0" smtClean="0"/>
-              <a:t>Si le nombre de catégorie &gt; 2</a:t>
-            </a:r>
-          </a:p>
-          <a:p>
-            <a:pPr lvl="1"/>
-            <a:r>
-              <a:rPr lang="fr-FR" dirty="0" smtClean="0"/>
-              <a:t>Il faut autant d’output que de catégorie</a:t>
-            </a:r>
-          </a:p>
-          <a:p>
-            <a:pPr lvl="1"/>
-            <a:r>
-              <a:rPr lang="fr-FR" dirty="0" smtClean="0"/>
-              <a:t>L’activation </a:t>
-            </a:r>
-            <a:r>
-              <a:rPr lang="fr-FR" dirty="0" err="1" smtClean="0"/>
-              <a:t>softmax</a:t>
-            </a:r>
-            <a:r>
-              <a:rPr lang="fr-FR" dirty="0" smtClean="0"/>
-              <a:t> doit être utilisée</a:t>
+              <a:rPr lang="fr-FR" dirty="0"/>
+              <a:t>La somme des score doit faire 1</a:t>
+            </a:r>
+          </a:p>
+          <a:p>
+            <a:r>
+              <a:rPr lang="fr-FR" dirty="0"/>
+              <a:t>Répartition linéaire</a:t>
+            </a:r>
+          </a:p>
+          <a:p>
+            <a:pPr lvl="1"/>
+            <a:r>
+              <a:rPr lang="fr-FR" dirty="0"/>
+              <a:t>Respect des ratios des score</a:t>
+            </a:r>
+          </a:p>
+          <a:p>
+            <a:pPr lvl="1"/>
+            <a:r>
+              <a:rPr lang="fr-FR" dirty="0"/>
+              <a:t>lambda x : x / </a:t>
+            </a:r>
+            <a:r>
+              <a:rPr lang="fr-FR" dirty="0" err="1"/>
+              <a:t>sum</a:t>
+            </a:r>
+            <a:r>
+              <a:rPr lang="fr-FR" dirty="0"/>
+              <a:t>(x)</a:t>
+            </a:r>
+          </a:p>
+          <a:p>
+            <a:r>
+              <a:rPr lang="fr-FR" dirty="0"/>
+              <a:t>Répartition géométrique</a:t>
+            </a:r>
+          </a:p>
+          <a:p>
+            <a:pPr lvl="1"/>
+            <a:r>
+              <a:rPr lang="fr-FR" dirty="0"/>
+              <a:t>Non respect des ratios mais respect de l'ordre</a:t>
+            </a:r>
+          </a:p>
+          <a:p>
+            <a:pPr lvl="1"/>
+            <a:r>
+              <a:rPr lang="fr-FR" dirty="0"/>
+              <a:t>lambda x : x ** 2 / </a:t>
+            </a:r>
+            <a:r>
+              <a:rPr lang="fr-FR" dirty="0" err="1"/>
+              <a:t>sum</a:t>
+            </a:r>
+            <a:r>
+              <a:rPr lang="fr-FR" dirty="0"/>
+              <a:t>(x ** 2)</a:t>
+            </a:r>
+          </a:p>
+          <a:p>
+            <a:r>
+              <a:rPr lang="fr-FR" dirty="0" err="1"/>
+              <a:t>Softmax</a:t>
             </a:r>
             <a:endParaRPr lang="fr-FR" dirty="0"/>
+          </a:p>
+          <a:p>
+            <a:pPr lvl="1"/>
+            <a:r>
+              <a:rPr lang="fr-FR" dirty="0"/>
+              <a:t>Aide au choix</a:t>
+            </a:r>
+          </a:p>
+          <a:p>
+            <a:pPr lvl="1"/>
+            <a:r>
+              <a:rPr lang="fr-FR" dirty="0"/>
+              <a:t>lambda x : </a:t>
+            </a:r>
+            <a:r>
+              <a:rPr lang="fr-FR" dirty="0" err="1"/>
+              <a:t>np.exp</a:t>
+            </a:r>
+            <a:r>
+              <a:rPr lang="fr-FR" dirty="0"/>
+              <a:t>(x)/</a:t>
+            </a:r>
+            <a:r>
+              <a:rPr lang="fr-FR" dirty="0" err="1"/>
+              <a:t>sum</a:t>
+            </a:r>
+            <a:r>
+              <a:rPr lang="fr-FR" dirty="0"/>
+              <a:t>(</a:t>
+            </a:r>
+            <a:r>
+              <a:rPr lang="fr-FR" dirty="0" err="1"/>
+              <a:t>np.exp</a:t>
+            </a:r>
+            <a:r>
+              <a:rPr lang="fr-FR" dirty="0"/>
+              <a:t>(x))</a:t>
+            </a:r>
           </a:p>
         </p:txBody>
       </p:sp>
     </p:spTree>
     <p:extLst>
       <p:ext uri="{BB962C8B-B14F-4D97-AF65-F5344CB8AC3E}">
-        <p14:creationId xmlns:p14="http://schemas.microsoft.com/office/powerpoint/2010/main" val="1421864535"/>
+        <p14:creationId xmlns:p14="http://schemas.microsoft.com/office/powerpoint/2010/main" val="446270775"/>
       </p:ext>
     </p:extLst>
   </p:cSld>
   <p:clrMapOvr>
     <a:masterClrMapping/>
   </p:clrMapOvr>
-  <p:timing>
-    <p:tnLst>
-      <p:par>
-        <p:cTn id="1" dur="indefinite" restart="never" nodeType="tmRoot"/>
-      </p:par>
-    </p:tnLst>
-  </p:timing>
 </p:sld>
 </file>
 
@@ -8566,8 +8164,8 @@
           <a:lstStyle/>
           <a:p>
             <a:r>
-              <a:rPr lang="fr-FR" dirty="0" smtClean="0"/>
-              <a:t>SGD</a:t>
+              <a:rPr lang="fr-FR" dirty="0" err="1"/>
+              <a:t>Softmax</a:t>
             </a:r>
             <a:endParaRPr lang="fr-FR" dirty="0"/>
           </a:p>
@@ -8589,150 +8187,94 @@
           <a:lstStyle/>
           <a:p>
             <a:r>
-              <a:rPr lang="fr-FR" dirty="0" err="1" smtClean="0"/>
-              <a:t>Stochastic</a:t>
-            </a:r>
-            <a:r>
-              <a:rPr lang="fr-FR" dirty="0" smtClean="0"/>
-              <a:t> Gradient </a:t>
-            </a:r>
-            <a:r>
-              <a:rPr lang="fr-FR" dirty="0" err="1" smtClean="0"/>
-              <a:t>Descent</a:t>
-            </a:r>
-            <a:r>
-              <a:rPr lang="fr-FR" dirty="0" smtClean="0"/>
-              <a:t> </a:t>
-            </a:r>
-            <a:r>
-              <a:rPr lang="fr-FR" dirty="0" err="1" smtClean="0"/>
-              <a:t>Optimizer</a:t>
-            </a:r>
-            <a:endParaRPr lang="fr-FR" dirty="0"/>
-          </a:p>
-          <a:p>
-            <a:pPr lvl="1"/>
-            <a:r>
-              <a:rPr lang="fr-FR" dirty="0" smtClean="0"/>
-              <a:t>Est plus couteux que </a:t>
-            </a:r>
-            <a:r>
-              <a:rPr lang="fr-FR" dirty="0" err="1" smtClean="0"/>
-              <a:t>RMSProp</a:t>
-            </a:r>
-            <a:r>
-              <a:rPr lang="fr-FR" dirty="0" smtClean="0"/>
-              <a:t> et Adam</a:t>
-            </a:r>
-          </a:p>
-          <a:p>
-            <a:pPr lvl="1"/>
-            <a:r>
-              <a:rPr lang="fr-FR" dirty="0" smtClean="0"/>
-              <a:t>Mais permet d’avoir un moment et de calculer </a:t>
-            </a:r>
-            <a:r>
-              <a:rPr lang="fr-FR" dirty="0" err="1" smtClean="0"/>
-              <a:t>df</a:t>
-            </a:r>
-            <a:r>
-              <a:rPr lang="fr-FR" dirty="0" smtClean="0"/>
-              <a:t>(x)</a:t>
-            </a:r>
-          </a:p>
-          <a:p>
-            <a:pPr lvl="1"/>
-            <a:r>
-              <a:rPr lang="fr-FR" dirty="0" smtClean="0"/>
-              <a:t>Souvent utilisé en 2</a:t>
-            </a:r>
-            <a:r>
-              <a:rPr lang="fr-FR" baseline="30000" dirty="0" smtClean="0"/>
-              <a:t>ème</a:t>
-            </a:r>
-            <a:r>
-              <a:rPr lang="fr-FR" dirty="0" smtClean="0"/>
-              <a:t> intention avec un </a:t>
-            </a:r>
-            <a:r>
-              <a:rPr lang="fr-FR" dirty="0" err="1" smtClean="0"/>
-              <a:t>lr</a:t>
-            </a:r>
-            <a:r>
-              <a:rPr lang="fr-FR" dirty="0" smtClean="0"/>
-              <a:t> plus faible qu’avec </a:t>
-            </a:r>
-            <a:r>
-              <a:rPr lang="fr-FR" dirty="0" err="1" smtClean="0"/>
-              <a:t>RMSProp</a:t>
-            </a:r>
-            <a:endParaRPr lang="fr-FR" dirty="0" smtClean="0"/>
-          </a:p>
-          <a:p>
-            <a:r>
-              <a:rPr lang="fr-FR" dirty="0" smtClean="0"/>
-              <a:t>Exemple</a:t>
-            </a:r>
-          </a:p>
-          <a:p>
-            <a:pPr lvl="1"/>
-            <a:r>
-              <a:rPr lang="fr-FR" dirty="0" err="1" smtClean="0"/>
-              <a:t>keras.optimizers.SGD</a:t>
-            </a:r>
-            <a:r>
-              <a:rPr lang="fr-FR" dirty="0" smtClean="0"/>
-              <a:t>(</a:t>
-            </a:r>
-            <a:r>
-              <a:rPr lang="fr-FR" dirty="0" err="1" smtClean="0"/>
-              <a:t>nesterov</a:t>
-            </a:r>
-            <a:r>
-              <a:rPr lang="fr-FR" dirty="0" smtClean="0"/>
-              <a:t>=</a:t>
-            </a:r>
-            <a:r>
-              <a:rPr lang="fr-FR" dirty="0" err="1" smtClean="0"/>
-              <a:t>True</a:t>
-            </a:r>
-            <a:r>
-              <a:rPr lang="fr-FR" dirty="0"/>
-              <a:t>, </a:t>
-            </a:r>
-            <a:r>
-              <a:rPr lang="fr-FR" dirty="0" err="1"/>
-              <a:t>lr</a:t>
-            </a:r>
-            <a:r>
-              <a:rPr lang="fr-FR" dirty="0"/>
-              <a:t>=1e-4)</a:t>
-            </a:r>
-            <a:endParaRPr lang="fr-FR" dirty="0" smtClean="0"/>
-          </a:p>
-          <a:p>
-            <a:pPr lvl="1"/>
-            <a:endParaRPr lang="fr-FR" dirty="0"/>
+              <a:rPr lang="fr-FR" dirty="0"/>
+              <a:t>Si le nombre de catégorie est = 2</a:t>
+            </a:r>
+          </a:p>
+          <a:p>
+            <a:pPr lvl="1"/>
+            <a:r>
+              <a:rPr lang="fr-FR" dirty="0"/>
+              <a:t>Il faut un output layer avec 1 neurone</a:t>
+            </a:r>
+          </a:p>
+          <a:p>
+            <a:pPr lvl="1"/>
+            <a:r>
+              <a:rPr lang="fr-FR" dirty="0"/>
+              <a:t>L’activation </a:t>
+            </a:r>
+            <a:r>
+              <a:rPr lang="fr-FR" dirty="0" err="1"/>
+              <a:t>sigmoid</a:t>
+            </a:r>
+            <a:r>
+              <a:rPr lang="fr-FR" dirty="0"/>
+              <a:t> est couramment utilisée</a:t>
+            </a:r>
+          </a:p>
+          <a:p>
+            <a:pPr lvl="1"/>
+            <a:r>
+              <a:rPr lang="fr-FR" dirty="0"/>
+              <a:t>Il est possible également d’avoir un output layer avec 2 neurones, mais il est indispensable que la somme des sorties = 1</a:t>
+            </a:r>
+          </a:p>
+          <a:p>
+            <a:pPr lvl="1"/>
+            <a:r>
+              <a:rPr lang="fr-FR" dirty="0"/>
+              <a:t>L’activation </a:t>
+            </a:r>
+            <a:r>
+              <a:rPr lang="fr-FR" dirty="0" err="1"/>
+              <a:t>softmax</a:t>
+            </a:r>
+            <a:r>
+              <a:rPr lang="fr-FR" dirty="0"/>
+              <a:t> est alors utilisée</a:t>
+            </a:r>
+          </a:p>
+          <a:p>
+            <a:r>
+              <a:rPr lang="fr-FR" dirty="0"/>
+              <a:t>Si le nombre de catégorie &gt; 2</a:t>
+            </a:r>
+          </a:p>
+          <a:p>
+            <a:pPr lvl="1"/>
+            <a:r>
+              <a:rPr lang="fr-FR" dirty="0"/>
+              <a:t>Il faut autant d’output que de catégorie</a:t>
+            </a:r>
+          </a:p>
+          <a:p>
+            <a:pPr lvl="1"/>
+            <a:r>
+              <a:rPr lang="fr-FR" dirty="0"/>
+              <a:t>L’activation </a:t>
+            </a:r>
+            <a:r>
+              <a:rPr lang="fr-FR" dirty="0" err="1"/>
+              <a:t>softmax</a:t>
+            </a:r>
+            <a:r>
+              <a:rPr lang="fr-FR" dirty="0"/>
+              <a:t> doit être utilisée</a:t>
+            </a:r>
           </a:p>
         </p:txBody>
       </p:sp>
     </p:spTree>
     <p:extLst>
       <p:ext uri="{BB962C8B-B14F-4D97-AF65-F5344CB8AC3E}">
-        <p14:creationId xmlns:p14="http://schemas.microsoft.com/office/powerpoint/2010/main" val="1429168102"/>
+        <p14:creationId xmlns:p14="http://schemas.microsoft.com/office/powerpoint/2010/main" val="1421864535"/>
       </p:ext>
     </p:extLst>
   </p:cSld>
   <p:clrMapOvr>
     <a:masterClrMapping/>
   </p:clrMapOvr>
-  <p:timing>
-    <p:tnLst>
-      <p:par>
-        <p:cTn id="1" dur="indefinite" restart="never" nodeType="tmRoot"/>
-      </p:par>
-    </p:tnLst>
-  </p:timing>
 </p:sld>
 </file>
 
@@ -8769,14 +8311,9 @@
           <a:lstStyle/>
           <a:p>
             <a:r>
-              <a:rPr lang="fr-FR" dirty="0" smtClean="0"/>
-              <a:t>Optimisation du </a:t>
-            </a:r>
-            <a:r>
-              <a:rPr lang="fr-FR" dirty="0" err="1" smtClean="0"/>
-              <a:t>loss</a:t>
-            </a:r>
-            <a:endParaRPr lang="fr-FR" dirty="0"/>
+              <a:rPr lang="fr-FR" dirty="0"/>
+              <a:t>SGD</a:t>
+            </a:r>
           </a:p>
         </p:txBody>
       </p:sp>
@@ -8796,36 +8333,128 @@
           <a:lstStyle/>
           <a:p>
             <a:r>
-              <a:rPr lang="fr-FR" dirty="0" smtClean="0"/>
-              <a:t>Il est possible de customiser la fonction de </a:t>
-            </a:r>
-            <a:r>
-              <a:rPr lang="fr-FR" dirty="0" err="1" smtClean="0"/>
-              <a:t>loss</a:t>
-            </a:r>
-            <a:r>
-              <a:rPr lang="fr-FR" dirty="0" smtClean="0"/>
-              <a:t> et les poids de catégories</a:t>
-            </a:r>
-          </a:p>
-          <a:p>
-            <a:pPr lvl="1"/>
-            <a:r>
-              <a:rPr lang="fr-FR" dirty="0" smtClean="0"/>
-              <a:t>Utilisation des fonctions </a:t>
-            </a:r>
-            <a:r>
-              <a:rPr lang="fr-FR" dirty="0" err="1" smtClean="0"/>
-              <a:t>Keras</a:t>
+              <a:rPr lang="fr-FR" dirty="0" err="1"/>
+              <a:t>Stochastic</a:t>
+            </a:r>
+            <a:r>
+              <a:rPr lang="fr-FR" dirty="0"/>
+              <a:t> Gradient </a:t>
+            </a:r>
+            <a:r>
+              <a:rPr lang="fr-FR" dirty="0" err="1"/>
+              <a:t>Descent</a:t>
+            </a:r>
+            <a:r>
+              <a:rPr lang="fr-FR" dirty="0"/>
+              <a:t> </a:t>
+            </a:r>
+            <a:r>
+              <a:rPr lang="fr-FR" dirty="0" err="1"/>
+              <a:t>Optimizer</a:t>
             </a:r>
             <a:endParaRPr lang="fr-FR" dirty="0"/>
           </a:p>
           <a:p>
             <a:pPr lvl="1"/>
             <a:r>
-              <a:rPr lang="fr-FR" dirty="0" smtClean="0"/>
-              <a:t>Voir démo</a:t>
-            </a:r>
+              <a:rPr lang="fr-FR" dirty="0"/>
+              <a:t>Est plus couteux que </a:t>
+            </a:r>
+            <a:r>
+              <a:rPr lang="fr-FR" dirty="0" err="1"/>
+              <a:t>RMSProp</a:t>
+            </a:r>
+            <a:r>
+              <a:rPr lang="fr-FR" dirty="0"/>
+              <a:t> et Adam</a:t>
+            </a:r>
+          </a:p>
+          <a:p>
+            <a:pPr lvl="1"/>
+            <a:r>
+              <a:rPr lang="fr-FR" dirty="0"/>
+              <a:t>Mais permet d’avoir un moment et de calculer </a:t>
+            </a:r>
+            <a:r>
+              <a:rPr lang="fr-FR" dirty="0" err="1"/>
+              <a:t>df</a:t>
+            </a:r>
+            <a:r>
+              <a:rPr lang="fr-FR" dirty="0"/>
+              <a:t>(x)</a:t>
+            </a:r>
+          </a:p>
+          <a:p>
+            <a:pPr lvl="1"/>
+            <a:r>
+              <a:rPr lang="fr-FR" dirty="0"/>
+              <a:t>Souvent utilisé en 2</a:t>
+            </a:r>
+            <a:r>
+              <a:rPr lang="fr-FR" baseline="30000" dirty="0"/>
+              <a:t>ème</a:t>
+            </a:r>
+            <a:r>
+              <a:rPr lang="fr-FR" dirty="0"/>
+              <a:t> intention avec un </a:t>
+            </a:r>
+            <a:r>
+              <a:rPr lang="fr-FR" dirty="0" err="1"/>
+              <a:t>lr</a:t>
+            </a:r>
+            <a:r>
+              <a:rPr lang="fr-FR" dirty="0"/>
+              <a:t> plus faible qu’avec </a:t>
+            </a:r>
+            <a:r>
+              <a:rPr lang="fr-FR" dirty="0" err="1"/>
+              <a:t>RMSProp</a:t>
+            </a:r>
+            <a:endParaRPr lang="fr-FR" dirty="0"/>
+          </a:p>
+          <a:p>
+            <a:r>
+              <a:rPr lang="fr-FR" dirty="0"/>
+              <a:t>Exemple</a:t>
+            </a:r>
+          </a:p>
+          <a:p>
+            <a:pPr lvl="1"/>
+            <a:r>
+              <a:rPr lang="fr-FR" dirty="0" err="1"/>
+              <a:t>keras.optimizers.SGD</a:t>
+            </a:r>
+            <a:r>
+              <a:rPr lang="fr-FR" dirty="0"/>
+              <a:t>(</a:t>
+            </a:r>
+            <a:r>
+              <a:rPr lang="fr-FR" dirty="0" err="1"/>
+              <a:t>nesterov</a:t>
+            </a:r>
+            <a:r>
+              <a:rPr lang="fr-FR" dirty="0"/>
+              <a:t>=</a:t>
+            </a:r>
+            <a:r>
+              <a:rPr lang="fr-FR" dirty="0" err="1"/>
+              <a:t>True</a:t>
+            </a:r>
+            <a:r>
+              <a:rPr lang="fr-FR" dirty="0"/>
+              <a:t>, </a:t>
+            </a:r>
+            <a:r>
+              <a:rPr lang="fr-FR" dirty="0" err="1"/>
+              <a:t>lr</a:t>
+            </a:r>
+            <a:r>
+              <a:rPr lang="fr-FR" dirty="0"/>
+              <a:t>=1e-4)</a:t>
+            </a:r>
+          </a:p>
+          <a:p>
+            <a:pPr lvl="1"/>
             <a:endParaRPr lang="fr-FR" dirty="0"/>
           </a:p>
         </p:txBody>
@@ -8833,20 +8462,13 @@
     </p:spTree>
     <p:extLst>
       <p:ext uri="{BB962C8B-B14F-4D97-AF65-F5344CB8AC3E}">
-        <p14:creationId xmlns:p14="http://schemas.microsoft.com/office/powerpoint/2010/main" val="1422566737"/>
+        <p14:creationId xmlns:p14="http://schemas.microsoft.com/office/powerpoint/2010/main" val="1429168102"/>
       </p:ext>
     </p:extLst>
   </p:cSld>
   <p:clrMapOvr>
     <a:masterClrMapping/>
   </p:clrMapOvr>
-  <p:timing>
-    <p:tnLst>
-      <p:par>
-        <p:cTn id="1" dur="indefinite" restart="never" nodeType="tmRoot"/>
-      </p:par>
-    </p:tnLst>
-  </p:timing>
 </p:sld>
 </file>
 
@@ -8883,10 +8505,14 @@
           <a:lstStyle/>
           <a:p>
             <a:r>
-              <a:rPr lang="fr-FR" smtClean="0"/>
-              <a:t>Solidification du modèle</a:t>
-            </a:r>
-            <a:endParaRPr lang="fr-FR"/>
+              <a:rPr lang="fr-FR" dirty="0"/>
+              <a:t>Optimisation du </a:t>
+            </a:r>
+            <a:r>
+              <a:rPr lang="fr-FR" dirty="0" err="1"/>
+              <a:t>loss</a:t>
+            </a:r>
+            <a:endParaRPr lang="fr-FR" dirty="0"/>
           </a:p>
         </p:txBody>
       </p:sp>
@@ -8906,34 +8532,135 @@
           <a:lstStyle/>
           <a:p>
             <a:r>
-              <a:rPr lang="fr-FR" smtClean="0"/>
+              <a:rPr lang="fr-FR" dirty="0"/>
+              <a:t>Il est possible de customiser la fonction de </a:t>
+            </a:r>
+            <a:r>
+              <a:rPr lang="fr-FR" dirty="0" err="1"/>
+              <a:t>loss</a:t>
+            </a:r>
+            <a:r>
+              <a:rPr lang="fr-FR" dirty="0"/>
+              <a:t> et les poids de catégories</a:t>
+            </a:r>
+          </a:p>
+          <a:p>
+            <a:pPr lvl="1"/>
+            <a:r>
+              <a:rPr lang="fr-FR" dirty="0"/>
+              <a:t>Utilisation des fonctions </a:t>
+            </a:r>
+            <a:r>
+              <a:rPr lang="fr-FR" dirty="0" err="1"/>
+              <a:t>Keras</a:t>
+            </a:r>
+            <a:endParaRPr lang="fr-FR" dirty="0"/>
+          </a:p>
+          <a:p>
+            <a:pPr lvl="1"/>
+            <a:r>
+              <a:rPr lang="fr-FR" dirty="0"/>
+              <a:t>Voir démo</a:t>
+            </a:r>
+          </a:p>
+        </p:txBody>
+      </p:sp>
+    </p:spTree>
+    <p:extLst>
+      <p:ext uri="{BB962C8B-B14F-4D97-AF65-F5344CB8AC3E}">
+        <p14:creationId xmlns:p14="http://schemas.microsoft.com/office/powerpoint/2010/main" val="1422566737"/>
+      </p:ext>
+    </p:extLst>
+  </p:cSld>
+  <p:clrMapOvr>
+    <a:masterClrMapping/>
+  </p:clrMapOvr>
+</p:sld>
+</file>
+
+<file path=ppt/slides/slide38.xml><?xml version="1.0" encoding="utf-8"?>
+<p:sld xmlns:a="http://schemas.openxmlformats.org/drawingml/2006/main" xmlns:r="http://schemas.openxmlformats.org/officeDocument/2006/relationships" xmlns:p="http://schemas.openxmlformats.org/presentationml/2006/main">
+  <p:cSld>
+    <p:spTree>
+      <p:nvGrpSpPr>
+        <p:cNvPr id="1" name=""/>
+        <p:cNvGrpSpPr/>
+        <p:nvPr/>
+      </p:nvGrpSpPr>
+      <p:grpSpPr>
+        <a:xfrm>
+          <a:off x="0" y="0"/>
+          <a:ext cx="0" cy="0"/>
+          <a:chOff x="0" y="0"/>
+          <a:chExt cx="0" cy="0"/>
+        </a:xfrm>
+      </p:grpSpPr>
+      <p:sp>
+        <p:nvSpPr>
+          <p:cNvPr id="2" name="Titre 1"/>
+          <p:cNvSpPr>
+            <a:spLocks noGrp="1"/>
+          </p:cNvSpPr>
+          <p:nvPr>
+            <p:ph type="title"/>
+          </p:nvPr>
+        </p:nvSpPr>
+        <p:spPr/>
+        <p:txBody>
+          <a:bodyPr/>
+          <a:lstStyle/>
+          <a:p>
+            <a:r>
+              <a:rPr lang="fr-FR"/>
+              <a:t>Solidification du modèle</a:t>
+            </a:r>
+          </a:p>
+        </p:txBody>
+      </p:sp>
+      <p:sp>
+        <p:nvSpPr>
+          <p:cNvPr id="3" name="Espace réservé du contenu 2"/>
+          <p:cNvSpPr>
+            <a:spLocks noGrp="1"/>
+          </p:cNvSpPr>
+          <p:nvPr>
+            <p:ph idx="1"/>
+          </p:nvPr>
+        </p:nvSpPr>
+        <p:spPr/>
+        <p:txBody>
+          <a:bodyPr/>
+          <a:lstStyle/>
+          <a:p>
+            <a:r>
+              <a:rPr lang="fr-FR"/>
               <a:t>Le modèle est sauvegardable</a:t>
             </a:r>
           </a:p>
           <a:p>
             <a:pPr lvl="1"/>
             <a:r>
-              <a:rPr lang="fr-FR" smtClean="0"/>
+              <a:rPr lang="fr-FR"/>
               <a:t>Assez petit</a:t>
             </a:r>
           </a:p>
           <a:p>
             <a:pPr lvl="1"/>
             <a:r>
-              <a:rPr lang="fr-FR" smtClean="0"/>
+              <a:rPr lang="fr-FR"/>
               <a:t>Incompatible Pickle (non sérialisable)</a:t>
             </a:r>
           </a:p>
           <a:p>
             <a:r>
-              <a:rPr lang="fr-FR" smtClean="0"/>
+              <a:rPr lang="fr-FR"/>
               <a:t>Il est possible de sauvegarder uniquement les poids des tensors</a:t>
             </a:r>
           </a:p>
           <a:p>
             <a:pPr lvl="1"/>
             <a:r>
-              <a:rPr lang="fr-FR" smtClean="0"/>
+              <a:rPr lang="fr-FR"/>
               <a:t>Le réseaux (Dense) doit être présent dans le code</a:t>
             </a:r>
           </a:p>
@@ -8943,33 +8670,32 @@
           </a:p>
           <a:p>
             <a:pPr lvl="1"/>
-            <a:endParaRPr lang="fr-FR" smtClean="0"/>
-          </a:p>
-          <a:p>
-            <a:pPr lvl="1"/>
             <a:endParaRPr lang="fr-FR"/>
           </a:p>
           <a:p>
             <a:pPr lvl="1"/>
-            <a:r>
-              <a:rPr lang="fr-FR" smtClean="0"/>
+            <a:endParaRPr lang="fr-FR"/>
+          </a:p>
+          <a:p>
+            <a:pPr lvl="1"/>
+            <a:r>
+              <a:rPr lang="fr-FR"/>
               <a:t>Le format H5 est compatible Keras et donc portable</a:t>
             </a:r>
           </a:p>
           <a:p>
             <a:pPr lvl="2"/>
             <a:r>
-              <a:rPr lang="fr-FR" smtClean="0"/>
+              <a:rPr lang="fr-FR"/>
               <a:t>Contrairement au format par défaut</a:t>
             </a:r>
           </a:p>
           <a:p>
             <a:pPr lvl="2"/>
             <a:r>
-              <a:rPr lang="fr-FR" smtClean="0"/>
+              <a:rPr lang="fr-FR"/>
               <a:t>Requiert h5py</a:t>
             </a:r>
-            <a:endParaRPr lang="fr-FR"/>
           </a:p>
         </p:txBody>
       </p:sp>
@@ -9007,152 +8733,6 @@
   <p:clrMapOvr>
     <a:masterClrMapping/>
   </p:clrMapOvr>
-  <p:timing>
-    <p:tnLst>
-      <p:par>
-        <p:cTn id="1" dur="indefinite" restart="never" nodeType="tmRoot"/>
-      </p:par>
-    </p:tnLst>
-  </p:timing>
-</p:sld>
-</file>
-
-<file path=ppt/slides/slide38.xml><?xml version="1.0" encoding="utf-8"?>
-<p:sld xmlns:a="http://schemas.openxmlformats.org/drawingml/2006/main" xmlns:r="http://schemas.openxmlformats.org/officeDocument/2006/relationships" xmlns:p="http://schemas.openxmlformats.org/presentationml/2006/main">
-  <p:cSld>
-    <p:spTree>
-      <p:nvGrpSpPr>
-        <p:cNvPr id="1" name=""/>
-        <p:cNvGrpSpPr/>
-        <p:nvPr/>
-      </p:nvGrpSpPr>
-      <p:grpSpPr>
-        <a:xfrm>
-          <a:off x="0" y="0"/>
-          <a:ext cx="0" cy="0"/>
-          <a:chOff x="0" y="0"/>
-          <a:chExt cx="0" cy="0"/>
-        </a:xfrm>
-      </p:grpSpPr>
-      <p:sp>
-        <p:nvSpPr>
-          <p:cNvPr id="2" name="Titre 1"/>
-          <p:cNvSpPr>
-            <a:spLocks noGrp="1"/>
-          </p:cNvSpPr>
-          <p:nvPr>
-            <p:ph type="title"/>
-          </p:nvPr>
-        </p:nvSpPr>
-        <p:spPr/>
-        <p:txBody>
-          <a:bodyPr/>
-          <a:lstStyle/>
-          <a:p>
-            <a:r>
-              <a:rPr lang="fr-FR" smtClean="0"/>
-              <a:t>Solidification du modèle</a:t>
-            </a:r>
-            <a:endParaRPr lang="fr-FR"/>
-          </a:p>
-        </p:txBody>
-      </p:sp>
-      <p:sp>
-        <p:nvSpPr>
-          <p:cNvPr id="3" name="Espace réservé du contenu 2"/>
-          <p:cNvSpPr>
-            <a:spLocks noGrp="1"/>
-          </p:cNvSpPr>
-          <p:nvPr>
-            <p:ph idx="1"/>
-          </p:nvPr>
-        </p:nvSpPr>
-        <p:spPr/>
-        <p:txBody>
-          <a:bodyPr/>
-          <a:lstStyle/>
-          <a:p>
-            <a:r>
-              <a:rPr lang="fr-FR" smtClean="0"/>
-              <a:t>Il est possible de sauvegarder la configuration du modèle</a:t>
-            </a:r>
-          </a:p>
-          <a:p>
-            <a:pPr lvl="1"/>
-            <a:r>
-              <a:rPr lang="fr-FR" smtClean="0"/>
-              <a:t>Portable</a:t>
-            </a:r>
-          </a:p>
-          <a:p>
-            <a:pPr lvl="1"/>
-            <a:r>
-              <a:rPr lang="fr-FR" smtClean="0"/>
-              <a:t>JSON</a:t>
-            </a:r>
-          </a:p>
-          <a:p>
-            <a:pPr lvl="1"/>
-            <a:r>
-              <a:rPr lang="fr-FR"/>
-              <a:t>json_string = model.to_json</a:t>
-            </a:r>
-            <a:r>
-              <a:rPr lang="fr-FR" smtClean="0"/>
-              <a:t>()</a:t>
-            </a:r>
-          </a:p>
-          <a:p>
-            <a:r>
-              <a:rPr lang="fr-FR" smtClean="0"/>
-              <a:t>Il est possible de sauvegarder entièrement le modèle</a:t>
-            </a:r>
-          </a:p>
-          <a:p>
-            <a:pPr lvl="1"/>
-            <a:r>
-              <a:rPr lang="fr-FR" smtClean="0"/>
-              <a:t>Uniquement Keras H5</a:t>
-            </a:r>
-          </a:p>
-          <a:p>
-            <a:pPr lvl="1"/>
-            <a:r>
-              <a:rPr lang="fr-FR" smtClean="0"/>
-              <a:t>model.save(file.h5)</a:t>
-            </a:r>
-          </a:p>
-          <a:p>
-            <a:pPr lvl="1"/>
-            <a:r>
-              <a:rPr lang="fr-FR"/>
-              <a:t>model = </a:t>
-            </a:r>
-            <a:r>
-              <a:rPr lang="fr-FR" smtClean="0"/>
-              <a:t>tf.keras.models.load_model(file.h5)</a:t>
-            </a:r>
-            <a:endParaRPr lang="fr-FR"/>
-          </a:p>
-        </p:txBody>
-      </p:sp>
-    </p:spTree>
-    <p:extLst>
-      <p:ext uri="{BB962C8B-B14F-4D97-AF65-F5344CB8AC3E}">
-        <p14:creationId xmlns:p14="http://schemas.microsoft.com/office/powerpoint/2010/main" val="1886155720"/>
-      </p:ext>
-    </p:extLst>
-  </p:cSld>
-  <p:clrMapOvr>
-    <a:masterClrMapping/>
-  </p:clrMapOvr>
-  <p:timing>
-    <p:tnLst>
-      <p:par>
-        <p:cTn id="1" dur="indefinite" restart="never" nodeType="tmRoot"/>
-      </p:par>
-    </p:tnLst>
-  </p:timing>
 </p:sld>
 </file>
 
@@ -9189,10 +8769,9 @@
           <a:lstStyle/>
           <a:p>
             <a:r>
-              <a:rPr lang="fr-FR" dirty="0" smtClean="0"/>
-              <a:t>Régularisation</a:t>
-            </a:r>
-            <a:endParaRPr lang="fr-FR" dirty="0"/>
+              <a:rPr lang="fr-FR"/>
+              <a:t>Solidification du modèle</a:t>
+            </a:r>
           </a:p>
         </p:txBody>
       </p:sp>
@@ -9212,100 +8791,323 @@
           <a:lstStyle/>
           <a:p>
             <a:r>
-              <a:rPr lang="fr-FR" dirty="0" smtClean="0"/>
+              <a:rPr lang="fr-FR"/>
+              <a:t>Il est possible de sauvegarder la configuration du modèle</a:t>
+            </a:r>
+          </a:p>
+          <a:p>
+            <a:pPr lvl="1"/>
+            <a:r>
+              <a:rPr lang="fr-FR"/>
+              <a:t>Portable</a:t>
+            </a:r>
+          </a:p>
+          <a:p>
+            <a:pPr lvl="1"/>
+            <a:r>
+              <a:rPr lang="fr-FR"/>
+              <a:t>JSON</a:t>
+            </a:r>
+          </a:p>
+          <a:p>
+            <a:pPr lvl="1"/>
+            <a:r>
+              <a:rPr lang="fr-FR"/>
+              <a:t>json_string = model.to_json()</a:t>
+            </a:r>
+          </a:p>
+          <a:p>
+            <a:r>
+              <a:rPr lang="fr-FR"/>
+              <a:t>Il est possible de sauvegarder entièrement le modèle</a:t>
+            </a:r>
+          </a:p>
+          <a:p>
+            <a:pPr lvl="1"/>
+            <a:r>
+              <a:rPr lang="fr-FR"/>
+              <a:t>Uniquement Keras H5</a:t>
+            </a:r>
+          </a:p>
+          <a:p>
+            <a:pPr lvl="1"/>
+            <a:r>
+              <a:rPr lang="fr-FR"/>
+              <a:t>model.save(file.h5)</a:t>
+            </a:r>
+          </a:p>
+          <a:p>
+            <a:pPr lvl="1"/>
+            <a:r>
+              <a:rPr lang="fr-FR"/>
+              <a:t>model = tf.keras.models.load_model(file.h5)</a:t>
+            </a:r>
+          </a:p>
+        </p:txBody>
+      </p:sp>
+    </p:spTree>
+    <p:extLst>
+      <p:ext uri="{BB962C8B-B14F-4D97-AF65-F5344CB8AC3E}">
+        <p14:creationId xmlns:p14="http://schemas.microsoft.com/office/powerpoint/2010/main" val="1886155720"/>
+      </p:ext>
+    </p:extLst>
+  </p:cSld>
+  <p:clrMapOvr>
+    <a:masterClrMapping/>
+  </p:clrMapOvr>
+</p:sld>
+</file>
+
+<file path=ppt/slides/slide4.xml><?xml version="1.0" encoding="utf-8"?>
+<p:sld xmlns:a="http://schemas.openxmlformats.org/drawingml/2006/main" xmlns:r="http://schemas.openxmlformats.org/officeDocument/2006/relationships" xmlns:p="http://schemas.openxmlformats.org/presentationml/2006/main">
+  <p:cSld>
+    <p:spTree>
+      <p:nvGrpSpPr>
+        <p:cNvPr id="1" name=""/>
+        <p:cNvGrpSpPr/>
+        <p:nvPr/>
+      </p:nvGrpSpPr>
+      <p:grpSpPr>
+        <a:xfrm>
+          <a:off x="0" y="0"/>
+          <a:ext cx="0" cy="0"/>
+          <a:chOff x="0" y="0"/>
+          <a:chExt cx="0" cy="0"/>
+        </a:xfrm>
+      </p:grpSpPr>
+      <p:sp>
+        <p:nvSpPr>
+          <p:cNvPr id="2" name="Titre 1"/>
+          <p:cNvSpPr>
+            <a:spLocks noGrp="1"/>
+          </p:cNvSpPr>
+          <p:nvPr>
+            <p:ph type="title"/>
+          </p:nvPr>
+        </p:nvSpPr>
+        <p:spPr/>
+        <p:txBody>
+          <a:bodyPr/>
+          <a:lstStyle/>
+          <a:p>
+            <a:r>
+              <a:rPr lang="fr-FR" dirty="0"/>
+              <a:t>MLP avec activation</a:t>
+            </a:r>
+          </a:p>
+        </p:txBody>
+      </p:sp>
+      <p:sp>
+        <p:nvSpPr>
+          <p:cNvPr id="3" name="Espace réservé du contenu 2"/>
+          <p:cNvSpPr>
+            <a:spLocks noGrp="1"/>
+          </p:cNvSpPr>
+          <p:nvPr>
+            <p:ph idx="1"/>
+          </p:nvPr>
+        </p:nvSpPr>
+        <p:spPr/>
+        <p:txBody>
+          <a:bodyPr/>
+          <a:lstStyle/>
+          <a:p>
+            <a:pPr marL="457200" lvl="1" indent="0">
+              <a:buNone/>
+            </a:pPr>
+            <a:endParaRPr lang="fr-FR" dirty="0"/>
+          </a:p>
+          <a:p>
+            <a:endParaRPr lang="fr-FR" dirty="0"/>
+          </a:p>
+        </p:txBody>
+      </p:sp>
+      <p:pic>
+        <p:nvPicPr>
+          <p:cNvPr id="4" name="Image 3"/>
+          <p:cNvPicPr>
+            <a:picLocks noChangeAspect="1"/>
+          </p:cNvPicPr>
+          <p:nvPr/>
+        </p:nvPicPr>
+        <p:blipFill>
+          <a:blip r:embed="rId2"/>
+          <a:stretch>
+            <a:fillRect/>
+          </a:stretch>
+        </p:blipFill>
+        <p:spPr>
+          <a:xfrm>
+            <a:off x="1216580" y="2780928"/>
+            <a:ext cx="6984886" cy="2007307"/>
+          </a:xfrm>
+          <a:prstGeom prst="rect">
+            <a:avLst/>
+          </a:prstGeom>
+        </p:spPr>
+      </p:pic>
+    </p:spTree>
+    <p:extLst>
+      <p:ext uri="{BB962C8B-B14F-4D97-AF65-F5344CB8AC3E}">
+        <p14:creationId xmlns:p14="http://schemas.microsoft.com/office/powerpoint/2010/main" val="4244373921"/>
+      </p:ext>
+    </p:extLst>
+  </p:cSld>
+  <p:clrMapOvr>
+    <a:masterClrMapping/>
+  </p:clrMapOvr>
+</p:sld>
+</file>
+
+<file path=ppt/slides/slide40.xml><?xml version="1.0" encoding="utf-8"?>
+<p:sld xmlns:a="http://schemas.openxmlformats.org/drawingml/2006/main" xmlns:r="http://schemas.openxmlformats.org/officeDocument/2006/relationships" xmlns:p="http://schemas.openxmlformats.org/presentationml/2006/main">
+  <p:cSld>
+    <p:spTree>
+      <p:nvGrpSpPr>
+        <p:cNvPr id="1" name=""/>
+        <p:cNvGrpSpPr/>
+        <p:nvPr/>
+      </p:nvGrpSpPr>
+      <p:grpSpPr>
+        <a:xfrm>
+          <a:off x="0" y="0"/>
+          <a:ext cx="0" cy="0"/>
+          <a:chOff x="0" y="0"/>
+          <a:chExt cx="0" cy="0"/>
+        </a:xfrm>
+      </p:grpSpPr>
+      <p:sp>
+        <p:nvSpPr>
+          <p:cNvPr id="2" name="Titre 1"/>
+          <p:cNvSpPr>
+            <a:spLocks noGrp="1"/>
+          </p:cNvSpPr>
+          <p:nvPr>
+            <p:ph type="title"/>
+          </p:nvPr>
+        </p:nvSpPr>
+        <p:spPr/>
+        <p:txBody>
+          <a:bodyPr/>
+          <a:lstStyle/>
+          <a:p>
+            <a:r>
+              <a:rPr lang="fr-FR" dirty="0"/>
+              <a:t>Régularisation</a:t>
+            </a:r>
+          </a:p>
+        </p:txBody>
+      </p:sp>
+      <p:sp>
+        <p:nvSpPr>
+          <p:cNvPr id="3" name="Espace réservé du contenu 2"/>
+          <p:cNvSpPr>
+            <a:spLocks noGrp="1"/>
+          </p:cNvSpPr>
+          <p:nvPr>
+            <p:ph idx="1"/>
+          </p:nvPr>
+        </p:nvSpPr>
+        <p:spPr/>
+        <p:txBody>
+          <a:bodyPr/>
+          <a:lstStyle/>
+          <a:p>
+            <a:r>
+              <a:rPr lang="fr-FR" dirty="0"/>
               <a:t>Le </a:t>
             </a:r>
             <a:r>
-              <a:rPr lang="fr-FR" dirty="0" err="1" smtClean="0"/>
+              <a:rPr lang="fr-FR" dirty="0" err="1"/>
               <a:t>DropOut</a:t>
             </a:r>
             <a:r>
-              <a:rPr lang="fr-FR" dirty="0" smtClean="0"/>
+              <a:rPr lang="fr-FR" dirty="0"/>
               <a:t> désactive aléatoirement un perceptron</a:t>
             </a:r>
           </a:p>
           <a:p>
             <a:pPr lvl="1"/>
             <a:r>
-              <a:rPr lang="fr-FR" dirty="0" smtClean="0"/>
+              <a:rPr lang="fr-FR" dirty="0"/>
               <a:t>Evite le </a:t>
             </a:r>
             <a:r>
-              <a:rPr lang="fr-FR" dirty="0" err="1" smtClean="0"/>
+              <a:rPr lang="fr-FR" dirty="0" err="1"/>
               <a:t>surapprentissage</a:t>
             </a:r>
-            <a:endParaRPr lang="fr-FR" dirty="0" smtClean="0"/>
-          </a:p>
-          <a:p>
-            <a:pPr lvl="1"/>
-            <a:r>
-              <a:rPr lang="fr-FR" dirty="0" smtClean="0"/>
+            <a:endParaRPr lang="fr-FR" dirty="0"/>
+          </a:p>
+          <a:p>
+            <a:pPr lvl="1"/>
+            <a:r>
+              <a:rPr lang="fr-FR" dirty="0"/>
               <a:t>Evite d'être dépendant d'un neurone</a:t>
             </a:r>
           </a:p>
           <a:p>
             <a:pPr lvl="1"/>
             <a:r>
-              <a:rPr lang="fr-FR" dirty="0" smtClean="0"/>
+              <a:rPr lang="fr-FR" dirty="0"/>
               <a:t>Encourage le réseau dans son ensemble</a:t>
             </a:r>
           </a:p>
           <a:p>
             <a:pPr lvl="1"/>
             <a:r>
-              <a:rPr lang="fr-FR" dirty="0" smtClean="0"/>
+              <a:rPr lang="fr-FR" dirty="0"/>
               <a:t>Désactivé lors de l’inférence par </a:t>
             </a:r>
             <a:r>
-              <a:rPr lang="fr-FR" dirty="0" err="1" smtClean="0"/>
+              <a:rPr lang="fr-FR" dirty="0" err="1"/>
               <a:t>predict</a:t>
             </a:r>
             <a:r>
-              <a:rPr lang="fr-FR" dirty="0" smtClean="0"/>
+              <a:rPr lang="fr-FR" dirty="0"/>
               <a:t> et </a:t>
             </a:r>
             <a:r>
-              <a:rPr lang="fr-FR" dirty="0" err="1" smtClean="0"/>
+              <a:rPr lang="fr-FR" dirty="0" err="1"/>
               <a:t>evaluate</a:t>
             </a:r>
-            <a:endParaRPr lang="fr-FR" dirty="0" smtClean="0"/>
-          </a:p>
-          <a:p>
-            <a:r>
-              <a:rPr lang="fr-FR" dirty="0" smtClean="0"/>
+            <a:endParaRPr lang="fr-FR" dirty="0"/>
+          </a:p>
+          <a:p>
+            <a:r>
+              <a:rPr lang="fr-FR" dirty="0"/>
               <a:t>Le </a:t>
             </a:r>
             <a:r>
-              <a:rPr lang="fr-FR" dirty="0" err="1" smtClean="0"/>
+              <a:rPr lang="fr-FR" dirty="0" err="1"/>
               <a:t>DropConnect</a:t>
             </a:r>
             <a:r>
-              <a:rPr lang="fr-FR" dirty="0" smtClean="0"/>
+              <a:rPr lang="fr-FR" dirty="0"/>
               <a:t> désactive aléatoirement un input</a:t>
             </a:r>
           </a:p>
           <a:p>
             <a:pPr lvl="1"/>
             <a:r>
-              <a:rPr lang="fr-FR" dirty="0" smtClean="0"/>
+              <a:rPr lang="fr-FR" dirty="0"/>
               <a:t>Assez identique au </a:t>
             </a:r>
             <a:r>
-              <a:rPr lang="fr-FR" dirty="0" err="1" smtClean="0"/>
+              <a:rPr lang="fr-FR" dirty="0" err="1"/>
               <a:t>DropOut</a:t>
             </a:r>
             <a:r>
-              <a:rPr lang="fr-FR" dirty="0" smtClean="0"/>
+              <a:rPr lang="fr-FR" dirty="0"/>
               <a:t> en moins puissant</a:t>
             </a:r>
           </a:p>
           <a:p>
             <a:pPr lvl="1"/>
-            <a:endParaRPr lang="fr-FR" dirty="0" smtClean="0"/>
-          </a:p>
-          <a:p>
-            <a:pPr lvl="1"/>
-            <a:endParaRPr lang="fr-FR" dirty="0" smtClean="0"/>
+            <a:endParaRPr lang="fr-FR" dirty="0"/>
+          </a:p>
+          <a:p>
+            <a:pPr lvl="1"/>
+            <a:endParaRPr lang="fr-FR" dirty="0"/>
           </a:p>
           <a:p>
             <a:pPr lvl="1"/>
@@ -9364,371 +9166,6 @@
   <p:clrMapOvr>
     <a:masterClrMapping/>
   </p:clrMapOvr>
-  <p:timing>
-    <p:tnLst>
-      <p:par>
-        <p:cTn id="1" dur="indefinite" restart="never" nodeType="tmRoot"/>
-      </p:par>
-    </p:tnLst>
-  </p:timing>
-</p:sld>
-</file>
-
-<file path=ppt/slides/slide4.xml><?xml version="1.0" encoding="utf-8"?>
-<p:sld xmlns:a="http://schemas.openxmlformats.org/drawingml/2006/main" xmlns:r="http://schemas.openxmlformats.org/officeDocument/2006/relationships" xmlns:p="http://schemas.openxmlformats.org/presentationml/2006/main">
-  <p:cSld>
-    <p:spTree>
-      <p:nvGrpSpPr>
-        <p:cNvPr id="1" name=""/>
-        <p:cNvGrpSpPr/>
-        <p:nvPr/>
-      </p:nvGrpSpPr>
-      <p:grpSpPr>
-        <a:xfrm>
-          <a:off x="0" y="0"/>
-          <a:ext cx="0" cy="0"/>
-          <a:chOff x="0" y="0"/>
-          <a:chExt cx="0" cy="0"/>
-        </a:xfrm>
-      </p:grpSpPr>
-      <p:sp>
-        <p:nvSpPr>
-          <p:cNvPr id="2" name="Titre 1"/>
-          <p:cNvSpPr>
-            <a:spLocks noGrp="1"/>
-          </p:cNvSpPr>
-          <p:nvPr>
-            <p:ph type="title"/>
-          </p:nvPr>
-        </p:nvSpPr>
-        <p:spPr/>
-        <p:txBody>
-          <a:bodyPr/>
-          <a:lstStyle/>
-          <a:p>
-            <a:r>
-              <a:rPr lang="fr-FR" dirty="0" smtClean="0"/>
-              <a:t>MLP avec activation</a:t>
-            </a:r>
-            <a:endParaRPr lang="fr-FR" dirty="0"/>
-          </a:p>
-        </p:txBody>
-      </p:sp>
-      <p:sp>
-        <p:nvSpPr>
-          <p:cNvPr id="3" name="Espace réservé du contenu 2"/>
-          <p:cNvSpPr>
-            <a:spLocks noGrp="1"/>
-          </p:cNvSpPr>
-          <p:nvPr>
-            <p:ph idx="1"/>
-          </p:nvPr>
-        </p:nvSpPr>
-        <p:spPr/>
-        <p:txBody>
-          <a:bodyPr/>
-          <a:lstStyle/>
-          <a:p>
-            <a:pPr marL="457200" lvl="1" indent="0">
-              <a:buNone/>
-            </a:pPr>
-            <a:endParaRPr lang="fr-FR" dirty="0" smtClean="0"/>
-          </a:p>
-          <a:p>
-            <a:endParaRPr lang="fr-FR" dirty="0"/>
-          </a:p>
-        </p:txBody>
-      </p:sp>
-      <p:pic>
-        <p:nvPicPr>
-          <p:cNvPr id="4" name="Image 3"/>
-          <p:cNvPicPr>
-            <a:picLocks noChangeAspect="1"/>
-          </p:cNvPicPr>
-          <p:nvPr/>
-        </p:nvPicPr>
-        <p:blipFill>
-          <a:blip r:embed="rId2"/>
-          <a:stretch>
-            <a:fillRect/>
-          </a:stretch>
-        </p:blipFill>
-        <p:spPr>
-          <a:xfrm>
-            <a:off x="1216580" y="2780928"/>
-            <a:ext cx="6984886" cy="2007307"/>
-          </a:xfrm>
-          <a:prstGeom prst="rect">
-            <a:avLst/>
-          </a:prstGeom>
-        </p:spPr>
-      </p:pic>
-    </p:spTree>
-    <p:extLst>
-      <p:ext uri="{BB962C8B-B14F-4D97-AF65-F5344CB8AC3E}">
-        <p14:creationId xmlns:p14="http://schemas.microsoft.com/office/powerpoint/2010/main" val="4244373921"/>
-      </p:ext>
-    </p:extLst>
-  </p:cSld>
-  <p:clrMapOvr>
-    <a:masterClrMapping/>
-  </p:clrMapOvr>
-  <p:timing>
-    <p:tnLst>
-      <p:par>
-        <p:cTn id="1" dur="indefinite" restart="never" nodeType="tmRoot"/>
-      </p:par>
-    </p:tnLst>
-  </p:timing>
-</p:sld>
-</file>
-
-<file path=ppt/slides/slide40.xml><?xml version="1.0" encoding="utf-8"?>
-<p:sld xmlns:a="http://schemas.openxmlformats.org/drawingml/2006/main" xmlns:r="http://schemas.openxmlformats.org/officeDocument/2006/relationships" xmlns:p="http://schemas.openxmlformats.org/presentationml/2006/main">
-  <p:cSld>
-    <p:spTree>
-      <p:nvGrpSpPr>
-        <p:cNvPr id="1" name=""/>
-        <p:cNvGrpSpPr/>
-        <p:nvPr/>
-      </p:nvGrpSpPr>
-      <p:grpSpPr>
-        <a:xfrm>
-          <a:off x="0" y="0"/>
-          <a:ext cx="0" cy="0"/>
-          <a:chOff x="0" y="0"/>
-          <a:chExt cx="0" cy="0"/>
-        </a:xfrm>
-      </p:grpSpPr>
-      <p:sp>
-        <p:nvSpPr>
-          <p:cNvPr id="2" name="Titre 1"/>
-          <p:cNvSpPr>
-            <a:spLocks noGrp="1"/>
-          </p:cNvSpPr>
-          <p:nvPr>
-            <p:ph type="title"/>
-          </p:nvPr>
-        </p:nvSpPr>
-        <p:spPr/>
-        <p:txBody>
-          <a:bodyPr/>
-          <a:lstStyle/>
-          <a:p>
-            <a:r>
-              <a:rPr lang="fr-FR" dirty="0" smtClean="0"/>
-              <a:t>Compréhension des résultats</a:t>
-            </a:r>
-            <a:endParaRPr lang="fr-FR" dirty="0"/>
-          </a:p>
-        </p:txBody>
-      </p:sp>
-      <p:sp>
-        <p:nvSpPr>
-          <p:cNvPr id="3" name="Espace réservé du contenu 2"/>
-          <p:cNvSpPr>
-            <a:spLocks noGrp="1"/>
-          </p:cNvSpPr>
-          <p:nvPr>
-            <p:ph idx="1"/>
-          </p:nvPr>
-        </p:nvSpPr>
-        <p:spPr/>
-        <p:txBody>
-          <a:bodyPr/>
-          <a:lstStyle/>
-          <a:p>
-            <a:r>
-              <a:rPr lang="fr-FR" sz="2400" dirty="0" smtClean="0"/>
-              <a:t>Si </a:t>
-            </a:r>
-            <a:r>
-              <a:rPr lang="fr-FR" sz="2400" dirty="0" err="1" smtClean="0"/>
-              <a:t>accuracy</a:t>
-            </a:r>
-            <a:r>
-              <a:rPr lang="fr-FR" sz="2400" dirty="0" smtClean="0"/>
-              <a:t> est bas</a:t>
-            </a:r>
-          </a:p>
-          <a:p>
-            <a:pPr lvl="1"/>
-            <a:r>
-              <a:rPr lang="fr-FR" sz="2000" dirty="0"/>
-              <a:t>L</a:t>
-            </a:r>
-            <a:r>
-              <a:rPr lang="fr-FR" sz="2000" dirty="0" smtClean="0"/>
-              <a:t>e réseau ne fonctionne pas</a:t>
-            </a:r>
-          </a:p>
-          <a:p>
-            <a:pPr lvl="1"/>
-            <a:r>
-              <a:rPr lang="fr-FR" sz="2000" dirty="0" smtClean="0"/>
-              <a:t>Pas assez de données</a:t>
-            </a:r>
-          </a:p>
-          <a:p>
-            <a:pPr lvl="1"/>
-            <a:r>
-              <a:rPr lang="fr-FR" sz="2000" dirty="0" smtClean="0"/>
-              <a:t>Réseau trop profond</a:t>
-            </a:r>
-          </a:p>
-          <a:p>
-            <a:r>
-              <a:rPr lang="fr-FR" sz="2400" dirty="0" smtClean="0"/>
-              <a:t>Si </a:t>
-            </a:r>
-            <a:r>
-              <a:rPr lang="fr-FR" sz="2400" dirty="0" err="1" smtClean="0"/>
-              <a:t>accuracy</a:t>
-            </a:r>
-            <a:r>
-              <a:rPr lang="fr-FR" sz="2400" dirty="0" smtClean="0"/>
-              <a:t> &gt;&gt; </a:t>
-            </a:r>
-            <a:r>
-              <a:rPr lang="fr-FR" sz="2400" dirty="0" err="1" smtClean="0"/>
-              <a:t>val_accuracy</a:t>
-            </a:r>
-            <a:endParaRPr lang="fr-FR" sz="2400" dirty="0"/>
-          </a:p>
-          <a:p>
-            <a:pPr lvl="1"/>
-            <a:r>
-              <a:rPr lang="fr-FR" sz="2000" dirty="0" err="1" smtClean="0"/>
-              <a:t>Overfitting</a:t>
-            </a:r>
-            <a:endParaRPr lang="fr-FR" sz="2000" dirty="0" smtClean="0"/>
-          </a:p>
-          <a:p>
-            <a:pPr lvl="1"/>
-            <a:r>
-              <a:rPr lang="fr-FR" sz="2000" dirty="0" smtClean="0"/>
-              <a:t>Ajouter, modifier des </a:t>
-            </a:r>
-            <a:r>
-              <a:rPr lang="fr-FR" sz="2000" dirty="0" err="1" smtClean="0"/>
-              <a:t>DropOut</a:t>
-            </a:r>
-            <a:endParaRPr lang="fr-FR" sz="2000" dirty="0" smtClean="0"/>
-          </a:p>
-          <a:p>
-            <a:r>
-              <a:rPr lang="fr-FR" sz="2400" dirty="0" smtClean="0"/>
-              <a:t>Si </a:t>
-            </a:r>
-            <a:r>
-              <a:rPr lang="fr-FR" sz="2400" dirty="0" err="1" smtClean="0"/>
-              <a:t>accuracy</a:t>
-            </a:r>
-            <a:r>
-              <a:rPr lang="fr-FR" sz="2400" dirty="0" smtClean="0"/>
-              <a:t> &gt; </a:t>
-            </a:r>
-            <a:r>
-              <a:rPr lang="fr-FR" sz="2400" dirty="0" err="1" smtClean="0"/>
-              <a:t>val_accuracy</a:t>
-            </a:r>
-            <a:endParaRPr lang="fr-FR" sz="2400" dirty="0"/>
-          </a:p>
-          <a:p>
-            <a:pPr lvl="1"/>
-            <a:r>
-              <a:rPr lang="fr-FR" sz="2000" dirty="0" smtClean="0"/>
-              <a:t>L</a:t>
-            </a:r>
-            <a:r>
-              <a:rPr lang="fr-FR" sz="2000" dirty="0"/>
-              <a:t>e</a:t>
-            </a:r>
-            <a:r>
-              <a:rPr lang="fr-FR" sz="2000" dirty="0" smtClean="0"/>
-              <a:t>ger </a:t>
-            </a:r>
-            <a:r>
-              <a:rPr lang="fr-FR" sz="2000" dirty="0" err="1" smtClean="0"/>
-              <a:t>overfitting</a:t>
-            </a:r>
-            <a:endParaRPr lang="fr-FR" sz="2000" dirty="0" smtClean="0"/>
-          </a:p>
-          <a:p>
-            <a:r>
-              <a:rPr lang="fr-FR" sz="2400" dirty="0" smtClean="0"/>
-              <a:t>Si </a:t>
-            </a:r>
-            <a:r>
-              <a:rPr lang="fr-FR" sz="2400" dirty="0" err="1" smtClean="0"/>
-              <a:t>val_accuracy</a:t>
-            </a:r>
-            <a:r>
-              <a:rPr lang="fr-FR" sz="2400" dirty="0" smtClean="0"/>
-              <a:t> &gt;= </a:t>
-            </a:r>
-            <a:r>
-              <a:rPr lang="fr-FR" sz="2400" dirty="0" err="1" smtClean="0"/>
-              <a:t>accuracy</a:t>
-            </a:r>
-            <a:endParaRPr lang="fr-FR" sz="2400" dirty="0"/>
-          </a:p>
-          <a:p>
-            <a:pPr lvl="1"/>
-            <a:r>
-              <a:rPr lang="fr-FR" sz="2000" dirty="0" smtClean="0"/>
-              <a:t>Parfait</a:t>
-            </a:r>
-          </a:p>
-          <a:p>
-            <a:r>
-              <a:rPr lang="fr-FR" sz="2400" dirty="0" smtClean="0"/>
-              <a:t>Si </a:t>
-            </a:r>
-            <a:r>
-              <a:rPr lang="fr-FR" sz="2400" dirty="0" err="1" smtClean="0"/>
-              <a:t>val_accuracy</a:t>
-            </a:r>
-            <a:r>
-              <a:rPr lang="fr-FR" sz="2400" dirty="0" smtClean="0"/>
-              <a:t> &gt;&gt; </a:t>
-            </a:r>
-            <a:r>
-              <a:rPr lang="fr-FR" sz="2400" dirty="0" err="1" smtClean="0"/>
-              <a:t>accuracy</a:t>
-            </a:r>
-            <a:endParaRPr lang="fr-FR" sz="2400" dirty="0"/>
-          </a:p>
-          <a:p>
-            <a:pPr lvl="1"/>
-            <a:r>
-              <a:rPr lang="fr-FR" sz="2000" dirty="0" smtClean="0"/>
-              <a:t>Anormal</a:t>
-            </a:r>
-            <a:endParaRPr lang="fr-FR" sz="2000" dirty="0"/>
-          </a:p>
-          <a:p>
-            <a:endParaRPr lang="fr-FR" sz="2400" dirty="0"/>
-          </a:p>
-        </p:txBody>
-      </p:sp>
-    </p:spTree>
-    <p:extLst>
-      <p:ext uri="{BB962C8B-B14F-4D97-AF65-F5344CB8AC3E}">
-        <p14:creationId xmlns:p14="http://schemas.microsoft.com/office/powerpoint/2010/main" val="332412427"/>
-      </p:ext>
-    </p:extLst>
-  </p:cSld>
-  <p:clrMapOvr>
-    <a:masterClrMapping/>
-  </p:clrMapOvr>
-  <p:timing>
-    <p:tnLst>
-      <p:par>
-        <p:cTn id="1" dur="indefinite" restart="never" nodeType="tmRoot"/>
-      </p:par>
-    </p:tnLst>
-  </p:timing>
 </p:sld>
 </file>
 
@@ -9765,10 +9202,9 @@
           <a:lstStyle/>
           <a:p>
             <a:r>
-              <a:rPr lang="fr-FR" dirty="0" smtClean="0"/>
-              <a:t>GPU</a:t>
-            </a:r>
-            <a:endParaRPr lang="fr-FR" dirty="0"/>
+              <a:rPr lang="fr-FR" dirty="0"/>
+              <a:t>Compréhension des résultats</a:t>
+            </a:r>
           </a:p>
         </p:txBody>
       </p:sp>
@@ -9788,43 +9224,271 @@
           <a:lstStyle/>
           <a:p>
             <a:r>
-              <a:rPr lang="fr-FR" dirty="0" smtClean="0"/>
+              <a:rPr lang="fr-FR" sz="2400" dirty="0"/>
+              <a:t>Si </a:t>
+            </a:r>
+            <a:r>
+              <a:rPr lang="fr-FR" sz="2400" dirty="0" err="1"/>
+              <a:t>accuracy</a:t>
+            </a:r>
+            <a:r>
+              <a:rPr lang="fr-FR" sz="2400" dirty="0"/>
+              <a:t> est bas</a:t>
+            </a:r>
+          </a:p>
+          <a:p>
+            <a:pPr lvl="1"/>
+            <a:r>
+              <a:rPr lang="fr-FR" sz="2000" dirty="0"/>
+              <a:t>Le réseau ne fonctionne pas</a:t>
+            </a:r>
+          </a:p>
+          <a:p>
+            <a:pPr lvl="1"/>
+            <a:r>
+              <a:rPr lang="fr-FR" sz="2000" dirty="0"/>
+              <a:t>Pas assez de données</a:t>
+            </a:r>
+          </a:p>
+          <a:p>
+            <a:pPr lvl="1"/>
+            <a:r>
+              <a:rPr lang="fr-FR" sz="2000" dirty="0"/>
+              <a:t>Réseau trop profond</a:t>
+            </a:r>
+          </a:p>
+          <a:p>
+            <a:r>
+              <a:rPr lang="fr-FR" sz="2400" dirty="0"/>
+              <a:t>Si </a:t>
+            </a:r>
+            <a:r>
+              <a:rPr lang="fr-FR" sz="2400" dirty="0" err="1"/>
+              <a:t>accuracy</a:t>
+            </a:r>
+            <a:r>
+              <a:rPr lang="fr-FR" sz="2400" dirty="0"/>
+              <a:t> &gt;&gt; </a:t>
+            </a:r>
+            <a:r>
+              <a:rPr lang="fr-FR" sz="2400" dirty="0" err="1"/>
+              <a:t>val_accuracy</a:t>
+            </a:r>
+            <a:endParaRPr lang="fr-FR" sz="2400" dirty="0"/>
+          </a:p>
+          <a:p>
+            <a:pPr lvl="1"/>
+            <a:r>
+              <a:rPr lang="fr-FR" sz="2000" dirty="0" err="1"/>
+              <a:t>Overfitting</a:t>
+            </a:r>
+            <a:endParaRPr lang="fr-FR" sz="2000" dirty="0"/>
+          </a:p>
+          <a:p>
+            <a:pPr lvl="1"/>
+            <a:r>
+              <a:rPr lang="fr-FR" sz="2000" dirty="0"/>
+              <a:t>Ajouter, modifier des </a:t>
+            </a:r>
+            <a:r>
+              <a:rPr lang="fr-FR" sz="2000" dirty="0" err="1"/>
+              <a:t>DropOut</a:t>
+            </a:r>
+            <a:endParaRPr lang="fr-FR" sz="2000" dirty="0"/>
+          </a:p>
+          <a:p>
+            <a:r>
+              <a:rPr lang="fr-FR" sz="2400" dirty="0"/>
+              <a:t>Si </a:t>
+            </a:r>
+            <a:r>
+              <a:rPr lang="fr-FR" sz="2400" dirty="0" err="1"/>
+              <a:t>accuracy</a:t>
+            </a:r>
+            <a:r>
+              <a:rPr lang="fr-FR" sz="2400" dirty="0"/>
+              <a:t> &gt; </a:t>
+            </a:r>
+            <a:r>
+              <a:rPr lang="fr-FR" sz="2400" dirty="0" err="1"/>
+              <a:t>val_accuracy</a:t>
+            </a:r>
+            <a:endParaRPr lang="fr-FR" sz="2400" dirty="0"/>
+          </a:p>
+          <a:p>
+            <a:pPr lvl="1"/>
+            <a:r>
+              <a:rPr lang="fr-FR" sz="2000" dirty="0"/>
+              <a:t>Leger </a:t>
+            </a:r>
+            <a:r>
+              <a:rPr lang="fr-FR" sz="2000" dirty="0" err="1"/>
+              <a:t>overfitting</a:t>
+            </a:r>
+            <a:endParaRPr lang="fr-FR" sz="2000" dirty="0"/>
+          </a:p>
+          <a:p>
+            <a:r>
+              <a:rPr lang="fr-FR" sz="2400" dirty="0"/>
+              <a:t>Si </a:t>
+            </a:r>
+            <a:r>
+              <a:rPr lang="fr-FR" sz="2400" dirty="0" err="1"/>
+              <a:t>val_accuracy</a:t>
+            </a:r>
+            <a:r>
+              <a:rPr lang="fr-FR" sz="2400" dirty="0"/>
+              <a:t> &gt;= </a:t>
+            </a:r>
+            <a:r>
+              <a:rPr lang="fr-FR" sz="2400" dirty="0" err="1"/>
+              <a:t>accuracy</a:t>
+            </a:r>
+            <a:endParaRPr lang="fr-FR" sz="2400" dirty="0"/>
+          </a:p>
+          <a:p>
+            <a:pPr lvl="1"/>
+            <a:r>
+              <a:rPr lang="fr-FR" sz="2000" dirty="0"/>
+              <a:t>Parfait</a:t>
+            </a:r>
+          </a:p>
+          <a:p>
+            <a:r>
+              <a:rPr lang="fr-FR" sz="2400" dirty="0"/>
+              <a:t>Si </a:t>
+            </a:r>
+            <a:r>
+              <a:rPr lang="fr-FR" sz="2400" dirty="0" err="1"/>
+              <a:t>val_accuracy</a:t>
+            </a:r>
+            <a:r>
+              <a:rPr lang="fr-FR" sz="2400" dirty="0"/>
+              <a:t> &gt;&gt; </a:t>
+            </a:r>
+            <a:r>
+              <a:rPr lang="fr-FR" sz="2400" dirty="0" err="1"/>
+              <a:t>accuracy</a:t>
+            </a:r>
+            <a:endParaRPr lang="fr-FR" sz="2400" dirty="0"/>
+          </a:p>
+          <a:p>
+            <a:pPr lvl="1"/>
+            <a:r>
+              <a:rPr lang="fr-FR" sz="2000" dirty="0"/>
+              <a:t>Anormal</a:t>
+            </a:r>
+          </a:p>
+          <a:p>
+            <a:endParaRPr lang="fr-FR" sz="2400" dirty="0"/>
+          </a:p>
+        </p:txBody>
+      </p:sp>
+    </p:spTree>
+    <p:extLst>
+      <p:ext uri="{BB962C8B-B14F-4D97-AF65-F5344CB8AC3E}">
+        <p14:creationId xmlns:p14="http://schemas.microsoft.com/office/powerpoint/2010/main" val="332412427"/>
+      </p:ext>
+    </p:extLst>
+  </p:cSld>
+  <p:clrMapOvr>
+    <a:masterClrMapping/>
+  </p:clrMapOvr>
+</p:sld>
+</file>
+
+<file path=ppt/slides/slide42.xml><?xml version="1.0" encoding="utf-8"?>
+<p:sld xmlns:a="http://schemas.openxmlformats.org/drawingml/2006/main" xmlns:r="http://schemas.openxmlformats.org/officeDocument/2006/relationships" xmlns:p="http://schemas.openxmlformats.org/presentationml/2006/main">
+  <p:cSld>
+    <p:spTree>
+      <p:nvGrpSpPr>
+        <p:cNvPr id="1" name=""/>
+        <p:cNvGrpSpPr/>
+        <p:nvPr/>
+      </p:nvGrpSpPr>
+      <p:grpSpPr>
+        <a:xfrm>
+          <a:off x="0" y="0"/>
+          <a:ext cx="0" cy="0"/>
+          <a:chOff x="0" y="0"/>
+          <a:chExt cx="0" cy="0"/>
+        </a:xfrm>
+      </p:grpSpPr>
+      <p:sp>
+        <p:nvSpPr>
+          <p:cNvPr id="2" name="Titre 1"/>
+          <p:cNvSpPr>
+            <a:spLocks noGrp="1"/>
+          </p:cNvSpPr>
+          <p:nvPr>
+            <p:ph type="title"/>
+          </p:nvPr>
+        </p:nvSpPr>
+        <p:spPr/>
+        <p:txBody>
+          <a:bodyPr/>
+          <a:lstStyle/>
+          <a:p>
+            <a:r>
+              <a:rPr lang="fr-FR" dirty="0"/>
+              <a:t>GPU</a:t>
+            </a:r>
+          </a:p>
+        </p:txBody>
+      </p:sp>
+      <p:sp>
+        <p:nvSpPr>
+          <p:cNvPr id="3" name="Espace réservé du contenu 2"/>
+          <p:cNvSpPr>
+            <a:spLocks noGrp="1"/>
+          </p:cNvSpPr>
+          <p:nvPr>
+            <p:ph idx="1"/>
+          </p:nvPr>
+        </p:nvSpPr>
+        <p:spPr/>
+        <p:txBody>
+          <a:bodyPr/>
+          <a:lstStyle/>
+          <a:p>
+            <a:r>
+              <a:rPr lang="fr-FR" dirty="0"/>
               <a:t>Un GPU est une processeur (à l'origine graphique) qui contient de nombreux cœurs</a:t>
             </a:r>
           </a:p>
           <a:p>
             <a:pPr lvl="1"/>
             <a:r>
-              <a:rPr lang="fr-FR" dirty="0" smtClean="0"/>
+              <a:rPr lang="fr-FR" dirty="0"/>
               <a:t>Algèbre linéaire</a:t>
             </a:r>
           </a:p>
           <a:p>
             <a:pPr lvl="1"/>
             <a:r>
-              <a:rPr lang="fr-FR" dirty="0" smtClean="0"/>
+              <a:rPr lang="fr-FR" dirty="0"/>
               <a:t>Cœur implémentant les fonctions de base de la trigonométrie</a:t>
             </a:r>
           </a:p>
           <a:p>
             <a:pPr lvl="1"/>
             <a:r>
-              <a:rPr lang="fr-FR" dirty="0" smtClean="0"/>
+              <a:rPr lang="fr-FR" dirty="0"/>
               <a:t>Logique de </a:t>
             </a:r>
             <a:r>
-              <a:rPr lang="fr-FR" dirty="0" err="1" smtClean="0"/>
+              <a:rPr lang="fr-FR" dirty="0" err="1"/>
               <a:t>bool</a:t>
             </a:r>
             <a:r>
-              <a:rPr lang="fr-FR" dirty="0" smtClean="0"/>
+              <a:rPr lang="fr-FR" dirty="0"/>
               <a:t> (masque, …)</a:t>
             </a:r>
           </a:p>
           <a:p>
             <a:pPr lvl="1"/>
             <a:r>
-              <a:rPr lang="fr-FR" dirty="0" smtClean="0"/>
+              <a:rPr lang="fr-FR" dirty="0"/>
               <a:t>Mémoire cache ultra-rapide pour simuler de grandes matrices (4K = 8M pixels = + 100 images / secondes)</a:t>
             </a:r>
           </a:p>
@@ -9864,122 +9528,6 @@
   <p:clrMapOvr>
     <a:masterClrMapping/>
   </p:clrMapOvr>
-  <p:timing>
-    <p:tnLst>
-      <p:par>
-        <p:cTn id="1" dur="indefinite" restart="never" nodeType="tmRoot"/>
-      </p:par>
-    </p:tnLst>
-  </p:timing>
-</p:sld>
-</file>
-
-<file path=ppt/slides/slide42.xml><?xml version="1.0" encoding="utf-8"?>
-<p:sld xmlns:a="http://schemas.openxmlformats.org/drawingml/2006/main" xmlns:r="http://schemas.openxmlformats.org/officeDocument/2006/relationships" xmlns:p="http://schemas.openxmlformats.org/presentationml/2006/main">
-  <p:cSld>
-    <p:spTree>
-      <p:nvGrpSpPr>
-        <p:cNvPr id="1" name=""/>
-        <p:cNvGrpSpPr/>
-        <p:nvPr/>
-      </p:nvGrpSpPr>
-      <p:grpSpPr>
-        <a:xfrm>
-          <a:off x="0" y="0"/>
-          <a:ext cx="0" cy="0"/>
-          <a:chOff x="0" y="0"/>
-          <a:chExt cx="0" cy="0"/>
-        </a:xfrm>
-      </p:grpSpPr>
-      <p:sp>
-        <p:nvSpPr>
-          <p:cNvPr id="2" name="Titre 1"/>
-          <p:cNvSpPr>
-            <a:spLocks noGrp="1"/>
-          </p:cNvSpPr>
-          <p:nvPr>
-            <p:ph type="title"/>
-          </p:nvPr>
-        </p:nvSpPr>
-        <p:spPr/>
-        <p:txBody>
-          <a:bodyPr/>
-          <a:lstStyle/>
-          <a:p>
-            <a:r>
-              <a:rPr lang="fr-FR" dirty="0" smtClean="0"/>
-              <a:t>Calcul Matriciel - GPU</a:t>
-            </a:r>
-            <a:endParaRPr lang="fr-FR" dirty="0"/>
-          </a:p>
-        </p:txBody>
-      </p:sp>
-      <p:sp>
-        <p:nvSpPr>
-          <p:cNvPr id="3" name="Espace réservé du contenu 2"/>
-          <p:cNvSpPr>
-            <a:spLocks noGrp="1"/>
-          </p:cNvSpPr>
-          <p:nvPr>
-            <p:ph idx="1"/>
-          </p:nvPr>
-        </p:nvSpPr>
-        <p:spPr/>
-        <p:txBody>
-          <a:bodyPr/>
-          <a:lstStyle/>
-          <a:p>
-            <a:r>
-              <a:rPr lang="fr-FR" dirty="0" smtClean="0"/>
-              <a:t>Normalement une liste de liste de valeurs est injecté dans le MLP</a:t>
-            </a:r>
-          </a:p>
-          <a:p>
-            <a:r>
-              <a:rPr lang="fr-FR" dirty="0" smtClean="0"/>
-              <a:t>Une itération par liste de valeur</a:t>
-            </a:r>
-          </a:p>
-          <a:p>
-            <a:r>
-              <a:rPr lang="fr-FR" dirty="0" smtClean="0"/>
-              <a:t>L'algorithme est reproductible avec une matrice par layer</a:t>
-            </a:r>
-          </a:p>
-          <a:p>
-            <a:pPr lvl="1"/>
-            <a:r>
-              <a:rPr lang="fr-FR" dirty="0" smtClean="0"/>
-              <a:t>Facilement </a:t>
-            </a:r>
-            <a:r>
-              <a:rPr lang="fr-FR" dirty="0" err="1" smtClean="0"/>
-              <a:t>GPUisable</a:t>
-            </a:r>
-            <a:endParaRPr lang="fr-FR" dirty="0" smtClean="0"/>
-          </a:p>
-          <a:p>
-            <a:endParaRPr lang="fr-FR" dirty="0"/>
-          </a:p>
-        </p:txBody>
-      </p:sp>
-    </p:spTree>
-    <p:extLst>
-      <p:ext uri="{BB962C8B-B14F-4D97-AF65-F5344CB8AC3E}">
-        <p14:creationId xmlns:p14="http://schemas.microsoft.com/office/powerpoint/2010/main" val="3878437058"/>
-      </p:ext>
-    </p:extLst>
-  </p:cSld>
-  <p:clrMapOvr>
-    <a:masterClrMapping/>
-  </p:clrMapOvr>
-  <p:timing>
-    <p:tnLst>
-      <p:par>
-        <p:cTn id="1" dur="indefinite" restart="never" nodeType="tmRoot"/>
-      </p:par>
-    </p:tnLst>
-  </p:timing>
 </p:sld>
 </file>
 
@@ -10016,18 +9564,9 @@
           <a:lstStyle/>
           <a:p>
             <a:r>
-              <a:rPr lang="fr-FR" dirty="0" err="1" smtClean="0"/>
-              <a:t>Keras</a:t>
-            </a:r>
-            <a:r>
-              <a:rPr lang="fr-FR" dirty="0" smtClean="0"/>
-              <a:t> et </a:t>
-            </a:r>
-            <a:r>
-              <a:rPr lang="fr-FR" dirty="0" err="1" smtClean="0"/>
-              <a:t>ScikitLearn</a:t>
-            </a:r>
-            <a:endParaRPr lang="fr-FR" dirty="0"/>
+              <a:rPr lang="fr-FR" dirty="0"/>
+              <a:t>Calcul Matriciel - GPU</a:t>
+            </a:r>
           </a:p>
         </p:txBody>
       </p:sp>
@@ -10047,22 +9586,132 @@
           <a:lstStyle/>
           <a:p>
             <a:r>
-              <a:rPr lang="fr-FR" dirty="0" err="1" smtClean="0"/>
+              <a:rPr lang="fr-FR" dirty="0"/>
+              <a:t>Normalement une liste de liste de valeurs est injecté dans le MLP</a:t>
+            </a:r>
+          </a:p>
+          <a:p>
+            <a:r>
+              <a:rPr lang="fr-FR" dirty="0"/>
+              <a:t>Une itération par liste de valeur</a:t>
+            </a:r>
+          </a:p>
+          <a:p>
+            <a:r>
+              <a:rPr lang="fr-FR" dirty="0"/>
+              <a:t>L'algorithme est reproductible avec une matrice par layer</a:t>
+            </a:r>
+          </a:p>
+          <a:p>
+            <a:pPr lvl="1"/>
+            <a:r>
+              <a:rPr lang="fr-FR" dirty="0"/>
+              <a:t>Facilement </a:t>
+            </a:r>
+            <a:r>
+              <a:rPr lang="fr-FR" dirty="0" err="1"/>
+              <a:t>GPUisable</a:t>
+            </a:r>
+            <a:endParaRPr lang="fr-FR" dirty="0"/>
+          </a:p>
+          <a:p>
+            <a:endParaRPr lang="fr-FR" dirty="0"/>
+          </a:p>
+        </p:txBody>
+      </p:sp>
+    </p:spTree>
+    <p:extLst>
+      <p:ext uri="{BB962C8B-B14F-4D97-AF65-F5344CB8AC3E}">
+        <p14:creationId xmlns:p14="http://schemas.microsoft.com/office/powerpoint/2010/main" val="3878437058"/>
+      </p:ext>
+    </p:extLst>
+  </p:cSld>
+  <p:clrMapOvr>
+    <a:masterClrMapping/>
+  </p:clrMapOvr>
+</p:sld>
+</file>
+
+<file path=ppt/slides/slide44.xml><?xml version="1.0" encoding="utf-8"?>
+<p:sld xmlns:a="http://schemas.openxmlformats.org/drawingml/2006/main" xmlns:r="http://schemas.openxmlformats.org/officeDocument/2006/relationships" xmlns:p="http://schemas.openxmlformats.org/presentationml/2006/main">
+  <p:cSld>
+    <p:spTree>
+      <p:nvGrpSpPr>
+        <p:cNvPr id="1" name=""/>
+        <p:cNvGrpSpPr/>
+        <p:nvPr/>
+      </p:nvGrpSpPr>
+      <p:grpSpPr>
+        <a:xfrm>
+          <a:off x="0" y="0"/>
+          <a:ext cx="0" cy="0"/>
+          <a:chOff x="0" y="0"/>
+          <a:chExt cx="0" cy="0"/>
+        </a:xfrm>
+      </p:grpSpPr>
+      <p:sp>
+        <p:nvSpPr>
+          <p:cNvPr id="2" name="Titre 1"/>
+          <p:cNvSpPr>
+            <a:spLocks noGrp="1"/>
+          </p:cNvSpPr>
+          <p:nvPr>
+            <p:ph type="title"/>
+          </p:nvPr>
+        </p:nvSpPr>
+        <p:spPr/>
+        <p:txBody>
+          <a:bodyPr/>
+          <a:lstStyle/>
+          <a:p>
+            <a:r>
+              <a:rPr lang="fr-FR" dirty="0" err="1"/>
               <a:t>Keras</a:t>
             </a:r>
             <a:r>
-              <a:rPr lang="fr-FR" dirty="0" smtClean="0"/>
+              <a:rPr lang="fr-FR" dirty="0"/>
+              <a:t> et </a:t>
+            </a:r>
+            <a:r>
+              <a:rPr lang="fr-FR" dirty="0" err="1"/>
+              <a:t>ScikitLearn</a:t>
+            </a:r>
+            <a:endParaRPr lang="fr-FR" dirty="0"/>
+          </a:p>
+        </p:txBody>
+      </p:sp>
+      <p:sp>
+        <p:nvSpPr>
+          <p:cNvPr id="3" name="Espace réservé du contenu 2"/>
+          <p:cNvSpPr>
+            <a:spLocks noGrp="1"/>
+          </p:cNvSpPr>
+          <p:nvPr>
+            <p:ph idx="1"/>
+          </p:nvPr>
+        </p:nvSpPr>
+        <p:spPr/>
+        <p:txBody>
+          <a:bodyPr/>
+          <a:lstStyle/>
+          <a:p>
+            <a:r>
+              <a:rPr lang="fr-FR" dirty="0" err="1"/>
+              <a:t>Keras</a:t>
+            </a:r>
+            <a:r>
+              <a:rPr lang="fr-FR" dirty="0"/>
               <a:t> fonctionne avec </a:t>
             </a:r>
             <a:r>
-              <a:rPr lang="fr-FR" dirty="0" err="1" smtClean="0"/>
+              <a:rPr lang="fr-FR" dirty="0" err="1"/>
               <a:t>SKLearn</a:t>
             </a:r>
-            <a:endParaRPr lang="fr-FR" dirty="0" smtClean="0"/>
-          </a:p>
-          <a:p>
-            <a:r>
-              <a:rPr lang="fr-FR" dirty="0" smtClean="0"/>
+            <a:endParaRPr lang="fr-FR" dirty="0"/>
+          </a:p>
+          <a:p>
+            <a:r>
+              <a:rPr lang="fr-FR" dirty="0"/>
               <a:t>Obligatoire pour récupérer le *.h5</a:t>
             </a:r>
           </a:p>
@@ -10105,17 +9754,10 @@
   <p:clrMapOvr>
     <a:masterClrMapping/>
   </p:clrMapOvr>
-  <p:timing>
-    <p:tnLst>
-      <p:par>
-        <p:cTn id="1" dur="indefinite" restart="never" nodeType="tmRoot"/>
-      </p:par>
-    </p:tnLst>
-  </p:timing>
 </p:sld>
 </file>
 
-<file path=ppt/slides/slide44.xml><?xml version="1.0" encoding="utf-8"?>
+<file path=ppt/slides/slide45.xml><?xml version="1.0" encoding="utf-8"?>
 <p:sld xmlns:a="http://schemas.openxmlformats.org/drawingml/2006/main" xmlns:r="http://schemas.openxmlformats.org/officeDocument/2006/relationships" xmlns:p="http://schemas.openxmlformats.org/presentationml/2006/main">
   <p:cSld>
     <p:spTree>
@@ -10148,10 +9790,9 @@
           <a:lstStyle/>
           <a:p>
             <a:r>
-              <a:rPr lang="fr-FR" dirty="0" smtClean="0"/>
+              <a:rPr lang="fr-FR" dirty="0"/>
               <a:t>Matrice de confusion</a:t>
             </a:r>
-            <a:endParaRPr lang="fr-FR" dirty="0"/>
           </a:p>
         </p:txBody>
       </p:sp>
@@ -10171,10 +9812,9 @@
           <a:lstStyle/>
           <a:p>
             <a:r>
-              <a:rPr lang="fr-FR" dirty="0" smtClean="0"/>
+              <a:rPr lang="fr-FR" dirty="0"/>
               <a:t>La matrice de confusion apporte les cas de succès, en discriminant les vrai positifs, les vrai négatifs, les faux positifs et les vrais positifs</a:t>
             </a:r>
-            <a:endParaRPr lang="fr-FR" dirty="0"/>
           </a:p>
         </p:txBody>
       </p:sp>
@@ -10253,17 +9893,10 @@
   <p:clrMapOvr>
     <a:masterClrMapping/>
   </p:clrMapOvr>
-  <p:timing>
-    <p:tnLst>
-      <p:par>
-        <p:cTn id="1" dur="indefinite" restart="never" nodeType="tmRoot"/>
-      </p:par>
-    </p:tnLst>
-  </p:timing>
 </p:sld>
 </file>
 
-<file path=ppt/slides/slide45.xml><?xml version="1.0" encoding="utf-8"?>
+<file path=ppt/slides/slide46.xml><?xml version="1.0" encoding="utf-8"?>
 <p:sld xmlns:a="http://schemas.openxmlformats.org/drawingml/2006/main" xmlns:r="http://schemas.openxmlformats.org/officeDocument/2006/relationships" xmlns:p="http://schemas.openxmlformats.org/presentationml/2006/main">
   <p:cSld>
     <p:spTree>
@@ -10296,10 +9929,9 @@
           <a:lstStyle/>
           <a:p>
             <a:r>
-              <a:rPr lang="fr-FR" dirty="0" smtClean="0"/>
+              <a:rPr lang="fr-FR" dirty="0"/>
               <a:t>Classification report</a:t>
             </a:r>
-            <a:endParaRPr lang="fr-FR" dirty="0"/>
           </a:p>
         </p:txBody>
       </p:sp>
@@ -10319,34 +9951,34 @@
           <a:lstStyle/>
           <a:p>
             <a:r>
-              <a:rPr lang="fr-FR" dirty="0" smtClean="0"/>
+              <a:rPr lang="fr-FR" dirty="0"/>
               <a:t>Apporte le taux de succès détaillé</a:t>
             </a:r>
           </a:p>
           <a:p>
             <a:r>
-              <a:rPr lang="fr-FR" dirty="0" err="1" smtClean="0"/>
+              <a:rPr lang="fr-FR" dirty="0" err="1"/>
               <a:t>Precision</a:t>
             </a:r>
-            <a:endParaRPr lang="fr-FR" dirty="0" smtClean="0"/>
-          </a:p>
-          <a:p>
-            <a:pPr lvl="1"/>
-            <a:r>
-              <a:rPr lang="fr-FR" dirty="0" smtClean="0"/>
+            <a:endParaRPr lang="fr-FR" dirty="0"/>
+          </a:p>
+          <a:p>
+            <a:pPr lvl="1"/>
+            <a:r>
+              <a:rPr lang="fr-FR" dirty="0"/>
               <a:t>Vrai positif / (vrai positif + faux positif)</a:t>
             </a:r>
           </a:p>
           <a:p>
             <a:pPr lvl="1"/>
             <a:r>
-              <a:rPr lang="fr-FR" dirty="0" smtClean="0"/>
+              <a:rPr lang="fr-FR" dirty="0"/>
               <a:t>Moins grave</a:t>
             </a:r>
           </a:p>
           <a:p>
             <a:r>
-              <a:rPr lang="fr-FR" dirty="0" err="1" smtClean="0"/>
+              <a:rPr lang="fr-FR" dirty="0" err="1"/>
               <a:t>Recall</a:t>
             </a:r>
             <a:endParaRPr lang="fr-FR" dirty="0"/>
@@ -10354,59 +9986,50 @@
           <a:p>
             <a:pPr lvl="1"/>
             <a:r>
-              <a:rPr lang="fr-FR" dirty="0" smtClean="0"/>
-              <a:t>vrai positif / </a:t>
-            </a:r>
-            <a:r>
-              <a:rPr lang="fr-FR" dirty="0"/>
-              <a:t>(vrai positif + </a:t>
-            </a:r>
-            <a:r>
-              <a:rPr lang="fr-FR" dirty="0" smtClean="0"/>
-              <a:t>faux négatifs)</a:t>
-            </a:r>
-          </a:p>
-          <a:p>
-            <a:pPr lvl="1"/>
-            <a:r>
-              <a:rPr lang="fr-FR" dirty="0" smtClean="0"/>
+              <a:rPr lang="fr-FR" dirty="0"/>
+              <a:t>vrai positif / (vrai positif + faux négatifs)</a:t>
+            </a:r>
+          </a:p>
+          <a:p>
+            <a:pPr lvl="1"/>
+            <a:r>
+              <a:rPr lang="fr-FR" dirty="0"/>
               <a:t>Plus grave</a:t>
             </a:r>
           </a:p>
           <a:p>
             <a:r>
-              <a:rPr lang="fr-FR" dirty="0" err="1" smtClean="0"/>
+              <a:rPr lang="fr-FR" dirty="0" err="1"/>
               <a:t>Fl</a:t>
             </a:r>
             <a:r>
-              <a:rPr lang="fr-FR" dirty="0" smtClean="0"/>
+              <a:rPr lang="fr-FR" dirty="0"/>
               <a:t>-score</a:t>
             </a:r>
           </a:p>
           <a:p>
             <a:pPr lvl="1"/>
             <a:r>
-              <a:rPr lang="fr-FR" dirty="0" smtClean="0"/>
+              <a:rPr lang="fr-FR" dirty="0"/>
               <a:t>Doit être proche de 1</a:t>
             </a:r>
           </a:p>
           <a:p>
             <a:r>
-              <a:rPr lang="fr-FR" dirty="0" smtClean="0"/>
+              <a:rPr lang="fr-FR" dirty="0"/>
               <a:t>Support</a:t>
             </a:r>
           </a:p>
           <a:p>
             <a:pPr lvl="1"/>
             <a:r>
-              <a:rPr lang="fr-FR" dirty="0" smtClean="0"/>
+              <a:rPr lang="fr-FR" dirty="0"/>
               <a:t>Nombre de positifs et négatifs</a:t>
             </a:r>
+          </a:p>
+          <a:p>
+            <a:pPr lvl="1"/>
             <a:endParaRPr lang="fr-FR" dirty="0"/>
-          </a:p>
-          <a:p>
-            <a:pPr lvl="1"/>
-            <a:endParaRPr lang="fr-FR" dirty="0" smtClean="0"/>
           </a:p>
           <a:p>
             <a:pPr lvl="1"/>
@@ -10448,13 +10071,6 @@
   <p:clrMapOvr>
     <a:masterClrMapping/>
   </p:clrMapOvr>
-  <p:timing>
-    <p:tnLst>
-      <p:par>
-        <p:cTn id="1" dur="indefinite" restart="never" nodeType="tmRoot"/>
-      </p:par>
-    </p:tnLst>
-  </p:timing>
 </p:sld>
 </file>
 
@@ -10491,10 +10107,9 @@
           <a:lstStyle/>
           <a:p>
             <a:r>
-              <a:rPr lang="fr-FR" dirty="0" smtClean="0"/>
+              <a:rPr lang="fr-FR" dirty="0"/>
               <a:t>Fonctions d'activation</a:t>
             </a:r>
-            <a:endParaRPr lang="fr-FR" dirty="0"/>
           </a:p>
         </p:txBody>
       </p:sp>
@@ -10514,53 +10129,53 @@
           <a:lstStyle/>
           <a:p>
             <a:r>
-              <a:rPr lang="fr-FR" dirty="0" smtClean="0"/>
+              <a:rPr lang="fr-FR" dirty="0"/>
               <a:t>relu (défaut)</a:t>
             </a:r>
           </a:p>
           <a:p>
             <a:r>
-              <a:rPr lang="fr-FR" dirty="0" err="1" smtClean="0"/>
+              <a:rPr lang="fr-FR" dirty="0" err="1"/>
               <a:t>tanh</a:t>
             </a:r>
             <a:r>
-              <a:rPr lang="fr-FR" dirty="0" smtClean="0"/>
+              <a:rPr lang="fr-FR" dirty="0"/>
               <a:t> (assez rapide), </a:t>
             </a:r>
             <a:r>
-              <a:rPr lang="fr-FR" dirty="0" err="1" smtClean="0"/>
+              <a:rPr lang="fr-FR" dirty="0" err="1"/>
               <a:t>sigmoid</a:t>
             </a:r>
             <a:r>
-              <a:rPr lang="fr-FR" dirty="0" smtClean="0"/>
+              <a:rPr lang="fr-FR" dirty="0"/>
               <a:t> (lent), </a:t>
             </a:r>
             <a:r>
-              <a:rPr lang="fr-FR" dirty="0" err="1" smtClean="0"/>
+              <a:rPr lang="fr-FR" dirty="0" err="1"/>
               <a:t>hard_sigmoid</a:t>
             </a:r>
             <a:r>
-              <a:rPr lang="fr-FR" dirty="0" smtClean="0"/>
+              <a:rPr lang="fr-FR" dirty="0"/>
               <a:t> (rapide)</a:t>
             </a:r>
           </a:p>
           <a:p>
             <a:r>
-              <a:rPr lang="fr-FR" dirty="0" err="1" smtClean="0"/>
+              <a:rPr lang="fr-FR" dirty="0" err="1"/>
               <a:t>LeakyRelu</a:t>
             </a:r>
-            <a:endParaRPr lang="fr-FR" dirty="0" smtClean="0"/>
-          </a:p>
-          <a:p>
-            <a:r>
-              <a:rPr lang="fr-FR" dirty="0" err="1" smtClean="0"/>
+            <a:endParaRPr lang="fr-FR" dirty="0"/>
+          </a:p>
+          <a:p>
+            <a:r>
+              <a:rPr lang="fr-FR" dirty="0" err="1"/>
               <a:t>Softmax</a:t>
             </a:r>
-            <a:endParaRPr lang="fr-FR" dirty="0" smtClean="0"/>
-          </a:p>
-          <a:p>
-            <a:r>
-              <a:rPr lang="fr-FR" dirty="0" smtClean="0"/>
+            <a:endParaRPr lang="fr-FR" dirty="0"/>
+          </a:p>
+          <a:p>
+            <a:r>
+              <a:rPr lang="fr-FR" dirty="0"/>
               <a:t>Deux écritures</a:t>
             </a:r>
           </a:p>
@@ -10569,25 +10184,18 @@
               <a:buNone/>
             </a:pPr>
             <a:r>
-              <a:rPr lang="fr-FR" sz="2000" dirty="0" err="1" smtClean="0">
+              <a:rPr lang="fr-FR" sz="2000" dirty="0" err="1">
                 <a:latin typeface="Courier New" panose="02070309020205020404" pitchFamily="49" charset="0"/>
                 <a:cs typeface="Courier New" panose="02070309020205020404" pitchFamily="49" charset="0"/>
               </a:rPr>
               <a:t>layers.Dense</a:t>
             </a:r>
             <a:r>
-              <a:rPr lang="fr-FR" sz="2000" dirty="0" smtClean="0">
-                <a:latin typeface="Courier New" panose="02070309020205020404" pitchFamily="49" charset="0"/>
-                <a:cs typeface="Courier New" panose="02070309020205020404" pitchFamily="49" charset="0"/>
-              </a:rPr>
-              <a:t>(64</a:t>
-            </a:r>
-            <a:r>
               <a:rPr lang="fr-FR" sz="2000" dirty="0">
                 <a:latin typeface="Courier New" panose="02070309020205020404" pitchFamily="49" charset="0"/>
                 <a:cs typeface="Courier New" panose="02070309020205020404" pitchFamily="49" charset="0"/>
               </a:rPr>
-              <a:t>, activation='</a:t>
+              <a:t>(64, activation='</a:t>
             </a:r>
             <a:r>
               <a:rPr lang="fr-FR" sz="2000" dirty="0" err="1">
@@ -10609,25 +10217,18 @@
               <a:buNone/>
             </a:pPr>
             <a:r>
-              <a:rPr lang="fr-FR" sz="2000" dirty="0" err="1" smtClean="0">
+              <a:rPr lang="fr-FR" sz="2000" dirty="0" err="1">
                 <a:latin typeface="Courier New" panose="02070309020205020404" pitchFamily="49" charset="0"/>
                 <a:cs typeface="Courier New" panose="02070309020205020404" pitchFamily="49" charset="0"/>
               </a:rPr>
               <a:t>layers.Dense</a:t>
             </a:r>
             <a:r>
-              <a:rPr lang="fr-FR" sz="2000" dirty="0" smtClean="0">
-                <a:latin typeface="Courier New" panose="02070309020205020404" pitchFamily="49" charset="0"/>
-                <a:cs typeface="Courier New" panose="02070309020205020404" pitchFamily="49" charset="0"/>
-              </a:rPr>
-              <a:t>(64</a:t>
-            </a:r>
-            <a:r>
               <a:rPr lang="fr-FR" sz="2000" dirty="0">
                 <a:latin typeface="Courier New" panose="02070309020205020404" pitchFamily="49" charset="0"/>
                 <a:cs typeface="Courier New" panose="02070309020205020404" pitchFamily="49" charset="0"/>
               </a:rPr>
-              <a:t>, activation=</a:t>
+              <a:t>(64, activation=</a:t>
             </a:r>
             <a:r>
               <a:rPr lang="fr-FR" sz="2000" dirty="0" err="1">
@@ -10643,10 +10244,6 @@
               </a:rPr>
               <a:t>)</a:t>
             </a:r>
-            <a:endParaRPr lang="fr-FR" sz="2000" dirty="0" smtClean="0">
-              <a:latin typeface="Courier New" panose="02070309020205020404" pitchFamily="49" charset="0"/>
-              <a:cs typeface="Courier New" panose="02070309020205020404" pitchFamily="49" charset="0"/>
-            </a:endParaRPr>
           </a:p>
           <a:p>
             <a:endParaRPr lang="fr-FR" dirty="0"/>
@@ -10702,13 +10299,6 @@
   <p:clrMapOvr>
     <a:masterClrMapping/>
   </p:clrMapOvr>
-  <p:timing>
-    <p:tnLst>
-      <p:par>
-        <p:cTn id="1" dur="indefinite" restart="never" nodeType="tmRoot"/>
-      </p:par>
-    </p:tnLst>
-  </p:timing>
 </p:sld>
 </file>
 
@@ -10745,7 +10335,7 @@
           <a:lstStyle/>
           <a:p>
             <a:r>
-              <a:rPr lang="fr-FR" dirty="0" err="1" smtClean="0"/>
+              <a:rPr lang="fr-FR" dirty="0" err="1"/>
               <a:t>Bias</a:t>
             </a:r>
             <a:endParaRPr lang="fr-FR" dirty="0"/>
@@ -10768,59 +10358,58 @@
           <a:lstStyle/>
           <a:p>
             <a:r>
-              <a:rPr lang="fr-FR" dirty="0" smtClean="0"/>
+              <a:rPr lang="fr-FR" dirty="0"/>
               <a:t>Par défaut </a:t>
             </a:r>
             <a:r>
-              <a:rPr lang="fr-FR" dirty="0" err="1" smtClean="0"/>
+              <a:rPr lang="fr-FR" dirty="0" err="1"/>
               <a:t>Tensorflow</a:t>
             </a:r>
             <a:r>
-              <a:rPr lang="fr-FR" dirty="0" smtClean="0"/>
+              <a:rPr lang="fr-FR" dirty="0"/>
               <a:t> utilise des données centrées sur zéro</a:t>
             </a:r>
           </a:p>
           <a:p>
             <a:pPr lvl="1"/>
             <a:r>
-              <a:rPr lang="fr-FR" dirty="0" err="1" smtClean="0"/>
+              <a:rPr lang="fr-FR" dirty="0" err="1"/>
               <a:t>Bias</a:t>
             </a:r>
             <a:r>
-              <a:rPr lang="fr-FR" dirty="0" smtClean="0"/>
+              <a:rPr lang="fr-FR" dirty="0"/>
               <a:t> = 0</a:t>
             </a:r>
           </a:p>
           <a:p>
             <a:r>
-              <a:rPr lang="fr-FR" dirty="0" smtClean="0"/>
+              <a:rPr lang="fr-FR" dirty="0"/>
               <a:t>Les données sont des flottants centrées sur zéro essentiellement comprises entre -1 et 1</a:t>
             </a:r>
           </a:p>
           <a:p>
             <a:r>
-              <a:rPr lang="fr-FR" dirty="0" smtClean="0"/>
+              <a:rPr lang="fr-FR" dirty="0"/>
               <a:t>Exemple</a:t>
             </a:r>
           </a:p>
           <a:p>
             <a:pPr lvl="1"/>
             <a:r>
-              <a:rPr lang="fr-FR" dirty="0" smtClean="0"/>
+              <a:rPr lang="fr-FR" dirty="0"/>
               <a:t>X = [0,1,2,3,4,5,6,7]</a:t>
             </a:r>
           </a:p>
           <a:p>
             <a:pPr lvl="1"/>
             <a:r>
-              <a:rPr lang="fr-FR" dirty="0" err="1" smtClean="0"/>
+              <a:rPr lang="fr-FR" dirty="0" err="1"/>
               <a:t>Xnormalized</a:t>
             </a:r>
             <a:r>
-              <a:rPr lang="fr-FR" dirty="0" smtClean="0"/>
+              <a:rPr lang="fr-FR" dirty="0"/>
               <a:t> = (X - 3.5) / 3.5</a:t>
             </a:r>
-            <a:endParaRPr lang="fr-FR" dirty="0"/>
           </a:p>
         </p:txBody>
       </p:sp>
@@ -10834,13 +10423,6 @@
   <p:clrMapOvr>
     <a:masterClrMapping/>
   </p:clrMapOvr>
-  <p:timing>
-    <p:tnLst>
-      <p:par>
-        <p:cTn id="1" dur="indefinite" restart="never" nodeType="tmRoot"/>
-      </p:par>
-    </p:tnLst>
-  </p:timing>
 </p:sld>
 </file>
 
@@ -10877,10 +10459,9 @@
           <a:lstStyle/>
           <a:p>
             <a:r>
-              <a:rPr lang="fr-FR" dirty="0" smtClean="0"/>
+              <a:rPr lang="fr-FR" dirty="0"/>
               <a:t>API</a:t>
             </a:r>
-            <a:endParaRPr lang="fr-FR" dirty="0"/>
           </a:p>
         </p:txBody>
       </p:sp>
@@ -10900,59 +10481,59 @@
           <a:lstStyle/>
           <a:p>
             <a:r>
-              <a:rPr lang="fr-FR" dirty="0" err="1" smtClean="0"/>
+              <a:rPr lang="fr-FR" dirty="0" err="1"/>
               <a:t>Keras</a:t>
             </a:r>
             <a:r>
-              <a:rPr lang="fr-FR" dirty="0" smtClean="0"/>
+              <a:rPr lang="fr-FR" dirty="0"/>
               <a:t> possède 2 API pour créer un réseau</a:t>
             </a:r>
           </a:p>
           <a:p>
             <a:r>
-              <a:rPr lang="fr-FR" dirty="0" err="1" smtClean="0"/>
+              <a:rPr lang="fr-FR" dirty="0" err="1"/>
               <a:t>Sequential</a:t>
             </a:r>
-            <a:endParaRPr lang="fr-FR" dirty="0" smtClean="0"/>
-          </a:p>
-          <a:p>
-            <a:pPr lvl="1"/>
-            <a:r>
-              <a:rPr lang="fr-FR" dirty="0" smtClean="0"/>
+            <a:endParaRPr lang="fr-FR" dirty="0"/>
+          </a:p>
+          <a:p>
+            <a:pPr lvl="1"/>
+            <a:r>
+              <a:rPr lang="fr-FR" dirty="0"/>
               <a:t>Orienté objet</a:t>
             </a:r>
           </a:p>
           <a:p>
             <a:pPr lvl="1"/>
             <a:r>
-              <a:rPr lang="fr-FR" dirty="0" smtClean="0"/>
+              <a:rPr lang="fr-FR" dirty="0"/>
               <a:t>Compatible MLP uniquement</a:t>
             </a:r>
           </a:p>
           <a:p>
             <a:r>
-              <a:rPr lang="fr-FR" dirty="0" smtClean="0"/>
+              <a:rPr lang="fr-FR" dirty="0"/>
               <a:t>Model</a:t>
             </a:r>
           </a:p>
           <a:p>
             <a:pPr lvl="1"/>
             <a:r>
-              <a:rPr lang="fr-FR" dirty="0" smtClean="0"/>
+              <a:rPr lang="fr-FR" dirty="0"/>
               <a:t>Orienté fonctionnel</a:t>
             </a:r>
           </a:p>
           <a:p>
             <a:pPr lvl="1"/>
             <a:r>
-              <a:rPr lang="fr-FR" dirty="0" smtClean="0"/>
+              <a:rPr lang="fr-FR" dirty="0"/>
               <a:t>Compatible pour tout graphe acyclique</a:t>
             </a:r>
           </a:p>
           <a:p>
             <a:pPr lvl="1"/>
             <a:r>
-              <a:rPr lang="fr-FR" dirty="0" smtClean="0"/>
+              <a:rPr lang="fr-FR" dirty="0"/>
               <a:t>Donc compatible MLP ou autre</a:t>
             </a:r>
           </a:p>
@@ -10968,13 +10549,6 @@
   <p:clrMapOvr>
     <a:masterClrMapping/>
   </p:clrMapOvr>
-  <p:timing>
-    <p:tnLst>
-      <p:par>
-        <p:cTn id="1" dur="indefinite" restart="never" nodeType="tmRoot"/>
-      </p:par>
-    </p:tnLst>
-  </p:timing>
 </p:sld>
 </file>
 
@@ -11011,10 +10585,9 @@
           <a:lstStyle/>
           <a:p>
             <a:r>
-              <a:rPr lang="fr-FR" dirty="0" smtClean="0"/>
+              <a:rPr lang="fr-FR" dirty="0"/>
               <a:t>Dense</a:t>
             </a:r>
-            <a:endParaRPr lang="fr-FR" dirty="0"/>
           </a:p>
         </p:txBody>
       </p:sp>
@@ -11034,18 +10607,18 @@
           <a:lstStyle/>
           <a:p>
             <a:r>
-              <a:rPr lang="fr-FR" dirty="0" err="1" smtClean="0"/>
+              <a:rPr lang="fr-FR" dirty="0" err="1"/>
               <a:t>Keras.layers.Dense</a:t>
             </a:r>
             <a:r>
-              <a:rPr lang="fr-FR" dirty="0" smtClean="0"/>
+              <a:rPr lang="fr-FR" dirty="0"/>
               <a:t> est le layer MLP</a:t>
             </a:r>
           </a:p>
           <a:p>
             <a:pPr lvl="1"/>
             <a:r>
-              <a:rPr lang="fr-FR" dirty="0" smtClean="0"/>
+              <a:rPr lang="fr-FR" dirty="0"/>
               <a:t>Spécifie le nombre de perceptron</a:t>
             </a:r>
           </a:p>
@@ -11059,76 +10632,74 @@
               <a:rPr lang="fr-FR" dirty="0"/>
               <a:t>(8)</a:t>
             </a:r>
-            <a:endParaRPr lang="fr-FR" dirty="0" smtClean="0"/>
-          </a:p>
-          <a:p>
-            <a:pPr lvl="1"/>
-            <a:r>
-              <a:rPr lang="fr-FR" dirty="0" smtClean="0"/>
+          </a:p>
+          <a:p>
+            <a:pPr lvl="1"/>
+            <a:r>
+              <a:rPr lang="fr-FR" dirty="0"/>
               <a:t>La fonction d’activation est identique pour tous le layer</a:t>
             </a:r>
           </a:p>
           <a:p>
             <a:pPr lvl="1"/>
             <a:r>
-              <a:rPr lang="fr-FR" dirty="0" err="1" smtClean="0"/>
+              <a:rPr lang="fr-FR" dirty="0" err="1"/>
               <a:t>keras.layers.Dense</a:t>
             </a:r>
             <a:r>
-              <a:rPr lang="fr-FR" dirty="0" smtClean="0"/>
+              <a:rPr lang="fr-FR" dirty="0"/>
               <a:t>(8, activation=‘relu’)</a:t>
             </a:r>
           </a:p>
           <a:p>
             <a:pPr lvl="1"/>
             <a:r>
-              <a:rPr lang="fr-FR" dirty="0" smtClean="0"/>
+              <a:rPr lang="fr-FR" dirty="0"/>
               <a:t>Facultativement </a:t>
             </a:r>
             <a:r>
-              <a:rPr lang="fr-FR" dirty="0" err="1" smtClean="0"/>
+              <a:rPr lang="fr-FR" dirty="0" err="1"/>
               <a:t>input_shape</a:t>
             </a:r>
             <a:r>
-              <a:rPr lang="fr-FR" dirty="0" smtClean="0"/>
+              <a:rPr lang="fr-FR" dirty="0"/>
               <a:t> définit le </a:t>
             </a:r>
             <a:r>
-              <a:rPr lang="fr-FR" dirty="0" err="1" smtClean="0"/>
+              <a:rPr lang="fr-FR" dirty="0" err="1"/>
               <a:t>shape</a:t>
             </a:r>
             <a:r>
-              <a:rPr lang="fr-FR" dirty="0" smtClean="0"/>
+              <a:rPr lang="fr-FR" dirty="0"/>
               <a:t> du tenseur en entrée du layer</a:t>
             </a:r>
           </a:p>
           <a:p>
             <a:pPr lvl="1"/>
             <a:r>
-              <a:rPr lang="fr-FR" dirty="0" err="1" smtClean="0"/>
+              <a:rPr lang="fr-FR" dirty="0" err="1"/>
               <a:t>keras.layers.Dense</a:t>
             </a:r>
             <a:r>
-              <a:rPr lang="fr-FR" dirty="0" smtClean="0"/>
+              <a:rPr lang="fr-FR" dirty="0"/>
               <a:t>(8, </a:t>
             </a:r>
             <a:r>
-              <a:rPr lang="fr-FR" dirty="0" err="1" smtClean="0"/>
+              <a:rPr lang="fr-FR" dirty="0" err="1"/>
               <a:t>input_shape</a:t>
             </a:r>
             <a:r>
-              <a:rPr lang="fr-FR" dirty="0" smtClean="0"/>
+              <a:rPr lang="fr-FR" dirty="0"/>
               <a:t>(2,))</a:t>
             </a:r>
+          </a:p>
+          <a:p>
+            <a:pPr lvl="1"/>
             <a:endParaRPr lang="fr-FR" dirty="0"/>
           </a:p>
           <a:p>
             <a:pPr lvl="1"/>
             <a:endParaRPr lang="fr-FR" dirty="0"/>
-          </a:p>
-          <a:p>
-            <a:pPr lvl="1"/>
-            <a:endParaRPr lang="fr-FR" dirty="0" smtClean="0"/>
           </a:p>
           <a:p>
             <a:pPr lvl="1"/>
@@ -11146,13 +10717,6 @@
   <p:clrMapOvr>
     <a:masterClrMapping/>
   </p:clrMapOvr>
-  <p:timing>
-    <p:tnLst>
-      <p:par>
-        <p:cTn id="1" dur="indefinite" restart="never" nodeType="tmRoot"/>
-      </p:par>
-    </p:tnLst>
-  </p:timing>
 </p:sld>
 </file>
 
@@ -11189,7 +10753,7 @@
           <a:lstStyle/>
           <a:p>
             <a:r>
-              <a:rPr lang="fr-FR" dirty="0" err="1" smtClean="0"/>
+              <a:rPr lang="fr-FR" dirty="0" err="1"/>
               <a:t>Sequential</a:t>
             </a:r>
             <a:endParaRPr lang="fr-FR" dirty="0"/>
@@ -11212,38 +10776,34 @@
           <a:lstStyle/>
           <a:p>
             <a:r>
-              <a:rPr lang="fr-FR" dirty="0" err="1" smtClean="0"/>
+              <a:rPr lang="fr-FR" dirty="0" err="1"/>
               <a:t>Keras.Sequential</a:t>
             </a:r>
-            <a:endParaRPr lang="fr-FR" dirty="0" smtClean="0"/>
-          </a:p>
-          <a:p>
-            <a:pPr lvl="1"/>
-            <a:r>
-              <a:rPr lang="fr-FR" dirty="0"/>
-              <a:t>M</a:t>
-            </a:r>
-            <a:r>
-              <a:rPr lang="fr-FR" dirty="0" smtClean="0"/>
-              <a:t>odel = </a:t>
-            </a:r>
-            <a:r>
-              <a:rPr lang="fr-FR" dirty="0" err="1" smtClean="0"/>
+            <a:endParaRPr lang="fr-FR" dirty="0"/>
+          </a:p>
+          <a:p>
+            <a:pPr lvl="1"/>
+            <a:r>
+              <a:rPr lang="fr-FR" dirty="0"/>
+              <a:t>Model = </a:t>
+            </a:r>
+            <a:r>
+              <a:rPr lang="fr-FR" dirty="0" err="1"/>
               <a:t>keras.Sequential</a:t>
             </a:r>
             <a:r>
-              <a:rPr lang="fr-FR" dirty="0" smtClean="0"/>
+              <a:rPr lang="fr-FR" dirty="0"/>
               <a:t>()</a:t>
             </a:r>
           </a:p>
           <a:p>
             <a:pPr lvl="1"/>
             <a:r>
-              <a:rPr lang="fr-FR" dirty="0" smtClean="0"/>
+              <a:rPr lang="fr-FR" dirty="0"/>
               <a:t>Possède une liste de </a:t>
             </a:r>
             <a:r>
-              <a:rPr lang="fr-FR" dirty="0" err="1" smtClean="0"/>
+              <a:rPr lang="fr-FR" dirty="0" err="1"/>
               <a:t>layers</a:t>
             </a:r>
             <a:endParaRPr lang="fr-FR" dirty="0"/>
@@ -11251,30 +10811,30 @@
           <a:p>
             <a:pPr lvl="1"/>
             <a:r>
-              <a:rPr lang="fr-FR" dirty="0" err="1" smtClean="0"/>
+              <a:rPr lang="fr-FR" dirty="0" err="1"/>
               <a:t>Model.layers</a:t>
             </a:r>
-            <a:endParaRPr lang="fr-FR" dirty="0" smtClean="0"/>
-          </a:p>
-          <a:p>
-            <a:pPr lvl="1"/>
-            <a:r>
-              <a:rPr lang="fr-FR" dirty="0" smtClean="0"/>
+            <a:endParaRPr lang="fr-FR" dirty="0"/>
+          </a:p>
+          <a:p>
+            <a:pPr lvl="1"/>
+            <a:r>
+              <a:rPr lang="fr-FR" dirty="0"/>
               <a:t>Ajout d’un layer soit par </a:t>
             </a:r>
             <a:r>
-              <a:rPr lang="fr-FR" dirty="0" err="1" smtClean="0"/>
+              <a:rPr lang="fr-FR" dirty="0" err="1"/>
               <a:t>add</a:t>
             </a:r>
             <a:r>
-              <a:rPr lang="fr-FR" dirty="0" smtClean="0"/>
+              <a:rPr lang="fr-FR" dirty="0"/>
               <a:t> soit par le constructeur</a:t>
             </a:r>
           </a:p>
           <a:p>
             <a:pPr lvl="1"/>
             <a:r>
-              <a:rPr lang="fr-FR" dirty="0" smtClean="0"/>
+              <a:rPr lang="fr-FR" dirty="0"/>
               <a:t>Un layer ne peut avoir qu’un seul parent (MLP)</a:t>
             </a:r>
           </a:p>
@@ -11342,13 +10902,6 @@
   <p:clrMapOvr>
     <a:masterClrMapping/>
   </p:clrMapOvr>
-  <p:timing>
-    <p:tnLst>
-      <p:par>
-        <p:cTn id="1" dur="indefinite" restart="never" nodeType="tmRoot"/>
-      </p:par>
-    </p:tnLst>
-  </p:timing>
 </p:sld>
 </file>
 

--- a/PPT/DeepLearning09-Keras.pptx
+++ b/PPT/DeepLearning09-Keras.pptx
@@ -8012,7 +8012,7 @@
           <a:p>
             <a:r>
               <a:rPr lang="fr-FR" dirty="0"/>
-              <a:t>La somme des score doit faire 1</a:t>
+              <a:t>La somme des scores doit faire 1</a:t>
             </a:r>
           </a:p>
           <a:p>
@@ -8025,7 +8025,7 @@
             <a:pPr lvl="1"/>
             <a:r>
               <a:rPr lang="fr-FR" dirty="0"/>
-              <a:t>Respect des ratios des score</a:t>
+              <a:t>Respect des ratios des scores</a:t>
             </a:r>
           </a:p>
           <a:p>
@@ -8633,68 +8633,88 @@
           <a:lstStyle/>
           <a:p>
             <a:r>
+              <a:rPr lang="fr-FR" dirty="0"/>
+              <a:t>Le modèle est </a:t>
+            </a:r>
+            <a:r>
+              <a:rPr lang="fr-FR" dirty="0" err="1"/>
+              <a:t>sauvegardable</a:t>
+            </a:r>
+            <a:endParaRPr lang="fr-FR" dirty="0"/>
+          </a:p>
+          <a:p>
+            <a:pPr lvl="1"/>
+            <a:r>
+              <a:rPr lang="fr-FR" dirty="0" err="1"/>
+              <a:t>model.save</a:t>
+            </a:r>
+            <a:r>
+              <a:rPr lang="fr-FR" dirty="0"/>
+              <a:t>("</a:t>
+            </a:r>
+            <a:r>
+              <a:rPr lang="fr-FR" dirty="0" err="1"/>
+              <a:t>path</a:t>
+            </a:r>
+            <a:r>
+              <a:rPr lang="fr-FR" dirty="0"/>
+              <a:t>")</a:t>
+            </a:r>
+          </a:p>
+          <a:p>
+            <a:r>
+              <a:rPr lang="fr-FR" dirty="0"/>
+              <a:t>Il est possible de sauvegarder uniquement les poids des </a:t>
+            </a:r>
+            <a:r>
+              <a:rPr lang="fr-FR" dirty="0" err="1"/>
+              <a:t>tensors</a:t>
+            </a:r>
+            <a:endParaRPr lang="fr-FR" dirty="0"/>
+          </a:p>
+          <a:p>
+            <a:pPr lvl="1"/>
+            <a:r>
+              <a:rPr lang="fr-FR" dirty="0"/>
+              <a:t>Le réseaux (Dense) doit être présent dans le code</a:t>
+            </a:r>
+          </a:p>
+          <a:p>
+            <a:pPr lvl="1"/>
+            <a:endParaRPr lang="fr-FR" dirty="0"/>
+          </a:p>
+          <a:p>
+            <a:pPr lvl="1"/>
+            <a:endParaRPr lang="fr-FR" dirty="0"/>
+          </a:p>
+          <a:p>
+            <a:pPr lvl="1"/>
+            <a:endParaRPr lang="fr-FR" dirty="0"/>
+          </a:p>
+          <a:p>
+            <a:pPr lvl="1"/>
+            <a:r>
+              <a:rPr lang="fr-FR" dirty="0"/>
+              <a:t>Le format H5 est compatible </a:t>
+            </a:r>
+            <a:r>
+              <a:rPr lang="fr-FR" dirty="0" err="1"/>
+              <a:t>Keras</a:t>
+            </a:r>
+            <a:r>
+              <a:rPr lang="fr-FR" dirty="0"/>
+              <a:t> et donc portable</a:t>
+            </a:r>
+          </a:p>
+          <a:p>
+            <a:pPr lvl="2"/>
+            <a:r>
               <a:rPr lang="fr-FR"/>
-              <a:t>Le modèle est sauvegardable</a:t>
-            </a:r>
-          </a:p>
-          <a:p>
-            <a:pPr lvl="1"/>
-            <a:r>
-              <a:rPr lang="fr-FR"/>
-              <a:t>Assez petit</a:t>
-            </a:r>
-          </a:p>
-          <a:p>
-            <a:pPr lvl="1"/>
-            <a:r>
-              <a:rPr lang="fr-FR"/>
-              <a:t>Incompatible Pickle (non sérialisable)</a:t>
-            </a:r>
-          </a:p>
-          <a:p>
-            <a:r>
-              <a:rPr lang="fr-FR"/>
-              <a:t>Il est possible de sauvegarder uniquement les poids des tensors</a:t>
-            </a:r>
-          </a:p>
-          <a:p>
-            <a:pPr lvl="1"/>
-            <a:r>
-              <a:rPr lang="fr-FR"/>
-              <a:t>Le réseaux (Dense) doit être présent dans le code</a:t>
-            </a:r>
-          </a:p>
-          <a:p>
-            <a:pPr lvl="1"/>
-            <a:endParaRPr lang="fr-FR"/>
-          </a:p>
-          <a:p>
-            <a:pPr lvl="1"/>
-            <a:endParaRPr lang="fr-FR"/>
-          </a:p>
-          <a:p>
-            <a:pPr lvl="1"/>
-            <a:endParaRPr lang="fr-FR"/>
-          </a:p>
-          <a:p>
-            <a:pPr lvl="1"/>
-            <a:r>
-              <a:rPr lang="fr-FR"/>
-              <a:t>Le format H5 est compatible Keras et donc portable</a:t>
-            </a:r>
-          </a:p>
-          <a:p>
-            <a:pPr lvl="2"/>
-            <a:r>
-              <a:rPr lang="fr-FR"/>
-              <a:t>Contrairement au format par défaut</a:t>
-            </a:r>
-          </a:p>
-          <a:p>
-            <a:pPr lvl="2"/>
-            <a:r>
-              <a:rPr lang="fr-FR"/>
-              <a:t>Requiert h5py</a:t>
+              <a:t>Requiert </a:t>
+            </a:r>
+            <a:r>
+              <a:rPr lang="fr-FR" dirty="0"/>
+              <a:t>h5py</a:t>
             </a:r>
           </a:p>
         </p:txBody>
@@ -8715,7 +8735,7 @@
         </p:blipFill>
         <p:spPr>
           <a:xfrm>
-            <a:off x="2409887" y="4293096"/>
+            <a:off x="2419350" y="3789040"/>
             <a:ext cx="4305300" cy="1057275"/>
           </a:xfrm>
           <a:prstGeom prst="rect">

--- a/PPT/DeepLearning09-Keras.pptx
+++ b/PPT/DeepLearning09-Keras.pptx
@@ -5,10 +5,10 @@
     <p:sldMasterId id="2147483653" r:id="rId1"/>
   </p:sldMasterIdLst>
   <p:notesMasterIdLst>
-    <p:notesMasterId r:id="rId48"/>
+    <p:notesMasterId r:id="rId47"/>
   </p:notesMasterIdLst>
   <p:handoutMasterIdLst>
-    <p:handoutMasterId r:id="rId49"/>
+    <p:handoutMasterId r:id="rId48"/>
   </p:handoutMasterIdLst>
   <p:sldIdLst>
     <p:sldId id="264" r:id="rId2"/>
@@ -54,9 +54,8 @@
     <p:sldId id="352" r:id="rId42"/>
     <p:sldId id="354" r:id="rId43"/>
     <p:sldId id="355" r:id="rId44"/>
-    <p:sldId id="320" r:id="rId45"/>
-    <p:sldId id="356" r:id="rId46"/>
-    <p:sldId id="357" r:id="rId47"/>
+    <p:sldId id="356" r:id="rId45"/>
+    <p:sldId id="357" r:id="rId46"/>
   </p:sldIdLst>
   <p:sldSz cx="9144000" cy="6858000" type="screen4x3"/>
   <p:notesSz cx="6648450" cy="9782175"/>
@@ -8643,25 +8642,6 @@
             <a:endParaRPr lang="fr-FR" dirty="0"/>
           </a:p>
           <a:p>
-            <a:pPr lvl="1"/>
-            <a:r>
-              <a:rPr lang="fr-FR" dirty="0" err="1"/>
-              <a:t>model.save</a:t>
-            </a:r>
-            <a:r>
-              <a:rPr lang="fr-FR" dirty="0"/>
-              <a:t>("</a:t>
-            </a:r>
-            <a:r>
-              <a:rPr lang="fr-FR" dirty="0" err="1"/>
-              <a:t>path</a:t>
-            </a:r>
-            <a:r>
-              <a:rPr lang="fr-FR" dirty="0"/>
-              <a:t>")</a:t>
-            </a:r>
-          </a:p>
-          <a:p>
             <a:r>
               <a:rPr lang="fr-FR" dirty="0"/>
               <a:t>Il est possible de sauvegarder uniquement les poids des </a:t>
@@ -8709,12 +8689,8 @@
           <a:p>
             <a:pPr lvl="2"/>
             <a:r>
-              <a:rPr lang="fr-FR"/>
-              <a:t>Requiert </a:t>
-            </a:r>
-            <a:r>
-              <a:rPr lang="fr-FR" dirty="0"/>
-              <a:t>h5py</a:t>
+              <a:rPr lang="fr-FR" dirty="0"/>
+              <a:t>Requiert h5py</a:t>
             </a:r>
           </a:p>
         </p:txBody>
@@ -8735,7 +8711,7 @@
         </p:blipFill>
         <p:spPr>
           <a:xfrm>
-            <a:off x="2419350" y="3789040"/>
+            <a:off x="2409887" y="3429000"/>
             <a:ext cx="4305300" cy="1057275"/>
           </a:xfrm>
           <a:prstGeom prst="rect">
@@ -9050,74 +9026,81 @@
             <a:pPr lvl="1"/>
             <a:r>
               <a:rPr lang="fr-FR" dirty="0"/>
-              <a:t>Evite le </a:t>
-            </a:r>
-            <a:r>
-              <a:rPr lang="fr-FR" dirty="0" err="1"/>
-              <a:t>surapprentissage</a:t>
+              <a:t>Combat le surapprentissage</a:t>
+            </a:r>
+          </a:p>
+          <a:p>
+            <a:pPr lvl="1"/>
+            <a:r>
+              <a:rPr lang="fr-FR" dirty="0"/>
+              <a:t>Evite d'être dépendant d'un neurone</a:t>
+            </a:r>
+          </a:p>
+          <a:p>
+            <a:pPr lvl="1"/>
+            <a:r>
+              <a:rPr lang="fr-FR" dirty="0"/>
+              <a:t>Encourage le réseau dans son ensemble</a:t>
+            </a:r>
+          </a:p>
+          <a:p>
+            <a:pPr lvl="1"/>
+            <a:r>
+              <a:rPr lang="fr-FR" dirty="0"/>
+              <a:t>Désactivé lors de l’inférence par </a:t>
+            </a:r>
+            <a:r>
+              <a:rPr lang="fr-FR" dirty="0" err="1"/>
+              <a:t>predict</a:t>
+            </a:r>
+            <a:r>
+              <a:rPr lang="fr-FR" dirty="0"/>
+              <a:t> et </a:t>
+            </a:r>
+            <a:r>
+              <a:rPr lang="fr-FR" dirty="0" err="1"/>
+              <a:t>evaluate</a:t>
             </a:r>
             <a:endParaRPr lang="fr-FR" dirty="0"/>
           </a:p>
           <a:p>
-            <a:pPr lvl="1"/>
-            <a:r>
-              <a:rPr lang="fr-FR" dirty="0"/>
-              <a:t>Evite d'être dépendant d'un neurone</a:t>
-            </a:r>
-          </a:p>
-          <a:p>
-            <a:pPr lvl="1"/>
-            <a:r>
-              <a:rPr lang="fr-FR" dirty="0"/>
-              <a:t>Encourage le réseau dans son ensemble</a:t>
-            </a:r>
-          </a:p>
-          <a:p>
-            <a:pPr lvl="1"/>
-            <a:r>
-              <a:rPr lang="fr-FR" dirty="0"/>
-              <a:t>Désactivé lors de l’inférence par </a:t>
-            </a:r>
-            <a:r>
-              <a:rPr lang="fr-FR" dirty="0" err="1"/>
-              <a:t>predict</a:t>
-            </a:r>
-            <a:r>
-              <a:rPr lang="fr-FR" dirty="0"/>
-              <a:t> et </a:t>
-            </a:r>
-            <a:r>
-              <a:rPr lang="fr-FR" dirty="0" err="1"/>
-              <a:t>evaluate</a:t>
-            </a:r>
             <a:endParaRPr lang="fr-FR" dirty="0"/>
           </a:p>
           <a:p>
-            <a:r>
-              <a:rPr lang="fr-FR" dirty="0"/>
+            <a:endParaRPr lang="fr-FR" dirty="0"/>
+          </a:p>
+          <a:p>
+            <a:endParaRPr lang="fr-FR" dirty="0"/>
+          </a:p>
+          <a:p>
+            <a:endParaRPr lang="fr-FR" dirty="0"/>
+          </a:p>
+          <a:p>
+            <a:r>
+              <a:rPr lang="fr-FR" sz="2400" dirty="0"/>
               <a:t>Le </a:t>
             </a:r>
             <a:r>
-              <a:rPr lang="fr-FR" dirty="0" err="1"/>
+              <a:rPr lang="fr-FR" sz="2400" dirty="0" err="1"/>
               <a:t>DropConnect</a:t>
             </a:r>
             <a:r>
-              <a:rPr lang="fr-FR" dirty="0"/>
+              <a:rPr lang="fr-FR" sz="2400" dirty="0"/>
               <a:t> désactive aléatoirement un input</a:t>
             </a:r>
           </a:p>
           <a:p>
             <a:pPr lvl="1"/>
             <a:r>
-              <a:rPr lang="fr-FR" dirty="0"/>
+              <a:rPr lang="fr-FR" sz="2000" dirty="0"/>
               <a:t>Assez identique au </a:t>
             </a:r>
             <a:r>
-              <a:rPr lang="fr-FR" dirty="0" err="1"/>
+              <a:rPr lang="fr-FR" sz="2000" dirty="0" err="1"/>
               <a:t>DropOut</a:t>
             </a:r>
             <a:r>
-              <a:rPr lang="fr-FR" dirty="0"/>
+              <a:rPr lang="fr-FR" sz="2000" dirty="0"/>
               <a:t> en moins puissant</a:t>
             </a:r>
           </a:p>
@@ -9158,7 +9141,7 @@
         </p:blipFill>
         <p:spPr bwMode="auto">
           <a:xfrm>
-            <a:off x="2555776" y="4692134"/>
+            <a:off x="2726333" y="3645024"/>
             <a:ext cx="3672408" cy="2139576"/>
           </a:xfrm>
           <a:prstGeom prst="rect">
@@ -9653,131 +9636,6 @@
 </file>
 
 <file path=ppt/slides/slide44.xml><?xml version="1.0" encoding="utf-8"?>
-<p:sld xmlns:a="http://schemas.openxmlformats.org/drawingml/2006/main" xmlns:r="http://schemas.openxmlformats.org/officeDocument/2006/relationships" xmlns:p="http://schemas.openxmlformats.org/presentationml/2006/main">
-  <p:cSld>
-    <p:spTree>
-      <p:nvGrpSpPr>
-        <p:cNvPr id="1" name=""/>
-        <p:cNvGrpSpPr/>
-        <p:nvPr/>
-      </p:nvGrpSpPr>
-      <p:grpSpPr>
-        <a:xfrm>
-          <a:off x="0" y="0"/>
-          <a:ext cx="0" cy="0"/>
-          <a:chOff x="0" y="0"/>
-          <a:chExt cx="0" cy="0"/>
-        </a:xfrm>
-      </p:grpSpPr>
-      <p:sp>
-        <p:nvSpPr>
-          <p:cNvPr id="2" name="Titre 1"/>
-          <p:cNvSpPr>
-            <a:spLocks noGrp="1"/>
-          </p:cNvSpPr>
-          <p:nvPr>
-            <p:ph type="title"/>
-          </p:nvPr>
-        </p:nvSpPr>
-        <p:spPr/>
-        <p:txBody>
-          <a:bodyPr/>
-          <a:lstStyle/>
-          <a:p>
-            <a:r>
-              <a:rPr lang="fr-FR" dirty="0" err="1"/>
-              <a:t>Keras</a:t>
-            </a:r>
-            <a:r>
-              <a:rPr lang="fr-FR" dirty="0"/>
-              <a:t> et </a:t>
-            </a:r>
-            <a:r>
-              <a:rPr lang="fr-FR" dirty="0" err="1"/>
-              <a:t>ScikitLearn</a:t>
-            </a:r>
-            <a:endParaRPr lang="fr-FR" dirty="0"/>
-          </a:p>
-        </p:txBody>
-      </p:sp>
-      <p:sp>
-        <p:nvSpPr>
-          <p:cNvPr id="3" name="Espace réservé du contenu 2"/>
-          <p:cNvSpPr>
-            <a:spLocks noGrp="1"/>
-          </p:cNvSpPr>
-          <p:nvPr>
-            <p:ph idx="1"/>
-          </p:nvPr>
-        </p:nvSpPr>
-        <p:spPr/>
-        <p:txBody>
-          <a:bodyPr/>
-          <a:lstStyle/>
-          <a:p>
-            <a:r>
-              <a:rPr lang="fr-FR" dirty="0" err="1"/>
-              <a:t>Keras</a:t>
-            </a:r>
-            <a:r>
-              <a:rPr lang="fr-FR" dirty="0"/>
-              <a:t> fonctionne avec </a:t>
-            </a:r>
-            <a:r>
-              <a:rPr lang="fr-FR" dirty="0" err="1"/>
-              <a:t>SKLearn</a:t>
-            </a:r>
-            <a:endParaRPr lang="fr-FR" dirty="0"/>
-          </a:p>
-          <a:p>
-            <a:r>
-              <a:rPr lang="fr-FR" dirty="0"/>
-              <a:t>Obligatoire pour récupérer le *.h5</a:t>
-            </a:r>
-          </a:p>
-          <a:p>
-            <a:endParaRPr lang="fr-FR" dirty="0"/>
-          </a:p>
-        </p:txBody>
-      </p:sp>
-      <p:pic>
-        <p:nvPicPr>
-          <p:cNvPr id="4" name="Image 3"/>
-          <p:cNvPicPr>
-            <a:picLocks noChangeAspect="1"/>
-          </p:cNvPicPr>
-          <p:nvPr/>
-        </p:nvPicPr>
-        <p:blipFill>
-          <a:blip r:embed="rId2"/>
-          <a:stretch>
-            <a:fillRect/>
-          </a:stretch>
-        </p:blipFill>
-        <p:spPr>
-          <a:xfrm>
-            <a:off x="244080" y="2636912"/>
-            <a:ext cx="8686800" cy="3352800"/>
-          </a:xfrm>
-          <a:prstGeom prst="rect">
-            <a:avLst/>
-          </a:prstGeom>
-        </p:spPr>
-      </p:pic>
-    </p:spTree>
-    <p:extLst>
-      <p:ext uri="{BB962C8B-B14F-4D97-AF65-F5344CB8AC3E}">
-        <p14:creationId xmlns:p14="http://schemas.microsoft.com/office/powerpoint/2010/main" val="2207666124"/>
-      </p:ext>
-    </p:extLst>
-  </p:cSld>
-  <p:clrMapOvr>
-    <a:masterClrMapping/>
-  </p:clrMapOvr>
-</p:sld>
-</file>
-
-<file path=ppt/slides/slide45.xml><?xml version="1.0" encoding="utf-8"?>
 <p:sld xmlns:a="http://schemas.openxmlformats.org/drawingml/2006/main" xmlns:r="http://schemas.openxmlformats.org/officeDocument/2006/relationships" xmlns:p="http://schemas.openxmlformats.org/presentationml/2006/main">
   <p:cSld>
     <p:spTree>
@@ -9916,7 +9774,7 @@
 </p:sld>
 </file>
 
-<file path=ppt/slides/slide46.xml><?xml version="1.0" encoding="utf-8"?>
+<file path=ppt/slides/slide45.xml><?xml version="1.0" encoding="utf-8"?>
 <p:sld xmlns:a="http://schemas.openxmlformats.org/drawingml/2006/main" xmlns:r="http://schemas.openxmlformats.org/officeDocument/2006/relationships" xmlns:p="http://schemas.openxmlformats.org/presentationml/2006/main">
   <p:cSld>
     <p:spTree>

--- a/PPT/DeepLearning09-Keras.pptx
+++ b/PPT/DeepLearning09-Keras.pptx
@@ -7185,8 +7185,13 @@
             <a:pPr lvl="1"/>
             <a:r>
               <a:rPr lang="fr-FR" dirty="0"/>
-              <a:t>Par défaut l’activation est relu</a:t>
-            </a:r>
+              <a:t>Par défaut l’activation est </a:t>
+            </a:r>
+            <a:r>
+              <a:rPr lang="fr-FR" dirty="0" err="1"/>
+              <a:t>linear</a:t>
+            </a:r>
+            <a:endParaRPr lang="fr-FR" dirty="0"/>
           </a:p>
           <a:p>
             <a:endParaRPr lang="fr-FR" dirty="0"/>
@@ -7334,7 +7339,7 @@
           <a:p>
             <a:r>
               <a:rPr lang="fr-FR" sz="2400" dirty="0" err="1"/>
-              <a:t>RobusteScaler</a:t>
+              <a:t>RobustScaler</a:t>
             </a:r>
             <a:endParaRPr lang="fr-FR" sz="2400" dirty="0"/>
           </a:p>
@@ -10008,7 +10013,7 @@
           <a:p>
             <a:r>
               <a:rPr lang="fr-FR" dirty="0"/>
-              <a:t>relu (défaut)</a:t>
+              <a:t>relu</a:t>
             </a:r>
           </a:p>
           <a:p>

--- a/PPT/DeepLearning09-Keras.pptx
+++ b/PPT/DeepLearning09-Keras.pptx
@@ -47,9 +47,9 @@
     <p:sldId id="360" r:id="rId35"/>
     <p:sldId id="347" r:id="rId36"/>
     <p:sldId id="348" r:id="rId37"/>
-    <p:sldId id="349" r:id="rId38"/>
-    <p:sldId id="305" r:id="rId39"/>
-    <p:sldId id="306" r:id="rId40"/>
+    <p:sldId id="305" r:id="rId38"/>
+    <p:sldId id="306" r:id="rId39"/>
+    <p:sldId id="349" r:id="rId40"/>
     <p:sldId id="351" r:id="rId41"/>
     <p:sldId id="352" r:id="rId42"/>
     <p:sldId id="354" r:id="rId43"/>
@@ -5495,6 +5495,14 @@
               <a:rPr lang="fr-FR" dirty="0" err="1"/>
               <a:t>tensorflow.keras</a:t>
             </a:r>
+            <a:r>
+              <a:rPr lang="fr-FR" dirty="0"/>
+              <a:t> as </a:t>
+            </a:r>
+            <a:r>
+              <a:rPr lang="fr-FR" dirty="0" err="1"/>
+              <a:t>keras</a:t>
+            </a:r>
             <a:endParaRPr lang="fr-FR" dirty="0"/>
           </a:p>
         </p:txBody>
@@ -8454,7 +8462,7 @@
             </a:r>
             <a:r>
               <a:rPr lang="fr-FR" dirty="0"/>
-              <a:t>=1e-4)</a:t>
+              <a:t>=1e-5)</a:t>
             </a:r>
           </a:p>
           <a:p>
@@ -8477,112 +8485,6 @@
 </file>
 
 <file path=ppt/slides/slide37.xml><?xml version="1.0" encoding="utf-8"?>
-<p:sld xmlns:a="http://schemas.openxmlformats.org/drawingml/2006/main" xmlns:r="http://schemas.openxmlformats.org/officeDocument/2006/relationships" xmlns:p="http://schemas.openxmlformats.org/presentationml/2006/main">
-  <p:cSld>
-    <p:spTree>
-      <p:nvGrpSpPr>
-        <p:cNvPr id="1" name=""/>
-        <p:cNvGrpSpPr/>
-        <p:nvPr/>
-      </p:nvGrpSpPr>
-      <p:grpSpPr>
-        <a:xfrm>
-          <a:off x="0" y="0"/>
-          <a:ext cx="0" cy="0"/>
-          <a:chOff x="0" y="0"/>
-          <a:chExt cx="0" cy="0"/>
-        </a:xfrm>
-      </p:grpSpPr>
-      <p:sp>
-        <p:nvSpPr>
-          <p:cNvPr id="2" name="Titre 1"/>
-          <p:cNvSpPr>
-            <a:spLocks noGrp="1"/>
-          </p:cNvSpPr>
-          <p:nvPr>
-            <p:ph type="title"/>
-          </p:nvPr>
-        </p:nvSpPr>
-        <p:spPr/>
-        <p:txBody>
-          <a:bodyPr/>
-          <a:lstStyle/>
-          <a:p>
-            <a:r>
-              <a:rPr lang="fr-FR" dirty="0"/>
-              <a:t>Optimisation du </a:t>
-            </a:r>
-            <a:r>
-              <a:rPr lang="fr-FR" dirty="0" err="1"/>
-              <a:t>loss</a:t>
-            </a:r>
-            <a:endParaRPr lang="fr-FR" dirty="0"/>
-          </a:p>
-        </p:txBody>
-      </p:sp>
-      <p:sp>
-        <p:nvSpPr>
-          <p:cNvPr id="3" name="Espace réservé du contenu 2"/>
-          <p:cNvSpPr>
-            <a:spLocks noGrp="1"/>
-          </p:cNvSpPr>
-          <p:nvPr>
-            <p:ph idx="1"/>
-          </p:nvPr>
-        </p:nvSpPr>
-        <p:spPr/>
-        <p:txBody>
-          <a:bodyPr/>
-          <a:lstStyle/>
-          <a:p>
-            <a:r>
-              <a:rPr lang="fr-FR" dirty="0"/>
-              <a:t>Il est possible de customiser la fonction de </a:t>
-            </a:r>
-            <a:r>
-              <a:rPr lang="fr-FR" dirty="0" err="1"/>
-              <a:t>loss</a:t>
-            </a:r>
-            <a:r>
-              <a:rPr lang="fr-FR" dirty="0"/>
-              <a:t> et les poids de catégories</a:t>
-            </a:r>
-          </a:p>
-          <a:p>
-            <a:pPr lvl="1"/>
-            <a:r>
-              <a:rPr lang="fr-FR" dirty="0"/>
-              <a:t>Utilisation des fonctions </a:t>
-            </a:r>
-            <a:r>
-              <a:rPr lang="fr-FR" dirty="0" err="1"/>
-              <a:t>Keras</a:t>
-            </a:r>
-            <a:endParaRPr lang="fr-FR" dirty="0"/>
-          </a:p>
-          <a:p>
-            <a:pPr lvl="1"/>
-            <a:r>
-              <a:rPr lang="fr-FR" dirty="0"/>
-              <a:t>Voir démo</a:t>
-            </a:r>
-          </a:p>
-        </p:txBody>
-      </p:sp>
-    </p:spTree>
-    <p:extLst>
-      <p:ext uri="{BB962C8B-B14F-4D97-AF65-F5344CB8AC3E}">
-        <p14:creationId xmlns:p14="http://schemas.microsoft.com/office/powerpoint/2010/main" val="1422566737"/>
-      </p:ext>
-    </p:extLst>
-  </p:cSld>
-  <p:clrMapOvr>
-    <a:masterClrMapping/>
-  </p:clrMapOvr>
-</p:sld>
-</file>
-
-<file path=ppt/slides/slide38.xml><?xml version="1.0" encoding="utf-8"?>
 <p:sld xmlns:a="http://schemas.openxmlformats.org/drawingml/2006/main" xmlns:r="http://schemas.openxmlformats.org/officeDocument/2006/relationships" xmlns:p="http://schemas.openxmlformats.org/presentationml/2006/main">
   <p:cSld>
     <p:spTree>
@@ -8737,6 +8639,128 @@
 </p:sld>
 </file>
 
+<file path=ppt/slides/slide38.xml><?xml version="1.0" encoding="utf-8"?>
+<p:sld xmlns:a="http://schemas.openxmlformats.org/drawingml/2006/main" xmlns:r="http://schemas.openxmlformats.org/officeDocument/2006/relationships" xmlns:p="http://schemas.openxmlformats.org/presentationml/2006/main">
+  <p:cSld>
+    <p:spTree>
+      <p:nvGrpSpPr>
+        <p:cNvPr id="1" name=""/>
+        <p:cNvGrpSpPr/>
+        <p:nvPr/>
+      </p:nvGrpSpPr>
+      <p:grpSpPr>
+        <a:xfrm>
+          <a:off x="0" y="0"/>
+          <a:ext cx="0" cy="0"/>
+          <a:chOff x="0" y="0"/>
+          <a:chExt cx="0" cy="0"/>
+        </a:xfrm>
+      </p:grpSpPr>
+      <p:sp>
+        <p:nvSpPr>
+          <p:cNvPr id="2" name="Titre 1"/>
+          <p:cNvSpPr>
+            <a:spLocks noGrp="1"/>
+          </p:cNvSpPr>
+          <p:nvPr>
+            <p:ph type="title"/>
+          </p:nvPr>
+        </p:nvSpPr>
+        <p:spPr/>
+        <p:txBody>
+          <a:bodyPr/>
+          <a:lstStyle/>
+          <a:p>
+            <a:r>
+              <a:rPr lang="fr-FR"/>
+              <a:t>Solidification du modèle</a:t>
+            </a:r>
+          </a:p>
+        </p:txBody>
+      </p:sp>
+      <p:sp>
+        <p:nvSpPr>
+          <p:cNvPr id="3" name="Espace réservé du contenu 2"/>
+          <p:cNvSpPr>
+            <a:spLocks noGrp="1"/>
+          </p:cNvSpPr>
+          <p:nvPr>
+            <p:ph idx="1"/>
+          </p:nvPr>
+        </p:nvSpPr>
+        <p:spPr/>
+        <p:txBody>
+          <a:bodyPr/>
+          <a:lstStyle/>
+          <a:p>
+            <a:r>
+              <a:rPr lang="fr-FR"/>
+              <a:t>Il est possible de sauvegarder la configuration du modèle</a:t>
+            </a:r>
+          </a:p>
+          <a:p>
+            <a:pPr lvl="1"/>
+            <a:r>
+              <a:rPr lang="fr-FR"/>
+              <a:t>Portable</a:t>
+            </a:r>
+          </a:p>
+          <a:p>
+            <a:pPr lvl="1"/>
+            <a:r>
+              <a:rPr lang="fr-FR"/>
+              <a:t>JSON</a:t>
+            </a:r>
+          </a:p>
+          <a:p>
+            <a:pPr lvl="1"/>
+            <a:r>
+              <a:rPr lang="fr-FR"/>
+              <a:t>json_string = model.to_json()</a:t>
+            </a:r>
+          </a:p>
+          <a:p>
+            <a:r>
+              <a:rPr lang="fr-FR"/>
+              <a:t>Il est possible de sauvegarder entièrement le modèle</a:t>
+            </a:r>
+          </a:p>
+          <a:p>
+            <a:pPr lvl="1"/>
+            <a:r>
+              <a:rPr lang="fr-FR"/>
+              <a:t>Uniquement Keras H5</a:t>
+            </a:r>
+          </a:p>
+          <a:p>
+            <a:pPr lvl="1"/>
+            <a:r>
+              <a:rPr lang="fr-FR"/>
+              <a:t>model.save(file.h5)</a:t>
+            </a:r>
+          </a:p>
+          <a:p>
+            <a:pPr lvl="1"/>
+            <a:r>
+              <a:rPr lang="fr-FR"/>
+              <a:t>model = tf.keras.models.load_model(file.h5)</a:t>
+            </a:r>
+          </a:p>
+        </p:txBody>
+      </p:sp>
+    </p:spTree>
+    <p:extLst>
+      <p:ext uri="{BB962C8B-B14F-4D97-AF65-F5344CB8AC3E}">
+        <p14:creationId xmlns:p14="http://schemas.microsoft.com/office/powerpoint/2010/main" val="1886155720"/>
+      </p:ext>
+    </p:extLst>
+  </p:cSld>
+  <p:clrMapOvr>
+    <a:masterClrMapping/>
+  </p:clrMapOvr>
+</p:sld>
+</file>
+
 <file path=ppt/slides/slide39.xml><?xml version="1.0" encoding="utf-8"?>
 <p:sld xmlns:a="http://schemas.openxmlformats.org/drawingml/2006/main" xmlns:r="http://schemas.openxmlformats.org/officeDocument/2006/relationships" xmlns:p="http://schemas.openxmlformats.org/presentationml/2006/main">
   <p:cSld>
@@ -8770,9 +8794,14 @@
           <a:lstStyle/>
           <a:p>
             <a:r>
-              <a:rPr lang="fr-FR"/>
-              <a:t>Solidification du modèle</a:t>
-            </a:r>
+              <a:rPr lang="fr-FR" dirty="0"/>
+              <a:t>Optimisation du </a:t>
+            </a:r>
+            <a:r>
+              <a:rPr lang="fr-FR" dirty="0" err="1"/>
+              <a:t>loss</a:t>
+            </a:r>
+            <a:endParaRPr lang="fr-FR" dirty="0"/>
           </a:p>
         </p:txBody>
       </p:sp>
@@ -8792,56 +8821,35 @@
           <a:lstStyle/>
           <a:p>
             <a:r>
-              <a:rPr lang="fr-FR"/>
-              <a:t>Il est possible de sauvegarder la configuration du modèle</a:t>
-            </a:r>
-          </a:p>
-          <a:p>
-            <a:pPr lvl="1"/>
-            <a:r>
-              <a:rPr lang="fr-FR"/>
-              <a:t>Portable</a:t>
-            </a:r>
-          </a:p>
-          <a:p>
-            <a:pPr lvl="1"/>
-            <a:r>
-              <a:rPr lang="fr-FR"/>
-              <a:t>JSON</a:t>
-            </a:r>
-          </a:p>
-          <a:p>
-            <a:pPr lvl="1"/>
-            <a:r>
-              <a:rPr lang="fr-FR"/>
-              <a:t>json_string = model.to_json()</a:t>
-            </a:r>
-          </a:p>
-          <a:p>
-            <a:r>
-              <a:rPr lang="fr-FR"/>
-              <a:t>Il est possible de sauvegarder entièrement le modèle</a:t>
-            </a:r>
-          </a:p>
-          <a:p>
-            <a:pPr lvl="1"/>
-            <a:r>
-              <a:rPr lang="fr-FR"/>
-              <a:t>Uniquement Keras H5</a:t>
-            </a:r>
-          </a:p>
-          <a:p>
-            <a:pPr lvl="1"/>
-            <a:r>
-              <a:rPr lang="fr-FR"/>
-              <a:t>model.save(file.h5)</a:t>
-            </a:r>
-          </a:p>
-          <a:p>
-            <a:pPr lvl="1"/>
-            <a:r>
-              <a:rPr lang="fr-FR"/>
-              <a:t>model = tf.keras.models.load_model(file.h5)</a:t>
+              <a:rPr lang="fr-FR" dirty="0"/>
+              <a:t>Il est possible de customiser la fonction de </a:t>
+            </a:r>
+            <a:r>
+              <a:rPr lang="fr-FR" dirty="0" err="1"/>
+              <a:t>loss</a:t>
+            </a:r>
+            <a:r>
+              <a:rPr lang="fr-FR" dirty="0"/>
+              <a:t> et les poids de catégories</a:t>
+            </a:r>
+          </a:p>
+          <a:p>
+            <a:pPr lvl="1"/>
+            <a:r>
+              <a:rPr lang="fr-FR" dirty="0"/>
+              <a:t>Utilisation des fonctions </a:t>
+            </a:r>
+            <a:r>
+              <a:rPr lang="fr-FR" dirty="0" err="1"/>
+              <a:t>Keras</a:t>
+            </a:r>
+            <a:endParaRPr lang="fr-FR" dirty="0"/>
+          </a:p>
+          <a:p>
+            <a:pPr lvl="1"/>
+            <a:r>
+              <a:rPr lang="fr-FR" dirty="0"/>
+              <a:t>Voir démo</a:t>
             </a:r>
           </a:p>
         </p:txBody>
@@ -8849,7 +8857,7 @@
     </p:spTree>
     <p:extLst>
       <p:ext uri="{BB962C8B-B14F-4D97-AF65-F5344CB8AC3E}">
-        <p14:creationId xmlns:p14="http://schemas.microsoft.com/office/powerpoint/2010/main" val="1886155720"/>
+        <p14:creationId xmlns:p14="http://schemas.microsoft.com/office/powerpoint/2010/main" val="1556496534"/>
       </p:ext>
     </p:extLst>
   </p:cSld>

--- a/PPT/DeepLearning09-Keras.pptx
+++ b/PPT/DeepLearning09-Keras.pptx
@@ -5,10 +5,10 @@
     <p:sldMasterId id="2147483653" r:id="rId1"/>
   </p:sldMasterIdLst>
   <p:notesMasterIdLst>
-    <p:notesMasterId r:id="rId47"/>
+    <p:notesMasterId r:id="rId48"/>
   </p:notesMasterIdLst>
   <p:handoutMasterIdLst>
-    <p:handoutMasterId r:id="rId48"/>
+    <p:handoutMasterId r:id="rId49"/>
   </p:handoutMasterIdLst>
   <p:sldIdLst>
     <p:sldId id="264" r:id="rId2"/>
@@ -49,13 +49,14 @@
     <p:sldId id="348" r:id="rId37"/>
     <p:sldId id="305" r:id="rId38"/>
     <p:sldId id="306" r:id="rId39"/>
-    <p:sldId id="349" r:id="rId40"/>
-    <p:sldId id="351" r:id="rId41"/>
-    <p:sldId id="352" r:id="rId42"/>
-    <p:sldId id="354" r:id="rId43"/>
-    <p:sldId id="355" r:id="rId44"/>
-    <p:sldId id="356" r:id="rId45"/>
-    <p:sldId id="357" r:id="rId46"/>
+    <p:sldId id="361" r:id="rId40"/>
+    <p:sldId id="349" r:id="rId41"/>
+    <p:sldId id="351" r:id="rId42"/>
+    <p:sldId id="352" r:id="rId43"/>
+    <p:sldId id="354" r:id="rId44"/>
+    <p:sldId id="355" r:id="rId45"/>
+    <p:sldId id="356" r:id="rId46"/>
+    <p:sldId id="357" r:id="rId47"/>
   </p:sldIdLst>
   <p:sldSz cx="9144000" cy="6858000" type="screen4x3"/>
   <p:notesSz cx="6648450" cy="9782175"/>
@@ -8780,7 +8781,13 @@
       </p:grpSpPr>
       <p:sp>
         <p:nvSpPr>
-          <p:cNvPr id="2" name="Titre 1"/>
+          <p:cNvPr id="2" name="Titre 1">
+            <a:extLst>
+              <a:ext uri="{FF2B5EF4-FFF2-40B4-BE49-F238E27FC236}">
+                <a16:creationId xmlns:a16="http://schemas.microsoft.com/office/drawing/2014/main" id="{D9B0984B-C31F-4507-B93B-379E1A983053}"/>
+              </a:ext>
+            </a:extLst>
+          </p:cNvPr>
           <p:cNvSpPr>
             <a:spLocks noGrp="1"/>
           </p:cNvSpPr>
@@ -8795,19 +8802,20 @@
           <a:p>
             <a:r>
               <a:rPr lang="fr-FR" dirty="0"/>
-              <a:t>Optimisation du </a:t>
-            </a:r>
-            <a:r>
-              <a:rPr lang="fr-FR" dirty="0" err="1"/>
-              <a:t>loss</a:t>
-            </a:r>
-            <a:endParaRPr lang="fr-FR" dirty="0"/>
-          </a:p>
-        </p:txBody>
-      </p:sp>
-      <p:sp>
-        <p:nvSpPr>
-          <p:cNvPr id="3" name="Espace réservé du contenu 2"/>
+              <a:t>ONNX</a:t>
+            </a:r>
+          </a:p>
+        </p:txBody>
+      </p:sp>
+      <p:sp>
+        <p:nvSpPr>
+          <p:cNvPr id="3" name="Espace réservé du contenu 2">
+            <a:extLst>
+              <a:ext uri="{FF2B5EF4-FFF2-40B4-BE49-F238E27FC236}">
+                <a16:creationId xmlns:a16="http://schemas.microsoft.com/office/drawing/2014/main" id="{B8236F60-43BF-4292-8C86-19259F6CFC16}"/>
+              </a:ext>
+            </a:extLst>
+          </p:cNvPr>
           <p:cNvSpPr>
             <a:spLocks noGrp="1"/>
           </p:cNvSpPr>
@@ -8822,42 +8830,101 @@
           <a:p>
             <a:r>
               <a:rPr lang="fr-FR" dirty="0"/>
-              <a:t>Il est possible de customiser la fonction de </a:t>
-            </a:r>
-            <a:r>
-              <a:rPr lang="fr-FR" dirty="0" err="1"/>
-              <a:t>loss</a:t>
-            </a:r>
-            <a:r>
-              <a:rPr lang="fr-FR" dirty="0"/>
-              <a:t> et les poids de catégories</a:t>
-            </a:r>
-          </a:p>
-          <a:p>
-            <a:pPr lvl="1"/>
-            <a:r>
-              <a:rPr lang="fr-FR" dirty="0"/>
-              <a:t>Utilisation des fonctions </a:t>
-            </a:r>
-            <a:r>
-              <a:rPr lang="fr-FR" dirty="0" err="1"/>
-              <a:t>Keras</a:t>
-            </a:r>
+              <a:t>Open Neural Network Exchange</a:t>
+            </a:r>
+          </a:p>
+          <a:p>
+            <a:pPr lvl="1"/>
+            <a:r>
+              <a:rPr lang="fr-FR" dirty="0" err="1"/>
+              <a:t>pip</a:t>
+            </a:r>
+            <a:r>
+              <a:rPr lang="fr-FR" dirty="0"/>
+              <a:t> </a:t>
+            </a:r>
+            <a:r>
+              <a:rPr lang="fr-FR" dirty="0" err="1"/>
+              <a:t>install</a:t>
+            </a:r>
+            <a:r>
+              <a:rPr lang="fr-FR" dirty="0"/>
+              <a:t> keras2onnx</a:t>
+            </a:r>
+          </a:p>
+          <a:p>
+            <a:pPr lvl="1"/>
+            <a:r>
+              <a:rPr lang="fr-FR" dirty="0" err="1"/>
+              <a:t>onnx_model</a:t>
+            </a:r>
+            <a:r>
+              <a:rPr lang="fr-FR" dirty="0"/>
+              <a:t> = keras2onnx.convert_keras(model, model.name)</a:t>
+            </a:r>
+          </a:p>
+          <a:p>
+            <a:pPr lvl="1"/>
+            <a:r>
+              <a:rPr lang="fr-FR" dirty="0"/>
+              <a:t>keras2onnx.save_model(</a:t>
+            </a:r>
+            <a:r>
+              <a:rPr lang="fr-FR" dirty="0" err="1"/>
+              <a:t>onnx_model</a:t>
+            </a:r>
+            <a:r>
+              <a:rPr lang="fr-FR" dirty="0"/>
+              <a:t>, "</a:t>
+            </a:r>
+            <a:r>
+              <a:rPr lang="fr-FR" dirty="0" err="1"/>
+              <a:t>model.onnx</a:t>
+            </a:r>
+            <a:r>
+              <a:rPr lang="fr-FR" dirty="0"/>
+              <a:t>")</a:t>
+            </a:r>
+          </a:p>
+          <a:p>
+            <a:r>
+              <a:rPr lang="fr-FR" dirty="0"/>
+              <a:t>.NET</a:t>
+            </a:r>
+          </a:p>
+          <a:p>
+            <a:pPr lvl="1"/>
+            <a:r>
+              <a:rPr lang="fr-FR" sz="2000" dirty="0"/>
+              <a:t>var pipeline = </a:t>
+            </a:r>
+            <a:r>
+              <a:rPr lang="fr-FR" sz="2000" dirty="0" err="1"/>
+              <a:t>mlContext.Transforms.ApplyOnnxModel</a:t>
+            </a:r>
+            <a:r>
+              <a:rPr lang="fr-FR" sz="2000" dirty="0"/>
+              <a:t>("</a:t>
+            </a:r>
+            <a:r>
+              <a:rPr lang="fr-FR" sz="2000" dirty="0" err="1"/>
+              <a:t>model.onnx</a:t>
+            </a:r>
+            <a:r>
+              <a:rPr lang="fr-FR" sz="2000" dirty="0"/>
+              <a:t>")</a:t>
+            </a:r>
+          </a:p>
+          <a:p>
+            <a:pPr lvl="1"/>
             <a:endParaRPr lang="fr-FR" dirty="0"/>
-          </a:p>
-          <a:p>
-            <a:pPr lvl="1"/>
-            <a:r>
-              <a:rPr lang="fr-FR" dirty="0"/>
-              <a:t>Voir démo</a:t>
-            </a:r>
           </a:p>
         </p:txBody>
       </p:sp>
     </p:spTree>
     <p:extLst>
       <p:ext uri="{BB962C8B-B14F-4D97-AF65-F5344CB8AC3E}">
-        <p14:creationId xmlns:p14="http://schemas.microsoft.com/office/powerpoint/2010/main" val="1556496534"/>
+        <p14:creationId xmlns:p14="http://schemas.microsoft.com/office/powerpoint/2010/main" val="4017057312"/>
       </p:ext>
     </p:extLst>
   </p:cSld>
@@ -9002,6 +9069,112 @@
           <a:p>
             <a:r>
               <a:rPr lang="fr-FR" dirty="0"/>
+              <a:t>Optimisation du </a:t>
+            </a:r>
+            <a:r>
+              <a:rPr lang="fr-FR" dirty="0" err="1"/>
+              <a:t>loss</a:t>
+            </a:r>
+            <a:endParaRPr lang="fr-FR" dirty="0"/>
+          </a:p>
+        </p:txBody>
+      </p:sp>
+      <p:sp>
+        <p:nvSpPr>
+          <p:cNvPr id="3" name="Espace réservé du contenu 2"/>
+          <p:cNvSpPr>
+            <a:spLocks noGrp="1"/>
+          </p:cNvSpPr>
+          <p:nvPr>
+            <p:ph idx="1"/>
+          </p:nvPr>
+        </p:nvSpPr>
+        <p:spPr/>
+        <p:txBody>
+          <a:bodyPr/>
+          <a:lstStyle/>
+          <a:p>
+            <a:r>
+              <a:rPr lang="fr-FR" dirty="0"/>
+              <a:t>Il est possible de customiser la fonction de </a:t>
+            </a:r>
+            <a:r>
+              <a:rPr lang="fr-FR" dirty="0" err="1"/>
+              <a:t>loss</a:t>
+            </a:r>
+            <a:r>
+              <a:rPr lang="fr-FR" dirty="0"/>
+              <a:t> et les poids de catégories</a:t>
+            </a:r>
+          </a:p>
+          <a:p>
+            <a:pPr lvl="1"/>
+            <a:r>
+              <a:rPr lang="fr-FR" dirty="0"/>
+              <a:t>Utilisation des fonctions </a:t>
+            </a:r>
+            <a:r>
+              <a:rPr lang="fr-FR" dirty="0" err="1"/>
+              <a:t>Keras</a:t>
+            </a:r>
+            <a:endParaRPr lang="fr-FR" dirty="0"/>
+          </a:p>
+          <a:p>
+            <a:pPr lvl="1"/>
+            <a:r>
+              <a:rPr lang="fr-FR" dirty="0"/>
+              <a:t>Voir démo</a:t>
+            </a:r>
+          </a:p>
+        </p:txBody>
+      </p:sp>
+    </p:spTree>
+    <p:extLst>
+      <p:ext uri="{BB962C8B-B14F-4D97-AF65-F5344CB8AC3E}">
+        <p14:creationId xmlns:p14="http://schemas.microsoft.com/office/powerpoint/2010/main" val="1556496534"/>
+      </p:ext>
+    </p:extLst>
+  </p:cSld>
+  <p:clrMapOvr>
+    <a:masterClrMapping/>
+  </p:clrMapOvr>
+</p:sld>
+</file>
+
+<file path=ppt/slides/slide41.xml><?xml version="1.0" encoding="utf-8"?>
+<p:sld xmlns:a="http://schemas.openxmlformats.org/drawingml/2006/main" xmlns:r="http://schemas.openxmlformats.org/officeDocument/2006/relationships" xmlns:p="http://schemas.openxmlformats.org/presentationml/2006/main">
+  <p:cSld>
+    <p:spTree>
+      <p:nvGrpSpPr>
+        <p:cNvPr id="1" name=""/>
+        <p:cNvGrpSpPr/>
+        <p:nvPr/>
+      </p:nvGrpSpPr>
+      <p:grpSpPr>
+        <a:xfrm>
+          <a:off x="0" y="0"/>
+          <a:ext cx="0" cy="0"/>
+          <a:chOff x="0" y="0"/>
+          <a:chExt cx="0" cy="0"/>
+        </a:xfrm>
+      </p:grpSpPr>
+      <p:sp>
+        <p:nvSpPr>
+          <p:cNvPr id="2" name="Titre 1"/>
+          <p:cNvSpPr>
+            <a:spLocks noGrp="1"/>
+          </p:cNvSpPr>
+          <p:nvPr>
+            <p:ph type="title"/>
+          </p:nvPr>
+        </p:nvSpPr>
+        <p:spPr/>
+        <p:txBody>
+          <a:bodyPr/>
+          <a:lstStyle/>
+          <a:p>
+            <a:r>
+              <a:rPr lang="fr-FR" dirty="0"/>
               <a:t>Régularisation</a:t>
             </a:r>
           </a:p>
@@ -9185,7 +9358,7 @@
 </p:sld>
 </file>
 
-<file path=ppt/slides/slide41.xml><?xml version="1.0" encoding="utf-8"?>
+<file path=ppt/slides/slide42.xml><?xml version="1.0" encoding="utf-8"?>
 <p:sld xmlns:a="http://schemas.openxmlformats.org/drawingml/2006/main" xmlns:r="http://schemas.openxmlformats.org/officeDocument/2006/relationships" xmlns:p="http://schemas.openxmlformats.org/presentationml/2006/main">
   <p:cSld>
     <p:spTree>
@@ -9413,7 +9586,7 @@
 </p:sld>
 </file>
 
-<file path=ppt/slides/slide42.xml><?xml version="1.0" encoding="utf-8"?>
+<file path=ppt/slides/slide43.xml><?xml version="1.0" encoding="utf-8"?>
 <p:sld xmlns:a="http://schemas.openxmlformats.org/drawingml/2006/main" xmlns:r="http://schemas.openxmlformats.org/officeDocument/2006/relationships" xmlns:p="http://schemas.openxmlformats.org/presentationml/2006/main">
   <p:cSld>
     <p:spTree>
@@ -9547,7 +9720,7 @@
 </p:sld>
 </file>
 
-<file path=ppt/slides/slide43.xml><?xml version="1.0" encoding="utf-8"?>
+<file path=ppt/slides/slide44.xml><?xml version="1.0" encoding="utf-8"?>
 <p:sld xmlns:a="http://schemas.openxmlformats.org/drawingml/2006/main" xmlns:r="http://schemas.openxmlformats.org/officeDocument/2006/relationships" xmlns:p="http://schemas.openxmlformats.org/presentationml/2006/main">
   <p:cSld>
     <p:spTree>
@@ -9648,7 +9821,7 @@
 </p:sld>
 </file>
 
-<file path=ppt/slides/slide44.xml><?xml version="1.0" encoding="utf-8"?>
+<file path=ppt/slides/slide45.xml><?xml version="1.0" encoding="utf-8"?>
 <p:sld xmlns:a="http://schemas.openxmlformats.org/drawingml/2006/main" xmlns:r="http://schemas.openxmlformats.org/officeDocument/2006/relationships" xmlns:p="http://schemas.openxmlformats.org/presentationml/2006/main">
   <p:cSld>
     <p:spTree>
@@ -9787,7 +9960,7 @@
 </p:sld>
 </file>
 
-<file path=ppt/slides/slide45.xml><?xml version="1.0" encoding="utf-8"?>
+<file path=ppt/slides/slide46.xml><?xml version="1.0" encoding="utf-8"?>
 <p:sld xmlns:a="http://schemas.openxmlformats.org/drawingml/2006/main" xmlns:r="http://schemas.openxmlformats.org/officeDocument/2006/relationships" xmlns:p="http://schemas.openxmlformats.org/presentationml/2006/main">
   <p:cSld>
     <p:spTree>

--- a/PPT/DeepLearning09-Keras.pptx
+++ b/PPT/DeepLearning09-Keras.pptx
@@ -4098,7 +4098,7 @@
             </a:r>
             <a:r>
               <a:rPr lang="fr-FR" dirty="0" err="1"/>
-              <a:t>fan_in</a:t>
+              <a:t>nb_in</a:t>
             </a:r>
             <a:r>
               <a:rPr lang="fr-FR" dirty="0"/>
@@ -4106,7 +4106,7 @@
             </a:r>
             <a:r>
               <a:rPr lang="fr-FR" dirty="0" err="1"/>
-              <a:t>fan_out</a:t>
+              <a:t>nb_out</a:t>
             </a:r>
             <a:r>
               <a:rPr lang="fr-FR" dirty="0"/>
@@ -4117,7 +4117,7 @@
             <a:pPr lvl="1"/>
             <a:r>
               <a:rPr lang="fr-FR" dirty="0" err="1"/>
-              <a:t>fan_in</a:t>
+              <a:t>nb_in</a:t>
             </a:r>
             <a:r>
               <a:rPr lang="fr-FR" dirty="0"/>
@@ -4136,43 +4136,12 @@
             <a:pPr lvl="1"/>
             <a:r>
               <a:rPr lang="fr-FR" dirty="0" err="1"/>
-              <a:t>fan_out</a:t>
+              <a:t>nb_out</a:t>
             </a:r>
             <a:r>
               <a:rPr lang="fr-FR" dirty="0"/>
               <a:t> = nb output</a:t>
             </a:r>
-          </a:p>
-          <a:p>
-            <a:pPr lvl="1"/>
-            <a:r>
-              <a:rPr lang="fr-FR" dirty="0"/>
-              <a:t>Dans le cas d'une activation linéaire</a:t>
-            </a:r>
-          </a:p>
-          <a:p>
-            <a:pPr lvl="1"/>
-            <a:r>
-              <a:rPr lang="fr-FR" dirty="0"/>
-              <a:t>ho=</a:t>
-            </a:r>
-            <a:r>
-              <a:rPr lang="fr-FR" dirty="0" err="1"/>
-              <a:t>weight</a:t>
-            </a:r>
-            <a:r>
-              <a:rPr lang="fr-FR" dirty="0"/>
-              <a:t>*x + </a:t>
-            </a:r>
-            <a:r>
-              <a:rPr lang="fr-FR" dirty="0" err="1"/>
-              <a:t>bias</a:t>
-            </a:r>
-            <a:endParaRPr lang="fr-FR" dirty="0"/>
-          </a:p>
-          <a:p>
-            <a:pPr lvl="1"/>
-            <a:endParaRPr lang="fr-FR" dirty="0"/>
           </a:p>
           <a:p>
             <a:endParaRPr lang="fr-FR" dirty="0"/>
@@ -4856,22 +4825,18 @@
             </a:r>
             <a:r>
               <a:rPr lang="fr-FR" dirty="0" err="1"/>
-              <a:t>steps_per_epoch</a:t>
-            </a:r>
-            <a:r>
-              <a:rPr lang="fr-FR" dirty="0"/>
-              <a:t>=30)</a:t>
-            </a:r>
-          </a:p>
-          <a:p>
-            <a:pPr lvl="1"/>
-            <a:r>
-              <a:rPr lang="fr-FR" dirty="0" err="1"/>
-              <a:t>Retourn</a:t>
-            </a:r>
-            <a:r>
-              <a:rPr lang="fr-FR" dirty="0"/>
-              <a:t> l’historique des </a:t>
+              <a:t>batch_size</a:t>
+            </a:r>
+            <a:r>
+              <a:rPr lang="fr-FR" dirty="0"/>
+              <a:t>=10)</a:t>
+            </a:r>
+          </a:p>
+          <a:p>
+            <a:pPr lvl="1"/>
+            <a:r>
+              <a:rPr lang="fr-FR" dirty="0"/>
+              <a:t>Retourne l’historique des </a:t>
             </a:r>
             <a:r>
               <a:rPr lang="fr-FR" dirty="0" err="1"/>
@@ -5020,7 +4985,7 @@
           <a:p>
             <a:r>
               <a:rPr lang="fr-FR" dirty="0" err="1"/>
-              <a:t>Steps_per_epoch</a:t>
+              <a:t>batch_size</a:t>
             </a:r>
             <a:endParaRPr lang="fr-FR" dirty="0"/>
           </a:p>

--- a/PPT/DeepLearning09-Keras.pptx
+++ b/PPT/DeepLearning09-Keras.pptx
@@ -8428,7 +8428,7 @@
             </a:r>
             <a:r>
               <a:rPr lang="fr-FR" dirty="0"/>
-              <a:t>=1e-5)</a:t>
+              <a:t>=1e-4)</a:t>
             </a:r>
           </a:p>
           <a:p>

--- a/PPT/DeepLearning09-Keras.pptx
+++ b/PPT/DeepLearning09-Keras.pptx
@@ -8196,21 +8196,6 @@
             <a:r>
               <a:rPr lang="fr-FR" dirty="0"/>
               <a:t>Il est possible également d’avoir un output layer avec 2 neurones, mais il est indispensable que la somme des sorties = 1</a:t>
-            </a:r>
-          </a:p>
-          <a:p>
-            <a:pPr lvl="1"/>
-            <a:r>
-              <a:rPr lang="fr-FR" dirty="0"/>
-              <a:t>L’activation </a:t>
-            </a:r>
-            <a:r>
-              <a:rPr lang="fr-FR" dirty="0" err="1"/>
-              <a:t>softmax</a:t>
-            </a:r>
-            <a:r>
-              <a:rPr lang="fr-FR" dirty="0"/>
-              <a:t> est alors utilisée</a:t>
             </a:r>
           </a:p>
           <a:p>

--- a/PPT/DeepLearning09-Keras.pptx
+++ b/PPT/DeepLearning09-Keras.pptx
@@ -9503,7 +9503,7 @@
             </a:r>
             <a:r>
               <a:rPr lang="fr-FR" sz="2400" dirty="0"/>
-              <a:t> &gt;&gt; </a:t>
+              <a:t> &gt; </a:t>
             </a:r>
             <a:r>
               <a:rPr lang="fr-FR" sz="2400" dirty="0" err="1"/>
@@ -9515,7 +9515,7 @@
             <a:pPr lvl="1"/>
             <a:r>
               <a:rPr lang="fr-FR" sz="2000" dirty="0"/>
-              <a:t>Anormal</a:t>
+              <a:t>Normal</a:t>
             </a:r>
           </a:p>
           <a:p>

--- a/PPT/DeepLearning09-Keras.pptx
+++ b/PPT/DeepLearning09-Keras.pptx
@@ -7330,6 +7330,20 @@
             <a:r>
               <a:rPr lang="fr-FR" sz="2000" dirty="0"/>
               <a:t> mais en quantile</a:t>
+            </a:r>
+          </a:p>
+          <a:p>
+            <a:pPr lvl="1"/>
+            <a:r>
+              <a:rPr lang="fr-FR" sz="2000" dirty="0"/>
+              <a:t>Si x &lt; médiane = f(x) = (x – médiane) / quartile</a:t>
+            </a:r>
+          </a:p>
+          <a:p>
+            <a:pPr lvl="1"/>
+            <a:r>
+              <a:rPr lang="fr-FR" sz="2000" dirty="0"/>
+              <a:t>Si x &gt; médiane = f(x) = (x – médiane) / 0.75ile</a:t>
             </a:r>
           </a:p>
         </p:txBody>

--- a/PPT/DeepLearning09-Keras.pptx
+++ b/PPT/DeepLearning09-Keras.pptx
@@ -5,10 +5,10 @@
     <p:sldMasterId id="2147483653" r:id="rId1"/>
   </p:sldMasterIdLst>
   <p:notesMasterIdLst>
-    <p:notesMasterId r:id="rId48"/>
+    <p:notesMasterId r:id="rId47"/>
   </p:notesMasterIdLst>
   <p:handoutMasterIdLst>
-    <p:handoutMasterId r:id="rId49"/>
+    <p:handoutMasterId r:id="rId48"/>
   </p:handoutMasterIdLst>
   <p:sldIdLst>
     <p:sldId id="264" r:id="rId2"/>
@@ -46,17 +46,16 @@
     <p:sldId id="346" r:id="rId34"/>
     <p:sldId id="360" r:id="rId35"/>
     <p:sldId id="347" r:id="rId36"/>
-    <p:sldId id="348" r:id="rId37"/>
-    <p:sldId id="305" r:id="rId38"/>
-    <p:sldId id="306" r:id="rId39"/>
-    <p:sldId id="361" r:id="rId40"/>
-    <p:sldId id="349" r:id="rId41"/>
-    <p:sldId id="351" r:id="rId42"/>
-    <p:sldId id="352" r:id="rId43"/>
-    <p:sldId id="354" r:id="rId44"/>
-    <p:sldId id="355" r:id="rId45"/>
-    <p:sldId id="356" r:id="rId46"/>
-    <p:sldId id="357" r:id="rId47"/>
+    <p:sldId id="305" r:id="rId37"/>
+    <p:sldId id="306" r:id="rId38"/>
+    <p:sldId id="361" r:id="rId39"/>
+    <p:sldId id="349" r:id="rId40"/>
+    <p:sldId id="351" r:id="rId41"/>
+    <p:sldId id="352" r:id="rId42"/>
+    <p:sldId id="354" r:id="rId43"/>
+    <p:sldId id="355" r:id="rId44"/>
+    <p:sldId id="356" r:id="rId45"/>
+    <p:sldId id="357" r:id="rId46"/>
   </p:sldIdLst>
   <p:sldSz cx="9144000" cy="6858000" type="screen4x3"/>
   <p:notesSz cx="6648450" cy="9782175"/>
@@ -8288,200 +8287,6 @@
           <a:lstStyle/>
           <a:p>
             <a:r>
-              <a:rPr lang="fr-FR" dirty="0"/>
-              <a:t>SGD</a:t>
-            </a:r>
-          </a:p>
-        </p:txBody>
-      </p:sp>
-      <p:sp>
-        <p:nvSpPr>
-          <p:cNvPr id="3" name="Espace réservé du contenu 2"/>
-          <p:cNvSpPr>
-            <a:spLocks noGrp="1"/>
-          </p:cNvSpPr>
-          <p:nvPr>
-            <p:ph idx="1"/>
-          </p:nvPr>
-        </p:nvSpPr>
-        <p:spPr/>
-        <p:txBody>
-          <a:bodyPr/>
-          <a:lstStyle/>
-          <a:p>
-            <a:r>
-              <a:rPr lang="fr-FR" dirty="0" err="1"/>
-              <a:t>Stochastic</a:t>
-            </a:r>
-            <a:r>
-              <a:rPr lang="fr-FR" dirty="0"/>
-              <a:t> Gradient </a:t>
-            </a:r>
-            <a:r>
-              <a:rPr lang="fr-FR" dirty="0" err="1"/>
-              <a:t>Descent</a:t>
-            </a:r>
-            <a:r>
-              <a:rPr lang="fr-FR" dirty="0"/>
-              <a:t> </a:t>
-            </a:r>
-            <a:r>
-              <a:rPr lang="fr-FR" dirty="0" err="1"/>
-              <a:t>Optimizer</a:t>
-            </a:r>
-            <a:endParaRPr lang="fr-FR" dirty="0"/>
-          </a:p>
-          <a:p>
-            <a:pPr lvl="1"/>
-            <a:r>
-              <a:rPr lang="fr-FR" dirty="0"/>
-              <a:t>Est plus couteux que </a:t>
-            </a:r>
-            <a:r>
-              <a:rPr lang="fr-FR" dirty="0" err="1"/>
-              <a:t>RMSProp</a:t>
-            </a:r>
-            <a:r>
-              <a:rPr lang="fr-FR" dirty="0"/>
-              <a:t> et Adam</a:t>
-            </a:r>
-          </a:p>
-          <a:p>
-            <a:pPr lvl="1"/>
-            <a:r>
-              <a:rPr lang="fr-FR" dirty="0"/>
-              <a:t>Mais permet d’avoir un moment et de calculer </a:t>
-            </a:r>
-            <a:r>
-              <a:rPr lang="fr-FR" dirty="0" err="1"/>
-              <a:t>df</a:t>
-            </a:r>
-            <a:r>
-              <a:rPr lang="fr-FR" dirty="0"/>
-              <a:t>(x)</a:t>
-            </a:r>
-          </a:p>
-          <a:p>
-            <a:pPr lvl="1"/>
-            <a:r>
-              <a:rPr lang="fr-FR" dirty="0"/>
-              <a:t>Souvent utilisé en 2</a:t>
-            </a:r>
-            <a:r>
-              <a:rPr lang="fr-FR" baseline="30000" dirty="0"/>
-              <a:t>ème</a:t>
-            </a:r>
-            <a:r>
-              <a:rPr lang="fr-FR" dirty="0"/>
-              <a:t> intention avec un </a:t>
-            </a:r>
-            <a:r>
-              <a:rPr lang="fr-FR" dirty="0" err="1"/>
-              <a:t>lr</a:t>
-            </a:r>
-            <a:r>
-              <a:rPr lang="fr-FR" dirty="0"/>
-              <a:t> plus faible qu’avec </a:t>
-            </a:r>
-            <a:r>
-              <a:rPr lang="fr-FR" dirty="0" err="1"/>
-              <a:t>RMSProp</a:t>
-            </a:r>
-            <a:endParaRPr lang="fr-FR" dirty="0"/>
-          </a:p>
-          <a:p>
-            <a:r>
-              <a:rPr lang="fr-FR" dirty="0"/>
-              <a:t>Exemple</a:t>
-            </a:r>
-          </a:p>
-          <a:p>
-            <a:pPr lvl="1"/>
-            <a:r>
-              <a:rPr lang="fr-FR" dirty="0" err="1"/>
-              <a:t>keras.optimizers.SGD</a:t>
-            </a:r>
-            <a:r>
-              <a:rPr lang="fr-FR" dirty="0"/>
-              <a:t>(</a:t>
-            </a:r>
-            <a:r>
-              <a:rPr lang="fr-FR" dirty="0" err="1"/>
-              <a:t>nesterov</a:t>
-            </a:r>
-            <a:r>
-              <a:rPr lang="fr-FR" dirty="0"/>
-              <a:t>=</a:t>
-            </a:r>
-            <a:r>
-              <a:rPr lang="fr-FR" dirty="0" err="1"/>
-              <a:t>True</a:t>
-            </a:r>
-            <a:r>
-              <a:rPr lang="fr-FR" dirty="0"/>
-              <a:t>, </a:t>
-            </a:r>
-            <a:r>
-              <a:rPr lang="fr-FR" dirty="0" err="1"/>
-              <a:t>lr</a:t>
-            </a:r>
-            <a:r>
-              <a:rPr lang="fr-FR" dirty="0"/>
-              <a:t>=1e-4)</a:t>
-            </a:r>
-          </a:p>
-          <a:p>
-            <a:pPr lvl="1"/>
-            <a:endParaRPr lang="fr-FR" dirty="0"/>
-          </a:p>
-        </p:txBody>
-      </p:sp>
-    </p:spTree>
-    <p:extLst>
-      <p:ext uri="{BB962C8B-B14F-4D97-AF65-F5344CB8AC3E}">
-        <p14:creationId xmlns:p14="http://schemas.microsoft.com/office/powerpoint/2010/main" val="1429168102"/>
-      </p:ext>
-    </p:extLst>
-  </p:cSld>
-  <p:clrMapOvr>
-    <a:masterClrMapping/>
-  </p:clrMapOvr>
-</p:sld>
-</file>
-
-<file path=ppt/slides/slide37.xml><?xml version="1.0" encoding="utf-8"?>
-<p:sld xmlns:a="http://schemas.openxmlformats.org/drawingml/2006/main" xmlns:r="http://schemas.openxmlformats.org/officeDocument/2006/relationships" xmlns:p="http://schemas.openxmlformats.org/presentationml/2006/main">
-  <p:cSld>
-    <p:spTree>
-      <p:nvGrpSpPr>
-        <p:cNvPr id="1" name=""/>
-        <p:cNvGrpSpPr/>
-        <p:nvPr/>
-      </p:nvGrpSpPr>
-      <p:grpSpPr>
-        <a:xfrm>
-          <a:off x="0" y="0"/>
-          <a:ext cx="0" cy="0"/>
-          <a:chOff x="0" y="0"/>
-          <a:chExt cx="0" cy="0"/>
-        </a:xfrm>
-      </p:grpSpPr>
-      <p:sp>
-        <p:nvSpPr>
-          <p:cNvPr id="2" name="Titre 1"/>
-          <p:cNvSpPr>
-            <a:spLocks noGrp="1"/>
-          </p:cNvSpPr>
-          <p:nvPr>
-            <p:ph type="title"/>
-          </p:nvPr>
-        </p:nvSpPr>
-        <p:spPr/>
-        <p:txBody>
-          <a:bodyPr/>
-          <a:lstStyle/>
-          <a:p>
-            <a:r>
               <a:rPr lang="fr-FR"/>
               <a:t>Solidification du modèle</a:t>
             </a:r>
@@ -8604,6 +8409,128 @@
 </p:sld>
 </file>
 
+<file path=ppt/slides/slide37.xml><?xml version="1.0" encoding="utf-8"?>
+<p:sld xmlns:a="http://schemas.openxmlformats.org/drawingml/2006/main" xmlns:r="http://schemas.openxmlformats.org/officeDocument/2006/relationships" xmlns:p="http://schemas.openxmlformats.org/presentationml/2006/main">
+  <p:cSld>
+    <p:spTree>
+      <p:nvGrpSpPr>
+        <p:cNvPr id="1" name=""/>
+        <p:cNvGrpSpPr/>
+        <p:nvPr/>
+      </p:nvGrpSpPr>
+      <p:grpSpPr>
+        <a:xfrm>
+          <a:off x="0" y="0"/>
+          <a:ext cx="0" cy="0"/>
+          <a:chOff x="0" y="0"/>
+          <a:chExt cx="0" cy="0"/>
+        </a:xfrm>
+      </p:grpSpPr>
+      <p:sp>
+        <p:nvSpPr>
+          <p:cNvPr id="2" name="Titre 1"/>
+          <p:cNvSpPr>
+            <a:spLocks noGrp="1"/>
+          </p:cNvSpPr>
+          <p:nvPr>
+            <p:ph type="title"/>
+          </p:nvPr>
+        </p:nvSpPr>
+        <p:spPr/>
+        <p:txBody>
+          <a:bodyPr/>
+          <a:lstStyle/>
+          <a:p>
+            <a:r>
+              <a:rPr lang="fr-FR"/>
+              <a:t>Solidification du modèle</a:t>
+            </a:r>
+          </a:p>
+        </p:txBody>
+      </p:sp>
+      <p:sp>
+        <p:nvSpPr>
+          <p:cNvPr id="3" name="Espace réservé du contenu 2"/>
+          <p:cNvSpPr>
+            <a:spLocks noGrp="1"/>
+          </p:cNvSpPr>
+          <p:nvPr>
+            <p:ph idx="1"/>
+          </p:nvPr>
+        </p:nvSpPr>
+        <p:spPr/>
+        <p:txBody>
+          <a:bodyPr/>
+          <a:lstStyle/>
+          <a:p>
+            <a:r>
+              <a:rPr lang="fr-FR"/>
+              <a:t>Il est possible de sauvegarder la configuration du modèle</a:t>
+            </a:r>
+          </a:p>
+          <a:p>
+            <a:pPr lvl="1"/>
+            <a:r>
+              <a:rPr lang="fr-FR"/>
+              <a:t>Portable</a:t>
+            </a:r>
+          </a:p>
+          <a:p>
+            <a:pPr lvl="1"/>
+            <a:r>
+              <a:rPr lang="fr-FR"/>
+              <a:t>JSON</a:t>
+            </a:r>
+          </a:p>
+          <a:p>
+            <a:pPr lvl="1"/>
+            <a:r>
+              <a:rPr lang="fr-FR"/>
+              <a:t>json_string = model.to_json()</a:t>
+            </a:r>
+          </a:p>
+          <a:p>
+            <a:r>
+              <a:rPr lang="fr-FR"/>
+              <a:t>Il est possible de sauvegarder entièrement le modèle</a:t>
+            </a:r>
+          </a:p>
+          <a:p>
+            <a:pPr lvl="1"/>
+            <a:r>
+              <a:rPr lang="fr-FR"/>
+              <a:t>Uniquement Keras H5</a:t>
+            </a:r>
+          </a:p>
+          <a:p>
+            <a:pPr lvl="1"/>
+            <a:r>
+              <a:rPr lang="fr-FR"/>
+              <a:t>model.save(file.h5)</a:t>
+            </a:r>
+          </a:p>
+          <a:p>
+            <a:pPr lvl="1"/>
+            <a:r>
+              <a:rPr lang="fr-FR"/>
+              <a:t>model = tf.keras.models.load_model(file.h5)</a:t>
+            </a:r>
+          </a:p>
+        </p:txBody>
+      </p:sp>
+    </p:spTree>
+    <p:extLst>
+      <p:ext uri="{BB962C8B-B14F-4D97-AF65-F5344CB8AC3E}">
+        <p14:creationId xmlns:p14="http://schemas.microsoft.com/office/powerpoint/2010/main" val="1886155720"/>
+      </p:ext>
+    </p:extLst>
+  </p:cSld>
+  <p:clrMapOvr>
+    <a:masterClrMapping/>
+  </p:clrMapOvr>
+</p:sld>
+</file>
+
 <file path=ppt/slides/slide38.xml><?xml version="1.0" encoding="utf-8"?>
 <p:sld xmlns:a="http://schemas.openxmlformats.org/drawingml/2006/main" xmlns:r="http://schemas.openxmlformats.org/officeDocument/2006/relationships" xmlns:p="http://schemas.openxmlformats.org/presentationml/2006/main">
   <p:cSld>
@@ -8623,7 +8550,13 @@
       </p:grpSpPr>
       <p:sp>
         <p:nvSpPr>
-          <p:cNvPr id="2" name="Titre 1"/>
+          <p:cNvPr id="2" name="Titre 1">
+            <a:extLst>
+              <a:ext uri="{FF2B5EF4-FFF2-40B4-BE49-F238E27FC236}">
+                <a16:creationId xmlns:a16="http://schemas.microsoft.com/office/drawing/2014/main" id="{D9B0984B-C31F-4507-B93B-379E1A983053}"/>
+              </a:ext>
+            </a:extLst>
+          </p:cNvPr>
           <p:cNvSpPr>
             <a:spLocks noGrp="1"/>
           </p:cNvSpPr>
@@ -8637,15 +8570,21 @@
           <a:lstStyle/>
           <a:p>
             <a:r>
-              <a:rPr lang="fr-FR"/>
-              <a:t>Solidification du modèle</a:t>
-            </a:r>
-          </a:p>
-        </p:txBody>
-      </p:sp>
-      <p:sp>
-        <p:nvSpPr>
-          <p:cNvPr id="3" name="Espace réservé du contenu 2"/>
+              <a:rPr lang="fr-FR" dirty="0"/>
+              <a:t>ONNX</a:t>
+            </a:r>
+          </a:p>
+        </p:txBody>
+      </p:sp>
+      <p:sp>
+        <p:nvSpPr>
+          <p:cNvPr id="3" name="Espace réservé du contenu 2">
+            <a:extLst>
+              <a:ext uri="{FF2B5EF4-FFF2-40B4-BE49-F238E27FC236}">
+                <a16:creationId xmlns:a16="http://schemas.microsoft.com/office/drawing/2014/main" id="{B8236F60-43BF-4292-8C86-19259F6CFC16}"/>
+              </a:ext>
+            </a:extLst>
+          </p:cNvPr>
           <p:cNvSpPr>
             <a:spLocks noGrp="1"/>
           </p:cNvSpPr>
@@ -8659,64 +8598,102 @@
           <a:lstStyle/>
           <a:p>
             <a:r>
-              <a:rPr lang="fr-FR"/>
-              <a:t>Il est possible de sauvegarder la configuration du modèle</a:t>
-            </a:r>
-          </a:p>
-          <a:p>
-            <a:pPr lvl="1"/>
-            <a:r>
-              <a:rPr lang="fr-FR"/>
-              <a:t>Portable</a:t>
-            </a:r>
-          </a:p>
-          <a:p>
-            <a:pPr lvl="1"/>
-            <a:r>
-              <a:rPr lang="fr-FR"/>
-              <a:t>JSON</a:t>
-            </a:r>
-          </a:p>
-          <a:p>
-            <a:pPr lvl="1"/>
-            <a:r>
-              <a:rPr lang="fr-FR"/>
-              <a:t>json_string = model.to_json()</a:t>
-            </a:r>
-          </a:p>
-          <a:p>
-            <a:r>
-              <a:rPr lang="fr-FR"/>
-              <a:t>Il est possible de sauvegarder entièrement le modèle</a:t>
-            </a:r>
-          </a:p>
-          <a:p>
-            <a:pPr lvl="1"/>
-            <a:r>
-              <a:rPr lang="fr-FR"/>
-              <a:t>Uniquement Keras H5</a:t>
-            </a:r>
-          </a:p>
-          <a:p>
-            <a:pPr lvl="1"/>
-            <a:r>
-              <a:rPr lang="fr-FR"/>
-              <a:t>model.save(file.h5)</a:t>
-            </a:r>
-          </a:p>
-          <a:p>
-            <a:pPr lvl="1"/>
-            <a:r>
-              <a:rPr lang="fr-FR"/>
-              <a:t>model = tf.keras.models.load_model(file.h5)</a:t>
-            </a:r>
+              <a:rPr lang="fr-FR" dirty="0"/>
+              <a:t>Open Neural Network Exchange</a:t>
+            </a:r>
+          </a:p>
+          <a:p>
+            <a:pPr lvl="1"/>
+            <a:r>
+              <a:rPr lang="fr-FR" dirty="0" err="1"/>
+              <a:t>pip</a:t>
+            </a:r>
+            <a:r>
+              <a:rPr lang="fr-FR" dirty="0"/>
+              <a:t> </a:t>
+            </a:r>
+            <a:r>
+              <a:rPr lang="fr-FR" dirty="0" err="1"/>
+              <a:t>install</a:t>
+            </a:r>
+            <a:r>
+              <a:rPr lang="fr-FR" dirty="0"/>
+              <a:t> keras2onnx</a:t>
+            </a:r>
+          </a:p>
+          <a:p>
+            <a:pPr lvl="1"/>
+            <a:r>
+              <a:rPr lang="fr-FR" dirty="0" err="1"/>
+              <a:t>onnx_model</a:t>
+            </a:r>
+            <a:r>
+              <a:rPr lang="fr-FR" dirty="0"/>
+              <a:t> = keras2onnx.convert_keras(model, model.name)</a:t>
+            </a:r>
+          </a:p>
+          <a:p>
+            <a:pPr lvl="1"/>
+            <a:r>
+              <a:rPr lang="fr-FR" dirty="0"/>
+              <a:t>keras2onnx.save_model(</a:t>
+            </a:r>
+            <a:r>
+              <a:rPr lang="fr-FR" dirty="0" err="1"/>
+              <a:t>onnx_model</a:t>
+            </a:r>
+            <a:r>
+              <a:rPr lang="fr-FR" dirty="0"/>
+              <a:t>, "</a:t>
+            </a:r>
+            <a:r>
+              <a:rPr lang="fr-FR" dirty="0" err="1"/>
+              <a:t>model.onnx</a:t>
+            </a:r>
+            <a:r>
+              <a:rPr lang="fr-FR" dirty="0"/>
+              <a:t>")</a:t>
+            </a:r>
+          </a:p>
+          <a:p>
+            <a:r>
+              <a:rPr lang="fr-FR" dirty="0"/>
+              <a:t>.NET</a:t>
+            </a:r>
+          </a:p>
+          <a:p>
+            <a:pPr lvl="1"/>
+            <a:r>
+              <a:rPr lang="fr-FR" sz="2000" dirty="0"/>
+              <a:t>var pipeline = </a:t>
+            </a:r>
+            <a:r>
+              <a:rPr lang="fr-FR" sz="2000" dirty="0" err="1"/>
+              <a:t>mlContext.Transforms.ApplyOnnxModel</a:t>
+            </a:r>
+            <a:r>
+              <a:rPr lang="fr-FR" sz="2000" dirty="0"/>
+              <a:t>("</a:t>
+            </a:r>
+            <a:r>
+              <a:rPr lang="fr-FR" sz="2000" dirty="0" err="1"/>
+              <a:t>model.onnx</a:t>
+            </a:r>
+            <a:r>
+              <a:rPr lang="fr-FR" sz="2000" dirty="0"/>
+              <a:t>")</a:t>
+            </a:r>
+          </a:p>
+          <a:p>
+            <a:pPr lvl="1"/>
+            <a:endParaRPr lang="fr-FR" dirty="0"/>
           </a:p>
         </p:txBody>
       </p:sp>
     </p:spTree>
     <p:extLst>
       <p:ext uri="{BB962C8B-B14F-4D97-AF65-F5344CB8AC3E}">
-        <p14:creationId xmlns:p14="http://schemas.microsoft.com/office/powerpoint/2010/main" val="1886155720"/>
+        <p14:creationId xmlns:p14="http://schemas.microsoft.com/office/powerpoint/2010/main" val="4017057312"/>
       </p:ext>
     </p:extLst>
   </p:cSld>
@@ -8745,13 +8722,7 @@
       </p:grpSpPr>
       <p:sp>
         <p:nvSpPr>
-          <p:cNvPr id="2" name="Titre 1">
-            <a:extLst>
-              <a:ext uri="{FF2B5EF4-FFF2-40B4-BE49-F238E27FC236}">
-                <a16:creationId xmlns:a16="http://schemas.microsoft.com/office/drawing/2014/main" id="{D9B0984B-C31F-4507-B93B-379E1A983053}"/>
-              </a:ext>
-            </a:extLst>
-          </p:cNvPr>
+          <p:cNvPr id="2" name="Titre 1"/>
           <p:cNvSpPr>
             <a:spLocks noGrp="1"/>
           </p:cNvSpPr>
@@ -8766,20 +8737,19 @@
           <a:p>
             <a:r>
               <a:rPr lang="fr-FR" dirty="0"/>
-              <a:t>ONNX</a:t>
-            </a:r>
-          </a:p>
-        </p:txBody>
-      </p:sp>
-      <p:sp>
-        <p:nvSpPr>
-          <p:cNvPr id="3" name="Espace réservé du contenu 2">
-            <a:extLst>
-              <a:ext uri="{FF2B5EF4-FFF2-40B4-BE49-F238E27FC236}">
-                <a16:creationId xmlns:a16="http://schemas.microsoft.com/office/drawing/2014/main" id="{B8236F60-43BF-4292-8C86-19259F6CFC16}"/>
-              </a:ext>
-            </a:extLst>
-          </p:cNvPr>
+              <a:t>Optimisation du </a:t>
+            </a:r>
+            <a:r>
+              <a:rPr lang="fr-FR" dirty="0" err="1"/>
+              <a:t>loss</a:t>
+            </a:r>
+            <a:endParaRPr lang="fr-FR" dirty="0"/>
+          </a:p>
+        </p:txBody>
+      </p:sp>
+      <p:sp>
+        <p:nvSpPr>
+          <p:cNvPr id="3" name="Espace réservé du contenu 2"/>
           <p:cNvSpPr>
             <a:spLocks noGrp="1"/>
           </p:cNvSpPr>
@@ -8794,101 +8764,42 @@
           <a:p>
             <a:r>
               <a:rPr lang="fr-FR" dirty="0"/>
-              <a:t>Open Neural Network Exchange</a:t>
-            </a:r>
-          </a:p>
-          <a:p>
-            <a:pPr lvl="1"/>
-            <a:r>
-              <a:rPr lang="fr-FR" dirty="0" err="1"/>
-              <a:t>pip</a:t>
-            </a:r>
-            <a:r>
-              <a:rPr lang="fr-FR" dirty="0"/>
-              <a:t> </a:t>
-            </a:r>
-            <a:r>
-              <a:rPr lang="fr-FR" dirty="0" err="1"/>
-              <a:t>install</a:t>
-            </a:r>
-            <a:r>
-              <a:rPr lang="fr-FR" dirty="0"/>
-              <a:t> keras2onnx</a:t>
-            </a:r>
-          </a:p>
-          <a:p>
-            <a:pPr lvl="1"/>
-            <a:r>
-              <a:rPr lang="fr-FR" dirty="0" err="1"/>
-              <a:t>onnx_model</a:t>
-            </a:r>
-            <a:r>
-              <a:rPr lang="fr-FR" dirty="0"/>
-              <a:t> = keras2onnx.convert_keras(model, model.name)</a:t>
-            </a:r>
-          </a:p>
-          <a:p>
-            <a:pPr lvl="1"/>
-            <a:r>
-              <a:rPr lang="fr-FR" dirty="0"/>
-              <a:t>keras2onnx.save_model(</a:t>
-            </a:r>
-            <a:r>
-              <a:rPr lang="fr-FR" dirty="0" err="1"/>
-              <a:t>onnx_model</a:t>
-            </a:r>
-            <a:r>
-              <a:rPr lang="fr-FR" dirty="0"/>
-              <a:t>, "</a:t>
-            </a:r>
-            <a:r>
-              <a:rPr lang="fr-FR" dirty="0" err="1"/>
-              <a:t>model.onnx</a:t>
-            </a:r>
-            <a:r>
-              <a:rPr lang="fr-FR" dirty="0"/>
-              <a:t>")</a:t>
-            </a:r>
-          </a:p>
-          <a:p>
-            <a:r>
-              <a:rPr lang="fr-FR" dirty="0"/>
-              <a:t>.NET</a:t>
-            </a:r>
-          </a:p>
-          <a:p>
-            <a:pPr lvl="1"/>
-            <a:r>
-              <a:rPr lang="fr-FR" sz="2000" dirty="0"/>
-              <a:t>var pipeline = </a:t>
-            </a:r>
-            <a:r>
-              <a:rPr lang="fr-FR" sz="2000" dirty="0" err="1"/>
-              <a:t>mlContext.Transforms.ApplyOnnxModel</a:t>
-            </a:r>
-            <a:r>
-              <a:rPr lang="fr-FR" sz="2000" dirty="0"/>
-              <a:t>("</a:t>
-            </a:r>
-            <a:r>
-              <a:rPr lang="fr-FR" sz="2000" dirty="0" err="1"/>
-              <a:t>model.onnx</a:t>
-            </a:r>
-            <a:r>
-              <a:rPr lang="fr-FR" sz="2000" dirty="0"/>
-              <a:t>")</a:t>
-            </a:r>
-          </a:p>
-          <a:p>
-            <a:pPr lvl="1"/>
+              <a:t>Il est possible de customiser la fonction de </a:t>
+            </a:r>
+            <a:r>
+              <a:rPr lang="fr-FR" dirty="0" err="1"/>
+              <a:t>loss</a:t>
+            </a:r>
+            <a:r>
+              <a:rPr lang="fr-FR" dirty="0"/>
+              <a:t> et les poids de catégories</a:t>
+            </a:r>
+          </a:p>
+          <a:p>
+            <a:pPr lvl="1"/>
+            <a:r>
+              <a:rPr lang="fr-FR" dirty="0"/>
+              <a:t>Utilisation des fonctions </a:t>
+            </a:r>
+            <a:r>
+              <a:rPr lang="fr-FR" dirty="0" err="1"/>
+              <a:t>Keras</a:t>
+            </a:r>
             <a:endParaRPr lang="fr-FR" dirty="0"/>
+          </a:p>
+          <a:p>
+            <a:pPr lvl="1"/>
+            <a:r>
+              <a:rPr lang="fr-FR" dirty="0"/>
+              <a:t>Voir démo</a:t>
+            </a:r>
           </a:p>
         </p:txBody>
       </p:sp>
     </p:spTree>
     <p:extLst>
       <p:ext uri="{BB962C8B-B14F-4D97-AF65-F5344CB8AC3E}">
-        <p14:creationId xmlns:p14="http://schemas.microsoft.com/office/powerpoint/2010/main" val="4017057312"/>
+        <p14:creationId xmlns:p14="http://schemas.microsoft.com/office/powerpoint/2010/main" val="1556496534"/>
       </p:ext>
     </p:extLst>
   </p:cSld>
@@ -9033,112 +8944,6 @@
           <a:p>
             <a:r>
               <a:rPr lang="fr-FR" dirty="0"/>
-              <a:t>Optimisation du </a:t>
-            </a:r>
-            <a:r>
-              <a:rPr lang="fr-FR" dirty="0" err="1"/>
-              <a:t>loss</a:t>
-            </a:r>
-            <a:endParaRPr lang="fr-FR" dirty="0"/>
-          </a:p>
-        </p:txBody>
-      </p:sp>
-      <p:sp>
-        <p:nvSpPr>
-          <p:cNvPr id="3" name="Espace réservé du contenu 2"/>
-          <p:cNvSpPr>
-            <a:spLocks noGrp="1"/>
-          </p:cNvSpPr>
-          <p:nvPr>
-            <p:ph idx="1"/>
-          </p:nvPr>
-        </p:nvSpPr>
-        <p:spPr/>
-        <p:txBody>
-          <a:bodyPr/>
-          <a:lstStyle/>
-          <a:p>
-            <a:r>
-              <a:rPr lang="fr-FR" dirty="0"/>
-              <a:t>Il est possible de customiser la fonction de </a:t>
-            </a:r>
-            <a:r>
-              <a:rPr lang="fr-FR" dirty="0" err="1"/>
-              <a:t>loss</a:t>
-            </a:r>
-            <a:r>
-              <a:rPr lang="fr-FR" dirty="0"/>
-              <a:t> et les poids de catégories</a:t>
-            </a:r>
-          </a:p>
-          <a:p>
-            <a:pPr lvl="1"/>
-            <a:r>
-              <a:rPr lang="fr-FR" dirty="0"/>
-              <a:t>Utilisation des fonctions </a:t>
-            </a:r>
-            <a:r>
-              <a:rPr lang="fr-FR" dirty="0" err="1"/>
-              <a:t>Keras</a:t>
-            </a:r>
-            <a:endParaRPr lang="fr-FR" dirty="0"/>
-          </a:p>
-          <a:p>
-            <a:pPr lvl="1"/>
-            <a:r>
-              <a:rPr lang="fr-FR" dirty="0"/>
-              <a:t>Voir démo</a:t>
-            </a:r>
-          </a:p>
-        </p:txBody>
-      </p:sp>
-    </p:spTree>
-    <p:extLst>
-      <p:ext uri="{BB962C8B-B14F-4D97-AF65-F5344CB8AC3E}">
-        <p14:creationId xmlns:p14="http://schemas.microsoft.com/office/powerpoint/2010/main" val="1556496534"/>
-      </p:ext>
-    </p:extLst>
-  </p:cSld>
-  <p:clrMapOvr>
-    <a:masterClrMapping/>
-  </p:clrMapOvr>
-</p:sld>
-</file>
-
-<file path=ppt/slides/slide41.xml><?xml version="1.0" encoding="utf-8"?>
-<p:sld xmlns:a="http://schemas.openxmlformats.org/drawingml/2006/main" xmlns:r="http://schemas.openxmlformats.org/officeDocument/2006/relationships" xmlns:p="http://schemas.openxmlformats.org/presentationml/2006/main">
-  <p:cSld>
-    <p:spTree>
-      <p:nvGrpSpPr>
-        <p:cNvPr id="1" name=""/>
-        <p:cNvGrpSpPr/>
-        <p:nvPr/>
-      </p:nvGrpSpPr>
-      <p:grpSpPr>
-        <a:xfrm>
-          <a:off x="0" y="0"/>
-          <a:ext cx="0" cy="0"/>
-          <a:chOff x="0" y="0"/>
-          <a:chExt cx="0" cy="0"/>
-        </a:xfrm>
-      </p:grpSpPr>
-      <p:sp>
-        <p:nvSpPr>
-          <p:cNvPr id="2" name="Titre 1"/>
-          <p:cNvSpPr>
-            <a:spLocks noGrp="1"/>
-          </p:cNvSpPr>
-          <p:nvPr>
-            <p:ph type="title"/>
-          </p:nvPr>
-        </p:nvSpPr>
-        <p:spPr/>
-        <p:txBody>
-          <a:bodyPr/>
-          <a:lstStyle/>
-          <a:p>
-            <a:r>
-              <a:rPr lang="fr-FR" dirty="0"/>
               <a:t>Régularisation</a:t>
             </a:r>
           </a:p>
@@ -9322,7 +9127,7 @@
 </p:sld>
 </file>
 
-<file path=ppt/slides/slide42.xml><?xml version="1.0" encoding="utf-8"?>
+<file path=ppt/slides/slide41.xml><?xml version="1.0" encoding="utf-8"?>
 <p:sld xmlns:a="http://schemas.openxmlformats.org/drawingml/2006/main" xmlns:r="http://schemas.openxmlformats.org/officeDocument/2006/relationships" xmlns:p="http://schemas.openxmlformats.org/presentationml/2006/main">
   <p:cSld>
     <p:spTree>
@@ -9550,7 +9355,7 @@
 </p:sld>
 </file>
 
-<file path=ppt/slides/slide43.xml><?xml version="1.0" encoding="utf-8"?>
+<file path=ppt/slides/slide42.xml><?xml version="1.0" encoding="utf-8"?>
 <p:sld xmlns:a="http://schemas.openxmlformats.org/drawingml/2006/main" xmlns:r="http://schemas.openxmlformats.org/officeDocument/2006/relationships" xmlns:p="http://schemas.openxmlformats.org/presentationml/2006/main">
   <p:cSld>
     <p:spTree>
@@ -9684,7 +9489,7 @@
 </p:sld>
 </file>
 
-<file path=ppt/slides/slide44.xml><?xml version="1.0" encoding="utf-8"?>
+<file path=ppt/slides/slide43.xml><?xml version="1.0" encoding="utf-8"?>
 <p:sld xmlns:a="http://schemas.openxmlformats.org/drawingml/2006/main" xmlns:r="http://schemas.openxmlformats.org/officeDocument/2006/relationships" xmlns:p="http://schemas.openxmlformats.org/presentationml/2006/main">
   <p:cSld>
     <p:spTree>
@@ -9768,6 +9573,27 @@
             <a:endParaRPr lang="fr-FR" dirty="0"/>
           </a:p>
           <a:p>
+            <a:r>
+              <a:rPr lang="fr-FR" dirty="0"/>
+              <a:t>Répertoire d’installation :</a:t>
+            </a:r>
+          </a:p>
+          <a:p>
+            <a:pPr lvl="1"/>
+            <a:r>
+              <a:rPr lang="fr-FR" dirty="0"/>
+              <a:t>C:\Program Files\NVIDIA GPU </a:t>
+            </a:r>
+            <a:r>
+              <a:rPr lang="fr-FR" dirty="0" err="1"/>
+              <a:t>Computing</a:t>
+            </a:r>
+            <a:r>
+              <a:rPr lang="fr-FR" dirty="0"/>
+              <a:t> Toolkit\CUDA\v11.2</a:t>
+            </a:r>
+          </a:p>
+          <a:p>
             <a:endParaRPr lang="fr-FR" dirty="0"/>
           </a:p>
         </p:txBody>
@@ -9785,7 +9611,7 @@
 </p:sld>
 </file>
 
-<file path=ppt/slides/slide45.xml><?xml version="1.0" encoding="utf-8"?>
+<file path=ppt/slides/slide44.xml><?xml version="1.0" encoding="utf-8"?>
 <p:sld xmlns:a="http://schemas.openxmlformats.org/drawingml/2006/main" xmlns:r="http://schemas.openxmlformats.org/officeDocument/2006/relationships" xmlns:p="http://schemas.openxmlformats.org/presentationml/2006/main">
   <p:cSld>
     <p:spTree>
@@ -9924,7 +9750,7 @@
 </p:sld>
 </file>
 
-<file path=ppt/slides/slide46.xml><?xml version="1.0" encoding="utf-8"?>
+<file path=ppt/slides/slide45.xml><?xml version="1.0" encoding="utf-8"?>
 <p:sld xmlns:a="http://schemas.openxmlformats.org/drawingml/2006/main" xmlns:r="http://schemas.openxmlformats.org/officeDocument/2006/relationships" xmlns:p="http://schemas.openxmlformats.org/presentationml/2006/main">
   <p:cSld>
     <p:spTree>

--- a/PPT/DeepLearning09-Keras.pptx
+++ b/PPT/DeepLearning09-Keras.pptx
@@ -5,10 +5,10 @@
     <p:sldMasterId id="2147483653" r:id="rId1"/>
   </p:sldMasterIdLst>
   <p:notesMasterIdLst>
-    <p:notesMasterId r:id="rId47"/>
+    <p:notesMasterId r:id="rId48"/>
   </p:notesMasterIdLst>
   <p:handoutMasterIdLst>
-    <p:handoutMasterId r:id="rId48"/>
+    <p:handoutMasterId r:id="rId49"/>
   </p:handoutMasterIdLst>
   <p:sldIdLst>
     <p:sldId id="264" r:id="rId2"/>
@@ -56,6 +56,7 @@
     <p:sldId id="355" r:id="rId44"/>
     <p:sldId id="356" r:id="rId45"/>
     <p:sldId id="357" r:id="rId46"/>
+    <p:sldId id="362" r:id="rId47"/>
   </p:sldIdLst>
   <p:sldSz cx="9144000" cy="6858000" type="screen4x3"/>
   <p:notesSz cx="6648450" cy="9782175"/>
@@ -9919,6 +9920,133 @@
     <p:extLst>
       <p:ext uri="{BB962C8B-B14F-4D97-AF65-F5344CB8AC3E}">
         <p14:creationId xmlns:p14="http://schemas.microsoft.com/office/powerpoint/2010/main" val="8040911"/>
+      </p:ext>
+    </p:extLst>
+  </p:cSld>
+  <p:clrMapOvr>
+    <a:masterClrMapping/>
+  </p:clrMapOvr>
+</p:sld>
+</file>
+
+<file path=ppt/slides/slide46.xml><?xml version="1.0" encoding="utf-8"?>
+<p:sld xmlns:a="http://schemas.openxmlformats.org/drawingml/2006/main" xmlns:r="http://schemas.openxmlformats.org/officeDocument/2006/relationships" xmlns:p="http://schemas.openxmlformats.org/presentationml/2006/main">
+  <p:cSld>
+    <p:spTree>
+      <p:nvGrpSpPr>
+        <p:cNvPr id="1" name=""/>
+        <p:cNvGrpSpPr/>
+        <p:nvPr/>
+      </p:nvGrpSpPr>
+      <p:grpSpPr>
+        <a:xfrm>
+          <a:off x="0" y="0"/>
+          <a:ext cx="0" cy="0"/>
+          <a:chOff x="0" y="0"/>
+          <a:chExt cx="0" cy="0"/>
+        </a:xfrm>
+      </p:grpSpPr>
+      <p:sp>
+        <p:nvSpPr>
+          <p:cNvPr id="3" name="Espace réservé du contenu 2">
+            <a:extLst>
+              <a:ext uri="{FF2B5EF4-FFF2-40B4-BE49-F238E27FC236}">
+                <a16:creationId xmlns:a16="http://schemas.microsoft.com/office/drawing/2014/main" id="{01FC34B3-6A19-41D7-2EB2-30D68BF0E501}"/>
+              </a:ext>
+            </a:extLst>
+          </p:cNvPr>
+          <p:cNvSpPr>
+            <a:spLocks noGrp="1"/>
+          </p:cNvSpPr>
+          <p:nvPr>
+            <p:ph idx="1"/>
+          </p:nvPr>
+        </p:nvSpPr>
+        <p:spPr/>
+        <p:txBody>
+          <a:bodyPr/>
+          <a:lstStyle/>
+          <a:p>
+            <a:endParaRPr lang="fr-FR"/>
+          </a:p>
+        </p:txBody>
+      </p:sp>
+      <p:pic>
+        <p:nvPicPr>
+          <p:cNvPr id="1026" name="Picture 2">
+            <a:extLst>
+              <a:ext uri="{FF2B5EF4-FFF2-40B4-BE49-F238E27FC236}">
+                <a16:creationId xmlns:a16="http://schemas.microsoft.com/office/drawing/2014/main" id="{F6DA252F-7D45-04F7-A8E7-91B493B03ED2}"/>
+              </a:ext>
+            </a:extLst>
+          </p:cNvPr>
+          <p:cNvPicPr>
+            <a:picLocks noChangeAspect="1" noChangeArrowheads="1"/>
+          </p:cNvPicPr>
+          <p:nvPr/>
+        </p:nvPicPr>
+        <p:blipFill>
+          <a:blip r:embed="rId2">
+            <a:extLst>
+              <a:ext uri="{28A0092B-C50C-407E-A947-70E740481C1C}">
+                <a14:useLocalDpi xmlns:a14="http://schemas.microsoft.com/office/drawing/2010/main" val="0"/>
+              </a:ext>
+            </a:extLst>
+          </a:blip>
+          <a:srcRect/>
+          <a:stretch>
+            <a:fillRect/>
+          </a:stretch>
+        </p:blipFill>
+        <p:spPr bwMode="auto">
+          <a:xfrm>
+            <a:off x="1691681" y="-242406"/>
+            <a:ext cx="5328592" cy="7100406"/>
+          </a:xfrm>
+          <a:prstGeom prst="rect">
+            <a:avLst/>
+          </a:prstGeom>
+          <a:noFill/>
+          <a:extLst>
+            <a:ext uri="{909E8E84-426E-40DD-AFC4-6F175D3DCCD1}">
+              <a14:hiddenFill xmlns:a14="http://schemas.microsoft.com/office/drawing/2010/main">
+                <a:solidFill>
+                  <a:srgbClr val="FFFFFF"/>
+                </a:solidFill>
+              </a14:hiddenFill>
+            </a:ext>
+          </a:extLst>
+        </p:spPr>
+      </p:pic>
+      <p:sp>
+        <p:nvSpPr>
+          <p:cNvPr id="4" name="Titre 3">
+            <a:extLst>
+              <a:ext uri="{FF2B5EF4-FFF2-40B4-BE49-F238E27FC236}">
+                <a16:creationId xmlns:a16="http://schemas.microsoft.com/office/drawing/2014/main" id="{4A16F4BE-AB11-645A-CBCC-7F123B7A82A8}"/>
+              </a:ext>
+            </a:extLst>
+          </p:cNvPr>
+          <p:cNvSpPr>
+            <a:spLocks noGrp="1"/>
+          </p:cNvSpPr>
+          <p:nvPr>
+            <p:ph type="title"/>
+          </p:nvPr>
+        </p:nvSpPr>
+        <p:spPr/>
+        <p:txBody>
+          <a:bodyPr/>
+          <a:lstStyle/>
+          <a:p>
+            <a:endParaRPr lang="fr-FR" dirty="0"/>
+          </a:p>
+        </p:txBody>
+      </p:sp>
+    </p:spTree>
+    <p:extLst>
+      <p:ext uri="{BB962C8B-B14F-4D97-AF65-F5344CB8AC3E}">
+        <p14:creationId xmlns:p14="http://schemas.microsoft.com/office/powerpoint/2010/main" val="2416721478"/>
       </p:ext>
     </p:extLst>
   </p:cSld>

--- a/PPT/DeepLearning09-Keras.pptx
+++ b/PPT/DeepLearning09-Keras.pptx
@@ -8966,111 +8966,114 @@
           <a:lstStyle/>
           <a:p>
             <a:r>
-              <a:rPr lang="fr-FR" dirty="0"/>
-              <a:t>Le </a:t>
-            </a:r>
-            <a:r>
-              <a:rPr lang="fr-FR" dirty="0" err="1"/>
-              <a:t>DropOut</a:t>
-            </a:r>
-            <a:r>
-              <a:rPr lang="fr-FR" dirty="0"/>
-              <a:t> désactive aléatoirement un perceptron</a:t>
-            </a:r>
-          </a:p>
-          <a:p>
-            <a:pPr lvl="1"/>
-            <a:r>
-              <a:rPr lang="fr-FR" dirty="0"/>
-              <a:t>Combat le surapprentissage</a:t>
-            </a:r>
-          </a:p>
-          <a:p>
-            <a:pPr lvl="1"/>
-            <a:r>
-              <a:rPr lang="fr-FR" dirty="0"/>
-              <a:t>Evite d'être dépendant d'un neurone</a:t>
-            </a:r>
-          </a:p>
-          <a:p>
-            <a:pPr lvl="1"/>
-            <a:r>
-              <a:rPr lang="fr-FR" dirty="0"/>
-              <a:t>Encourage le réseau dans son ensemble</a:t>
-            </a:r>
-          </a:p>
-          <a:p>
-            <a:pPr lvl="1"/>
-            <a:r>
-              <a:rPr lang="fr-FR" dirty="0"/>
-              <a:t>Désactivé lors de l’inférence par </a:t>
-            </a:r>
-            <a:r>
-              <a:rPr lang="fr-FR" dirty="0" err="1"/>
-              <a:t>predict</a:t>
-            </a:r>
-            <a:r>
-              <a:rPr lang="fr-FR" dirty="0"/>
-              <a:t> et </a:t>
-            </a:r>
-            <a:r>
-              <a:rPr lang="fr-FR" dirty="0" err="1"/>
-              <a:t>evaluate</a:t>
-            </a:r>
-            <a:endParaRPr lang="fr-FR" dirty="0"/>
-          </a:p>
-          <a:p>
-            <a:endParaRPr lang="fr-FR" dirty="0"/>
-          </a:p>
-          <a:p>
-            <a:endParaRPr lang="fr-FR" dirty="0"/>
-          </a:p>
-          <a:p>
-            <a:endParaRPr lang="fr-FR" dirty="0"/>
-          </a:p>
-          <a:p>
-            <a:endParaRPr lang="fr-FR" dirty="0"/>
-          </a:p>
-          <a:p>
-            <a:r>
               <a:rPr lang="fr-FR" sz="2400" dirty="0"/>
               <a:t>Le </a:t>
             </a:r>
             <a:r>
               <a:rPr lang="fr-FR" sz="2400" dirty="0" err="1"/>
+              <a:t>DropOut</a:t>
+            </a:r>
+            <a:r>
+              <a:rPr lang="fr-FR" sz="2400" dirty="0"/>
+              <a:t> désactive aléatoirement des perceptrons</a:t>
+            </a:r>
+          </a:p>
+          <a:p>
+            <a:pPr lvl="1"/>
+            <a:r>
+              <a:rPr lang="fr-FR" sz="2000" dirty="0"/>
+              <a:t>Combat le surapprentissage</a:t>
+            </a:r>
+          </a:p>
+          <a:p>
+            <a:pPr lvl="1"/>
+            <a:r>
+              <a:rPr lang="fr-FR" sz="2000" dirty="0"/>
+              <a:t>Evite d'être dépendant d'un neurone</a:t>
+            </a:r>
+          </a:p>
+          <a:p>
+            <a:pPr lvl="1"/>
+            <a:r>
+              <a:rPr lang="fr-FR" sz="2000" dirty="0"/>
+              <a:t>Encourage le réseau dans son ensemble</a:t>
+            </a:r>
+          </a:p>
+          <a:p>
+            <a:pPr lvl="1"/>
+            <a:r>
+              <a:rPr lang="fr-FR" sz="2000" dirty="0"/>
+              <a:t>Désactivé lors de l’inférence par </a:t>
+            </a:r>
+            <a:r>
+              <a:rPr lang="fr-FR" sz="2000" dirty="0" err="1"/>
+              <a:t>predict</a:t>
+            </a:r>
+            <a:r>
+              <a:rPr lang="fr-FR" sz="2000" dirty="0"/>
+              <a:t> et </a:t>
+            </a:r>
+            <a:r>
+              <a:rPr lang="fr-FR" sz="2000" dirty="0" err="1"/>
+              <a:t>evaluate</a:t>
+            </a:r>
+            <a:endParaRPr lang="fr-FR" sz="2000" dirty="0"/>
+          </a:p>
+          <a:p>
+            <a:endParaRPr lang="fr-FR" sz="2400" dirty="0"/>
+          </a:p>
+          <a:p>
+            <a:endParaRPr lang="fr-FR" sz="2400" dirty="0"/>
+          </a:p>
+          <a:p>
+            <a:endParaRPr lang="fr-FR" sz="2400" dirty="0"/>
+          </a:p>
+          <a:p>
+            <a:endParaRPr lang="fr-FR" sz="2400" dirty="0"/>
+          </a:p>
+          <a:p>
+            <a:endParaRPr lang="fr-FR" sz="2400" dirty="0"/>
+          </a:p>
+          <a:p>
+            <a:r>
+              <a:rPr lang="fr-FR" sz="2000" dirty="0"/>
+              <a:t>Le </a:t>
+            </a:r>
+            <a:r>
+              <a:rPr lang="fr-FR" sz="2000" dirty="0" err="1"/>
               <a:t>DropConnect</a:t>
             </a:r>
             <a:r>
-              <a:rPr lang="fr-FR" sz="2400" dirty="0"/>
+              <a:rPr lang="fr-FR" sz="2000" dirty="0"/>
               <a:t> désactive aléatoirement un input</a:t>
             </a:r>
           </a:p>
           <a:p>
             <a:pPr lvl="1"/>
             <a:r>
-              <a:rPr lang="fr-FR" sz="2000" dirty="0"/>
+              <a:rPr lang="fr-FR" sz="1800" dirty="0"/>
               <a:t>Assez identique au </a:t>
             </a:r>
             <a:r>
-              <a:rPr lang="fr-FR" sz="2000" dirty="0" err="1"/>
+              <a:rPr lang="fr-FR" sz="1800" dirty="0" err="1"/>
               <a:t>DropOut</a:t>
             </a:r>
             <a:r>
-              <a:rPr lang="fr-FR" sz="2000" dirty="0"/>
+              <a:rPr lang="fr-FR" sz="1800" dirty="0"/>
               <a:t> en moins puissant</a:t>
             </a:r>
           </a:p>
           <a:p>
             <a:pPr lvl="1"/>
-            <a:endParaRPr lang="fr-FR" dirty="0"/>
-          </a:p>
-          <a:p>
-            <a:pPr lvl="1"/>
-            <a:endParaRPr lang="fr-FR" dirty="0"/>
-          </a:p>
-          <a:p>
-            <a:pPr lvl="1"/>
-            <a:endParaRPr lang="fr-FR" dirty="0"/>
+            <a:endParaRPr lang="fr-FR" sz="2000" dirty="0"/>
+          </a:p>
+          <a:p>
+            <a:pPr lvl="1"/>
+            <a:endParaRPr lang="fr-FR" sz="2000" dirty="0"/>
+          </a:p>
+          <a:p>
+            <a:pPr lvl="1"/>
+            <a:endParaRPr lang="fr-FR" sz="2000" dirty="0"/>
           </a:p>
         </p:txBody>
       </p:sp>
@@ -9097,7 +9100,7 @@
         </p:blipFill>
         <p:spPr bwMode="auto">
           <a:xfrm>
-            <a:off x="2726333" y="3645024"/>
+            <a:off x="2987824" y="3305648"/>
             <a:ext cx="3672408" cy="2139576"/>
           </a:xfrm>
           <a:prstGeom prst="rect">
@@ -10000,8 +10003,8 @@
         </p:blipFill>
         <p:spPr bwMode="auto">
           <a:xfrm>
-            <a:off x="1691681" y="-242406"/>
-            <a:ext cx="5328592" cy="7100406"/>
+            <a:off x="2267744" y="573875"/>
+            <a:ext cx="3977609" cy="5300206"/>
           </a:xfrm>
           <a:prstGeom prst="rect">
             <a:avLst/>
